--- a/Group_1_Presentation.pptx
+++ b/Group_1_Presentation.pptx
@@ -1,22 +1,22 @@
 
 <file path=ppt/presentation.xml><?xml version="1.0" encoding="utf-8"?>
-<p:presentation xmlns:a="http://schemas.openxmlformats.org/drawingml/2006/main" xmlns:r="http://schemas.openxmlformats.org/officeDocument/2006/relationships" xmlns:mc="http://schemas.openxmlformats.org/markup-compatibility/2006" xmlns:mv="urn:schemas-microsoft-com:mac:vml" xmlns:p="http://schemas.openxmlformats.org/presentationml/2006/main" xmlns:c="http://schemas.openxmlformats.org/drawingml/2006/chart" xmlns:dgm="http://schemas.openxmlformats.org/drawingml/2006/diagram" xmlns:o="urn:schemas-microsoft-com:office:office" xmlns:v="urn:schemas-microsoft-com:vml" xmlns:pvml="urn:schemas-microsoft-com:office:powerpoint" xmlns:com="http://schemas.openxmlformats.org/drawingml/2006/compatibility" xmlns:p14="http://schemas.microsoft.com/office/powerpoint/2010/main" xmlns:p15="http://schemas.microsoft.com/office/powerpoint/2012/main" xmlns:ahyp="http://schemas.microsoft.com/office/drawing/2018/hyperlinkcolor" autoCompressPictures="0" strictFirstAndLastChars="0" saveSubsetFonts="1">
+<p:presentation xmlns:a="http://schemas.openxmlformats.org/drawingml/2006/main" xmlns:r="http://schemas.openxmlformats.org/officeDocument/2006/relationships" xmlns:p="http://schemas.openxmlformats.org/presentationml/2006/main" strictFirstAndLastChars="0" saveSubsetFonts="1" autoCompressPictures="0">
   <p:sldMasterIdLst>
-    <p:sldMasterId id="2147483659" r:id="rId4"/>
+    <p:sldMasterId id="2147483659" r:id="rId1"/>
   </p:sldMasterIdLst>
   <p:notesMasterIdLst>
-    <p:notesMasterId r:id="rId5"/>
+    <p:notesMasterId r:id="rId6"/>
   </p:notesMasterIdLst>
   <p:sldIdLst>
-    <p:sldId id="256" r:id="rId6"/>
-    <p:sldId id="257" r:id="rId7"/>
-    <p:sldId id="258" r:id="rId8"/>
-    <p:sldId id="259" r:id="rId9"/>
+    <p:sldId id="256" r:id="rId2"/>
+    <p:sldId id="257" r:id="rId3"/>
+    <p:sldId id="258" r:id="rId4"/>
+    <p:sldId id="259" r:id="rId5"/>
   </p:sldIdLst>
-  <p:sldSz cy="5143500" cx="9144000"/>
+  <p:sldSz cx="9144000" cy="5143500" type="screen16x9"/>
   <p:notesSz cx="6858000" cy="9144000"/>
   <p:defaultTextStyle>
-    <a:defPPr lvl="0" marR="0" rtl="0" algn="l">
+    <a:defPPr marR="0" lvl="0" algn="l" rtl="0">
       <a:lnSpc>
         <a:spcPct val="100000"/>
       </a:lnSpc>
@@ -27,7 +27,7 @@
         <a:spcPts val="0"/>
       </a:spcAft>
     </a:defPPr>
-    <a:lvl1pPr lvl="0" marR="0" rtl="0" algn="l">
+    <a:lvl1pPr marR="0" lvl="0" algn="l" rtl="0">
       <a:lnSpc>
         <a:spcPct val="100000"/>
       </a:lnSpc>
@@ -41,7 +41,7 @@
         <a:srgbClr val="000000"/>
       </a:buClr>
       <a:buFont typeface="Arial"/>
-      <a:defRPr b="0" i="0" sz="1400" u="none" cap="none" strike="noStrike">
+      <a:defRPr sz="1400" b="0" i="0" u="none" strike="noStrike" cap="none">
         <a:solidFill>
           <a:srgbClr val="000000"/>
         </a:solidFill>
@@ -51,7 +51,7 @@
         <a:sym typeface="Arial"/>
       </a:defRPr>
     </a:lvl1pPr>
-    <a:lvl2pPr lvl="1" marR="0" rtl="0" algn="l">
+    <a:lvl2pPr marR="0" lvl="1" algn="l" rtl="0">
       <a:lnSpc>
         <a:spcPct val="100000"/>
       </a:lnSpc>
@@ -65,7 +65,7 @@
         <a:srgbClr val="000000"/>
       </a:buClr>
       <a:buFont typeface="Arial"/>
-      <a:defRPr b="0" i="0" sz="1400" u="none" cap="none" strike="noStrike">
+      <a:defRPr sz="1400" b="0" i="0" u="none" strike="noStrike" cap="none">
         <a:solidFill>
           <a:srgbClr val="000000"/>
         </a:solidFill>
@@ -75,7 +75,7 @@
         <a:sym typeface="Arial"/>
       </a:defRPr>
     </a:lvl2pPr>
-    <a:lvl3pPr lvl="2" marR="0" rtl="0" algn="l">
+    <a:lvl3pPr marR="0" lvl="2" algn="l" rtl="0">
       <a:lnSpc>
         <a:spcPct val="100000"/>
       </a:lnSpc>
@@ -89,7 +89,7 @@
         <a:srgbClr val="000000"/>
       </a:buClr>
       <a:buFont typeface="Arial"/>
-      <a:defRPr b="0" i="0" sz="1400" u="none" cap="none" strike="noStrike">
+      <a:defRPr sz="1400" b="0" i="0" u="none" strike="noStrike" cap="none">
         <a:solidFill>
           <a:srgbClr val="000000"/>
         </a:solidFill>
@@ -99,7 +99,7 @@
         <a:sym typeface="Arial"/>
       </a:defRPr>
     </a:lvl3pPr>
-    <a:lvl4pPr lvl="3" marR="0" rtl="0" algn="l">
+    <a:lvl4pPr marR="0" lvl="3" algn="l" rtl="0">
       <a:lnSpc>
         <a:spcPct val="100000"/>
       </a:lnSpc>
@@ -113,7 +113,7 @@
         <a:srgbClr val="000000"/>
       </a:buClr>
       <a:buFont typeface="Arial"/>
-      <a:defRPr b="0" i="0" sz="1400" u="none" cap="none" strike="noStrike">
+      <a:defRPr sz="1400" b="0" i="0" u="none" strike="noStrike" cap="none">
         <a:solidFill>
           <a:srgbClr val="000000"/>
         </a:solidFill>
@@ -123,7 +123,7 @@
         <a:sym typeface="Arial"/>
       </a:defRPr>
     </a:lvl4pPr>
-    <a:lvl5pPr lvl="4" marR="0" rtl="0" algn="l">
+    <a:lvl5pPr marR="0" lvl="4" algn="l" rtl="0">
       <a:lnSpc>
         <a:spcPct val="100000"/>
       </a:lnSpc>
@@ -137,7 +137,7 @@
         <a:srgbClr val="000000"/>
       </a:buClr>
       <a:buFont typeface="Arial"/>
-      <a:defRPr b="0" i="0" sz="1400" u="none" cap="none" strike="noStrike">
+      <a:defRPr sz="1400" b="0" i="0" u="none" strike="noStrike" cap="none">
         <a:solidFill>
           <a:srgbClr val="000000"/>
         </a:solidFill>
@@ -147,7 +147,7 @@
         <a:sym typeface="Arial"/>
       </a:defRPr>
     </a:lvl5pPr>
-    <a:lvl6pPr lvl="5" marR="0" rtl="0" algn="l">
+    <a:lvl6pPr marR="0" lvl="5" algn="l" rtl="0">
       <a:lnSpc>
         <a:spcPct val="100000"/>
       </a:lnSpc>
@@ -161,7 +161,7 @@
         <a:srgbClr val="000000"/>
       </a:buClr>
       <a:buFont typeface="Arial"/>
-      <a:defRPr b="0" i="0" sz="1400" u="none" cap="none" strike="noStrike">
+      <a:defRPr sz="1400" b="0" i="0" u="none" strike="noStrike" cap="none">
         <a:solidFill>
           <a:srgbClr val="000000"/>
         </a:solidFill>
@@ -171,7 +171,7 @@
         <a:sym typeface="Arial"/>
       </a:defRPr>
     </a:lvl6pPr>
-    <a:lvl7pPr lvl="6" marR="0" rtl="0" algn="l">
+    <a:lvl7pPr marR="0" lvl="6" algn="l" rtl="0">
       <a:lnSpc>
         <a:spcPct val="100000"/>
       </a:lnSpc>
@@ -185,7 +185,7 @@
         <a:srgbClr val="000000"/>
       </a:buClr>
       <a:buFont typeface="Arial"/>
-      <a:defRPr b="0" i="0" sz="1400" u="none" cap="none" strike="noStrike">
+      <a:defRPr sz="1400" b="0" i="0" u="none" strike="noStrike" cap="none">
         <a:solidFill>
           <a:srgbClr val="000000"/>
         </a:solidFill>
@@ -195,7 +195,7 @@
         <a:sym typeface="Arial"/>
       </a:defRPr>
     </a:lvl7pPr>
-    <a:lvl8pPr lvl="7" marR="0" rtl="0" algn="l">
+    <a:lvl8pPr marR="0" lvl="7" algn="l" rtl="0">
       <a:lnSpc>
         <a:spcPct val="100000"/>
       </a:lnSpc>
@@ -209,7 +209,7 @@
         <a:srgbClr val="000000"/>
       </a:buClr>
       <a:buFont typeface="Arial"/>
-      <a:defRPr b="0" i="0" sz="1400" u="none" cap="none" strike="noStrike">
+      <a:defRPr sz="1400" b="0" i="0" u="none" strike="noStrike" cap="none">
         <a:solidFill>
           <a:srgbClr val="000000"/>
         </a:solidFill>
@@ -219,7 +219,7 @@
         <a:sym typeface="Arial"/>
       </a:defRPr>
     </a:lvl8pPr>
-    <a:lvl9pPr lvl="8" marR="0" rtl="0" algn="l">
+    <a:lvl9pPr marR="0" lvl="8" algn="l" rtl="0">
       <a:lnSpc>
         <a:spcPct val="100000"/>
       </a:lnSpc>
@@ -233,7 +233,7 @@
         <a:srgbClr val="000000"/>
       </a:buClr>
       <a:buFont typeface="Arial"/>
-      <a:defRPr b="0" i="0" sz="1400" u="none" cap="none" strike="noStrike">
+      <a:defRPr sz="1400" b="0" i="0" u="none" strike="noStrike" cap="none">
         <a:solidFill>
           <a:srgbClr val="000000"/>
         </a:solidFill>
@@ -246,7 +246,7 @@
   </p:defaultTextStyle>
   <p:extLst>
     <p:ext uri="{EFAFB233-063F-42B5-8137-9DF3F51BA10A}">
-      <p15:sldGuideLst>
+      <p15:sldGuideLst xmlns:p15="http://schemas.microsoft.com/office/powerpoint/2012/main">
         <p15:guide id="1" orient="horz" pos="1620">
           <p15:clr>
             <a:srgbClr val="A4A3A4"/>
@@ -264,11 +264,16 @@
 </file>
 
 <file path=ppt/notesMasters/notesMaster1.xml><?xml version="1.0" encoding="utf-8"?>
-<p:notesMaster xmlns:a="http://schemas.openxmlformats.org/drawingml/2006/main" xmlns:r="http://schemas.openxmlformats.org/officeDocument/2006/relationships" xmlns:mc="http://schemas.openxmlformats.org/markup-compatibility/2006" xmlns:mv="urn:schemas-microsoft-com:mac:vml" xmlns:p="http://schemas.openxmlformats.org/presentationml/2006/main" xmlns:c="http://schemas.openxmlformats.org/drawingml/2006/chart" xmlns:dgm="http://schemas.openxmlformats.org/drawingml/2006/diagram" xmlns:o="urn:schemas-microsoft-com:office:office" xmlns:v="urn:schemas-microsoft-com:vml" xmlns:pvml="urn:schemas-microsoft-com:office:powerpoint" xmlns:com="http://schemas.openxmlformats.org/drawingml/2006/compatibility" xmlns:p14="http://schemas.microsoft.com/office/powerpoint/2010/main" xmlns:p15="http://schemas.microsoft.com/office/powerpoint/2012/main" xmlns:ahyp="http://schemas.microsoft.com/office/drawing/2018/hyperlinkcolor">
+<p:notesMaster xmlns:a="http://schemas.openxmlformats.org/drawingml/2006/main" xmlns:r="http://schemas.openxmlformats.org/officeDocument/2006/relationships" xmlns:p="http://schemas.openxmlformats.org/presentationml/2006/main">
   <p:cSld>
+    <p:bg>
+      <p:bgRef idx="1001">
+        <a:schemeClr val="bg1"/>
+      </p:bgRef>
+    </p:bg>
     <p:spTree>
       <p:nvGrpSpPr>
-        <p:cNvPr id="2" name="Shape 2"/>
+        <p:cNvPr id="1" name="Shape 2"/>
         <p:cNvGrpSpPr/>
         <p:nvPr/>
       </p:nvGrpSpPr>
@@ -283,9 +288,11 @@
       <p:sp>
         <p:nvSpPr>
           <p:cNvPr id="3" name="Google Shape;3;n"/>
-          <p:cNvSpPr/>
+          <p:cNvSpPr>
+            <a:spLocks noGrp="1" noRot="1" noChangeAspect="1"/>
+          </p:cNvSpPr>
           <p:nvPr>
-            <p:ph idx="2" type="sldImg"/>
+            <p:ph type="sldImg" idx="2"/>
           </p:nvPr>
         </p:nvSpPr>
         <p:spPr>
@@ -294,9 +301,13 @@
             <a:ext cx="6096075" cy="3429000"/>
           </a:xfrm>
           <a:custGeom>
-            <a:rect b="b" l="l" r="r" t="t"/>
+            <a:avLst/>
+            <a:gdLst/>
+            <a:ahLst/>
+            <a:cxnLst/>
+            <a:rect l="l" t="t" r="r" b="b"/>
             <a:pathLst>
-              <a:path extrusionOk="0" h="120000" w="120000">
+              <a:path w="120000" h="120000" extrusionOk="0">
                 <a:moveTo>
                   <a:pt x="0" y="0"/>
                 </a:moveTo>
@@ -314,23 +325,25 @@
             </a:pathLst>
           </a:custGeom>
           <a:noFill/>
-          <a:ln cap="flat" cmpd="sng" w="9525">
+          <a:ln w="9525" cap="flat" cmpd="sng">
             <a:solidFill>
               <a:srgbClr val="000000"/>
             </a:solidFill>
             <a:prstDash val="solid"/>
             <a:round/>
-            <a:headEnd len="sm" w="sm" type="none"/>
-            <a:tailEnd len="sm" w="sm" type="none"/>
+            <a:headEnd type="none" w="sm" len="sm"/>
+            <a:tailEnd type="none" w="sm" len="sm"/>
           </a:ln>
         </p:spPr>
       </p:sp>
       <p:sp>
         <p:nvSpPr>
           <p:cNvPr id="4" name="Google Shape;4;n"/>
-          <p:cNvSpPr txBox="1"/>
+          <p:cNvSpPr txBox="1">
+            <a:spLocks noGrp="1"/>
+          </p:cNvSpPr>
           <p:nvPr>
-            <p:ph idx="1" type="body"/>
+            <p:ph type="body" idx="1"/>
           </p:nvPr>
         </p:nvSpPr>
         <p:spPr>
@@ -347,11 +360,11 @@
           </a:ln>
         </p:spPr>
         <p:txBody>
-          <a:bodyPr anchorCtr="0" anchor="t" bIns="91425" lIns="91425" spcFirstLastPara="1" rIns="91425" wrap="square" tIns="91425">
+          <a:bodyPr spcFirstLastPara="1" wrap="square" lIns="91425" tIns="91425" rIns="91425" bIns="91425" anchor="t" anchorCtr="0">
             <a:noAutofit/>
           </a:bodyPr>
           <a:lstStyle>
-            <a:lvl1pPr indent="-298450" lvl="0" marL="457200">
+            <a:lvl1pPr marL="457200" lvl="0" indent="-298450">
               <a:spcBef>
                 <a:spcPts val="0"/>
               </a:spcBef>
@@ -362,7 +375,7 @@
               <a:buChar char="●"/>
               <a:defRPr sz="1100"/>
             </a:lvl1pPr>
-            <a:lvl2pPr indent="-298450" lvl="1" marL="914400">
+            <a:lvl2pPr marL="914400" lvl="1" indent="-298450">
               <a:spcBef>
                 <a:spcPts val="0"/>
               </a:spcBef>
@@ -373,7 +386,7 @@
               <a:buChar char="○"/>
               <a:defRPr sz="1100"/>
             </a:lvl2pPr>
-            <a:lvl3pPr indent="-298450" lvl="2" marL="1371600">
+            <a:lvl3pPr marL="1371600" lvl="2" indent="-298450">
               <a:spcBef>
                 <a:spcPts val="0"/>
               </a:spcBef>
@@ -384,7 +397,7 @@
               <a:buChar char="■"/>
               <a:defRPr sz="1100"/>
             </a:lvl3pPr>
-            <a:lvl4pPr indent="-298450" lvl="3" marL="1828800">
+            <a:lvl4pPr marL="1828800" lvl="3" indent="-298450">
               <a:spcBef>
                 <a:spcPts val="0"/>
               </a:spcBef>
@@ -395,7 +408,7 @@
               <a:buChar char="●"/>
               <a:defRPr sz="1100"/>
             </a:lvl4pPr>
-            <a:lvl5pPr indent="-298450" lvl="4" marL="2286000">
+            <a:lvl5pPr marL="2286000" lvl="4" indent="-298450">
               <a:spcBef>
                 <a:spcPts val="0"/>
               </a:spcBef>
@@ -406,7 +419,7 @@
               <a:buChar char="○"/>
               <a:defRPr sz="1100"/>
             </a:lvl5pPr>
-            <a:lvl6pPr indent="-298450" lvl="5" marL="2743200">
+            <a:lvl6pPr marL="2743200" lvl="5" indent="-298450">
               <a:spcBef>
                 <a:spcPts val="0"/>
               </a:spcBef>
@@ -417,7 +430,7 @@
               <a:buChar char="■"/>
               <a:defRPr sz="1100"/>
             </a:lvl6pPr>
-            <a:lvl7pPr indent="-298450" lvl="6" marL="3200400">
+            <a:lvl7pPr marL="3200400" lvl="6" indent="-298450">
               <a:spcBef>
                 <a:spcPts val="0"/>
               </a:spcBef>
@@ -428,7 +441,7 @@
               <a:buChar char="●"/>
               <a:defRPr sz="1100"/>
             </a:lvl7pPr>
-            <a:lvl8pPr indent="-298450" lvl="7" marL="3657600">
+            <a:lvl8pPr marL="3657600" lvl="7" indent="-298450">
               <a:spcBef>
                 <a:spcPts val="0"/>
               </a:spcBef>
@@ -439,7 +452,7 @@
               <a:buChar char="○"/>
               <a:defRPr sz="1100"/>
             </a:lvl8pPr>
-            <a:lvl9pPr indent="-298450" lvl="8" marL="4114800">
+            <a:lvl9pPr marL="4114800" lvl="8" indent="-298450">
               <a:spcBef>
                 <a:spcPts val="0"/>
               </a:spcBef>
@@ -451,14 +464,16 @@
               <a:defRPr sz="1100"/>
             </a:lvl9pPr>
           </a:lstStyle>
-          <a:p/>
+          <a:p>
+            <a:endParaRPr/>
+          </a:p>
         </p:txBody>
       </p:sp>
     </p:spTree>
   </p:cSld>
-  <p:clrMap accent1="accent1" accent2="accent2" accent3="accent3" accent4="accent4" accent5="accent5" accent6="accent6" bg1="lt1" bg2="dk2" tx1="dk1" tx2="lt2" folHlink="folHlink" hlink="hlink"/>
+  <p:clrMap bg1="lt1" tx1="dk1" bg2="dk2" tx2="lt2" accent1="accent1" accent2="accent2" accent3="accent3" accent4="accent4" accent5="accent5" accent6="accent6" hlink="hlink" folHlink="folHlink"/>
   <p:notesStyle>
-    <a:defPPr lvl="0" marR="0" rtl="0" algn="l">
+    <a:defPPr marR="0" lvl="0" algn="l" rtl="0">
       <a:lnSpc>
         <a:spcPct val="100000"/>
       </a:lnSpc>
@@ -469,7 +484,7 @@
         <a:spcPts val="0"/>
       </a:spcAft>
     </a:defPPr>
-    <a:lvl1pPr lvl="0" marR="0" rtl="0" algn="l">
+    <a:lvl1pPr marR="0" lvl="0" algn="l" rtl="0">
       <a:lnSpc>
         <a:spcPct val="100000"/>
       </a:lnSpc>
@@ -483,7 +498,7 @@
         <a:srgbClr val="000000"/>
       </a:buClr>
       <a:buFont typeface="Arial"/>
-      <a:defRPr b="0" i="0" sz="1400" u="none" cap="none" strike="noStrike">
+      <a:defRPr sz="1400" b="0" i="0" u="none" strike="noStrike" cap="none">
         <a:solidFill>
           <a:srgbClr val="000000"/>
         </a:solidFill>
@@ -493,7 +508,7 @@
         <a:sym typeface="Arial"/>
       </a:defRPr>
     </a:lvl1pPr>
-    <a:lvl2pPr lvl="1" marR="0" rtl="0" algn="l">
+    <a:lvl2pPr marR="0" lvl="1" algn="l" rtl="0">
       <a:lnSpc>
         <a:spcPct val="100000"/>
       </a:lnSpc>
@@ -507,7 +522,7 @@
         <a:srgbClr val="000000"/>
       </a:buClr>
       <a:buFont typeface="Arial"/>
-      <a:defRPr b="0" i="0" sz="1400" u="none" cap="none" strike="noStrike">
+      <a:defRPr sz="1400" b="0" i="0" u="none" strike="noStrike" cap="none">
         <a:solidFill>
           <a:srgbClr val="000000"/>
         </a:solidFill>
@@ -517,7 +532,7 @@
         <a:sym typeface="Arial"/>
       </a:defRPr>
     </a:lvl2pPr>
-    <a:lvl3pPr lvl="2" marR="0" rtl="0" algn="l">
+    <a:lvl3pPr marR="0" lvl="2" algn="l" rtl="0">
       <a:lnSpc>
         <a:spcPct val="100000"/>
       </a:lnSpc>
@@ -531,7 +546,7 @@
         <a:srgbClr val="000000"/>
       </a:buClr>
       <a:buFont typeface="Arial"/>
-      <a:defRPr b="0" i="0" sz="1400" u="none" cap="none" strike="noStrike">
+      <a:defRPr sz="1400" b="0" i="0" u="none" strike="noStrike" cap="none">
         <a:solidFill>
           <a:srgbClr val="000000"/>
         </a:solidFill>
@@ -541,7 +556,7 @@
         <a:sym typeface="Arial"/>
       </a:defRPr>
     </a:lvl3pPr>
-    <a:lvl4pPr lvl="3" marR="0" rtl="0" algn="l">
+    <a:lvl4pPr marR="0" lvl="3" algn="l" rtl="0">
       <a:lnSpc>
         <a:spcPct val="100000"/>
       </a:lnSpc>
@@ -555,7 +570,7 @@
         <a:srgbClr val="000000"/>
       </a:buClr>
       <a:buFont typeface="Arial"/>
-      <a:defRPr b="0" i="0" sz="1400" u="none" cap="none" strike="noStrike">
+      <a:defRPr sz="1400" b="0" i="0" u="none" strike="noStrike" cap="none">
         <a:solidFill>
           <a:srgbClr val="000000"/>
         </a:solidFill>
@@ -565,7 +580,7 @@
         <a:sym typeface="Arial"/>
       </a:defRPr>
     </a:lvl4pPr>
-    <a:lvl5pPr lvl="4" marR="0" rtl="0" algn="l">
+    <a:lvl5pPr marR="0" lvl="4" algn="l" rtl="0">
       <a:lnSpc>
         <a:spcPct val="100000"/>
       </a:lnSpc>
@@ -579,7 +594,7 @@
         <a:srgbClr val="000000"/>
       </a:buClr>
       <a:buFont typeface="Arial"/>
-      <a:defRPr b="0" i="0" sz="1400" u="none" cap="none" strike="noStrike">
+      <a:defRPr sz="1400" b="0" i="0" u="none" strike="noStrike" cap="none">
         <a:solidFill>
           <a:srgbClr val="000000"/>
         </a:solidFill>
@@ -589,7 +604,7 @@
         <a:sym typeface="Arial"/>
       </a:defRPr>
     </a:lvl5pPr>
-    <a:lvl6pPr lvl="5" marR="0" rtl="0" algn="l">
+    <a:lvl6pPr marR="0" lvl="5" algn="l" rtl="0">
       <a:lnSpc>
         <a:spcPct val="100000"/>
       </a:lnSpc>
@@ -603,7 +618,7 @@
         <a:srgbClr val="000000"/>
       </a:buClr>
       <a:buFont typeface="Arial"/>
-      <a:defRPr b="0" i="0" sz="1400" u="none" cap="none" strike="noStrike">
+      <a:defRPr sz="1400" b="0" i="0" u="none" strike="noStrike" cap="none">
         <a:solidFill>
           <a:srgbClr val="000000"/>
         </a:solidFill>
@@ -613,7 +628,7 @@
         <a:sym typeface="Arial"/>
       </a:defRPr>
     </a:lvl6pPr>
-    <a:lvl7pPr lvl="6" marR="0" rtl="0" algn="l">
+    <a:lvl7pPr marR="0" lvl="6" algn="l" rtl="0">
       <a:lnSpc>
         <a:spcPct val="100000"/>
       </a:lnSpc>
@@ -627,7 +642,7 @@
         <a:srgbClr val="000000"/>
       </a:buClr>
       <a:buFont typeface="Arial"/>
-      <a:defRPr b="0" i="0" sz="1400" u="none" cap="none" strike="noStrike">
+      <a:defRPr sz="1400" b="0" i="0" u="none" strike="noStrike" cap="none">
         <a:solidFill>
           <a:srgbClr val="000000"/>
         </a:solidFill>
@@ -637,7 +652,7 @@
         <a:sym typeface="Arial"/>
       </a:defRPr>
     </a:lvl7pPr>
-    <a:lvl8pPr lvl="7" marR="0" rtl="0" algn="l">
+    <a:lvl8pPr marR="0" lvl="7" algn="l" rtl="0">
       <a:lnSpc>
         <a:spcPct val="100000"/>
       </a:lnSpc>
@@ -651,7 +666,7 @@
         <a:srgbClr val="000000"/>
       </a:buClr>
       <a:buFont typeface="Arial"/>
-      <a:defRPr b="0" i="0" sz="1400" u="none" cap="none" strike="noStrike">
+      <a:defRPr sz="1400" b="0" i="0" u="none" strike="noStrike" cap="none">
         <a:solidFill>
           <a:srgbClr val="000000"/>
         </a:solidFill>
@@ -661,7 +676,7 @@
         <a:sym typeface="Arial"/>
       </a:defRPr>
     </a:lvl8pPr>
-    <a:lvl9pPr lvl="8" marR="0" rtl="0" algn="l">
+    <a:lvl9pPr marR="0" lvl="8" algn="l" rtl="0">
       <a:lnSpc>
         <a:spcPct val="100000"/>
       </a:lnSpc>
@@ -675,7 +690,7 @@
         <a:srgbClr val="000000"/>
       </a:buClr>
       <a:buFont typeface="Arial"/>
-      <a:defRPr b="0" i="0" sz="1400" u="none" cap="none" strike="noStrike">
+      <a:defRPr sz="1400" b="0" i="0" u="none" strike="noStrike" cap="none">
         <a:solidFill>
           <a:srgbClr val="000000"/>
         </a:solidFill>
@@ -690,11 +705,11 @@
 </file>
 
 <file path=ppt/notesSlides/notesSlide1.xml><?xml version="1.0" encoding="utf-8"?>
-<p:notes xmlns:a="http://schemas.openxmlformats.org/drawingml/2006/main" xmlns:r="http://schemas.openxmlformats.org/officeDocument/2006/relationships" xmlns:mc="http://schemas.openxmlformats.org/markup-compatibility/2006" xmlns:mv="urn:schemas-microsoft-com:mac:vml" xmlns:p="http://schemas.openxmlformats.org/presentationml/2006/main" xmlns:c="http://schemas.openxmlformats.org/drawingml/2006/chart" xmlns:dgm="http://schemas.openxmlformats.org/drawingml/2006/diagram" xmlns:o="urn:schemas-microsoft-com:office:office" xmlns:v="urn:schemas-microsoft-com:vml" xmlns:pvml="urn:schemas-microsoft-com:office:powerpoint" xmlns:com="http://schemas.openxmlformats.org/drawingml/2006/compatibility" xmlns:p14="http://schemas.microsoft.com/office/powerpoint/2010/main" xmlns:p15="http://schemas.microsoft.com/office/powerpoint/2012/main" xmlns:ahyp="http://schemas.microsoft.com/office/drawing/2018/hyperlinkcolor" showMasterPhAnim="0" showMasterSp="0">
+<p:notes xmlns:a="http://schemas.openxmlformats.org/drawingml/2006/main" xmlns:r="http://schemas.openxmlformats.org/officeDocument/2006/relationships" xmlns:p="http://schemas.openxmlformats.org/presentationml/2006/main" showMasterSp="0" showMasterPhAnim="0">
   <p:cSld>
     <p:spTree>
       <p:nvGrpSpPr>
-        <p:cNvPr id="50" name="Shape 50"/>
+        <p:cNvPr id="1" name="Shape 50"/>
         <p:cNvGrpSpPr/>
         <p:nvPr/>
       </p:nvGrpSpPr>
@@ -709,20 +724,26 @@
       <p:sp>
         <p:nvSpPr>
           <p:cNvPr id="51" name="Google Shape;51;p:notes"/>
-          <p:cNvSpPr/>
+          <p:cNvSpPr>
+            <a:spLocks noGrp="1" noRot="1" noChangeAspect="1"/>
+          </p:cNvSpPr>
           <p:nvPr>
-            <p:ph idx="2" type="sldImg"/>
+            <p:ph type="sldImg" idx="2"/>
           </p:nvPr>
         </p:nvSpPr>
         <p:spPr>
           <a:xfrm>
-            <a:off x="381300" y="685800"/>
-            <a:ext cx="6096075" cy="3429000"/>
+            <a:off x="381000" y="685800"/>
+            <a:ext cx="6096000" cy="3429000"/>
           </a:xfrm>
           <a:custGeom>
-            <a:rect b="b" l="l" r="r" t="t"/>
+            <a:avLst/>
+            <a:gdLst/>
+            <a:ahLst/>
+            <a:cxnLst/>
+            <a:rect l="l" t="t" r="r" b="b"/>
             <a:pathLst>
-              <a:path extrusionOk="0" h="120000" w="120000">
+              <a:path w="120000" h="120000" extrusionOk="0">
                 <a:moveTo>
                   <a:pt x="0" y="0"/>
                 </a:moveTo>
@@ -744,9 +765,11 @@
       <p:sp>
         <p:nvSpPr>
           <p:cNvPr id="52" name="Google Shape;52;p:notes"/>
-          <p:cNvSpPr txBox="1"/>
+          <p:cNvSpPr txBox="1">
+            <a:spLocks noGrp="1"/>
+          </p:cNvSpPr>
           <p:nvPr>
-            <p:ph idx="1" type="body"/>
+            <p:ph type="body" idx="1"/>
           </p:nvPr>
         </p:nvSpPr>
         <p:spPr>
@@ -759,12 +782,12 @@
           </a:prstGeom>
         </p:spPr>
         <p:txBody>
-          <a:bodyPr anchorCtr="0" anchor="t" bIns="91425" lIns="91425" spcFirstLastPara="1" rIns="91425" wrap="square" tIns="91425">
+          <a:bodyPr spcFirstLastPara="1" wrap="square" lIns="91425" tIns="91425" rIns="91425" bIns="91425" anchor="t" anchorCtr="0">
             <a:noAutofit/>
           </a:bodyPr>
           <a:lstStyle/>
           <a:p>
-            <a:pPr indent="0" lvl="0" marL="0" rtl="0" algn="l">
+            <a:pPr marL="0" lvl="0" indent="0" algn="l" rtl="0">
               <a:spcBef>
                 <a:spcPts val="0"/>
               </a:spcBef>
@@ -773,9 +796,6 @@
               </a:spcAft>
               <a:buNone/>
             </a:pPr>
-            <a:r>
-              <a:t/>
-            </a:r>
             <a:endParaRPr/>
           </a:p>
         </p:txBody>
@@ -789,11 +809,11 @@
 </file>
 
 <file path=ppt/notesSlides/notesSlide2.xml><?xml version="1.0" encoding="utf-8"?>
-<p:notes xmlns:a="http://schemas.openxmlformats.org/drawingml/2006/main" xmlns:r="http://schemas.openxmlformats.org/officeDocument/2006/relationships" xmlns:mc="http://schemas.openxmlformats.org/markup-compatibility/2006" xmlns:mv="urn:schemas-microsoft-com:mac:vml" xmlns:p="http://schemas.openxmlformats.org/presentationml/2006/main" xmlns:c="http://schemas.openxmlformats.org/drawingml/2006/chart" xmlns:dgm="http://schemas.openxmlformats.org/drawingml/2006/diagram" xmlns:o="urn:schemas-microsoft-com:office:office" xmlns:v="urn:schemas-microsoft-com:vml" xmlns:pvml="urn:schemas-microsoft-com:office:powerpoint" xmlns:com="http://schemas.openxmlformats.org/drawingml/2006/compatibility" xmlns:p14="http://schemas.microsoft.com/office/powerpoint/2010/main" xmlns:p15="http://schemas.microsoft.com/office/powerpoint/2012/main" xmlns:ahyp="http://schemas.microsoft.com/office/drawing/2018/hyperlinkcolor" showMasterPhAnim="0" showMasterSp="0">
+<p:notes xmlns:a="http://schemas.openxmlformats.org/drawingml/2006/main" xmlns:r="http://schemas.openxmlformats.org/officeDocument/2006/relationships" xmlns:p="http://schemas.openxmlformats.org/presentationml/2006/main" showMasterSp="0" showMasterPhAnim="0">
   <p:cSld>
     <p:spTree>
       <p:nvGrpSpPr>
-        <p:cNvPr id="56" name="Shape 56"/>
+        <p:cNvPr id="1" name="Shape 56"/>
         <p:cNvGrpSpPr/>
         <p:nvPr/>
       </p:nvGrpSpPr>
@@ -808,9 +828,11 @@
       <p:sp>
         <p:nvSpPr>
           <p:cNvPr id="57" name="Google Shape;57;g12ae9406bcc_2_0:notes"/>
-          <p:cNvSpPr/>
+          <p:cNvSpPr>
+            <a:spLocks noGrp="1" noRot="1" noChangeAspect="1"/>
+          </p:cNvSpPr>
           <p:nvPr>
-            <p:ph idx="2" type="sldImg"/>
+            <p:ph type="sldImg" idx="2"/>
           </p:nvPr>
         </p:nvSpPr>
         <p:spPr>
@@ -819,9 +841,13 @@
             <a:ext cx="6096000" cy="3429000"/>
           </a:xfrm>
           <a:custGeom>
-            <a:rect b="b" l="l" r="r" t="t"/>
+            <a:avLst/>
+            <a:gdLst/>
+            <a:ahLst/>
+            <a:cxnLst/>
+            <a:rect l="l" t="t" r="r" b="b"/>
             <a:pathLst>
-              <a:path extrusionOk="0" h="120000" w="120000">
+              <a:path w="120000" h="120000" extrusionOk="0">
                 <a:moveTo>
                   <a:pt x="0" y="0"/>
                 </a:moveTo>
@@ -843,9 +869,11 @@
       <p:sp>
         <p:nvSpPr>
           <p:cNvPr id="58" name="Google Shape;58;g12ae9406bcc_2_0:notes"/>
-          <p:cNvSpPr txBox="1"/>
+          <p:cNvSpPr txBox="1">
+            <a:spLocks noGrp="1"/>
+          </p:cNvSpPr>
           <p:nvPr>
-            <p:ph idx="1" type="body"/>
+            <p:ph type="body" idx="1"/>
           </p:nvPr>
         </p:nvSpPr>
         <p:spPr>
@@ -858,12 +886,12 @@
           </a:prstGeom>
         </p:spPr>
         <p:txBody>
-          <a:bodyPr anchorCtr="0" anchor="t" bIns="91425" lIns="91425" spcFirstLastPara="1" rIns="91425" wrap="square" tIns="91425">
+          <a:bodyPr spcFirstLastPara="1" wrap="square" lIns="91425" tIns="91425" rIns="91425" bIns="91425" anchor="t" anchorCtr="0">
             <a:noAutofit/>
           </a:bodyPr>
           <a:lstStyle/>
           <a:p>
-            <a:pPr indent="0" lvl="0" marL="0" rtl="0" algn="l">
+            <a:pPr marL="0" lvl="0" indent="0" algn="l" rtl="0">
               <a:spcBef>
                 <a:spcPts val="0"/>
               </a:spcBef>
@@ -872,9 +900,6 @@
               </a:spcAft>
               <a:buNone/>
             </a:pPr>
-            <a:r>
-              <a:t/>
-            </a:r>
             <a:endParaRPr/>
           </a:p>
         </p:txBody>
@@ -888,11 +913,11 @@
 </file>
 
 <file path=ppt/notesSlides/notesSlide3.xml><?xml version="1.0" encoding="utf-8"?>
-<p:notes xmlns:a="http://schemas.openxmlformats.org/drawingml/2006/main" xmlns:r="http://schemas.openxmlformats.org/officeDocument/2006/relationships" xmlns:mc="http://schemas.openxmlformats.org/markup-compatibility/2006" xmlns:mv="urn:schemas-microsoft-com:mac:vml" xmlns:p="http://schemas.openxmlformats.org/presentationml/2006/main" xmlns:c="http://schemas.openxmlformats.org/drawingml/2006/chart" xmlns:dgm="http://schemas.openxmlformats.org/drawingml/2006/diagram" xmlns:o="urn:schemas-microsoft-com:office:office" xmlns:v="urn:schemas-microsoft-com:vml" xmlns:pvml="urn:schemas-microsoft-com:office:powerpoint" xmlns:com="http://schemas.openxmlformats.org/drawingml/2006/compatibility" xmlns:p14="http://schemas.microsoft.com/office/powerpoint/2010/main" xmlns:p15="http://schemas.microsoft.com/office/powerpoint/2012/main" xmlns:ahyp="http://schemas.microsoft.com/office/drawing/2018/hyperlinkcolor" showMasterPhAnim="0" showMasterSp="0">
+<p:notes xmlns:a="http://schemas.openxmlformats.org/drawingml/2006/main" xmlns:r="http://schemas.openxmlformats.org/officeDocument/2006/relationships" xmlns:p="http://schemas.openxmlformats.org/presentationml/2006/main" showMasterSp="0" showMasterPhAnim="0">
   <p:cSld>
     <p:spTree>
       <p:nvGrpSpPr>
-        <p:cNvPr id="62" name="Shape 62"/>
+        <p:cNvPr id="1" name="Shape 62"/>
         <p:cNvGrpSpPr/>
         <p:nvPr/>
       </p:nvGrpSpPr>
@@ -907,9 +932,11 @@
       <p:sp>
         <p:nvSpPr>
           <p:cNvPr id="63" name="Google Shape;63;g12ae9406bcc_2_10:notes"/>
-          <p:cNvSpPr/>
+          <p:cNvSpPr>
+            <a:spLocks noGrp="1" noRot="1" noChangeAspect="1"/>
+          </p:cNvSpPr>
           <p:nvPr>
-            <p:ph idx="2" type="sldImg"/>
+            <p:ph type="sldImg" idx="2"/>
           </p:nvPr>
         </p:nvSpPr>
         <p:spPr>
@@ -918,9 +945,13 @@
             <a:ext cx="6096000" cy="3429000"/>
           </a:xfrm>
           <a:custGeom>
-            <a:rect b="b" l="l" r="r" t="t"/>
+            <a:avLst/>
+            <a:gdLst/>
+            <a:ahLst/>
+            <a:cxnLst/>
+            <a:rect l="l" t="t" r="r" b="b"/>
             <a:pathLst>
-              <a:path extrusionOk="0" h="120000" w="120000">
+              <a:path w="120000" h="120000" extrusionOk="0">
                 <a:moveTo>
                   <a:pt x="0" y="0"/>
                 </a:moveTo>
@@ -942,9 +973,11 @@
       <p:sp>
         <p:nvSpPr>
           <p:cNvPr id="64" name="Google Shape;64;g12ae9406bcc_2_10:notes"/>
-          <p:cNvSpPr txBox="1"/>
+          <p:cNvSpPr txBox="1">
+            <a:spLocks noGrp="1"/>
+          </p:cNvSpPr>
           <p:nvPr>
-            <p:ph idx="1" type="body"/>
+            <p:ph type="body" idx="1"/>
           </p:nvPr>
         </p:nvSpPr>
         <p:spPr>
@@ -957,12 +990,12 @@
           </a:prstGeom>
         </p:spPr>
         <p:txBody>
-          <a:bodyPr anchorCtr="0" anchor="t" bIns="91425" lIns="91425" spcFirstLastPara="1" rIns="91425" wrap="square" tIns="91425">
+          <a:bodyPr spcFirstLastPara="1" wrap="square" lIns="91425" tIns="91425" rIns="91425" bIns="91425" anchor="t" anchorCtr="0">
             <a:noAutofit/>
           </a:bodyPr>
           <a:lstStyle/>
           <a:p>
-            <a:pPr indent="0" lvl="0" marL="0" rtl="0" algn="l">
+            <a:pPr marL="0" lvl="0" indent="0" algn="l" rtl="0">
               <a:spcBef>
                 <a:spcPts val="0"/>
               </a:spcBef>
@@ -971,9 +1004,6 @@
               </a:spcAft>
               <a:buNone/>
             </a:pPr>
-            <a:r>
-              <a:t/>
-            </a:r>
             <a:endParaRPr/>
           </a:p>
         </p:txBody>
@@ -987,11 +1017,11 @@
 </file>
 
 <file path=ppt/notesSlides/notesSlide4.xml><?xml version="1.0" encoding="utf-8"?>
-<p:notes xmlns:a="http://schemas.openxmlformats.org/drawingml/2006/main" xmlns:r="http://schemas.openxmlformats.org/officeDocument/2006/relationships" xmlns:mc="http://schemas.openxmlformats.org/markup-compatibility/2006" xmlns:mv="urn:schemas-microsoft-com:mac:vml" xmlns:p="http://schemas.openxmlformats.org/presentationml/2006/main" xmlns:c="http://schemas.openxmlformats.org/drawingml/2006/chart" xmlns:dgm="http://schemas.openxmlformats.org/drawingml/2006/diagram" xmlns:o="urn:schemas-microsoft-com:office:office" xmlns:v="urn:schemas-microsoft-com:vml" xmlns:pvml="urn:schemas-microsoft-com:office:powerpoint" xmlns:com="http://schemas.openxmlformats.org/drawingml/2006/compatibility" xmlns:p14="http://schemas.microsoft.com/office/powerpoint/2010/main" xmlns:p15="http://schemas.microsoft.com/office/powerpoint/2012/main" xmlns:ahyp="http://schemas.microsoft.com/office/drawing/2018/hyperlinkcolor" showMasterPhAnim="0" showMasterSp="0">
+<p:notes xmlns:a="http://schemas.openxmlformats.org/drawingml/2006/main" xmlns:r="http://schemas.openxmlformats.org/officeDocument/2006/relationships" xmlns:p="http://schemas.openxmlformats.org/presentationml/2006/main" showMasterSp="0" showMasterPhAnim="0">
   <p:cSld>
     <p:spTree>
       <p:nvGrpSpPr>
-        <p:cNvPr id="68" name="Shape 68"/>
+        <p:cNvPr id="1" name="Shape 68"/>
         <p:cNvGrpSpPr/>
         <p:nvPr/>
       </p:nvGrpSpPr>
@@ -1006,9 +1036,11 @@
       <p:sp>
         <p:nvSpPr>
           <p:cNvPr id="69" name="Google Shape;69;g12ae9406bcc_2_5:notes"/>
-          <p:cNvSpPr/>
+          <p:cNvSpPr>
+            <a:spLocks noGrp="1" noRot="1" noChangeAspect="1"/>
+          </p:cNvSpPr>
           <p:nvPr>
-            <p:ph idx="2" type="sldImg"/>
+            <p:ph type="sldImg" idx="2"/>
           </p:nvPr>
         </p:nvSpPr>
         <p:spPr>
@@ -1017,9 +1049,13 @@
             <a:ext cx="6096000" cy="3429000"/>
           </a:xfrm>
           <a:custGeom>
-            <a:rect b="b" l="l" r="r" t="t"/>
+            <a:avLst/>
+            <a:gdLst/>
+            <a:ahLst/>
+            <a:cxnLst/>
+            <a:rect l="l" t="t" r="r" b="b"/>
             <a:pathLst>
-              <a:path extrusionOk="0" h="120000" w="120000">
+              <a:path w="120000" h="120000" extrusionOk="0">
                 <a:moveTo>
                   <a:pt x="0" y="0"/>
                 </a:moveTo>
@@ -1041,9 +1077,11 @@
       <p:sp>
         <p:nvSpPr>
           <p:cNvPr id="70" name="Google Shape;70;g12ae9406bcc_2_5:notes"/>
-          <p:cNvSpPr txBox="1"/>
+          <p:cNvSpPr txBox="1">
+            <a:spLocks noGrp="1"/>
+          </p:cNvSpPr>
           <p:nvPr>
-            <p:ph idx="1" type="body"/>
+            <p:ph type="body" idx="1"/>
           </p:nvPr>
         </p:nvSpPr>
         <p:spPr>
@@ -1056,12 +1094,12 @@
           </a:prstGeom>
         </p:spPr>
         <p:txBody>
-          <a:bodyPr anchorCtr="0" anchor="t" bIns="91425" lIns="91425" spcFirstLastPara="1" rIns="91425" wrap="square" tIns="91425">
+          <a:bodyPr spcFirstLastPara="1" wrap="square" lIns="91425" tIns="91425" rIns="91425" bIns="91425" anchor="t" anchorCtr="0">
             <a:noAutofit/>
           </a:bodyPr>
           <a:lstStyle/>
           <a:p>
-            <a:pPr indent="0" lvl="0" marL="0" rtl="0" algn="l">
+            <a:pPr marL="0" lvl="0" indent="0" algn="l" rtl="0">
               <a:spcBef>
                 <a:spcPts val="0"/>
               </a:spcBef>
@@ -1070,9 +1108,6 @@
               </a:spcAft>
               <a:buNone/>
             </a:pPr>
-            <a:r>
-              <a:t/>
-            </a:r>
             <a:endParaRPr/>
           </a:p>
         </p:txBody>
@@ -1086,11 +1121,11 @@
 </file>
 
 <file path=ppt/slideLayouts/slideLayout1.xml><?xml version="1.0" encoding="utf-8"?>
-<p:sldLayout xmlns:a="http://schemas.openxmlformats.org/drawingml/2006/main" xmlns:r="http://schemas.openxmlformats.org/officeDocument/2006/relationships" xmlns:mc="http://schemas.openxmlformats.org/markup-compatibility/2006" xmlns:mv="urn:schemas-microsoft-com:mac:vml" xmlns:p="http://schemas.openxmlformats.org/presentationml/2006/main" xmlns:c="http://schemas.openxmlformats.org/drawingml/2006/chart" xmlns:dgm="http://schemas.openxmlformats.org/drawingml/2006/diagram" xmlns:o="urn:schemas-microsoft-com:office:office" xmlns:v="urn:schemas-microsoft-com:vml" xmlns:pvml="urn:schemas-microsoft-com:office:powerpoint" xmlns:com="http://schemas.openxmlformats.org/drawingml/2006/compatibility" xmlns:p14="http://schemas.microsoft.com/office/powerpoint/2010/main" xmlns:p15="http://schemas.microsoft.com/office/powerpoint/2012/main" xmlns:ahyp="http://schemas.microsoft.com/office/drawing/2018/hyperlinkcolor" matchingName="Title slide" type="title">
+<p:sldLayout xmlns:a="http://schemas.openxmlformats.org/drawingml/2006/main" xmlns:r="http://schemas.openxmlformats.org/officeDocument/2006/relationships" xmlns:p="http://schemas.openxmlformats.org/presentationml/2006/main" matchingName="Title slide" type="title">
   <p:cSld name="TITLE">
     <p:spTree>
       <p:nvGrpSpPr>
-        <p:cNvPr id="9" name="Shape 9"/>
+        <p:cNvPr id="1" name="Shape 9"/>
         <p:cNvGrpSpPr/>
         <p:nvPr/>
       </p:nvGrpSpPr>
@@ -1105,7 +1140,9 @@
       <p:sp>
         <p:nvSpPr>
           <p:cNvPr id="10" name="Google Shape;10;p2"/>
-          <p:cNvSpPr txBox="1"/>
+          <p:cNvSpPr txBox="1">
+            <a:spLocks noGrp="1"/>
+          </p:cNvSpPr>
           <p:nvPr>
             <p:ph type="ctrTitle"/>
           </p:nvPr>
@@ -1120,7 +1157,7 @@
           </a:prstGeom>
         </p:spPr>
         <p:txBody>
-          <a:bodyPr anchorCtr="0" anchor="b" bIns="91425" lIns="91425" spcFirstLastPara="1" rIns="91425" wrap="square" tIns="91425">
+          <a:bodyPr spcFirstLastPara="1" wrap="square" lIns="91425" tIns="91425" rIns="91425" bIns="91425" anchor="b" anchorCtr="0">
             <a:normAutofit/>
           </a:bodyPr>
           <a:lstStyle>
@@ -1224,15 +1261,19 @@
               <a:defRPr sz="5200"/>
             </a:lvl9pPr>
           </a:lstStyle>
-          <a:p/>
+          <a:p>
+            <a:endParaRPr/>
+          </a:p>
         </p:txBody>
       </p:sp>
       <p:sp>
         <p:nvSpPr>
           <p:cNvPr id="11" name="Google Shape;11;p2"/>
-          <p:cNvSpPr txBox="1"/>
+          <p:cNvSpPr txBox="1">
+            <a:spLocks noGrp="1"/>
+          </p:cNvSpPr>
           <p:nvPr>
-            <p:ph idx="1" type="subTitle"/>
+            <p:ph type="subTitle" idx="1"/>
           </p:nvPr>
         </p:nvSpPr>
         <p:spPr>
@@ -1245,7 +1286,7 @@
           </a:prstGeom>
         </p:spPr>
         <p:txBody>
-          <a:bodyPr anchorCtr="0" anchor="t" bIns="91425" lIns="91425" spcFirstLastPara="1" rIns="91425" wrap="square" tIns="91425">
+          <a:bodyPr spcFirstLastPara="1" wrap="square" lIns="91425" tIns="91425" rIns="91425" bIns="91425" anchor="t" anchorCtr="0">
             <a:normAutofit/>
           </a:bodyPr>
           <a:lstStyle>
@@ -1376,15 +1417,19 @@
               <a:defRPr sz="2800"/>
             </a:lvl9pPr>
           </a:lstStyle>
-          <a:p/>
+          <a:p>
+            <a:endParaRPr/>
+          </a:p>
         </p:txBody>
       </p:sp>
       <p:sp>
         <p:nvSpPr>
           <p:cNvPr id="12" name="Google Shape;12;p2"/>
-          <p:cNvSpPr txBox="1"/>
+          <p:cNvSpPr txBox="1">
+            <a:spLocks noGrp="1"/>
+          </p:cNvSpPr>
           <p:nvPr>
-            <p:ph idx="12" type="sldNum"/>
+            <p:ph type="sldNum" idx="12"/>
           </p:nvPr>
         </p:nvSpPr>
         <p:spPr>
@@ -1397,7 +1442,7 @@
           </a:prstGeom>
         </p:spPr>
         <p:txBody>
-          <a:bodyPr anchorCtr="0" anchor="ctr" bIns="91425" lIns="91425" spcFirstLastPara="1" rIns="91425" wrap="square" tIns="91425">
+          <a:bodyPr spcFirstLastPara="1" wrap="square" lIns="91425" tIns="91425" rIns="91425" bIns="91425" anchor="ctr" anchorCtr="0">
             <a:normAutofit/>
           </a:bodyPr>
           <a:lstStyle>
@@ -1439,7 +1484,7 @@
             </a:lvl9pPr>
           </a:lstStyle>
           <a:p>
-            <a:pPr indent="0" lvl="0" marL="0" rtl="0" algn="r">
+            <a:pPr marL="0" lvl="0" indent="0" algn="r" rtl="0">
               <a:spcBef>
                 <a:spcPts val="0"/>
               </a:spcBef>
@@ -1465,11 +1510,11 @@
 </file>
 
 <file path=ppt/slideLayouts/slideLayout10.xml><?xml version="1.0" encoding="utf-8"?>
-<p:sldLayout xmlns:a="http://schemas.openxmlformats.org/drawingml/2006/main" xmlns:r="http://schemas.openxmlformats.org/officeDocument/2006/relationships" xmlns:mc="http://schemas.openxmlformats.org/markup-compatibility/2006" xmlns:mv="urn:schemas-microsoft-com:mac:vml" xmlns:p="http://schemas.openxmlformats.org/presentationml/2006/main" xmlns:c="http://schemas.openxmlformats.org/drawingml/2006/chart" xmlns:dgm="http://schemas.openxmlformats.org/drawingml/2006/diagram" xmlns:o="urn:schemas-microsoft-com:office:office" xmlns:v="urn:schemas-microsoft-com:vml" xmlns:pvml="urn:schemas-microsoft-com:office:powerpoint" xmlns:com="http://schemas.openxmlformats.org/drawingml/2006/compatibility" xmlns:p14="http://schemas.microsoft.com/office/powerpoint/2010/main" xmlns:p15="http://schemas.microsoft.com/office/powerpoint/2012/main" xmlns:ahyp="http://schemas.microsoft.com/office/drawing/2018/hyperlinkcolor" matchingName="Big number">
+<p:sldLayout xmlns:a="http://schemas.openxmlformats.org/drawingml/2006/main" xmlns:r="http://schemas.openxmlformats.org/officeDocument/2006/relationships" xmlns:p="http://schemas.openxmlformats.org/presentationml/2006/main" matchingName="Big number">
   <p:cSld name="BIG_NUMBER">
     <p:spTree>
       <p:nvGrpSpPr>
-        <p:cNvPr id="44" name="Shape 44"/>
+        <p:cNvPr id="1" name="Shape 44"/>
         <p:cNvGrpSpPr/>
         <p:nvPr/>
       </p:nvGrpSpPr>
@@ -1484,9 +1529,11 @@
       <p:sp>
         <p:nvSpPr>
           <p:cNvPr id="45" name="Google Shape;45;p11"/>
-          <p:cNvSpPr txBox="1"/>
+          <p:cNvSpPr txBox="1">
+            <a:spLocks noGrp="1"/>
+          </p:cNvSpPr>
           <p:nvPr>
-            <p:ph hasCustomPrompt="1" type="title"/>
+            <p:ph type="title" hasCustomPrompt="1"/>
           </p:nvPr>
         </p:nvSpPr>
         <p:spPr>
@@ -1499,7 +1546,7 @@
           </a:prstGeom>
         </p:spPr>
         <p:txBody>
-          <a:bodyPr anchorCtr="0" anchor="b" bIns="91425" lIns="91425" spcFirstLastPara="1" rIns="91425" wrap="square" tIns="91425">
+          <a:bodyPr spcFirstLastPara="1" wrap="square" lIns="91425" tIns="91425" rIns="91425" bIns="91425" anchor="b" anchorCtr="0">
             <a:normAutofit/>
           </a:bodyPr>
           <a:lstStyle>
@@ -1613,9 +1660,11 @@
       <p:sp>
         <p:nvSpPr>
           <p:cNvPr id="46" name="Google Shape;46;p11"/>
-          <p:cNvSpPr txBox="1"/>
+          <p:cNvSpPr txBox="1">
+            <a:spLocks noGrp="1"/>
+          </p:cNvSpPr>
           <p:nvPr>
-            <p:ph idx="1" type="body"/>
+            <p:ph type="body" idx="1"/>
           </p:nvPr>
         </p:nvSpPr>
         <p:spPr>
@@ -1628,11 +1677,11 @@
           </a:prstGeom>
         </p:spPr>
         <p:txBody>
-          <a:bodyPr anchorCtr="0" anchor="t" bIns="91425" lIns="91425" spcFirstLastPara="1" rIns="91425" wrap="square" tIns="91425">
+          <a:bodyPr spcFirstLastPara="1" wrap="square" lIns="91425" tIns="91425" rIns="91425" bIns="91425" anchor="t" anchorCtr="0">
             <a:normAutofit/>
           </a:bodyPr>
           <a:lstStyle>
-            <a:lvl1pPr indent="-342900" lvl="0" marL="457200" algn="ctr">
+            <a:lvl1pPr marL="457200" lvl="0" indent="-342900" algn="ctr">
               <a:spcBef>
                 <a:spcPts val="0"/>
               </a:spcBef>
@@ -1643,7 +1692,7 @@
               <a:buChar char="●"/>
               <a:defRPr/>
             </a:lvl1pPr>
-            <a:lvl2pPr indent="-317500" lvl="1" marL="914400" algn="ctr">
+            <a:lvl2pPr marL="914400" lvl="1" indent="-317500" algn="ctr">
               <a:spcBef>
                 <a:spcPts val="0"/>
               </a:spcBef>
@@ -1654,7 +1703,7 @@
               <a:buChar char="○"/>
               <a:defRPr/>
             </a:lvl2pPr>
-            <a:lvl3pPr indent="-317500" lvl="2" marL="1371600" algn="ctr">
+            <a:lvl3pPr marL="1371600" lvl="2" indent="-317500" algn="ctr">
               <a:spcBef>
                 <a:spcPts val="0"/>
               </a:spcBef>
@@ -1665,7 +1714,7 @@
               <a:buChar char="■"/>
               <a:defRPr/>
             </a:lvl3pPr>
-            <a:lvl4pPr indent="-317500" lvl="3" marL="1828800" algn="ctr">
+            <a:lvl4pPr marL="1828800" lvl="3" indent="-317500" algn="ctr">
               <a:spcBef>
                 <a:spcPts val="0"/>
               </a:spcBef>
@@ -1676,7 +1725,7 @@
               <a:buChar char="●"/>
               <a:defRPr/>
             </a:lvl4pPr>
-            <a:lvl5pPr indent="-317500" lvl="4" marL="2286000" algn="ctr">
+            <a:lvl5pPr marL="2286000" lvl="4" indent="-317500" algn="ctr">
               <a:spcBef>
                 <a:spcPts val="0"/>
               </a:spcBef>
@@ -1687,7 +1736,7 @@
               <a:buChar char="○"/>
               <a:defRPr/>
             </a:lvl5pPr>
-            <a:lvl6pPr indent="-317500" lvl="5" marL="2743200" algn="ctr">
+            <a:lvl6pPr marL="2743200" lvl="5" indent="-317500" algn="ctr">
               <a:spcBef>
                 <a:spcPts val="0"/>
               </a:spcBef>
@@ -1698,7 +1747,7 @@
               <a:buChar char="■"/>
               <a:defRPr/>
             </a:lvl6pPr>
-            <a:lvl7pPr indent="-317500" lvl="6" marL="3200400" algn="ctr">
+            <a:lvl7pPr marL="3200400" lvl="6" indent="-317500" algn="ctr">
               <a:spcBef>
                 <a:spcPts val="0"/>
               </a:spcBef>
@@ -1709,7 +1758,7 @@
               <a:buChar char="●"/>
               <a:defRPr/>
             </a:lvl7pPr>
-            <a:lvl8pPr indent="-317500" lvl="7" marL="3657600" algn="ctr">
+            <a:lvl8pPr marL="3657600" lvl="7" indent="-317500" algn="ctr">
               <a:spcBef>
                 <a:spcPts val="0"/>
               </a:spcBef>
@@ -1720,7 +1769,7 @@
               <a:buChar char="○"/>
               <a:defRPr/>
             </a:lvl8pPr>
-            <a:lvl9pPr indent="-317500" lvl="8" marL="4114800" algn="ctr">
+            <a:lvl9pPr marL="4114800" lvl="8" indent="-317500" algn="ctr">
               <a:spcBef>
                 <a:spcPts val="0"/>
               </a:spcBef>
@@ -1732,15 +1781,19 @@
               <a:defRPr/>
             </a:lvl9pPr>
           </a:lstStyle>
-          <a:p/>
+          <a:p>
+            <a:endParaRPr/>
+          </a:p>
         </p:txBody>
       </p:sp>
       <p:sp>
         <p:nvSpPr>
           <p:cNvPr id="47" name="Google Shape;47;p11"/>
-          <p:cNvSpPr txBox="1"/>
+          <p:cNvSpPr txBox="1">
+            <a:spLocks noGrp="1"/>
+          </p:cNvSpPr>
           <p:nvPr>
-            <p:ph idx="12" type="sldNum"/>
+            <p:ph type="sldNum" idx="12"/>
           </p:nvPr>
         </p:nvSpPr>
         <p:spPr>
@@ -1753,7 +1806,7 @@
           </a:prstGeom>
         </p:spPr>
         <p:txBody>
-          <a:bodyPr anchorCtr="0" anchor="ctr" bIns="91425" lIns="91425" spcFirstLastPara="1" rIns="91425" wrap="square" tIns="91425">
+          <a:bodyPr spcFirstLastPara="1" wrap="square" lIns="91425" tIns="91425" rIns="91425" bIns="91425" anchor="ctr" anchorCtr="0">
             <a:normAutofit/>
           </a:bodyPr>
           <a:lstStyle>
@@ -1795,7 +1848,7 @@
             </a:lvl9pPr>
           </a:lstStyle>
           <a:p>
-            <a:pPr indent="0" lvl="0" marL="0" rtl="0" algn="r">
+            <a:pPr marL="0" lvl="0" indent="0" algn="r" rtl="0">
               <a:spcBef>
                 <a:spcPts val="0"/>
               </a:spcBef>
@@ -1821,11 +1874,11 @@
 </file>
 
 <file path=ppt/slideLayouts/slideLayout11.xml><?xml version="1.0" encoding="utf-8"?>
-<p:sldLayout xmlns:a="http://schemas.openxmlformats.org/drawingml/2006/main" xmlns:r="http://schemas.openxmlformats.org/officeDocument/2006/relationships" xmlns:mc="http://schemas.openxmlformats.org/markup-compatibility/2006" xmlns:mv="urn:schemas-microsoft-com:mac:vml" xmlns:p="http://schemas.openxmlformats.org/presentationml/2006/main" xmlns:c="http://schemas.openxmlformats.org/drawingml/2006/chart" xmlns:dgm="http://schemas.openxmlformats.org/drawingml/2006/diagram" xmlns:o="urn:schemas-microsoft-com:office:office" xmlns:v="urn:schemas-microsoft-com:vml" xmlns:pvml="urn:schemas-microsoft-com:office:powerpoint" xmlns:com="http://schemas.openxmlformats.org/drawingml/2006/compatibility" xmlns:p14="http://schemas.microsoft.com/office/powerpoint/2010/main" xmlns:p15="http://schemas.microsoft.com/office/powerpoint/2012/main" xmlns:ahyp="http://schemas.microsoft.com/office/drawing/2018/hyperlinkcolor" matchingName="Blank" type="blank">
+<p:sldLayout xmlns:a="http://schemas.openxmlformats.org/drawingml/2006/main" xmlns:r="http://schemas.openxmlformats.org/officeDocument/2006/relationships" xmlns:p="http://schemas.openxmlformats.org/presentationml/2006/main" matchingName="Blank" type="blank">
   <p:cSld name="BLANK">
     <p:spTree>
       <p:nvGrpSpPr>
-        <p:cNvPr id="48" name="Shape 48"/>
+        <p:cNvPr id="1" name="Shape 48"/>
         <p:cNvGrpSpPr/>
         <p:nvPr/>
       </p:nvGrpSpPr>
@@ -1840,9 +1893,11 @@
       <p:sp>
         <p:nvSpPr>
           <p:cNvPr id="49" name="Google Shape;49;p12"/>
-          <p:cNvSpPr txBox="1"/>
+          <p:cNvSpPr txBox="1">
+            <a:spLocks noGrp="1"/>
+          </p:cNvSpPr>
           <p:nvPr>
-            <p:ph idx="12" type="sldNum"/>
+            <p:ph type="sldNum" idx="12"/>
           </p:nvPr>
         </p:nvSpPr>
         <p:spPr>
@@ -1855,7 +1910,7 @@
           </a:prstGeom>
         </p:spPr>
         <p:txBody>
-          <a:bodyPr anchorCtr="0" anchor="ctr" bIns="91425" lIns="91425" spcFirstLastPara="1" rIns="91425" wrap="square" tIns="91425">
+          <a:bodyPr spcFirstLastPara="1" wrap="square" lIns="91425" tIns="91425" rIns="91425" bIns="91425" anchor="ctr" anchorCtr="0">
             <a:normAutofit/>
           </a:bodyPr>
           <a:lstStyle>
@@ -1897,7 +1952,7 @@
             </a:lvl9pPr>
           </a:lstStyle>
           <a:p>
-            <a:pPr indent="0" lvl="0" marL="0" rtl="0" algn="r">
+            <a:pPr marL="0" lvl="0" indent="0" algn="r" rtl="0">
               <a:spcBef>
                 <a:spcPts val="0"/>
               </a:spcBef>
@@ -1923,11 +1978,11 @@
 </file>
 
 <file path=ppt/slideLayouts/slideLayout2.xml><?xml version="1.0" encoding="utf-8"?>
-<p:sldLayout xmlns:a="http://schemas.openxmlformats.org/drawingml/2006/main" xmlns:r="http://schemas.openxmlformats.org/officeDocument/2006/relationships" xmlns:mc="http://schemas.openxmlformats.org/markup-compatibility/2006" xmlns:mv="urn:schemas-microsoft-com:mac:vml" xmlns:p="http://schemas.openxmlformats.org/presentationml/2006/main" xmlns:c="http://schemas.openxmlformats.org/drawingml/2006/chart" xmlns:dgm="http://schemas.openxmlformats.org/drawingml/2006/diagram" xmlns:o="urn:schemas-microsoft-com:office:office" xmlns:v="urn:schemas-microsoft-com:vml" xmlns:pvml="urn:schemas-microsoft-com:office:powerpoint" xmlns:com="http://schemas.openxmlformats.org/drawingml/2006/compatibility" xmlns:p14="http://schemas.microsoft.com/office/powerpoint/2010/main" xmlns:p15="http://schemas.microsoft.com/office/powerpoint/2012/main" xmlns:ahyp="http://schemas.microsoft.com/office/drawing/2018/hyperlinkcolor" matchingName="Section header" type="secHead">
+<p:sldLayout xmlns:a="http://schemas.openxmlformats.org/drawingml/2006/main" xmlns:r="http://schemas.openxmlformats.org/officeDocument/2006/relationships" xmlns:p="http://schemas.openxmlformats.org/presentationml/2006/main" matchingName="Section header" type="secHead">
   <p:cSld name="SECTION_HEADER">
     <p:spTree>
       <p:nvGrpSpPr>
-        <p:cNvPr id="13" name="Shape 13"/>
+        <p:cNvPr id="1" name="Shape 13"/>
         <p:cNvGrpSpPr/>
         <p:nvPr/>
       </p:nvGrpSpPr>
@@ -1942,7 +1997,9 @@
       <p:sp>
         <p:nvSpPr>
           <p:cNvPr id="14" name="Google Shape;14;p3"/>
-          <p:cNvSpPr txBox="1"/>
+          <p:cNvSpPr txBox="1">
+            <a:spLocks noGrp="1"/>
+          </p:cNvSpPr>
           <p:nvPr>
             <p:ph type="title"/>
           </p:nvPr>
@@ -1957,7 +2014,7 @@
           </a:prstGeom>
         </p:spPr>
         <p:txBody>
-          <a:bodyPr anchorCtr="0" anchor="ctr" bIns="91425" lIns="91425" spcFirstLastPara="1" rIns="91425" wrap="square" tIns="91425">
+          <a:bodyPr spcFirstLastPara="1" wrap="square" lIns="91425" tIns="91425" rIns="91425" bIns="91425" anchor="ctr" anchorCtr="0">
             <a:normAutofit/>
           </a:bodyPr>
           <a:lstStyle>
@@ -2061,15 +2118,19 @@
               <a:defRPr sz="3600"/>
             </a:lvl9pPr>
           </a:lstStyle>
-          <a:p/>
+          <a:p>
+            <a:endParaRPr/>
+          </a:p>
         </p:txBody>
       </p:sp>
       <p:sp>
         <p:nvSpPr>
           <p:cNvPr id="15" name="Google Shape;15;p3"/>
-          <p:cNvSpPr txBox="1"/>
+          <p:cNvSpPr txBox="1">
+            <a:spLocks noGrp="1"/>
+          </p:cNvSpPr>
           <p:nvPr>
-            <p:ph idx="12" type="sldNum"/>
+            <p:ph type="sldNum" idx="12"/>
           </p:nvPr>
         </p:nvSpPr>
         <p:spPr>
@@ -2082,7 +2143,7 @@
           </a:prstGeom>
         </p:spPr>
         <p:txBody>
-          <a:bodyPr anchorCtr="0" anchor="ctr" bIns="91425" lIns="91425" spcFirstLastPara="1" rIns="91425" wrap="square" tIns="91425">
+          <a:bodyPr spcFirstLastPara="1" wrap="square" lIns="91425" tIns="91425" rIns="91425" bIns="91425" anchor="ctr" anchorCtr="0">
             <a:normAutofit/>
           </a:bodyPr>
           <a:lstStyle>
@@ -2124,7 +2185,7 @@
             </a:lvl9pPr>
           </a:lstStyle>
           <a:p>
-            <a:pPr indent="0" lvl="0" marL="0" rtl="0" algn="r">
+            <a:pPr marL="0" lvl="0" indent="0" algn="r" rtl="0">
               <a:spcBef>
                 <a:spcPts val="0"/>
               </a:spcBef>
@@ -2150,11 +2211,11 @@
 </file>
 
 <file path=ppt/slideLayouts/slideLayout3.xml><?xml version="1.0" encoding="utf-8"?>
-<p:sldLayout xmlns:a="http://schemas.openxmlformats.org/drawingml/2006/main" xmlns:r="http://schemas.openxmlformats.org/officeDocument/2006/relationships" xmlns:mc="http://schemas.openxmlformats.org/markup-compatibility/2006" xmlns:mv="urn:schemas-microsoft-com:mac:vml" xmlns:p="http://schemas.openxmlformats.org/presentationml/2006/main" xmlns:c="http://schemas.openxmlformats.org/drawingml/2006/chart" xmlns:dgm="http://schemas.openxmlformats.org/drawingml/2006/diagram" xmlns:o="urn:schemas-microsoft-com:office:office" xmlns:v="urn:schemas-microsoft-com:vml" xmlns:pvml="urn:schemas-microsoft-com:office:powerpoint" xmlns:com="http://schemas.openxmlformats.org/drawingml/2006/compatibility" xmlns:p14="http://schemas.microsoft.com/office/powerpoint/2010/main" xmlns:p15="http://schemas.microsoft.com/office/powerpoint/2012/main" xmlns:ahyp="http://schemas.microsoft.com/office/drawing/2018/hyperlinkcolor" matchingName="Title and body" type="tx">
+<p:sldLayout xmlns:a="http://schemas.openxmlformats.org/drawingml/2006/main" xmlns:r="http://schemas.openxmlformats.org/officeDocument/2006/relationships" xmlns:p="http://schemas.openxmlformats.org/presentationml/2006/main" matchingName="Title and body" type="tx">
   <p:cSld name="TITLE_AND_BODY">
     <p:spTree>
       <p:nvGrpSpPr>
-        <p:cNvPr id="16" name="Shape 16"/>
+        <p:cNvPr id="1" name="Shape 16"/>
         <p:cNvGrpSpPr/>
         <p:nvPr/>
       </p:nvGrpSpPr>
@@ -2169,7 +2230,9 @@
       <p:sp>
         <p:nvSpPr>
           <p:cNvPr id="17" name="Google Shape;17;p4"/>
-          <p:cNvSpPr txBox="1"/>
+          <p:cNvSpPr txBox="1">
+            <a:spLocks noGrp="1"/>
+          </p:cNvSpPr>
           <p:nvPr>
             <p:ph type="title"/>
           </p:nvPr>
@@ -2184,7 +2247,7 @@
           </a:prstGeom>
         </p:spPr>
         <p:txBody>
-          <a:bodyPr anchorCtr="0" anchor="t" bIns="91425" lIns="91425" spcFirstLastPara="1" rIns="91425" wrap="square" tIns="91425">
+          <a:bodyPr spcFirstLastPara="1" wrap="square" lIns="91425" tIns="91425" rIns="91425" bIns="91425" anchor="t" anchorCtr="0">
             <a:normAutofit/>
           </a:bodyPr>
           <a:lstStyle>
@@ -2288,15 +2351,19 @@
               <a:defRPr/>
             </a:lvl9pPr>
           </a:lstStyle>
-          <a:p/>
+          <a:p>
+            <a:endParaRPr/>
+          </a:p>
         </p:txBody>
       </p:sp>
       <p:sp>
         <p:nvSpPr>
           <p:cNvPr id="18" name="Google Shape;18;p4"/>
-          <p:cNvSpPr txBox="1"/>
+          <p:cNvSpPr txBox="1">
+            <a:spLocks noGrp="1"/>
+          </p:cNvSpPr>
           <p:nvPr>
-            <p:ph idx="1" type="body"/>
+            <p:ph type="body" idx="1"/>
           </p:nvPr>
         </p:nvSpPr>
         <p:spPr>
@@ -2309,11 +2376,11 @@
           </a:prstGeom>
         </p:spPr>
         <p:txBody>
-          <a:bodyPr anchorCtr="0" anchor="t" bIns="91425" lIns="91425" spcFirstLastPara="1" rIns="91425" wrap="square" tIns="91425">
+          <a:bodyPr spcFirstLastPara="1" wrap="square" lIns="91425" tIns="91425" rIns="91425" bIns="91425" anchor="t" anchorCtr="0">
             <a:normAutofit/>
           </a:bodyPr>
           <a:lstStyle>
-            <a:lvl1pPr indent="-342900" lvl="0" marL="457200">
+            <a:lvl1pPr marL="457200" lvl="0" indent="-342900">
               <a:spcBef>
                 <a:spcPts val="0"/>
               </a:spcBef>
@@ -2324,7 +2391,7 @@
               <a:buChar char="●"/>
               <a:defRPr/>
             </a:lvl1pPr>
-            <a:lvl2pPr indent="-317500" lvl="1" marL="914400">
+            <a:lvl2pPr marL="914400" lvl="1" indent="-317500">
               <a:spcBef>
                 <a:spcPts val="0"/>
               </a:spcBef>
@@ -2335,7 +2402,7 @@
               <a:buChar char="○"/>
               <a:defRPr/>
             </a:lvl2pPr>
-            <a:lvl3pPr indent="-317500" lvl="2" marL="1371600">
+            <a:lvl3pPr marL="1371600" lvl="2" indent="-317500">
               <a:spcBef>
                 <a:spcPts val="0"/>
               </a:spcBef>
@@ -2346,7 +2413,7 @@
               <a:buChar char="■"/>
               <a:defRPr/>
             </a:lvl3pPr>
-            <a:lvl4pPr indent="-317500" lvl="3" marL="1828800">
+            <a:lvl4pPr marL="1828800" lvl="3" indent="-317500">
               <a:spcBef>
                 <a:spcPts val="0"/>
               </a:spcBef>
@@ -2357,7 +2424,7 @@
               <a:buChar char="●"/>
               <a:defRPr/>
             </a:lvl4pPr>
-            <a:lvl5pPr indent="-317500" lvl="4" marL="2286000">
+            <a:lvl5pPr marL="2286000" lvl="4" indent="-317500">
               <a:spcBef>
                 <a:spcPts val="0"/>
               </a:spcBef>
@@ -2368,7 +2435,7 @@
               <a:buChar char="○"/>
               <a:defRPr/>
             </a:lvl5pPr>
-            <a:lvl6pPr indent="-317500" lvl="5" marL="2743200">
+            <a:lvl6pPr marL="2743200" lvl="5" indent="-317500">
               <a:spcBef>
                 <a:spcPts val="0"/>
               </a:spcBef>
@@ -2379,7 +2446,7 @@
               <a:buChar char="■"/>
               <a:defRPr/>
             </a:lvl6pPr>
-            <a:lvl7pPr indent="-317500" lvl="6" marL="3200400">
+            <a:lvl7pPr marL="3200400" lvl="6" indent="-317500">
               <a:spcBef>
                 <a:spcPts val="0"/>
               </a:spcBef>
@@ -2390,7 +2457,7 @@
               <a:buChar char="●"/>
               <a:defRPr/>
             </a:lvl7pPr>
-            <a:lvl8pPr indent="-317500" lvl="7" marL="3657600">
+            <a:lvl8pPr marL="3657600" lvl="7" indent="-317500">
               <a:spcBef>
                 <a:spcPts val="0"/>
               </a:spcBef>
@@ -2401,7 +2468,7 @@
               <a:buChar char="○"/>
               <a:defRPr/>
             </a:lvl8pPr>
-            <a:lvl9pPr indent="-317500" lvl="8" marL="4114800">
+            <a:lvl9pPr marL="4114800" lvl="8" indent="-317500">
               <a:spcBef>
                 <a:spcPts val="0"/>
               </a:spcBef>
@@ -2413,15 +2480,19 @@
               <a:defRPr/>
             </a:lvl9pPr>
           </a:lstStyle>
-          <a:p/>
+          <a:p>
+            <a:endParaRPr/>
+          </a:p>
         </p:txBody>
       </p:sp>
       <p:sp>
         <p:nvSpPr>
           <p:cNvPr id="19" name="Google Shape;19;p4"/>
-          <p:cNvSpPr txBox="1"/>
+          <p:cNvSpPr txBox="1">
+            <a:spLocks noGrp="1"/>
+          </p:cNvSpPr>
           <p:nvPr>
-            <p:ph idx="12" type="sldNum"/>
+            <p:ph type="sldNum" idx="12"/>
           </p:nvPr>
         </p:nvSpPr>
         <p:spPr>
@@ -2434,7 +2505,7 @@
           </a:prstGeom>
         </p:spPr>
         <p:txBody>
-          <a:bodyPr anchorCtr="0" anchor="ctr" bIns="91425" lIns="91425" spcFirstLastPara="1" rIns="91425" wrap="square" tIns="91425">
+          <a:bodyPr spcFirstLastPara="1" wrap="square" lIns="91425" tIns="91425" rIns="91425" bIns="91425" anchor="ctr" anchorCtr="0">
             <a:normAutofit/>
           </a:bodyPr>
           <a:lstStyle>
@@ -2476,7 +2547,7 @@
             </a:lvl9pPr>
           </a:lstStyle>
           <a:p>
-            <a:pPr indent="0" lvl="0" marL="0" rtl="0" algn="r">
+            <a:pPr marL="0" lvl="0" indent="0" algn="r" rtl="0">
               <a:spcBef>
                 <a:spcPts val="0"/>
               </a:spcBef>
@@ -2502,11 +2573,11 @@
 </file>
 
 <file path=ppt/slideLayouts/slideLayout4.xml><?xml version="1.0" encoding="utf-8"?>
-<p:sldLayout xmlns:a="http://schemas.openxmlformats.org/drawingml/2006/main" xmlns:r="http://schemas.openxmlformats.org/officeDocument/2006/relationships" xmlns:mc="http://schemas.openxmlformats.org/markup-compatibility/2006" xmlns:mv="urn:schemas-microsoft-com:mac:vml" xmlns:p="http://schemas.openxmlformats.org/presentationml/2006/main" xmlns:c="http://schemas.openxmlformats.org/drawingml/2006/chart" xmlns:dgm="http://schemas.openxmlformats.org/drawingml/2006/diagram" xmlns:o="urn:schemas-microsoft-com:office:office" xmlns:v="urn:schemas-microsoft-com:vml" xmlns:pvml="urn:schemas-microsoft-com:office:powerpoint" xmlns:com="http://schemas.openxmlformats.org/drawingml/2006/compatibility" xmlns:p14="http://schemas.microsoft.com/office/powerpoint/2010/main" xmlns:p15="http://schemas.microsoft.com/office/powerpoint/2012/main" xmlns:ahyp="http://schemas.microsoft.com/office/drawing/2018/hyperlinkcolor" matchingName="Title and two columns" type="twoColTx">
+<p:sldLayout xmlns:a="http://schemas.openxmlformats.org/drawingml/2006/main" xmlns:r="http://schemas.openxmlformats.org/officeDocument/2006/relationships" xmlns:p="http://schemas.openxmlformats.org/presentationml/2006/main" matchingName="Title and two columns" type="twoColTx">
   <p:cSld name="TITLE_AND_TWO_COLUMNS">
     <p:spTree>
       <p:nvGrpSpPr>
-        <p:cNvPr id="20" name="Shape 20"/>
+        <p:cNvPr id="1" name="Shape 20"/>
         <p:cNvGrpSpPr/>
         <p:nvPr/>
       </p:nvGrpSpPr>
@@ -2521,7 +2592,9 @@
       <p:sp>
         <p:nvSpPr>
           <p:cNvPr id="21" name="Google Shape;21;p5"/>
-          <p:cNvSpPr txBox="1"/>
+          <p:cNvSpPr txBox="1">
+            <a:spLocks noGrp="1"/>
+          </p:cNvSpPr>
           <p:nvPr>
             <p:ph type="title"/>
           </p:nvPr>
@@ -2536,7 +2609,7 @@
           </a:prstGeom>
         </p:spPr>
         <p:txBody>
-          <a:bodyPr anchorCtr="0" anchor="t" bIns="91425" lIns="91425" spcFirstLastPara="1" rIns="91425" wrap="square" tIns="91425">
+          <a:bodyPr spcFirstLastPara="1" wrap="square" lIns="91425" tIns="91425" rIns="91425" bIns="91425" anchor="t" anchorCtr="0">
             <a:normAutofit/>
           </a:bodyPr>
           <a:lstStyle>
@@ -2640,15 +2713,19 @@
               <a:defRPr/>
             </a:lvl9pPr>
           </a:lstStyle>
-          <a:p/>
+          <a:p>
+            <a:endParaRPr/>
+          </a:p>
         </p:txBody>
       </p:sp>
       <p:sp>
         <p:nvSpPr>
           <p:cNvPr id="22" name="Google Shape;22;p5"/>
-          <p:cNvSpPr txBox="1"/>
+          <p:cNvSpPr txBox="1">
+            <a:spLocks noGrp="1"/>
+          </p:cNvSpPr>
           <p:nvPr>
-            <p:ph idx="1" type="body"/>
+            <p:ph type="body" idx="1"/>
           </p:nvPr>
         </p:nvSpPr>
         <p:spPr>
@@ -2661,11 +2738,11 @@
           </a:prstGeom>
         </p:spPr>
         <p:txBody>
-          <a:bodyPr anchorCtr="0" anchor="t" bIns="91425" lIns="91425" spcFirstLastPara="1" rIns="91425" wrap="square" tIns="91425">
+          <a:bodyPr spcFirstLastPara="1" wrap="square" lIns="91425" tIns="91425" rIns="91425" bIns="91425" anchor="t" anchorCtr="0">
             <a:normAutofit/>
           </a:bodyPr>
           <a:lstStyle>
-            <a:lvl1pPr indent="-317500" lvl="0" marL="457200">
+            <a:lvl1pPr marL="457200" lvl="0" indent="-317500">
               <a:spcBef>
                 <a:spcPts val="0"/>
               </a:spcBef>
@@ -2676,7 +2753,7 @@
               <a:buChar char="●"/>
               <a:defRPr sz="1400"/>
             </a:lvl1pPr>
-            <a:lvl2pPr indent="-304800" lvl="1" marL="914400">
+            <a:lvl2pPr marL="914400" lvl="1" indent="-304800">
               <a:spcBef>
                 <a:spcPts val="0"/>
               </a:spcBef>
@@ -2687,7 +2764,7 @@
               <a:buChar char="○"/>
               <a:defRPr sz="1200"/>
             </a:lvl2pPr>
-            <a:lvl3pPr indent="-304800" lvl="2" marL="1371600">
+            <a:lvl3pPr marL="1371600" lvl="2" indent="-304800">
               <a:spcBef>
                 <a:spcPts val="0"/>
               </a:spcBef>
@@ -2698,7 +2775,7 @@
               <a:buChar char="■"/>
               <a:defRPr sz="1200"/>
             </a:lvl3pPr>
-            <a:lvl4pPr indent="-304800" lvl="3" marL="1828800">
+            <a:lvl4pPr marL="1828800" lvl="3" indent="-304800">
               <a:spcBef>
                 <a:spcPts val="0"/>
               </a:spcBef>
@@ -2709,7 +2786,7 @@
               <a:buChar char="●"/>
               <a:defRPr sz="1200"/>
             </a:lvl4pPr>
-            <a:lvl5pPr indent="-304800" lvl="4" marL="2286000">
+            <a:lvl5pPr marL="2286000" lvl="4" indent="-304800">
               <a:spcBef>
                 <a:spcPts val="0"/>
               </a:spcBef>
@@ -2720,7 +2797,7 @@
               <a:buChar char="○"/>
               <a:defRPr sz="1200"/>
             </a:lvl5pPr>
-            <a:lvl6pPr indent="-304800" lvl="5" marL="2743200">
+            <a:lvl6pPr marL="2743200" lvl="5" indent="-304800">
               <a:spcBef>
                 <a:spcPts val="0"/>
               </a:spcBef>
@@ -2731,7 +2808,7 @@
               <a:buChar char="■"/>
               <a:defRPr sz="1200"/>
             </a:lvl6pPr>
-            <a:lvl7pPr indent="-304800" lvl="6" marL="3200400">
+            <a:lvl7pPr marL="3200400" lvl="6" indent="-304800">
               <a:spcBef>
                 <a:spcPts val="0"/>
               </a:spcBef>
@@ -2742,7 +2819,7 @@
               <a:buChar char="●"/>
               <a:defRPr sz="1200"/>
             </a:lvl7pPr>
-            <a:lvl8pPr indent="-304800" lvl="7" marL="3657600">
+            <a:lvl8pPr marL="3657600" lvl="7" indent="-304800">
               <a:spcBef>
                 <a:spcPts val="0"/>
               </a:spcBef>
@@ -2753,7 +2830,7 @@
               <a:buChar char="○"/>
               <a:defRPr sz="1200"/>
             </a:lvl8pPr>
-            <a:lvl9pPr indent="-304800" lvl="8" marL="4114800">
+            <a:lvl9pPr marL="4114800" lvl="8" indent="-304800">
               <a:spcBef>
                 <a:spcPts val="0"/>
               </a:spcBef>
@@ -2765,15 +2842,19 @@
               <a:defRPr sz="1200"/>
             </a:lvl9pPr>
           </a:lstStyle>
-          <a:p/>
+          <a:p>
+            <a:endParaRPr/>
+          </a:p>
         </p:txBody>
       </p:sp>
       <p:sp>
         <p:nvSpPr>
           <p:cNvPr id="23" name="Google Shape;23;p5"/>
-          <p:cNvSpPr txBox="1"/>
+          <p:cNvSpPr txBox="1">
+            <a:spLocks noGrp="1"/>
+          </p:cNvSpPr>
           <p:nvPr>
-            <p:ph idx="2" type="body"/>
+            <p:ph type="body" idx="2"/>
           </p:nvPr>
         </p:nvSpPr>
         <p:spPr>
@@ -2786,11 +2867,11 @@
           </a:prstGeom>
         </p:spPr>
         <p:txBody>
-          <a:bodyPr anchorCtr="0" anchor="t" bIns="91425" lIns="91425" spcFirstLastPara="1" rIns="91425" wrap="square" tIns="91425">
+          <a:bodyPr spcFirstLastPara="1" wrap="square" lIns="91425" tIns="91425" rIns="91425" bIns="91425" anchor="t" anchorCtr="0">
             <a:normAutofit/>
           </a:bodyPr>
           <a:lstStyle>
-            <a:lvl1pPr indent="-317500" lvl="0" marL="457200">
+            <a:lvl1pPr marL="457200" lvl="0" indent="-317500">
               <a:spcBef>
                 <a:spcPts val="0"/>
               </a:spcBef>
@@ -2801,7 +2882,7 @@
               <a:buChar char="●"/>
               <a:defRPr sz="1400"/>
             </a:lvl1pPr>
-            <a:lvl2pPr indent="-304800" lvl="1" marL="914400">
+            <a:lvl2pPr marL="914400" lvl="1" indent="-304800">
               <a:spcBef>
                 <a:spcPts val="0"/>
               </a:spcBef>
@@ -2812,7 +2893,7 @@
               <a:buChar char="○"/>
               <a:defRPr sz="1200"/>
             </a:lvl2pPr>
-            <a:lvl3pPr indent="-304800" lvl="2" marL="1371600">
+            <a:lvl3pPr marL="1371600" lvl="2" indent="-304800">
               <a:spcBef>
                 <a:spcPts val="0"/>
               </a:spcBef>
@@ -2823,7 +2904,7 @@
               <a:buChar char="■"/>
               <a:defRPr sz="1200"/>
             </a:lvl3pPr>
-            <a:lvl4pPr indent="-304800" lvl="3" marL="1828800">
+            <a:lvl4pPr marL="1828800" lvl="3" indent="-304800">
               <a:spcBef>
                 <a:spcPts val="0"/>
               </a:spcBef>
@@ -2834,7 +2915,7 @@
               <a:buChar char="●"/>
               <a:defRPr sz="1200"/>
             </a:lvl4pPr>
-            <a:lvl5pPr indent="-304800" lvl="4" marL="2286000">
+            <a:lvl5pPr marL="2286000" lvl="4" indent="-304800">
               <a:spcBef>
                 <a:spcPts val="0"/>
               </a:spcBef>
@@ -2845,7 +2926,7 @@
               <a:buChar char="○"/>
               <a:defRPr sz="1200"/>
             </a:lvl5pPr>
-            <a:lvl6pPr indent="-304800" lvl="5" marL="2743200">
+            <a:lvl6pPr marL="2743200" lvl="5" indent="-304800">
               <a:spcBef>
                 <a:spcPts val="0"/>
               </a:spcBef>
@@ -2856,7 +2937,7 @@
               <a:buChar char="■"/>
               <a:defRPr sz="1200"/>
             </a:lvl6pPr>
-            <a:lvl7pPr indent="-304800" lvl="6" marL="3200400">
+            <a:lvl7pPr marL="3200400" lvl="6" indent="-304800">
               <a:spcBef>
                 <a:spcPts val="0"/>
               </a:spcBef>
@@ -2867,7 +2948,7 @@
               <a:buChar char="●"/>
               <a:defRPr sz="1200"/>
             </a:lvl7pPr>
-            <a:lvl8pPr indent="-304800" lvl="7" marL="3657600">
+            <a:lvl8pPr marL="3657600" lvl="7" indent="-304800">
               <a:spcBef>
                 <a:spcPts val="0"/>
               </a:spcBef>
@@ -2878,7 +2959,7 @@
               <a:buChar char="○"/>
               <a:defRPr sz="1200"/>
             </a:lvl8pPr>
-            <a:lvl9pPr indent="-304800" lvl="8" marL="4114800">
+            <a:lvl9pPr marL="4114800" lvl="8" indent="-304800">
               <a:spcBef>
                 <a:spcPts val="0"/>
               </a:spcBef>
@@ -2890,15 +2971,19 @@
               <a:defRPr sz="1200"/>
             </a:lvl9pPr>
           </a:lstStyle>
-          <a:p/>
+          <a:p>
+            <a:endParaRPr/>
+          </a:p>
         </p:txBody>
       </p:sp>
       <p:sp>
         <p:nvSpPr>
           <p:cNvPr id="24" name="Google Shape;24;p5"/>
-          <p:cNvSpPr txBox="1"/>
+          <p:cNvSpPr txBox="1">
+            <a:spLocks noGrp="1"/>
+          </p:cNvSpPr>
           <p:nvPr>
-            <p:ph idx="12" type="sldNum"/>
+            <p:ph type="sldNum" idx="12"/>
           </p:nvPr>
         </p:nvSpPr>
         <p:spPr>
@@ -2911,7 +2996,7 @@
           </a:prstGeom>
         </p:spPr>
         <p:txBody>
-          <a:bodyPr anchorCtr="0" anchor="ctr" bIns="91425" lIns="91425" spcFirstLastPara="1" rIns="91425" wrap="square" tIns="91425">
+          <a:bodyPr spcFirstLastPara="1" wrap="square" lIns="91425" tIns="91425" rIns="91425" bIns="91425" anchor="ctr" anchorCtr="0">
             <a:normAutofit/>
           </a:bodyPr>
           <a:lstStyle>
@@ -2953,7 +3038,7 @@
             </a:lvl9pPr>
           </a:lstStyle>
           <a:p>
-            <a:pPr indent="0" lvl="0" marL="0" rtl="0" algn="r">
+            <a:pPr marL="0" lvl="0" indent="0" algn="r" rtl="0">
               <a:spcBef>
                 <a:spcPts val="0"/>
               </a:spcBef>
@@ -2979,11 +3064,11 @@
 </file>
 
 <file path=ppt/slideLayouts/slideLayout5.xml><?xml version="1.0" encoding="utf-8"?>
-<p:sldLayout xmlns:a="http://schemas.openxmlformats.org/drawingml/2006/main" xmlns:r="http://schemas.openxmlformats.org/officeDocument/2006/relationships" xmlns:mc="http://schemas.openxmlformats.org/markup-compatibility/2006" xmlns:mv="urn:schemas-microsoft-com:mac:vml" xmlns:p="http://schemas.openxmlformats.org/presentationml/2006/main" xmlns:c="http://schemas.openxmlformats.org/drawingml/2006/chart" xmlns:dgm="http://schemas.openxmlformats.org/drawingml/2006/diagram" xmlns:o="urn:schemas-microsoft-com:office:office" xmlns:v="urn:schemas-microsoft-com:vml" xmlns:pvml="urn:schemas-microsoft-com:office:powerpoint" xmlns:com="http://schemas.openxmlformats.org/drawingml/2006/compatibility" xmlns:p14="http://schemas.microsoft.com/office/powerpoint/2010/main" xmlns:p15="http://schemas.microsoft.com/office/powerpoint/2012/main" xmlns:ahyp="http://schemas.microsoft.com/office/drawing/2018/hyperlinkcolor" matchingName="Title only" type="titleOnly">
+<p:sldLayout xmlns:a="http://schemas.openxmlformats.org/drawingml/2006/main" xmlns:r="http://schemas.openxmlformats.org/officeDocument/2006/relationships" xmlns:p="http://schemas.openxmlformats.org/presentationml/2006/main" matchingName="Title only" type="titleOnly">
   <p:cSld name="TITLE_ONLY">
     <p:spTree>
       <p:nvGrpSpPr>
-        <p:cNvPr id="25" name="Shape 25"/>
+        <p:cNvPr id="1" name="Shape 25"/>
         <p:cNvGrpSpPr/>
         <p:nvPr/>
       </p:nvGrpSpPr>
@@ -2998,7 +3083,9 @@
       <p:sp>
         <p:nvSpPr>
           <p:cNvPr id="26" name="Google Shape;26;p6"/>
-          <p:cNvSpPr txBox="1"/>
+          <p:cNvSpPr txBox="1">
+            <a:spLocks noGrp="1"/>
+          </p:cNvSpPr>
           <p:nvPr>
             <p:ph type="title"/>
           </p:nvPr>
@@ -3013,7 +3100,7 @@
           </a:prstGeom>
         </p:spPr>
         <p:txBody>
-          <a:bodyPr anchorCtr="0" anchor="t" bIns="91425" lIns="91425" spcFirstLastPara="1" rIns="91425" wrap="square" tIns="91425">
+          <a:bodyPr spcFirstLastPara="1" wrap="square" lIns="91425" tIns="91425" rIns="91425" bIns="91425" anchor="t" anchorCtr="0">
             <a:normAutofit/>
           </a:bodyPr>
           <a:lstStyle>
@@ -3117,15 +3204,19 @@
               <a:defRPr/>
             </a:lvl9pPr>
           </a:lstStyle>
-          <a:p/>
+          <a:p>
+            <a:endParaRPr/>
+          </a:p>
         </p:txBody>
       </p:sp>
       <p:sp>
         <p:nvSpPr>
           <p:cNvPr id="27" name="Google Shape;27;p6"/>
-          <p:cNvSpPr txBox="1"/>
+          <p:cNvSpPr txBox="1">
+            <a:spLocks noGrp="1"/>
+          </p:cNvSpPr>
           <p:nvPr>
-            <p:ph idx="12" type="sldNum"/>
+            <p:ph type="sldNum" idx="12"/>
           </p:nvPr>
         </p:nvSpPr>
         <p:spPr>
@@ -3138,7 +3229,7 @@
           </a:prstGeom>
         </p:spPr>
         <p:txBody>
-          <a:bodyPr anchorCtr="0" anchor="ctr" bIns="91425" lIns="91425" spcFirstLastPara="1" rIns="91425" wrap="square" tIns="91425">
+          <a:bodyPr spcFirstLastPara="1" wrap="square" lIns="91425" tIns="91425" rIns="91425" bIns="91425" anchor="ctr" anchorCtr="0">
             <a:normAutofit/>
           </a:bodyPr>
           <a:lstStyle>
@@ -3180,7 +3271,7 @@
             </a:lvl9pPr>
           </a:lstStyle>
           <a:p>
-            <a:pPr indent="0" lvl="0" marL="0" rtl="0" algn="r">
+            <a:pPr marL="0" lvl="0" indent="0" algn="r" rtl="0">
               <a:spcBef>
                 <a:spcPts val="0"/>
               </a:spcBef>
@@ -3206,11 +3297,11 @@
 </file>
 
 <file path=ppt/slideLayouts/slideLayout6.xml><?xml version="1.0" encoding="utf-8"?>
-<p:sldLayout xmlns:a="http://schemas.openxmlformats.org/drawingml/2006/main" xmlns:r="http://schemas.openxmlformats.org/officeDocument/2006/relationships" xmlns:mc="http://schemas.openxmlformats.org/markup-compatibility/2006" xmlns:mv="urn:schemas-microsoft-com:mac:vml" xmlns:p="http://schemas.openxmlformats.org/presentationml/2006/main" xmlns:c="http://schemas.openxmlformats.org/drawingml/2006/chart" xmlns:dgm="http://schemas.openxmlformats.org/drawingml/2006/diagram" xmlns:o="urn:schemas-microsoft-com:office:office" xmlns:v="urn:schemas-microsoft-com:vml" xmlns:pvml="urn:schemas-microsoft-com:office:powerpoint" xmlns:com="http://schemas.openxmlformats.org/drawingml/2006/compatibility" xmlns:p14="http://schemas.microsoft.com/office/powerpoint/2010/main" xmlns:p15="http://schemas.microsoft.com/office/powerpoint/2012/main" xmlns:ahyp="http://schemas.microsoft.com/office/drawing/2018/hyperlinkcolor" matchingName="One column text">
+<p:sldLayout xmlns:a="http://schemas.openxmlformats.org/drawingml/2006/main" xmlns:r="http://schemas.openxmlformats.org/officeDocument/2006/relationships" xmlns:p="http://schemas.openxmlformats.org/presentationml/2006/main" matchingName="One column text">
   <p:cSld name="ONE_COLUMN_TEXT">
     <p:spTree>
       <p:nvGrpSpPr>
-        <p:cNvPr id="28" name="Shape 28"/>
+        <p:cNvPr id="1" name="Shape 28"/>
         <p:cNvGrpSpPr/>
         <p:nvPr/>
       </p:nvGrpSpPr>
@@ -3225,7 +3316,9 @@
       <p:sp>
         <p:nvSpPr>
           <p:cNvPr id="29" name="Google Shape;29;p7"/>
-          <p:cNvSpPr txBox="1"/>
+          <p:cNvSpPr txBox="1">
+            <a:spLocks noGrp="1"/>
+          </p:cNvSpPr>
           <p:nvPr>
             <p:ph type="title"/>
           </p:nvPr>
@@ -3240,7 +3333,7 @@
           </a:prstGeom>
         </p:spPr>
         <p:txBody>
-          <a:bodyPr anchorCtr="0" anchor="b" bIns="91425" lIns="91425" spcFirstLastPara="1" rIns="91425" wrap="square" tIns="91425">
+          <a:bodyPr spcFirstLastPara="1" wrap="square" lIns="91425" tIns="91425" rIns="91425" bIns="91425" anchor="b" anchorCtr="0">
             <a:normAutofit/>
           </a:bodyPr>
           <a:lstStyle>
@@ -3344,15 +3437,19 @@
               <a:defRPr sz="2400"/>
             </a:lvl9pPr>
           </a:lstStyle>
-          <a:p/>
+          <a:p>
+            <a:endParaRPr/>
+          </a:p>
         </p:txBody>
       </p:sp>
       <p:sp>
         <p:nvSpPr>
           <p:cNvPr id="30" name="Google Shape;30;p7"/>
-          <p:cNvSpPr txBox="1"/>
+          <p:cNvSpPr txBox="1">
+            <a:spLocks noGrp="1"/>
+          </p:cNvSpPr>
           <p:nvPr>
-            <p:ph idx="1" type="body"/>
+            <p:ph type="body" idx="1"/>
           </p:nvPr>
         </p:nvSpPr>
         <p:spPr>
@@ -3365,11 +3462,11 @@
           </a:prstGeom>
         </p:spPr>
         <p:txBody>
-          <a:bodyPr anchorCtr="0" anchor="t" bIns="91425" lIns="91425" spcFirstLastPara="1" rIns="91425" wrap="square" tIns="91425">
+          <a:bodyPr spcFirstLastPara="1" wrap="square" lIns="91425" tIns="91425" rIns="91425" bIns="91425" anchor="t" anchorCtr="0">
             <a:normAutofit/>
           </a:bodyPr>
           <a:lstStyle>
-            <a:lvl1pPr indent="-304800" lvl="0" marL="457200">
+            <a:lvl1pPr marL="457200" lvl="0" indent="-304800">
               <a:spcBef>
                 <a:spcPts val="0"/>
               </a:spcBef>
@@ -3380,7 +3477,7 @@
               <a:buChar char="●"/>
               <a:defRPr sz="1200"/>
             </a:lvl1pPr>
-            <a:lvl2pPr indent="-304800" lvl="1" marL="914400">
+            <a:lvl2pPr marL="914400" lvl="1" indent="-304800">
               <a:spcBef>
                 <a:spcPts val="0"/>
               </a:spcBef>
@@ -3391,7 +3488,7 @@
               <a:buChar char="○"/>
               <a:defRPr sz="1200"/>
             </a:lvl2pPr>
-            <a:lvl3pPr indent="-304800" lvl="2" marL="1371600">
+            <a:lvl3pPr marL="1371600" lvl="2" indent="-304800">
               <a:spcBef>
                 <a:spcPts val="0"/>
               </a:spcBef>
@@ -3402,7 +3499,7 @@
               <a:buChar char="■"/>
               <a:defRPr sz="1200"/>
             </a:lvl3pPr>
-            <a:lvl4pPr indent="-304800" lvl="3" marL="1828800">
+            <a:lvl4pPr marL="1828800" lvl="3" indent="-304800">
               <a:spcBef>
                 <a:spcPts val="0"/>
               </a:spcBef>
@@ -3413,7 +3510,7 @@
               <a:buChar char="●"/>
               <a:defRPr sz="1200"/>
             </a:lvl4pPr>
-            <a:lvl5pPr indent="-304800" lvl="4" marL="2286000">
+            <a:lvl5pPr marL="2286000" lvl="4" indent="-304800">
               <a:spcBef>
                 <a:spcPts val="0"/>
               </a:spcBef>
@@ -3424,7 +3521,7 @@
               <a:buChar char="○"/>
               <a:defRPr sz="1200"/>
             </a:lvl5pPr>
-            <a:lvl6pPr indent="-304800" lvl="5" marL="2743200">
+            <a:lvl6pPr marL="2743200" lvl="5" indent="-304800">
               <a:spcBef>
                 <a:spcPts val="0"/>
               </a:spcBef>
@@ -3435,7 +3532,7 @@
               <a:buChar char="■"/>
               <a:defRPr sz="1200"/>
             </a:lvl6pPr>
-            <a:lvl7pPr indent="-304800" lvl="6" marL="3200400">
+            <a:lvl7pPr marL="3200400" lvl="6" indent="-304800">
               <a:spcBef>
                 <a:spcPts val="0"/>
               </a:spcBef>
@@ -3446,7 +3543,7 @@
               <a:buChar char="●"/>
               <a:defRPr sz="1200"/>
             </a:lvl7pPr>
-            <a:lvl8pPr indent="-304800" lvl="7" marL="3657600">
+            <a:lvl8pPr marL="3657600" lvl="7" indent="-304800">
               <a:spcBef>
                 <a:spcPts val="0"/>
               </a:spcBef>
@@ -3457,7 +3554,7 @@
               <a:buChar char="○"/>
               <a:defRPr sz="1200"/>
             </a:lvl8pPr>
-            <a:lvl9pPr indent="-304800" lvl="8" marL="4114800">
+            <a:lvl9pPr marL="4114800" lvl="8" indent="-304800">
               <a:spcBef>
                 <a:spcPts val="0"/>
               </a:spcBef>
@@ -3469,15 +3566,19 @@
               <a:defRPr sz="1200"/>
             </a:lvl9pPr>
           </a:lstStyle>
-          <a:p/>
+          <a:p>
+            <a:endParaRPr/>
+          </a:p>
         </p:txBody>
       </p:sp>
       <p:sp>
         <p:nvSpPr>
           <p:cNvPr id="31" name="Google Shape;31;p7"/>
-          <p:cNvSpPr txBox="1"/>
+          <p:cNvSpPr txBox="1">
+            <a:spLocks noGrp="1"/>
+          </p:cNvSpPr>
           <p:nvPr>
-            <p:ph idx="12" type="sldNum"/>
+            <p:ph type="sldNum" idx="12"/>
           </p:nvPr>
         </p:nvSpPr>
         <p:spPr>
@@ -3490,7 +3591,7 @@
           </a:prstGeom>
         </p:spPr>
         <p:txBody>
-          <a:bodyPr anchorCtr="0" anchor="ctr" bIns="91425" lIns="91425" spcFirstLastPara="1" rIns="91425" wrap="square" tIns="91425">
+          <a:bodyPr spcFirstLastPara="1" wrap="square" lIns="91425" tIns="91425" rIns="91425" bIns="91425" anchor="ctr" anchorCtr="0">
             <a:normAutofit/>
           </a:bodyPr>
           <a:lstStyle>
@@ -3532,7 +3633,7 @@
             </a:lvl9pPr>
           </a:lstStyle>
           <a:p>
-            <a:pPr indent="0" lvl="0" marL="0" rtl="0" algn="r">
+            <a:pPr marL="0" lvl="0" indent="0" algn="r" rtl="0">
               <a:spcBef>
                 <a:spcPts val="0"/>
               </a:spcBef>
@@ -3558,11 +3659,11 @@
 </file>
 
 <file path=ppt/slideLayouts/slideLayout7.xml><?xml version="1.0" encoding="utf-8"?>
-<p:sldLayout xmlns:a="http://schemas.openxmlformats.org/drawingml/2006/main" xmlns:r="http://schemas.openxmlformats.org/officeDocument/2006/relationships" xmlns:mc="http://schemas.openxmlformats.org/markup-compatibility/2006" xmlns:mv="urn:schemas-microsoft-com:mac:vml" xmlns:p="http://schemas.openxmlformats.org/presentationml/2006/main" xmlns:c="http://schemas.openxmlformats.org/drawingml/2006/chart" xmlns:dgm="http://schemas.openxmlformats.org/drawingml/2006/diagram" xmlns:o="urn:schemas-microsoft-com:office:office" xmlns:v="urn:schemas-microsoft-com:vml" xmlns:pvml="urn:schemas-microsoft-com:office:powerpoint" xmlns:com="http://schemas.openxmlformats.org/drawingml/2006/compatibility" xmlns:p14="http://schemas.microsoft.com/office/powerpoint/2010/main" xmlns:p15="http://schemas.microsoft.com/office/powerpoint/2012/main" xmlns:ahyp="http://schemas.microsoft.com/office/drawing/2018/hyperlinkcolor" matchingName="Main point">
+<p:sldLayout xmlns:a="http://schemas.openxmlformats.org/drawingml/2006/main" xmlns:r="http://schemas.openxmlformats.org/officeDocument/2006/relationships" xmlns:p="http://schemas.openxmlformats.org/presentationml/2006/main" matchingName="Main point">
   <p:cSld name="MAIN_POINT">
     <p:spTree>
       <p:nvGrpSpPr>
-        <p:cNvPr id="32" name="Shape 32"/>
+        <p:cNvPr id="1" name="Shape 32"/>
         <p:cNvGrpSpPr/>
         <p:nvPr/>
       </p:nvGrpSpPr>
@@ -3577,7 +3678,9 @@
       <p:sp>
         <p:nvSpPr>
           <p:cNvPr id="33" name="Google Shape;33;p8"/>
-          <p:cNvSpPr txBox="1"/>
+          <p:cNvSpPr txBox="1">
+            <a:spLocks noGrp="1"/>
+          </p:cNvSpPr>
           <p:nvPr>
             <p:ph type="title"/>
           </p:nvPr>
@@ -3592,7 +3695,7 @@
           </a:prstGeom>
         </p:spPr>
         <p:txBody>
-          <a:bodyPr anchorCtr="0" anchor="ctr" bIns="91425" lIns="91425" spcFirstLastPara="1" rIns="91425" wrap="square" tIns="91425">
+          <a:bodyPr spcFirstLastPara="1" wrap="square" lIns="91425" tIns="91425" rIns="91425" bIns="91425" anchor="ctr" anchorCtr="0">
             <a:normAutofit/>
           </a:bodyPr>
           <a:lstStyle>
@@ -3696,15 +3799,19 @@
               <a:defRPr sz="4800"/>
             </a:lvl9pPr>
           </a:lstStyle>
-          <a:p/>
+          <a:p>
+            <a:endParaRPr/>
+          </a:p>
         </p:txBody>
       </p:sp>
       <p:sp>
         <p:nvSpPr>
           <p:cNvPr id="34" name="Google Shape;34;p8"/>
-          <p:cNvSpPr txBox="1"/>
+          <p:cNvSpPr txBox="1">
+            <a:spLocks noGrp="1"/>
+          </p:cNvSpPr>
           <p:nvPr>
-            <p:ph idx="12" type="sldNum"/>
+            <p:ph type="sldNum" idx="12"/>
           </p:nvPr>
         </p:nvSpPr>
         <p:spPr>
@@ -3717,7 +3824,7 @@
           </a:prstGeom>
         </p:spPr>
         <p:txBody>
-          <a:bodyPr anchorCtr="0" anchor="ctr" bIns="91425" lIns="91425" spcFirstLastPara="1" rIns="91425" wrap="square" tIns="91425">
+          <a:bodyPr spcFirstLastPara="1" wrap="square" lIns="91425" tIns="91425" rIns="91425" bIns="91425" anchor="ctr" anchorCtr="0">
             <a:normAutofit/>
           </a:bodyPr>
           <a:lstStyle>
@@ -3759,7 +3866,7 @@
             </a:lvl9pPr>
           </a:lstStyle>
           <a:p>
-            <a:pPr indent="0" lvl="0" marL="0" rtl="0" algn="r">
+            <a:pPr marL="0" lvl="0" indent="0" algn="r" rtl="0">
               <a:spcBef>
                 <a:spcPts val="0"/>
               </a:spcBef>
@@ -3785,11 +3892,11 @@
 </file>
 
 <file path=ppt/slideLayouts/slideLayout8.xml><?xml version="1.0" encoding="utf-8"?>
-<p:sldLayout xmlns:a="http://schemas.openxmlformats.org/drawingml/2006/main" xmlns:r="http://schemas.openxmlformats.org/officeDocument/2006/relationships" xmlns:mc="http://schemas.openxmlformats.org/markup-compatibility/2006" xmlns:mv="urn:schemas-microsoft-com:mac:vml" xmlns:p="http://schemas.openxmlformats.org/presentationml/2006/main" xmlns:c="http://schemas.openxmlformats.org/drawingml/2006/chart" xmlns:dgm="http://schemas.openxmlformats.org/drawingml/2006/diagram" xmlns:o="urn:schemas-microsoft-com:office:office" xmlns:v="urn:schemas-microsoft-com:vml" xmlns:pvml="urn:schemas-microsoft-com:office:powerpoint" xmlns:com="http://schemas.openxmlformats.org/drawingml/2006/compatibility" xmlns:p14="http://schemas.microsoft.com/office/powerpoint/2010/main" xmlns:p15="http://schemas.microsoft.com/office/powerpoint/2012/main" xmlns:ahyp="http://schemas.microsoft.com/office/drawing/2018/hyperlinkcolor" matchingName="Section title and description">
+<p:sldLayout xmlns:a="http://schemas.openxmlformats.org/drawingml/2006/main" xmlns:r="http://schemas.openxmlformats.org/officeDocument/2006/relationships" xmlns:p="http://schemas.openxmlformats.org/presentationml/2006/main" matchingName="Section title and description">
   <p:cSld name="SECTION_TITLE_AND_DESCRIPTION">
     <p:spTree>
       <p:nvGrpSpPr>
-        <p:cNvPr id="35" name="Shape 35"/>
+        <p:cNvPr id="1" name="Shape 35"/>
         <p:cNvGrpSpPr/>
         <p:nvPr/>
       </p:nvGrpSpPr>
@@ -3823,12 +3930,12 @@
           </a:ln>
         </p:spPr>
         <p:txBody>
-          <a:bodyPr anchorCtr="0" anchor="ctr" bIns="91425" lIns="91425" spcFirstLastPara="1" rIns="91425" wrap="square" tIns="91425">
+          <a:bodyPr spcFirstLastPara="1" wrap="square" lIns="91425" tIns="91425" rIns="91425" bIns="91425" anchor="ctr" anchorCtr="0">
             <a:noAutofit/>
           </a:bodyPr>
           <a:lstStyle/>
           <a:p>
-            <a:pPr indent="0" lvl="0" marL="0" rtl="0" algn="l">
+            <a:pPr marL="0" lvl="0" indent="0" algn="l" rtl="0">
               <a:spcBef>
                 <a:spcPts val="0"/>
               </a:spcBef>
@@ -3837,9 +3944,6 @@
               </a:spcAft>
               <a:buNone/>
             </a:pPr>
-            <a:r>
-              <a:t/>
-            </a:r>
             <a:endParaRPr/>
           </a:p>
         </p:txBody>
@@ -3847,7 +3951,9 @@
       <p:sp>
         <p:nvSpPr>
           <p:cNvPr id="37" name="Google Shape;37;p9"/>
-          <p:cNvSpPr txBox="1"/>
+          <p:cNvSpPr txBox="1">
+            <a:spLocks noGrp="1"/>
+          </p:cNvSpPr>
           <p:nvPr>
             <p:ph type="title"/>
           </p:nvPr>
@@ -3862,7 +3968,7 @@
           </a:prstGeom>
         </p:spPr>
         <p:txBody>
-          <a:bodyPr anchorCtr="0" anchor="b" bIns="91425" lIns="91425" spcFirstLastPara="1" rIns="91425" wrap="square" tIns="91425">
+          <a:bodyPr spcFirstLastPara="1" wrap="square" lIns="91425" tIns="91425" rIns="91425" bIns="91425" anchor="b" anchorCtr="0">
             <a:normAutofit/>
           </a:bodyPr>
           <a:lstStyle>
@@ -3966,15 +4072,19 @@
               <a:defRPr sz="4200"/>
             </a:lvl9pPr>
           </a:lstStyle>
-          <a:p/>
+          <a:p>
+            <a:endParaRPr/>
+          </a:p>
         </p:txBody>
       </p:sp>
       <p:sp>
         <p:nvSpPr>
           <p:cNvPr id="38" name="Google Shape;38;p9"/>
-          <p:cNvSpPr txBox="1"/>
+          <p:cNvSpPr txBox="1">
+            <a:spLocks noGrp="1"/>
+          </p:cNvSpPr>
           <p:nvPr>
-            <p:ph idx="1" type="subTitle"/>
+            <p:ph type="subTitle" idx="1"/>
           </p:nvPr>
         </p:nvSpPr>
         <p:spPr>
@@ -3987,7 +4097,7 @@
           </a:prstGeom>
         </p:spPr>
         <p:txBody>
-          <a:bodyPr anchorCtr="0" anchor="t" bIns="91425" lIns="91425" spcFirstLastPara="1" rIns="91425" wrap="square" tIns="91425">
+          <a:bodyPr spcFirstLastPara="1" wrap="square" lIns="91425" tIns="91425" rIns="91425" bIns="91425" anchor="t" anchorCtr="0">
             <a:normAutofit/>
           </a:bodyPr>
           <a:lstStyle>
@@ -4118,15 +4228,19 @@
               <a:defRPr sz="2100"/>
             </a:lvl9pPr>
           </a:lstStyle>
-          <a:p/>
+          <a:p>
+            <a:endParaRPr/>
+          </a:p>
         </p:txBody>
       </p:sp>
       <p:sp>
         <p:nvSpPr>
           <p:cNvPr id="39" name="Google Shape;39;p9"/>
-          <p:cNvSpPr txBox="1"/>
+          <p:cNvSpPr txBox="1">
+            <a:spLocks noGrp="1"/>
+          </p:cNvSpPr>
           <p:nvPr>
-            <p:ph idx="2" type="body"/>
+            <p:ph type="body" idx="2"/>
           </p:nvPr>
         </p:nvSpPr>
         <p:spPr>
@@ -4139,11 +4253,11 @@
           </a:prstGeom>
         </p:spPr>
         <p:txBody>
-          <a:bodyPr anchorCtr="0" anchor="ctr" bIns="91425" lIns="91425" spcFirstLastPara="1" rIns="91425" wrap="square" tIns="91425">
+          <a:bodyPr spcFirstLastPara="1" wrap="square" lIns="91425" tIns="91425" rIns="91425" bIns="91425" anchor="ctr" anchorCtr="0">
             <a:normAutofit/>
           </a:bodyPr>
           <a:lstStyle>
-            <a:lvl1pPr indent="-342900" lvl="0" marL="457200">
+            <a:lvl1pPr marL="457200" lvl="0" indent="-342900">
               <a:spcBef>
                 <a:spcPts val="0"/>
               </a:spcBef>
@@ -4154,7 +4268,7 @@
               <a:buChar char="●"/>
               <a:defRPr/>
             </a:lvl1pPr>
-            <a:lvl2pPr indent="-317500" lvl="1" marL="914400">
+            <a:lvl2pPr marL="914400" lvl="1" indent="-317500">
               <a:spcBef>
                 <a:spcPts val="0"/>
               </a:spcBef>
@@ -4165,7 +4279,7 @@
               <a:buChar char="○"/>
               <a:defRPr/>
             </a:lvl2pPr>
-            <a:lvl3pPr indent="-317500" lvl="2" marL="1371600">
+            <a:lvl3pPr marL="1371600" lvl="2" indent="-317500">
               <a:spcBef>
                 <a:spcPts val="0"/>
               </a:spcBef>
@@ -4176,7 +4290,7 @@
               <a:buChar char="■"/>
               <a:defRPr/>
             </a:lvl3pPr>
-            <a:lvl4pPr indent="-317500" lvl="3" marL="1828800">
+            <a:lvl4pPr marL="1828800" lvl="3" indent="-317500">
               <a:spcBef>
                 <a:spcPts val="0"/>
               </a:spcBef>
@@ -4187,7 +4301,7 @@
               <a:buChar char="●"/>
               <a:defRPr/>
             </a:lvl4pPr>
-            <a:lvl5pPr indent="-317500" lvl="4" marL="2286000">
+            <a:lvl5pPr marL="2286000" lvl="4" indent="-317500">
               <a:spcBef>
                 <a:spcPts val="0"/>
               </a:spcBef>
@@ -4198,7 +4312,7 @@
               <a:buChar char="○"/>
               <a:defRPr/>
             </a:lvl5pPr>
-            <a:lvl6pPr indent="-317500" lvl="5" marL="2743200">
+            <a:lvl6pPr marL="2743200" lvl="5" indent="-317500">
               <a:spcBef>
                 <a:spcPts val="0"/>
               </a:spcBef>
@@ -4209,7 +4323,7 @@
               <a:buChar char="■"/>
               <a:defRPr/>
             </a:lvl6pPr>
-            <a:lvl7pPr indent="-317500" lvl="6" marL="3200400">
+            <a:lvl7pPr marL="3200400" lvl="6" indent="-317500">
               <a:spcBef>
                 <a:spcPts val="0"/>
               </a:spcBef>
@@ -4220,7 +4334,7 @@
               <a:buChar char="●"/>
               <a:defRPr/>
             </a:lvl7pPr>
-            <a:lvl8pPr indent="-317500" lvl="7" marL="3657600">
+            <a:lvl8pPr marL="3657600" lvl="7" indent="-317500">
               <a:spcBef>
                 <a:spcPts val="0"/>
               </a:spcBef>
@@ -4231,7 +4345,7 @@
               <a:buChar char="○"/>
               <a:defRPr/>
             </a:lvl8pPr>
-            <a:lvl9pPr indent="-317500" lvl="8" marL="4114800">
+            <a:lvl9pPr marL="4114800" lvl="8" indent="-317500">
               <a:spcBef>
                 <a:spcPts val="0"/>
               </a:spcBef>
@@ -4243,15 +4357,19 @@
               <a:defRPr/>
             </a:lvl9pPr>
           </a:lstStyle>
-          <a:p/>
+          <a:p>
+            <a:endParaRPr/>
+          </a:p>
         </p:txBody>
       </p:sp>
       <p:sp>
         <p:nvSpPr>
           <p:cNvPr id="40" name="Google Shape;40;p9"/>
-          <p:cNvSpPr txBox="1"/>
+          <p:cNvSpPr txBox="1">
+            <a:spLocks noGrp="1"/>
+          </p:cNvSpPr>
           <p:nvPr>
-            <p:ph idx="12" type="sldNum"/>
+            <p:ph type="sldNum" idx="12"/>
           </p:nvPr>
         </p:nvSpPr>
         <p:spPr>
@@ -4264,7 +4382,7 @@
           </a:prstGeom>
         </p:spPr>
         <p:txBody>
-          <a:bodyPr anchorCtr="0" anchor="ctr" bIns="91425" lIns="91425" spcFirstLastPara="1" rIns="91425" wrap="square" tIns="91425">
+          <a:bodyPr spcFirstLastPara="1" wrap="square" lIns="91425" tIns="91425" rIns="91425" bIns="91425" anchor="ctr" anchorCtr="0">
             <a:normAutofit/>
           </a:bodyPr>
           <a:lstStyle>
@@ -4306,7 +4424,7 @@
             </a:lvl9pPr>
           </a:lstStyle>
           <a:p>
-            <a:pPr indent="0" lvl="0" marL="0" rtl="0" algn="r">
+            <a:pPr marL="0" lvl="0" indent="0" algn="r" rtl="0">
               <a:spcBef>
                 <a:spcPts val="0"/>
               </a:spcBef>
@@ -4332,11 +4450,11 @@
 </file>
 
 <file path=ppt/slideLayouts/slideLayout9.xml><?xml version="1.0" encoding="utf-8"?>
-<p:sldLayout xmlns:a="http://schemas.openxmlformats.org/drawingml/2006/main" xmlns:r="http://schemas.openxmlformats.org/officeDocument/2006/relationships" xmlns:mc="http://schemas.openxmlformats.org/markup-compatibility/2006" xmlns:mv="urn:schemas-microsoft-com:mac:vml" xmlns:p="http://schemas.openxmlformats.org/presentationml/2006/main" xmlns:c="http://schemas.openxmlformats.org/drawingml/2006/chart" xmlns:dgm="http://schemas.openxmlformats.org/drawingml/2006/diagram" xmlns:o="urn:schemas-microsoft-com:office:office" xmlns:v="urn:schemas-microsoft-com:vml" xmlns:pvml="urn:schemas-microsoft-com:office:powerpoint" xmlns:com="http://schemas.openxmlformats.org/drawingml/2006/compatibility" xmlns:p14="http://schemas.microsoft.com/office/powerpoint/2010/main" xmlns:p15="http://schemas.microsoft.com/office/powerpoint/2012/main" xmlns:ahyp="http://schemas.microsoft.com/office/drawing/2018/hyperlinkcolor" matchingName="Caption">
+<p:sldLayout xmlns:a="http://schemas.openxmlformats.org/drawingml/2006/main" xmlns:r="http://schemas.openxmlformats.org/officeDocument/2006/relationships" xmlns:p="http://schemas.openxmlformats.org/presentationml/2006/main" matchingName="Caption">
   <p:cSld name="CAPTION_ONLY">
     <p:spTree>
       <p:nvGrpSpPr>
-        <p:cNvPr id="41" name="Shape 41"/>
+        <p:cNvPr id="1" name="Shape 41"/>
         <p:cNvGrpSpPr/>
         <p:nvPr/>
       </p:nvGrpSpPr>
@@ -4351,9 +4469,11 @@
       <p:sp>
         <p:nvSpPr>
           <p:cNvPr id="42" name="Google Shape;42;p10"/>
-          <p:cNvSpPr txBox="1"/>
+          <p:cNvSpPr txBox="1">
+            <a:spLocks noGrp="1"/>
+          </p:cNvSpPr>
           <p:nvPr>
-            <p:ph idx="1" type="body"/>
+            <p:ph type="body" idx="1"/>
           </p:nvPr>
         </p:nvSpPr>
         <p:spPr>
@@ -4366,11 +4486,11 @@
           </a:prstGeom>
         </p:spPr>
         <p:txBody>
-          <a:bodyPr anchorCtr="0" anchor="ctr" bIns="91425" lIns="91425" spcFirstLastPara="1" rIns="91425" wrap="square" tIns="91425">
+          <a:bodyPr spcFirstLastPara="1" wrap="square" lIns="91425" tIns="91425" rIns="91425" bIns="91425" anchor="ctr" anchorCtr="0">
             <a:normAutofit/>
           </a:bodyPr>
           <a:lstStyle>
-            <a:lvl1pPr indent="-228600" lvl="0" marL="457200">
+            <a:lvl1pPr marL="457200" lvl="0" indent="-228600">
               <a:lnSpc>
                 <a:spcPct val="100000"/>
               </a:lnSpc>
@@ -4385,15 +4505,19 @@
               <a:defRPr/>
             </a:lvl1pPr>
           </a:lstStyle>
-          <a:p/>
+          <a:p>
+            <a:endParaRPr/>
+          </a:p>
         </p:txBody>
       </p:sp>
       <p:sp>
         <p:nvSpPr>
           <p:cNvPr id="43" name="Google Shape;43;p10"/>
-          <p:cNvSpPr txBox="1"/>
+          <p:cNvSpPr txBox="1">
+            <a:spLocks noGrp="1"/>
+          </p:cNvSpPr>
           <p:nvPr>
-            <p:ph idx="12" type="sldNum"/>
+            <p:ph type="sldNum" idx="12"/>
           </p:nvPr>
         </p:nvSpPr>
         <p:spPr>
@@ -4406,7 +4530,7 @@
           </a:prstGeom>
         </p:spPr>
         <p:txBody>
-          <a:bodyPr anchorCtr="0" anchor="ctr" bIns="91425" lIns="91425" spcFirstLastPara="1" rIns="91425" wrap="square" tIns="91425">
+          <a:bodyPr spcFirstLastPara="1" wrap="square" lIns="91425" tIns="91425" rIns="91425" bIns="91425" anchor="ctr" anchorCtr="0">
             <a:normAutofit/>
           </a:bodyPr>
           <a:lstStyle>
@@ -4448,7 +4572,7 @@
             </a:lvl9pPr>
           </a:lstStyle>
           <a:p>
-            <a:pPr indent="0" lvl="0" marL="0" rtl="0" algn="r">
+            <a:pPr marL="0" lvl="0" indent="0" algn="r" rtl="0">
               <a:spcBef>
                 <a:spcPts val="0"/>
               </a:spcBef>
@@ -4474,18 +4598,19 @@
 </file>
 
 <file path=ppt/slideMasters/slideMaster1.xml><?xml version="1.0" encoding="utf-8"?>
-<p:sldMaster xmlns:a="http://schemas.openxmlformats.org/drawingml/2006/main" xmlns:r="http://schemas.openxmlformats.org/officeDocument/2006/relationships" xmlns:mc="http://schemas.openxmlformats.org/markup-compatibility/2006" xmlns:mv="urn:schemas-microsoft-com:mac:vml" xmlns:p="http://schemas.openxmlformats.org/presentationml/2006/main" xmlns:c="http://schemas.openxmlformats.org/drawingml/2006/chart" xmlns:dgm="http://schemas.openxmlformats.org/drawingml/2006/diagram" xmlns:o="urn:schemas-microsoft-com:office:office" xmlns:v="urn:schemas-microsoft-com:vml" xmlns:pvml="urn:schemas-microsoft-com:office:powerpoint" xmlns:com="http://schemas.openxmlformats.org/drawingml/2006/compatibility" xmlns:p14="http://schemas.microsoft.com/office/powerpoint/2010/main" xmlns:p15="http://schemas.microsoft.com/office/powerpoint/2012/main" xmlns:ahyp="http://schemas.microsoft.com/office/drawing/2018/hyperlinkcolor">
+<p:sldMaster xmlns:a="http://schemas.openxmlformats.org/drawingml/2006/main" xmlns:r="http://schemas.openxmlformats.org/officeDocument/2006/relationships" xmlns:p="http://schemas.openxmlformats.org/presentationml/2006/main">
   <p:cSld name="simple-light-2">
     <p:bg>
       <p:bgPr>
         <a:solidFill>
           <a:schemeClr val="lt1"/>
         </a:solidFill>
+        <a:effectLst/>
       </p:bgPr>
     </p:bg>
     <p:spTree>
       <p:nvGrpSpPr>
-        <p:cNvPr id="5" name="Shape 5"/>
+        <p:cNvPr id="1" name="Shape 5"/>
         <p:cNvGrpSpPr/>
         <p:nvPr/>
       </p:nvGrpSpPr>
@@ -4500,7 +4625,9 @@
       <p:sp>
         <p:nvSpPr>
           <p:cNvPr id="6" name="Google Shape;6;p1"/>
-          <p:cNvSpPr txBox="1"/>
+          <p:cNvSpPr txBox="1">
+            <a:spLocks noGrp="1"/>
+          </p:cNvSpPr>
           <p:nvPr>
             <p:ph type="title"/>
           </p:nvPr>
@@ -4519,7 +4646,7 @@
           </a:ln>
         </p:spPr>
         <p:txBody>
-          <a:bodyPr anchorCtr="0" anchor="t" bIns="91425" lIns="91425" spcFirstLastPara="1" rIns="91425" wrap="square" tIns="91425">
+          <a:bodyPr spcFirstLastPara="1" wrap="square" lIns="91425" tIns="91425" rIns="91425" bIns="91425" anchor="t" anchorCtr="0">
             <a:normAutofit/>
           </a:bodyPr>
           <a:lstStyle>
@@ -4686,15 +4813,19 @@
               </a:defRPr>
             </a:lvl9pPr>
           </a:lstStyle>
-          <a:p/>
+          <a:p>
+            <a:endParaRPr/>
+          </a:p>
         </p:txBody>
       </p:sp>
       <p:sp>
         <p:nvSpPr>
           <p:cNvPr id="7" name="Google Shape;7;p1"/>
-          <p:cNvSpPr txBox="1"/>
+          <p:cNvSpPr txBox="1">
+            <a:spLocks noGrp="1"/>
+          </p:cNvSpPr>
           <p:nvPr>
-            <p:ph idx="1" type="body"/>
+            <p:ph type="body" idx="1"/>
           </p:nvPr>
         </p:nvSpPr>
         <p:spPr>
@@ -4711,11 +4842,11 @@
           </a:ln>
         </p:spPr>
         <p:txBody>
-          <a:bodyPr anchorCtr="0" anchor="t" bIns="91425" lIns="91425" spcFirstLastPara="1" rIns="91425" wrap="square" tIns="91425">
+          <a:bodyPr spcFirstLastPara="1" wrap="square" lIns="91425" tIns="91425" rIns="91425" bIns="91425" anchor="t" anchorCtr="0">
             <a:normAutofit/>
           </a:bodyPr>
           <a:lstStyle>
-            <a:lvl1pPr indent="-342900" lvl="0" marL="457200">
+            <a:lvl1pPr marL="457200" lvl="0" indent="-342900">
               <a:lnSpc>
                 <a:spcPct val="115000"/>
               </a:lnSpc>
@@ -4736,7 +4867,7 @@
                 </a:solidFill>
               </a:defRPr>
             </a:lvl1pPr>
-            <a:lvl2pPr indent="-317500" lvl="1" marL="914400">
+            <a:lvl2pPr marL="914400" lvl="1" indent="-317500">
               <a:lnSpc>
                 <a:spcPct val="115000"/>
               </a:lnSpc>
@@ -4757,7 +4888,7 @@
                 </a:solidFill>
               </a:defRPr>
             </a:lvl2pPr>
-            <a:lvl3pPr indent="-317500" lvl="2" marL="1371600">
+            <a:lvl3pPr marL="1371600" lvl="2" indent="-317500">
               <a:lnSpc>
                 <a:spcPct val="115000"/>
               </a:lnSpc>
@@ -4778,7 +4909,7 @@
                 </a:solidFill>
               </a:defRPr>
             </a:lvl3pPr>
-            <a:lvl4pPr indent="-317500" lvl="3" marL="1828800">
+            <a:lvl4pPr marL="1828800" lvl="3" indent="-317500">
               <a:lnSpc>
                 <a:spcPct val="115000"/>
               </a:lnSpc>
@@ -4799,7 +4930,7 @@
                 </a:solidFill>
               </a:defRPr>
             </a:lvl4pPr>
-            <a:lvl5pPr indent="-317500" lvl="4" marL="2286000">
+            <a:lvl5pPr marL="2286000" lvl="4" indent="-317500">
               <a:lnSpc>
                 <a:spcPct val="115000"/>
               </a:lnSpc>
@@ -4820,7 +4951,7 @@
                 </a:solidFill>
               </a:defRPr>
             </a:lvl5pPr>
-            <a:lvl6pPr indent="-317500" lvl="5" marL="2743200">
+            <a:lvl6pPr marL="2743200" lvl="5" indent="-317500">
               <a:lnSpc>
                 <a:spcPct val="115000"/>
               </a:lnSpc>
@@ -4841,7 +4972,7 @@
                 </a:solidFill>
               </a:defRPr>
             </a:lvl6pPr>
-            <a:lvl7pPr indent="-317500" lvl="6" marL="3200400">
+            <a:lvl7pPr marL="3200400" lvl="6" indent="-317500">
               <a:lnSpc>
                 <a:spcPct val="115000"/>
               </a:lnSpc>
@@ -4862,7 +4993,7 @@
                 </a:solidFill>
               </a:defRPr>
             </a:lvl7pPr>
-            <a:lvl8pPr indent="-317500" lvl="7" marL="3657600">
+            <a:lvl8pPr marL="3657600" lvl="7" indent="-317500">
               <a:lnSpc>
                 <a:spcPct val="115000"/>
               </a:lnSpc>
@@ -4883,7 +5014,7 @@
                 </a:solidFill>
               </a:defRPr>
             </a:lvl8pPr>
-            <a:lvl9pPr indent="-317500" lvl="8" marL="4114800">
+            <a:lvl9pPr marL="4114800" lvl="8" indent="-317500">
               <a:lnSpc>
                 <a:spcPct val="115000"/>
               </a:lnSpc>
@@ -4905,15 +5036,19 @@
               </a:defRPr>
             </a:lvl9pPr>
           </a:lstStyle>
-          <a:p/>
+          <a:p>
+            <a:endParaRPr/>
+          </a:p>
         </p:txBody>
       </p:sp>
       <p:sp>
         <p:nvSpPr>
           <p:cNvPr id="8" name="Google Shape;8;p1"/>
-          <p:cNvSpPr txBox="1"/>
+          <p:cNvSpPr txBox="1">
+            <a:spLocks noGrp="1"/>
+          </p:cNvSpPr>
           <p:nvPr>
-            <p:ph idx="12" type="sldNum"/>
+            <p:ph type="sldNum" idx="12"/>
           </p:nvPr>
         </p:nvSpPr>
         <p:spPr>
@@ -4930,7 +5065,7 @@
           </a:ln>
         </p:spPr>
         <p:txBody>
-          <a:bodyPr anchorCtr="0" anchor="ctr" bIns="91425" lIns="91425" spcFirstLastPara="1" rIns="91425" wrap="square" tIns="91425">
+          <a:bodyPr spcFirstLastPara="1" wrap="square" lIns="91425" tIns="91425" rIns="91425" bIns="91425" anchor="ctr" anchorCtr="0">
             <a:normAutofit/>
           </a:bodyPr>
           <a:lstStyle>
@@ -5008,7 +5143,7 @@
             </a:lvl9pPr>
           </a:lstStyle>
           <a:p>
-            <a:pPr indent="0" lvl="0" marL="0" rtl="0" algn="r">
+            <a:pPr marL="0" lvl="0" indent="0" algn="r" rtl="0">
               <a:spcBef>
                 <a:spcPts val="0"/>
               </a:spcBef>
@@ -5027,7 +5162,7 @@
       </p:sp>
     </p:spTree>
   </p:cSld>
-  <p:clrMap accent1="accent1" accent2="accent2" accent3="accent3" accent4="accent4" accent5="accent5" accent6="accent6" bg1="lt1" bg2="dk2" tx1="dk1" tx2="lt2" folHlink="folHlink" hlink="hlink"/>
+  <p:clrMap bg1="lt1" tx1="dk1" bg2="dk2" tx2="lt2" accent1="accent1" accent2="accent2" accent3="accent3" accent4="accent4" accent5="accent5" accent6="accent6" hlink="hlink" folHlink="folHlink"/>
   <p:sldLayoutIdLst>
     <p:sldLayoutId id="2147483648" r:id="rId1"/>
     <p:sldLayoutId id="2147483649" r:id="rId2"/>
@@ -5041,10 +5176,10 @@
     <p:sldLayoutId id="2147483657" r:id="rId10"/>
     <p:sldLayoutId id="2147483658" r:id="rId11"/>
   </p:sldLayoutIdLst>
-  <p:hf dt="0" ftr="0" hdr="0" sldNum="0"/>
+  <p:hf sldNum="0" hdr="0" ftr="0" dt="0"/>
   <p:txStyles>
     <p:titleStyle>
-      <a:defPPr lvl="0" marR="0" rtl="0" algn="l">
+      <a:defPPr marR="0" lvl="0" algn="l" rtl="0">
         <a:lnSpc>
           <a:spcPct val="100000"/>
         </a:lnSpc>
@@ -5055,7 +5190,7 @@
           <a:spcPts val="0"/>
         </a:spcAft>
       </a:defPPr>
-      <a:lvl1pPr lvl="0" marR="0" rtl="0" algn="l">
+      <a:lvl1pPr marR="0" lvl="0" algn="l" rtl="0">
         <a:lnSpc>
           <a:spcPct val="100000"/>
         </a:lnSpc>
@@ -5069,7 +5204,7 @@
           <a:srgbClr val="000000"/>
         </a:buClr>
         <a:buFont typeface="Arial"/>
-        <a:defRPr b="0" i="0" sz="1400" u="none" cap="none" strike="noStrike">
+        <a:defRPr sz="1400" b="0" i="0" u="none" strike="noStrike" cap="none">
           <a:solidFill>
             <a:srgbClr val="000000"/>
           </a:solidFill>
@@ -5079,7 +5214,7 @@
           <a:sym typeface="Arial"/>
         </a:defRPr>
       </a:lvl1pPr>
-      <a:lvl2pPr lvl="1" marR="0" rtl="0" algn="l">
+      <a:lvl2pPr marR="0" lvl="1" algn="l" rtl="0">
         <a:lnSpc>
           <a:spcPct val="100000"/>
         </a:lnSpc>
@@ -5093,7 +5228,7 @@
           <a:srgbClr val="000000"/>
         </a:buClr>
         <a:buFont typeface="Arial"/>
-        <a:defRPr b="0" i="0" sz="1400" u="none" cap="none" strike="noStrike">
+        <a:defRPr sz="1400" b="0" i="0" u="none" strike="noStrike" cap="none">
           <a:solidFill>
             <a:srgbClr val="000000"/>
           </a:solidFill>
@@ -5103,7 +5238,7 @@
           <a:sym typeface="Arial"/>
         </a:defRPr>
       </a:lvl2pPr>
-      <a:lvl3pPr lvl="2" marR="0" rtl="0" algn="l">
+      <a:lvl3pPr marR="0" lvl="2" algn="l" rtl="0">
         <a:lnSpc>
           <a:spcPct val="100000"/>
         </a:lnSpc>
@@ -5117,7 +5252,7 @@
           <a:srgbClr val="000000"/>
         </a:buClr>
         <a:buFont typeface="Arial"/>
-        <a:defRPr b="0" i="0" sz="1400" u="none" cap="none" strike="noStrike">
+        <a:defRPr sz="1400" b="0" i="0" u="none" strike="noStrike" cap="none">
           <a:solidFill>
             <a:srgbClr val="000000"/>
           </a:solidFill>
@@ -5127,7 +5262,7 @@
           <a:sym typeface="Arial"/>
         </a:defRPr>
       </a:lvl3pPr>
-      <a:lvl4pPr lvl="3" marR="0" rtl="0" algn="l">
+      <a:lvl4pPr marR="0" lvl="3" algn="l" rtl="0">
         <a:lnSpc>
           <a:spcPct val="100000"/>
         </a:lnSpc>
@@ -5141,7 +5276,7 @@
           <a:srgbClr val="000000"/>
         </a:buClr>
         <a:buFont typeface="Arial"/>
-        <a:defRPr b="0" i="0" sz="1400" u="none" cap="none" strike="noStrike">
+        <a:defRPr sz="1400" b="0" i="0" u="none" strike="noStrike" cap="none">
           <a:solidFill>
             <a:srgbClr val="000000"/>
           </a:solidFill>
@@ -5151,7 +5286,7 @@
           <a:sym typeface="Arial"/>
         </a:defRPr>
       </a:lvl4pPr>
-      <a:lvl5pPr lvl="4" marR="0" rtl="0" algn="l">
+      <a:lvl5pPr marR="0" lvl="4" algn="l" rtl="0">
         <a:lnSpc>
           <a:spcPct val="100000"/>
         </a:lnSpc>
@@ -5165,7 +5300,7 @@
           <a:srgbClr val="000000"/>
         </a:buClr>
         <a:buFont typeface="Arial"/>
-        <a:defRPr b="0" i="0" sz="1400" u="none" cap="none" strike="noStrike">
+        <a:defRPr sz="1400" b="0" i="0" u="none" strike="noStrike" cap="none">
           <a:solidFill>
             <a:srgbClr val="000000"/>
           </a:solidFill>
@@ -5175,7 +5310,7 @@
           <a:sym typeface="Arial"/>
         </a:defRPr>
       </a:lvl5pPr>
-      <a:lvl6pPr lvl="5" marR="0" rtl="0" algn="l">
+      <a:lvl6pPr marR="0" lvl="5" algn="l" rtl="0">
         <a:lnSpc>
           <a:spcPct val="100000"/>
         </a:lnSpc>
@@ -5189,7 +5324,7 @@
           <a:srgbClr val="000000"/>
         </a:buClr>
         <a:buFont typeface="Arial"/>
-        <a:defRPr b="0" i="0" sz="1400" u="none" cap="none" strike="noStrike">
+        <a:defRPr sz="1400" b="0" i="0" u="none" strike="noStrike" cap="none">
           <a:solidFill>
             <a:srgbClr val="000000"/>
           </a:solidFill>
@@ -5199,7 +5334,7 @@
           <a:sym typeface="Arial"/>
         </a:defRPr>
       </a:lvl6pPr>
-      <a:lvl7pPr lvl="6" marR="0" rtl="0" algn="l">
+      <a:lvl7pPr marR="0" lvl="6" algn="l" rtl="0">
         <a:lnSpc>
           <a:spcPct val="100000"/>
         </a:lnSpc>
@@ -5213,7 +5348,7 @@
           <a:srgbClr val="000000"/>
         </a:buClr>
         <a:buFont typeface="Arial"/>
-        <a:defRPr b="0" i="0" sz="1400" u="none" cap="none" strike="noStrike">
+        <a:defRPr sz="1400" b="0" i="0" u="none" strike="noStrike" cap="none">
           <a:solidFill>
             <a:srgbClr val="000000"/>
           </a:solidFill>
@@ -5223,7 +5358,7 @@
           <a:sym typeface="Arial"/>
         </a:defRPr>
       </a:lvl7pPr>
-      <a:lvl8pPr lvl="7" marR="0" rtl="0" algn="l">
+      <a:lvl8pPr marR="0" lvl="7" algn="l" rtl="0">
         <a:lnSpc>
           <a:spcPct val="100000"/>
         </a:lnSpc>
@@ -5237,7 +5372,7 @@
           <a:srgbClr val="000000"/>
         </a:buClr>
         <a:buFont typeface="Arial"/>
-        <a:defRPr b="0" i="0" sz="1400" u="none" cap="none" strike="noStrike">
+        <a:defRPr sz="1400" b="0" i="0" u="none" strike="noStrike" cap="none">
           <a:solidFill>
             <a:srgbClr val="000000"/>
           </a:solidFill>
@@ -5247,7 +5382,7 @@
           <a:sym typeface="Arial"/>
         </a:defRPr>
       </a:lvl8pPr>
-      <a:lvl9pPr lvl="8" marR="0" rtl="0" algn="l">
+      <a:lvl9pPr marR="0" lvl="8" algn="l" rtl="0">
         <a:lnSpc>
           <a:spcPct val="100000"/>
         </a:lnSpc>
@@ -5261,7 +5396,7 @@
           <a:srgbClr val="000000"/>
         </a:buClr>
         <a:buFont typeface="Arial"/>
-        <a:defRPr b="0" i="0" sz="1400" u="none" cap="none" strike="noStrike">
+        <a:defRPr sz="1400" b="0" i="0" u="none" strike="noStrike" cap="none">
           <a:solidFill>
             <a:srgbClr val="000000"/>
           </a:solidFill>
@@ -5273,7 +5408,7 @@
       </a:lvl9pPr>
     </p:titleStyle>
     <p:bodyStyle>
-      <a:defPPr lvl="0" marR="0" rtl="0" algn="l">
+      <a:defPPr marR="0" lvl="0" algn="l" rtl="0">
         <a:lnSpc>
           <a:spcPct val="100000"/>
         </a:lnSpc>
@@ -5284,7 +5419,7 @@
           <a:spcPts val="0"/>
         </a:spcAft>
       </a:defPPr>
-      <a:lvl1pPr lvl="0" marR="0" rtl="0" algn="l">
+      <a:lvl1pPr marR="0" lvl="0" algn="l" rtl="0">
         <a:lnSpc>
           <a:spcPct val="100000"/>
         </a:lnSpc>
@@ -5298,7 +5433,7 @@
           <a:srgbClr val="000000"/>
         </a:buClr>
         <a:buFont typeface="Arial"/>
-        <a:defRPr b="0" i="0" sz="1400" u="none" cap="none" strike="noStrike">
+        <a:defRPr sz="1400" b="0" i="0" u="none" strike="noStrike" cap="none">
           <a:solidFill>
             <a:srgbClr val="000000"/>
           </a:solidFill>
@@ -5308,7 +5443,7 @@
           <a:sym typeface="Arial"/>
         </a:defRPr>
       </a:lvl1pPr>
-      <a:lvl2pPr lvl="1" marR="0" rtl="0" algn="l">
+      <a:lvl2pPr marR="0" lvl="1" algn="l" rtl="0">
         <a:lnSpc>
           <a:spcPct val="100000"/>
         </a:lnSpc>
@@ -5322,7 +5457,7 @@
           <a:srgbClr val="000000"/>
         </a:buClr>
         <a:buFont typeface="Arial"/>
-        <a:defRPr b="0" i="0" sz="1400" u="none" cap="none" strike="noStrike">
+        <a:defRPr sz="1400" b="0" i="0" u="none" strike="noStrike" cap="none">
           <a:solidFill>
             <a:srgbClr val="000000"/>
           </a:solidFill>
@@ -5332,7 +5467,7 @@
           <a:sym typeface="Arial"/>
         </a:defRPr>
       </a:lvl2pPr>
-      <a:lvl3pPr lvl="2" marR="0" rtl="0" algn="l">
+      <a:lvl3pPr marR="0" lvl="2" algn="l" rtl="0">
         <a:lnSpc>
           <a:spcPct val="100000"/>
         </a:lnSpc>
@@ -5346,7 +5481,7 @@
           <a:srgbClr val="000000"/>
         </a:buClr>
         <a:buFont typeface="Arial"/>
-        <a:defRPr b="0" i="0" sz="1400" u="none" cap="none" strike="noStrike">
+        <a:defRPr sz="1400" b="0" i="0" u="none" strike="noStrike" cap="none">
           <a:solidFill>
             <a:srgbClr val="000000"/>
           </a:solidFill>
@@ -5356,7 +5491,7 @@
           <a:sym typeface="Arial"/>
         </a:defRPr>
       </a:lvl3pPr>
-      <a:lvl4pPr lvl="3" marR="0" rtl="0" algn="l">
+      <a:lvl4pPr marR="0" lvl="3" algn="l" rtl="0">
         <a:lnSpc>
           <a:spcPct val="100000"/>
         </a:lnSpc>
@@ -5370,7 +5505,7 @@
           <a:srgbClr val="000000"/>
         </a:buClr>
         <a:buFont typeface="Arial"/>
-        <a:defRPr b="0" i="0" sz="1400" u="none" cap="none" strike="noStrike">
+        <a:defRPr sz="1400" b="0" i="0" u="none" strike="noStrike" cap="none">
           <a:solidFill>
             <a:srgbClr val="000000"/>
           </a:solidFill>
@@ -5380,7 +5515,7 @@
           <a:sym typeface="Arial"/>
         </a:defRPr>
       </a:lvl4pPr>
-      <a:lvl5pPr lvl="4" marR="0" rtl="0" algn="l">
+      <a:lvl5pPr marR="0" lvl="4" algn="l" rtl="0">
         <a:lnSpc>
           <a:spcPct val="100000"/>
         </a:lnSpc>
@@ -5394,7 +5529,7 @@
           <a:srgbClr val="000000"/>
         </a:buClr>
         <a:buFont typeface="Arial"/>
-        <a:defRPr b="0" i="0" sz="1400" u="none" cap="none" strike="noStrike">
+        <a:defRPr sz="1400" b="0" i="0" u="none" strike="noStrike" cap="none">
           <a:solidFill>
             <a:srgbClr val="000000"/>
           </a:solidFill>
@@ -5404,7 +5539,7 @@
           <a:sym typeface="Arial"/>
         </a:defRPr>
       </a:lvl5pPr>
-      <a:lvl6pPr lvl="5" marR="0" rtl="0" algn="l">
+      <a:lvl6pPr marR="0" lvl="5" algn="l" rtl="0">
         <a:lnSpc>
           <a:spcPct val="100000"/>
         </a:lnSpc>
@@ -5418,7 +5553,7 @@
           <a:srgbClr val="000000"/>
         </a:buClr>
         <a:buFont typeface="Arial"/>
-        <a:defRPr b="0" i="0" sz="1400" u="none" cap="none" strike="noStrike">
+        <a:defRPr sz="1400" b="0" i="0" u="none" strike="noStrike" cap="none">
           <a:solidFill>
             <a:srgbClr val="000000"/>
           </a:solidFill>
@@ -5428,7 +5563,7 @@
           <a:sym typeface="Arial"/>
         </a:defRPr>
       </a:lvl6pPr>
-      <a:lvl7pPr lvl="6" marR="0" rtl="0" algn="l">
+      <a:lvl7pPr marR="0" lvl="6" algn="l" rtl="0">
         <a:lnSpc>
           <a:spcPct val="100000"/>
         </a:lnSpc>
@@ -5442,7 +5577,7 @@
           <a:srgbClr val="000000"/>
         </a:buClr>
         <a:buFont typeface="Arial"/>
-        <a:defRPr b="0" i="0" sz="1400" u="none" cap="none" strike="noStrike">
+        <a:defRPr sz="1400" b="0" i="0" u="none" strike="noStrike" cap="none">
           <a:solidFill>
             <a:srgbClr val="000000"/>
           </a:solidFill>
@@ -5452,7 +5587,7 @@
           <a:sym typeface="Arial"/>
         </a:defRPr>
       </a:lvl7pPr>
-      <a:lvl8pPr lvl="7" marR="0" rtl="0" algn="l">
+      <a:lvl8pPr marR="0" lvl="7" algn="l" rtl="0">
         <a:lnSpc>
           <a:spcPct val="100000"/>
         </a:lnSpc>
@@ -5466,7 +5601,7 @@
           <a:srgbClr val="000000"/>
         </a:buClr>
         <a:buFont typeface="Arial"/>
-        <a:defRPr b="0" i="0" sz="1400" u="none" cap="none" strike="noStrike">
+        <a:defRPr sz="1400" b="0" i="0" u="none" strike="noStrike" cap="none">
           <a:solidFill>
             <a:srgbClr val="000000"/>
           </a:solidFill>
@@ -5476,7 +5611,7 @@
           <a:sym typeface="Arial"/>
         </a:defRPr>
       </a:lvl8pPr>
-      <a:lvl9pPr lvl="8" marR="0" rtl="0" algn="l">
+      <a:lvl9pPr marR="0" lvl="8" algn="l" rtl="0">
         <a:lnSpc>
           <a:spcPct val="100000"/>
         </a:lnSpc>
@@ -5490,7 +5625,7 @@
           <a:srgbClr val="000000"/>
         </a:buClr>
         <a:buFont typeface="Arial"/>
-        <a:defRPr b="0" i="0" sz="1400" u="none" cap="none" strike="noStrike">
+        <a:defRPr sz="1400" b="0" i="0" u="none" strike="noStrike" cap="none">
           <a:solidFill>
             <a:srgbClr val="000000"/>
           </a:solidFill>
@@ -5502,7 +5637,7 @@
       </a:lvl9pPr>
     </p:bodyStyle>
     <p:otherStyle>
-      <a:defPPr lvl="0" marR="0" rtl="0" algn="l">
+      <a:defPPr marR="0" lvl="0" algn="l" rtl="0">
         <a:lnSpc>
           <a:spcPct val="100000"/>
         </a:lnSpc>
@@ -5513,7 +5648,7 @@
           <a:spcPts val="0"/>
         </a:spcAft>
       </a:defPPr>
-      <a:lvl1pPr lvl="0" marR="0" rtl="0" algn="l">
+      <a:lvl1pPr marR="0" lvl="0" algn="l" rtl="0">
         <a:lnSpc>
           <a:spcPct val="100000"/>
         </a:lnSpc>
@@ -5527,7 +5662,7 @@
           <a:srgbClr val="000000"/>
         </a:buClr>
         <a:buFont typeface="Arial"/>
-        <a:defRPr b="0" i="0" sz="1400" u="none" cap="none" strike="noStrike">
+        <a:defRPr sz="1400" b="0" i="0" u="none" strike="noStrike" cap="none">
           <a:solidFill>
             <a:srgbClr val="000000"/>
           </a:solidFill>
@@ -5537,7 +5672,7 @@
           <a:sym typeface="Arial"/>
         </a:defRPr>
       </a:lvl1pPr>
-      <a:lvl2pPr lvl="1" marR="0" rtl="0" algn="l">
+      <a:lvl2pPr marR="0" lvl="1" algn="l" rtl="0">
         <a:lnSpc>
           <a:spcPct val="100000"/>
         </a:lnSpc>
@@ -5551,7 +5686,7 @@
           <a:srgbClr val="000000"/>
         </a:buClr>
         <a:buFont typeface="Arial"/>
-        <a:defRPr b="0" i="0" sz="1400" u="none" cap="none" strike="noStrike">
+        <a:defRPr sz="1400" b="0" i="0" u="none" strike="noStrike" cap="none">
           <a:solidFill>
             <a:srgbClr val="000000"/>
           </a:solidFill>
@@ -5561,7 +5696,7 @@
           <a:sym typeface="Arial"/>
         </a:defRPr>
       </a:lvl2pPr>
-      <a:lvl3pPr lvl="2" marR="0" rtl="0" algn="l">
+      <a:lvl3pPr marR="0" lvl="2" algn="l" rtl="0">
         <a:lnSpc>
           <a:spcPct val="100000"/>
         </a:lnSpc>
@@ -5575,7 +5710,7 @@
           <a:srgbClr val="000000"/>
         </a:buClr>
         <a:buFont typeface="Arial"/>
-        <a:defRPr b="0" i="0" sz="1400" u="none" cap="none" strike="noStrike">
+        <a:defRPr sz="1400" b="0" i="0" u="none" strike="noStrike" cap="none">
           <a:solidFill>
             <a:srgbClr val="000000"/>
           </a:solidFill>
@@ -5585,7 +5720,7 @@
           <a:sym typeface="Arial"/>
         </a:defRPr>
       </a:lvl3pPr>
-      <a:lvl4pPr lvl="3" marR="0" rtl="0" algn="l">
+      <a:lvl4pPr marR="0" lvl="3" algn="l" rtl="0">
         <a:lnSpc>
           <a:spcPct val="100000"/>
         </a:lnSpc>
@@ -5599,7 +5734,7 @@
           <a:srgbClr val="000000"/>
         </a:buClr>
         <a:buFont typeface="Arial"/>
-        <a:defRPr b="0" i="0" sz="1400" u="none" cap="none" strike="noStrike">
+        <a:defRPr sz="1400" b="0" i="0" u="none" strike="noStrike" cap="none">
           <a:solidFill>
             <a:srgbClr val="000000"/>
           </a:solidFill>
@@ -5609,7 +5744,7 @@
           <a:sym typeface="Arial"/>
         </a:defRPr>
       </a:lvl4pPr>
-      <a:lvl5pPr lvl="4" marR="0" rtl="0" algn="l">
+      <a:lvl5pPr marR="0" lvl="4" algn="l" rtl="0">
         <a:lnSpc>
           <a:spcPct val="100000"/>
         </a:lnSpc>
@@ -5623,7 +5758,7 @@
           <a:srgbClr val="000000"/>
         </a:buClr>
         <a:buFont typeface="Arial"/>
-        <a:defRPr b="0" i="0" sz="1400" u="none" cap="none" strike="noStrike">
+        <a:defRPr sz="1400" b="0" i="0" u="none" strike="noStrike" cap="none">
           <a:solidFill>
             <a:srgbClr val="000000"/>
           </a:solidFill>
@@ -5633,7 +5768,7 @@
           <a:sym typeface="Arial"/>
         </a:defRPr>
       </a:lvl5pPr>
-      <a:lvl6pPr lvl="5" marR="0" rtl="0" algn="l">
+      <a:lvl6pPr marR="0" lvl="5" algn="l" rtl="0">
         <a:lnSpc>
           <a:spcPct val="100000"/>
         </a:lnSpc>
@@ -5647,7 +5782,7 @@
           <a:srgbClr val="000000"/>
         </a:buClr>
         <a:buFont typeface="Arial"/>
-        <a:defRPr b="0" i="0" sz="1400" u="none" cap="none" strike="noStrike">
+        <a:defRPr sz="1400" b="0" i="0" u="none" strike="noStrike" cap="none">
           <a:solidFill>
             <a:srgbClr val="000000"/>
           </a:solidFill>
@@ -5657,7 +5792,7 @@
           <a:sym typeface="Arial"/>
         </a:defRPr>
       </a:lvl6pPr>
-      <a:lvl7pPr lvl="6" marR="0" rtl="0" algn="l">
+      <a:lvl7pPr marR="0" lvl="6" algn="l" rtl="0">
         <a:lnSpc>
           <a:spcPct val="100000"/>
         </a:lnSpc>
@@ -5671,7 +5806,7 @@
           <a:srgbClr val="000000"/>
         </a:buClr>
         <a:buFont typeface="Arial"/>
-        <a:defRPr b="0" i="0" sz="1400" u="none" cap="none" strike="noStrike">
+        <a:defRPr sz="1400" b="0" i="0" u="none" strike="noStrike" cap="none">
           <a:solidFill>
             <a:srgbClr val="000000"/>
           </a:solidFill>
@@ -5681,7 +5816,7 @@
           <a:sym typeface="Arial"/>
         </a:defRPr>
       </a:lvl7pPr>
-      <a:lvl8pPr lvl="7" marR="0" rtl="0" algn="l">
+      <a:lvl8pPr marR="0" lvl="7" algn="l" rtl="0">
         <a:lnSpc>
           <a:spcPct val="100000"/>
         </a:lnSpc>
@@ -5695,7 +5830,7 @@
           <a:srgbClr val="000000"/>
         </a:buClr>
         <a:buFont typeface="Arial"/>
-        <a:defRPr b="0" i="0" sz="1400" u="none" cap="none" strike="noStrike">
+        <a:defRPr sz="1400" b="0" i="0" u="none" strike="noStrike" cap="none">
           <a:solidFill>
             <a:srgbClr val="000000"/>
           </a:solidFill>
@@ -5705,7 +5840,7 @@
           <a:sym typeface="Arial"/>
         </a:defRPr>
       </a:lvl8pPr>
-      <a:lvl9pPr lvl="8" marR="0" rtl="0" algn="l">
+      <a:lvl9pPr marR="0" lvl="8" algn="l" rtl="0">
         <a:lnSpc>
           <a:spcPct val="100000"/>
         </a:lnSpc>
@@ -5719,7 +5854,7 @@
           <a:srgbClr val="000000"/>
         </a:buClr>
         <a:buFont typeface="Arial"/>
-        <a:defRPr b="0" i="0" sz="1400" u="none" cap="none" strike="noStrike">
+        <a:defRPr sz="1400" b="0" i="0" u="none" strike="noStrike" cap="none">
           <a:solidFill>
             <a:srgbClr val="000000"/>
           </a:solidFill>
@@ -5735,11 +5870,11 @@
 </file>
 
 <file path=ppt/slides/slide1.xml><?xml version="1.0" encoding="utf-8"?>
-<p:sld xmlns:a="http://schemas.openxmlformats.org/drawingml/2006/main" xmlns:r="http://schemas.openxmlformats.org/officeDocument/2006/relationships" xmlns:mc="http://schemas.openxmlformats.org/markup-compatibility/2006" xmlns:mv="urn:schemas-microsoft-com:mac:vml" xmlns:p="http://schemas.openxmlformats.org/presentationml/2006/main" xmlns:c="http://schemas.openxmlformats.org/drawingml/2006/chart" xmlns:dgm="http://schemas.openxmlformats.org/drawingml/2006/diagram" xmlns:o="urn:schemas-microsoft-com:office:office" xmlns:v="urn:schemas-microsoft-com:vml" xmlns:pvml="urn:schemas-microsoft-com:office:powerpoint" xmlns:com="http://schemas.openxmlformats.org/drawingml/2006/compatibility" xmlns:p14="http://schemas.microsoft.com/office/powerpoint/2010/main" xmlns:p15="http://schemas.microsoft.com/office/powerpoint/2012/main" xmlns:ahyp="http://schemas.microsoft.com/office/drawing/2018/hyperlinkcolor">
+<p:sld xmlns:a="http://schemas.openxmlformats.org/drawingml/2006/main" xmlns:r="http://schemas.openxmlformats.org/officeDocument/2006/relationships" xmlns:p="http://schemas.openxmlformats.org/presentationml/2006/main">
   <p:cSld>
     <p:spTree>
       <p:nvGrpSpPr>
-        <p:cNvPr id="53" name="Shape 53"/>
+        <p:cNvPr id="1" name="Shape 53"/>
         <p:cNvGrpSpPr/>
         <p:nvPr/>
       </p:nvGrpSpPr>
@@ -5754,7 +5889,9 @@
       <p:sp>
         <p:nvSpPr>
           <p:cNvPr id="54" name="Google Shape;54;p13"/>
-          <p:cNvSpPr txBox="1"/>
+          <p:cNvSpPr txBox="1">
+            <a:spLocks noGrp="1"/>
+          </p:cNvSpPr>
           <p:nvPr>
             <p:ph type="ctrTitle"/>
           </p:nvPr>
@@ -5769,12 +5906,12 @@
           </a:prstGeom>
         </p:spPr>
         <p:txBody>
-          <a:bodyPr anchorCtr="0" anchor="b" bIns="91425" lIns="91425" spcFirstLastPara="1" rIns="91425" wrap="square" tIns="91425">
+          <a:bodyPr spcFirstLastPara="1" wrap="square" lIns="91425" tIns="91425" rIns="91425" bIns="91425" anchor="b" anchorCtr="0">
             <a:normAutofit/>
           </a:bodyPr>
           <a:lstStyle/>
           <a:p>
-            <a:pPr indent="0" lvl="0" marL="0" rtl="0" algn="ctr">
+            <a:pPr marL="0" lvl="0" indent="0" algn="ctr" rtl="0">
               <a:spcBef>
                 <a:spcPts val="0"/>
               </a:spcBef>
@@ -5784,8 +5921,12 @@
               <a:buNone/>
             </a:pPr>
             <a:r>
+              <a:rPr lang="en" dirty="0"/>
+              <a:t>Chess </a:t>
+            </a:r>
+            <a:r>
               <a:rPr lang="en"/>
-              <a:t>Chess Games Analysis</a:t>
+              <a:t>Games Analysis</a:t>
             </a:r>
             <a:endParaRPr/>
           </a:p>
@@ -5794,9 +5935,11 @@
       <p:sp>
         <p:nvSpPr>
           <p:cNvPr id="55" name="Google Shape;55;p13"/>
-          <p:cNvSpPr txBox="1"/>
+          <p:cNvSpPr txBox="1">
+            <a:spLocks noGrp="1"/>
+          </p:cNvSpPr>
           <p:nvPr>
-            <p:ph idx="1" type="subTitle"/>
+            <p:ph type="subTitle" idx="1"/>
           </p:nvPr>
         </p:nvSpPr>
         <p:spPr>
@@ -5809,12 +5952,12 @@
           </a:prstGeom>
         </p:spPr>
         <p:txBody>
-          <a:bodyPr anchorCtr="0" anchor="t" bIns="91425" lIns="91425" spcFirstLastPara="1" rIns="91425" wrap="square" tIns="91425">
+          <a:bodyPr spcFirstLastPara="1" wrap="square" lIns="91425" tIns="91425" rIns="91425" bIns="91425" anchor="t" anchorCtr="0">
             <a:normAutofit/>
           </a:bodyPr>
           <a:lstStyle/>
           <a:p>
-            <a:pPr indent="0" lvl="0" marL="0" rtl="0" algn="ctr">
+            <a:pPr marL="0" lvl="0" indent="0" algn="ctr" rtl="0">
               <a:spcBef>
                 <a:spcPts val="0"/>
               </a:spcBef>
@@ -5823,9 +5966,6 @@
               </a:spcAft>
               <a:buNone/>
             </a:pPr>
-            <a:r>
-              <a:t/>
-            </a:r>
             <a:endParaRPr/>
           </a:p>
         </p:txBody>
@@ -5839,11 +5979,11 @@
 </file>
 
 <file path=ppt/slides/slide2.xml><?xml version="1.0" encoding="utf-8"?>
-<p:sld xmlns:a="http://schemas.openxmlformats.org/drawingml/2006/main" xmlns:r="http://schemas.openxmlformats.org/officeDocument/2006/relationships" xmlns:mc="http://schemas.openxmlformats.org/markup-compatibility/2006" xmlns:mv="urn:schemas-microsoft-com:mac:vml" xmlns:p="http://schemas.openxmlformats.org/presentationml/2006/main" xmlns:c="http://schemas.openxmlformats.org/drawingml/2006/chart" xmlns:dgm="http://schemas.openxmlformats.org/drawingml/2006/diagram" xmlns:o="urn:schemas-microsoft-com:office:office" xmlns:v="urn:schemas-microsoft-com:vml" xmlns:pvml="urn:schemas-microsoft-com:office:powerpoint" xmlns:com="http://schemas.openxmlformats.org/drawingml/2006/compatibility" xmlns:p14="http://schemas.microsoft.com/office/powerpoint/2010/main" xmlns:p15="http://schemas.microsoft.com/office/powerpoint/2012/main" xmlns:ahyp="http://schemas.microsoft.com/office/drawing/2018/hyperlinkcolor">
+<p:sld xmlns:a="http://schemas.openxmlformats.org/drawingml/2006/main" xmlns:r="http://schemas.openxmlformats.org/officeDocument/2006/relationships" xmlns:p="http://schemas.openxmlformats.org/presentationml/2006/main">
   <p:cSld>
     <p:spTree>
       <p:nvGrpSpPr>
-        <p:cNvPr id="59" name="Shape 59"/>
+        <p:cNvPr id="1" name="Shape 59"/>
         <p:cNvGrpSpPr/>
         <p:nvPr/>
       </p:nvGrpSpPr>
@@ -5858,7 +5998,9 @@
       <p:sp>
         <p:nvSpPr>
           <p:cNvPr id="60" name="Google Shape;60;p14"/>
-          <p:cNvSpPr txBox="1"/>
+          <p:cNvSpPr txBox="1">
+            <a:spLocks noGrp="1"/>
+          </p:cNvSpPr>
           <p:nvPr>
             <p:ph type="title"/>
           </p:nvPr>
@@ -5873,12 +6015,12 @@
           </a:prstGeom>
         </p:spPr>
         <p:txBody>
-          <a:bodyPr anchorCtr="0" anchor="ctr" bIns="91425" lIns="91425" spcFirstLastPara="1" rIns="91425" wrap="square" tIns="91425">
+          <a:bodyPr spcFirstLastPara="1" wrap="square" lIns="91425" tIns="91425" rIns="91425" bIns="91425" anchor="ctr" anchorCtr="0">
             <a:normAutofit/>
           </a:bodyPr>
           <a:lstStyle/>
           <a:p>
-            <a:pPr indent="0" lvl="0" marL="0" rtl="0" algn="ctr">
+            <a:pPr marL="0" lvl="0" indent="0" algn="ctr" rtl="0">
               <a:spcBef>
                 <a:spcPts val="0"/>
               </a:spcBef>
@@ -5898,9 +6040,11 @@
       <p:sp>
         <p:nvSpPr>
           <p:cNvPr id="61" name="Google Shape;61;p14"/>
-          <p:cNvSpPr txBox="1"/>
+          <p:cNvSpPr txBox="1">
+            <a:spLocks noGrp="1"/>
+          </p:cNvSpPr>
           <p:nvPr>
-            <p:ph idx="1" type="body"/>
+            <p:ph type="body" idx="1"/>
           </p:nvPr>
         </p:nvSpPr>
         <p:spPr>
@@ -5913,12 +6057,12 @@
           </a:prstGeom>
         </p:spPr>
         <p:txBody>
-          <a:bodyPr anchorCtr="0" anchor="t" bIns="91425" lIns="91425" spcFirstLastPara="1" rIns="91425" wrap="square" tIns="91425">
+          <a:bodyPr spcFirstLastPara="1" wrap="square" lIns="91425" tIns="91425" rIns="91425" bIns="91425" anchor="t" anchorCtr="0">
             <a:normAutofit/>
           </a:bodyPr>
           <a:lstStyle/>
           <a:p>
-            <a:pPr indent="0" lvl="0" marL="0" rtl="0" algn="ctr">
+            <a:pPr marL="0" lvl="0" indent="0" algn="ctr" rtl="0">
               <a:spcBef>
                 <a:spcPts val="0"/>
               </a:spcBef>
@@ -5934,7 +6078,7 @@
             <a:endParaRPr sz="2000"/>
           </a:p>
           <a:p>
-            <a:pPr indent="0" lvl="0" marL="914400" rtl="0" algn="l">
+            <a:pPr marL="914400" lvl="0" indent="0" algn="l" rtl="0">
               <a:spcBef>
                 <a:spcPts val="1200"/>
               </a:spcBef>
@@ -5950,7 +6094,7 @@
             <a:endParaRPr sz="1374"/>
           </a:p>
           <a:p>
-            <a:pPr indent="0" lvl="0" marL="914400" rtl="0" algn="l">
+            <a:pPr marL="914400" lvl="0" indent="0" algn="l" rtl="0">
               <a:spcBef>
                 <a:spcPts val="1200"/>
               </a:spcBef>
@@ -5961,23 +6105,7 @@
             </a:pPr>
             <a:r>
               <a:rPr lang="en" sz="1374"/>
-              <a:t>We will use tableau to determine if data analytics can </a:t>
-            </a:r>
-            <a:r>
-              <a:rPr lang="en" sz="1374"/>
-              <a:t>make</a:t>
-            </a:r>
-            <a:r>
-              <a:rPr lang="en" sz="1374"/>
-              <a:t> you a </a:t>
-            </a:r>
-            <a:r>
-              <a:rPr lang="en" sz="1374"/>
-              <a:t>better</a:t>
-            </a:r>
-            <a:r>
-              <a:rPr lang="en" sz="1374"/>
-              <a:t> chess player</a:t>
+              <a:t>We will use tableau to determine if data analytics can make you a better chess player</a:t>
             </a:r>
             <a:endParaRPr sz="1374"/>
           </a:p>
@@ -5992,11 +6120,11 @@
 </file>
 
 <file path=ppt/slides/slide3.xml><?xml version="1.0" encoding="utf-8"?>
-<p:sld xmlns:a="http://schemas.openxmlformats.org/drawingml/2006/main" xmlns:r="http://schemas.openxmlformats.org/officeDocument/2006/relationships" xmlns:mc="http://schemas.openxmlformats.org/markup-compatibility/2006" xmlns:mv="urn:schemas-microsoft-com:mac:vml" xmlns:p="http://schemas.openxmlformats.org/presentationml/2006/main" xmlns:c="http://schemas.openxmlformats.org/drawingml/2006/chart" xmlns:dgm="http://schemas.openxmlformats.org/drawingml/2006/diagram" xmlns:o="urn:schemas-microsoft-com:office:office" xmlns:v="urn:schemas-microsoft-com:vml" xmlns:pvml="urn:schemas-microsoft-com:office:powerpoint" xmlns:com="http://schemas.openxmlformats.org/drawingml/2006/compatibility" xmlns:p14="http://schemas.microsoft.com/office/powerpoint/2010/main" xmlns:p15="http://schemas.microsoft.com/office/powerpoint/2012/main" xmlns:ahyp="http://schemas.microsoft.com/office/drawing/2018/hyperlinkcolor">
+<p:sld xmlns:a="http://schemas.openxmlformats.org/drawingml/2006/main" xmlns:r="http://schemas.openxmlformats.org/officeDocument/2006/relationships" xmlns:p="http://schemas.openxmlformats.org/presentationml/2006/main">
   <p:cSld>
     <p:spTree>
       <p:nvGrpSpPr>
-        <p:cNvPr id="65" name="Shape 65"/>
+        <p:cNvPr id="1" name="Shape 65"/>
         <p:cNvGrpSpPr/>
         <p:nvPr/>
       </p:nvGrpSpPr>
@@ -6011,7 +6139,9 @@
       <p:sp>
         <p:nvSpPr>
           <p:cNvPr id="66" name="Google Shape;66;p15"/>
-          <p:cNvSpPr txBox="1"/>
+          <p:cNvSpPr txBox="1">
+            <a:spLocks noGrp="1"/>
+          </p:cNvSpPr>
           <p:nvPr>
             <p:ph type="title"/>
           </p:nvPr>
@@ -6026,12 +6156,12 @@
           </a:prstGeom>
         </p:spPr>
         <p:txBody>
-          <a:bodyPr anchorCtr="0" anchor="t" bIns="91425" lIns="91425" spcFirstLastPara="1" rIns="91425" wrap="square" tIns="91425">
+          <a:bodyPr spcFirstLastPara="1" wrap="square" lIns="91425" tIns="91425" rIns="91425" bIns="91425" anchor="t" anchorCtr="0">
             <a:normAutofit fontScale="90000"/>
           </a:bodyPr>
           <a:lstStyle/>
           <a:p>
-            <a:pPr indent="0" lvl="0" marL="0" rtl="0" algn="ctr">
+            <a:pPr marL="0" lvl="0" indent="0" algn="ctr" rtl="0">
               <a:spcBef>
                 <a:spcPts val="0"/>
               </a:spcBef>
@@ -6051,9 +6181,11 @@
       <p:sp>
         <p:nvSpPr>
           <p:cNvPr id="67" name="Google Shape;67;p15"/>
-          <p:cNvSpPr txBox="1"/>
+          <p:cNvSpPr txBox="1">
+            <a:spLocks noGrp="1"/>
+          </p:cNvSpPr>
           <p:nvPr>
-            <p:ph idx="1" type="body"/>
+            <p:ph type="body" idx="1"/>
           </p:nvPr>
         </p:nvSpPr>
         <p:spPr>
@@ -6066,12 +6198,12 @@
           </a:prstGeom>
         </p:spPr>
         <p:txBody>
-          <a:bodyPr anchorCtr="0" anchor="t" bIns="91425" lIns="91425" spcFirstLastPara="1" rIns="91425" wrap="square" tIns="91425">
+          <a:bodyPr spcFirstLastPara="1" wrap="square" lIns="91425" tIns="91425" rIns="91425" bIns="91425" anchor="t" anchorCtr="0">
             <a:normAutofit/>
           </a:bodyPr>
           <a:lstStyle/>
           <a:p>
-            <a:pPr indent="-342900" lvl="0" marL="457200" rtl="0" algn="l">
+            <a:pPr marL="457200" lvl="0" indent="-342900" algn="l" rtl="0">
               <a:spcBef>
                 <a:spcPts val="0"/>
               </a:spcBef>
@@ -6088,7 +6220,7 @@
             <a:endParaRPr/>
           </a:p>
           <a:p>
-            <a:pPr indent="-317500" lvl="1" marL="914400" rtl="0" algn="l">
+            <a:pPr marL="914400" lvl="1" indent="-317500" algn="l" rtl="0">
               <a:spcBef>
                 <a:spcPts val="0"/>
               </a:spcBef>
@@ -6105,7 +6237,7 @@
             <a:endParaRPr/>
           </a:p>
           <a:p>
-            <a:pPr indent="-317500" lvl="1" marL="914400" rtl="0" algn="l">
+            <a:pPr marL="914400" lvl="1" indent="-317500" algn="l" rtl="0">
               <a:spcBef>
                 <a:spcPts val="0"/>
               </a:spcBef>
@@ -6122,7 +6254,7 @@
             <a:endParaRPr/>
           </a:p>
           <a:p>
-            <a:pPr indent="-317500" lvl="1" marL="914400" rtl="0" algn="l">
+            <a:pPr marL="914400" lvl="1" indent="-317500" algn="l" rtl="0">
               <a:spcBef>
                 <a:spcPts val="0"/>
               </a:spcBef>
@@ -6139,7 +6271,7 @@
             <a:endParaRPr/>
           </a:p>
           <a:p>
-            <a:pPr indent="-317500" lvl="1" marL="914400" rtl="0" algn="l">
+            <a:pPr marL="914400" lvl="1" indent="-317500" algn="l" rtl="0">
               <a:spcBef>
                 <a:spcPts val="0"/>
               </a:spcBef>
@@ -6156,7 +6288,7 @@
             <a:endParaRPr/>
           </a:p>
           <a:p>
-            <a:pPr indent="-317500" lvl="1" marL="914400" rtl="0" algn="l">
+            <a:pPr marL="914400" lvl="1" indent="-317500" algn="l" rtl="0">
               <a:spcBef>
                 <a:spcPts val="0"/>
               </a:spcBef>
@@ -6183,11 +6315,11 @@
 </file>
 
 <file path=ppt/slides/slide4.xml><?xml version="1.0" encoding="utf-8"?>
-<p:sld xmlns:a="http://schemas.openxmlformats.org/drawingml/2006/main" xmlns:r="http://schemas.openxmlformats.org/officeDocument/2006/relationships" xmlns:mc="http://schemas.openxmlformats.org/markup-compatibility/2006" xmlns:mv="urn:schemas-microsoft-com:mac:vml" xmlns:p="http://schemas.openxmlformats.org/presentationml/2006/main" xmlns:c="http://schemas.openxmlformats.org/drawingml/2006/chart" xmlns:dgm="http://schemas.openxmlformats.org/drawingml/2006/diagram" xmlns:o="urn:schemas-microsoft-com:office:office" xmlns:v="urn:schemas-microsoft-com:vml" xmlns:pvml="urn:schemas-microsoft-com:office:powerpoint" xmlns:com="http://schemas.openxmlformats.org/drawingml/2006/compatibility" xmlns:p14="http://schemas.microsoft.com/office/powerpoint/2010/main" xmlns:p15="http://schemas.microsoft.com/office/powerpoint/2012/main" xmlns:ahyp="http://schemas.microsoft.com/office/drawing/2018/hyperlinkcolor">
+<p:sld xmlns:a="http://schemas.openxmlformats.org/drawingml/2006/main" xmlns:r="http://schemas.openxmlformats.org/officeDocument/2006/relationships" xmlns:p="http://schemas.openxmlformats.org/presentationml/2006/main">
   <p:cSld>
     <p:spTree>
       <p:nvGrpSpPr>
-        <p:cNvPr id="71" name="Shape 71"/>
+        <p:cNvPr id="1" name="Shape 71"/>
         <p:cNvGrpSpPr/>
         <p:nvPr/>
       </p:nvGrpSpPr>
@@ -6202,7 +6334,9 @@
       <p:sp>
         <p:nvSpPr>
           <p:cNvPr id="72" name="Google Shape;72;p16"/>
-          <p:cNvSpPr txBox="1"/>
+          <p:cNvSpPr txBox="1">
+            <a:spLocks noGrp="1"/>
+          </p:cNvSpPr>
           <p:nvPr>
             <p:ph type="title"/>
           </p:nvPr>
@@ -6217,12 +6351,12 @@
           </a:prstGeom>
         </p:spPr>
         <p:txBody>
-          <a:bodyPr anchorCtr="0" anchor="t" bIns="91425" lIns="91425" spcFirstLastPara="1" rIns="91425" wrap="square" tIns="91425">
+          <a:bodyPr spcFirstLastPara="1" wrap="square" lIns="91425" tIns="91425" rIns="91425" bIns="91425" anchor="t" anchorCtr="0">
             <a:normAutofit fontScale="90000"/>
           </a:bodyPr>
           <a:lstStyle/>
           <a:p>
-            <a:pPr indent="0" lvl="0" marL="0" rtl="0" algn="ctr">
+            <a:pPr marL="0" lvl="0" indent="0" algn="ctr" rtl="0">
               <a:spcBef>
                 <a:spcPts val="0"/>
               </a:spcBef>
@@ -6242,9 +6376,11 @@
       <p:sp>
         <p:nvSpPr>
           <p:cNvPr id="73" name="Google Shape;73;p16"/>
-          <p:cNvSpPr txBox="1"/>
+          <p:cNvSpPr txBox="1">
+            <a:spLocks noGrp="1"/>
+          </p:cNvSpPr>
           <p:nvPr>
-            <p:ph idx="1" type="body"/>
+            <p:ph type="body" idx="1"/>
           </p:nvPr>
         </p:nvSpPr>
         <p:spPr>
@@ -6257,12 +6393,12 @@
           </a:prstGeom>
         </p:spPr>
         <p:txBody>
-          <a:bodyPr anchorCtr="0" anchor="t" bIns="91425" lIns="91425" spcFirstLastPara="1" rIns="91425" wrap="square" tIns="91425">
+          <a:bodyPr spcFirstLastPara="1" wrap="square" lIns="91425" tIns="91425" rIns="91425" bIns="91425" anchor="t" anchorCtr="0">
             <a:normAutofit/>
           </a:bodyPr>
           <a:lstStyle/>
           <a:p>
-            <a:pPr indent="0" lvl="0" marL="0" rtl="0" algn="l">
+            <a:pPr marL="0" lvl="0" indent="0" algn="l" rtl="0">
               <a:spcBef>
                 <a:spcPts val="0"/>
               </a:spcBef>
@@ -6278,7 +6414,7 @@
             <a:endParaRPr/>
           </a:p>
           <a:p>
-            <a:pPr indent="-342900" lvl="0" marL="457200" rtl="0" algn="l">
+            <a:pPr marL="457200" lvl="0" indent="-342900" algn="l" rtl="0">
               <a:spcBef>
                 <a:spcPts val="1200"/>
               </a:spcBef>
@@ -6295,7 +6431,7 @@
             <a:endParaRPr/>
           </a:p>
           <a:p>
-            <a:pPr indent="0" lvl="0" marL="0" rtl="0" algn="l">
+            <a:pPr marL="0" lvl="0" indent="0" algn="l" rtl="0">
               <a:spcBef>
                 <a:spcPts val="1200"/>
               </a:spcBef>
@@ -6311,7 +6447,7 @@
             <a:endParaRPr/>
           </a:p>
           <a:p>
-            <a:pPr indent="-342900" lvl="0" marL="457200" rtl="0" algn="l">
+            <a:pPr marL="457200" lvl="0" indent="-342900" algn="l" rtl="0">
               <a:spcBef>
                 <a:spcPts val="1200"/>
               </a:spcBef>
@@ -6338,7 +6474,7 @@
 </file>
 
 <file path=ppt/theme/theme1.xml><?xml version="1.0" encoding="utf-8"?>
-<a:theme xmlns:a="http://schemas.openxmlformats.org/drawingml/2006/main" xmlns:r="http://schemas.openxmlformats.org/officeDocument/2006/relationships" name="Simple Light">
+<a:theme xmlns:a="http://schemas.openxmlformats.org/drawingml/2006/main" name="Simple Light">
   <a:themeElements>
     <a:clrScheme name="Simple Light">
       <a:dk1>
@@ -6613,11 +6749,13 @@
       </a:bgFillStyleLst>
     </a:fmtScheme>
   </a:themeElements>
+  <a:objectDefaults/>
+  <a:extraClrSchemeLst/>
 </a:theme>
 </file>
 
 <file path=ppt/theme/theme2.xml><?xml version="1.0" encoding="utf-8"?>
-<a:theme xmlns:a="http://schemas.openxmlformats.org/drawingml/2006/main" xmlns:r="http://schemas.openxmlformats.org/officeDocument/2006/relationships">
+<a:theme xmlns:a="http://schemas.openxmlformats.org/drawingml/2006/main">
   <a:themeElements>
     <a:clrScheme name="Default">
       <a:dk1>
@@ -6892,5 +7030,7 @@
       </a:bgFillStyleLst>
     </a:fmtScheme>
   </a:themeElements>
+  <a:objectDefaults/>
+  <a:extraClrSchemeLst/>
 </a:theme>
 </file>
--- a/Group_1_Presentation.pptx
+++ b/Group_1_Presentation.pptx
@@ -1,22 +1,37 @@
 
 <file path=ppt/presentation.xml><?xml version="1.0" encoding="utf-8"?>
-<p:presentation xmlns:a="http://schemas.openxmlformats.org/drawingml/2006/main" xmlns:r="http://schemas.openxmlformats.org/officeDocument/2006/relationships" xmlns:p="http://schemas.openxmlformats.org/presentationml/2006/main" strictFirstAndLastChars="0" saveSubsetFonts="1" autoCompressPictures="0">
+<p:presentation xmlns:a="http://schemas.openxmlformats.org/drawingml/2006/main" xmlns:r="http://schemas.openxmlformats.org/officeDocument/2006/relationships" xmlns:mc="http://schemas.openxmlformats.org/markup-compatibility/2006" xmlns:mv="urn:schemas-microsoft-com:mac:vml" xmlns:p="http://schemas.openxmlformats.org/presentationml/2006/main" xmlns:c="http://schemas.openxmlformats.org/drawingml/2006/chart" xmlns:dgm="http://schemas.openxmlformats.org/drawingml/2006/diagram" xmlns:o="urn:schemas-microsoft-com:office:office" xmlns:v="urn:schemas-microsoft-com:vml" xmlns:pvml="urn:schemas-microsoft-com:office:powerpoint" xmlns:com="http://schemas.openxmlformats.org/drawingml/2006/compatibility" xmlns:p14="http://schemas.microsoft.com/office/powerpoint/2010/main" xmlns:p15="http://schemas.microsoft.com/office/powerpoint/2012/main" xmlns:ahyp="http://schemas.microsoft.com/office/drawing/2018/hyperlinkcolor" autoCompressPictures="0" strictFirstAndLastChars="0" saveSubsetFonts="1">
   <p:sldMasterIdLst>
-    <p:sldMasterId id="2147483659" r:id="rId1"/>
+    <p:sldMasterId id="2147483659" r:id="rId4"/>
   </p:sldMasterIdLst>
   <p:notesMasterIdLst>
-    <p:notesMasterId r:id="rId6"/>
+    <p:notesMasterId r:id="rId5"/>
   </p:notesMasterIdLst>
   <p:sldIdLst>
-    <p:sldId id="256" r:id="rId2"/>
-    <p:sldId id="257" r:id="rId3"/>
-    <p:sldId id="258" r:id="rId4"/>
-    <p:sldId id="259" r:id="rId5"/>
+    <p:sldId id="256" r:id="rId6"/>
+    <p:sldId id="257" r:id="rId7"/>
+    <p:sldId id="258" r:id="rId8"/>
+    <p:sldId id="259" r:id="rId9"/>
+    <p:sldId id="260" r:id="rId10"/>
+    <p:sldId id="261" r:id="rId11"/>
+    <p:sldId id="262" r:id="rId12"/>
+    <p:sldId id="263" r:id="rId13"/>
+    <p:sldId id="264" r:id="rId14"/>
+    <p:sldId id="265" r:id="rId15"/>
+    <p:sldId id="266" r:id="rId16"/>
+    <p:sldId id="267" r:id="rId17"/>
+    <p:sldId id="268" r:id="rId18"/>
+    <p:sldId id="269" r:id="rId19"/>
+    <p:sldId id="270" r:id="rId20"/>
+    <p:sldId id="271" r:id="rId21"/>
+    <p:sldId id="272" r:id="rId22"/>
+    <p:sldId id="273" r:id="rId23"/>
+    <p:sldId id="274" r:id="rId24"/>
   </p:sldIdLst>
-  <p:sldSz cx="9144000" cy="5143500" type="screen16x9"/>
+  <p:sldSz cy="5143500" cx="9144000"/>
   <p:notesSz cx="6858000" cy="9144000"/>
   <p:defaultTextStyle>
-    <a:defPPr marR="0" lvl="0" algn="l" rtl="0">
+    <a:defPPr lvl="0" marR="0" rtl="0" algn="l">
       <a:lnSpc>
         <a:spcPct val="100000"/>
       </a:lnSpc>
@@ -27,7 +42,7 @@
         <a:spcPts val="0"/>
       </a:spcAft>
     </a:defPPr>
-    <a:lvl1pPr marR="0" lvl="0" algn="l" rtl="0">
+    <a:lvl1pPr lvl="0" marR="0" rtl="0" algn="l">
       <a:lnSpc>
         <a:spcPct val="100000"/>
       </a:lnSpc>
@@ -41,7 +56,7 @@
         <a:srgbClr val="000000"/>
       </a:buClr>
       <a:buFont typeface="Arial"/>
-      <a:defRPr sz="1400" b="0" i="0" u="none" strike="noStrike" cap="none">
+      <a:defRPr b="0" i="0" sz="1400" u="none" cap="none" strike="noStrike">
         <a:solidFill>
           <a:srgbClr val="000000"/>
         </a:solidFill>
@@ -51,7 +66,7 @@
         <a:sym typeface="Arial"/>
       </a:defRPr>
     </a:lvl1pPr>
-    <a:lvl2pPr marR="0" lvl="1" algn="l" rtl="0">
+    <a:lvl2pPr lvl="1" marR="0" rtl="0" algn="l">
       <a:lnSpc>
         <a:spcPct val="100000"/>
       </a:lnSpc>
@@ -65,7 +80,7 @@
         <a:srgbClr val="000000"/>
       </a:buClr>
       <a:buFont typeface="Arial"/>
-      <a:defRPr sz="1400" b="0" i="0" u="none" strike="noStrike" cap="none">
+      <a:defRPr b="0" i="0" sz="1400" u="none" cap="none" strike="noStrike">
         <a:solidFill>
           <a:srgbClr val="000000"/>
         </a:solidFill>
@@ -75,7 +90,7 @@
         <a:sym typeface="Arial"/>
       </a:defRPr>
     </a:lvl2pPr>
-    <a:lvl3pPr marR="0" lvl="2" algn="l" rtl="0">
+    <a:lvl3pPr lvl="2" marR="0" rtl="0" algn="l">
       <a:lnSpc>
         <a:spcPct val="100000"/>
       </a:lnSpc>
@@ -89,7 +104,7 @@
         <a:srgbClr val="000000"/>
       </a:buClr>
       <a:buFont typeface="Arial"/>
-      <a:defRPr sz="1400" b="0" i="0" u="none" strike="noStrike" cap="none">
+      <a:defRPr b="0" i="0" sz="1400" u="none" cap="none" strike="noStrike">
         <a:solidFill>
           <a:srgbClr val="000000"/>
         </a:solidFill>
@@ -99,7 +114,7 @@
         <a:sym typeface="Arial"/>
       </a:defRPr>
     </a:lvl3pPr>
-    <a:lvl4pPr marR="0" lvl="3" algn="l" rtl="0">
+    <a:lvl4pPr lvl="3" marR="0" rtl="0" algn="l">
       <a:lnSpc>
         <a:spcPct val="100000"/>
       </a:lnSpc>
@@ -113,7 +128,7 @@
         <a:srgbClr val="000000"/>
       </a:buClr>
       <a:buFont typeface="Arial"/>
-      <a:defRPr sz="1400" b="0" i="0" u="none" strike="noStrike" cap="none">
+      <a:defRPr b="0" i="0" sz="1400" u="none" cap="none" strike="noStrike">
         <a:solidFill>
           <a:srgbClr val="000000"/>
         </a:solidFill>
@@ -123,7 +138,7 @@
         <a:sym typeface="Arial"/>
       </a:defRPr>
     </a:lvl4pPr>
-    <a:lvl5pPr marR="0" lvl="4" algn="l" rtl="0">
+    <a:lvl5pPr lvl="4" marR="0" rtl="0" algn="l">
       <a:lnSpc>
         <a:spcPct val="100000"/>
       </a:lnSpc>
@@ -137,7 +152,7 @@
         <a:srgbClr val="000000"/>
       </a:buClr>
       <a:buFont typeface="Arial"/>
-      <a:defRPr sz="1400" b="0" i="0" u="none" strike="noStrike" cap="none">
+      <a:defRPr b="0" i="0" sz="1400" u="none" cap="none" strike="noStrike">
         <a:solidFill>
           <a:srgbClr val="000000"/>
         </a:solidFill>
@@ -147,7 +162,7 @@
         <a:sym typeface="Arial"/>
       </a:defRPr>
     </a:lvl5pPr>
-    <a:lvl6pPr marR="0" lvl="5" algn="l" rtl="0">
+    <a:lvl6pPr lvl="5" marR="0" rtl="0" algn="l">
       <a:lnSpc>
         <a:spcPct val="100000"/>
       </a:lnSpc>
@@ -161,7 +176,7 @@
         <a:srgbClr val="000000"/>
       </a:buClr>
       <a:buFont typeface="Arial"/>
-      <a:defRPr sz="1400" b="0" i="0" u="none" strike="noStrike" cap="none">
+      <a:defRPr b="0" i="0" sz="1400" u="none" cap="none" strike="noStrike">
         <a:solidFill>
           <a:srgbClr val="000000"/>
         </a:solidFill>
@@ -171,7 +186,7 @@
         <a:sym typeface="Arial"/>
       </a:defRPr>
     </a:lvl6pPr>
-    <a:lvl7pPr marR="0" lvl="6" algn="l" rtl="0">
+    <a:lvl7pPr lvl="6" marR="0" rtl="0" algn="l">
       <a:lnSpc>
         <a:spcPct val="100000"/>
       </a:lnSpc>
@@ -185,7 +200,7 @@
         <a:srgbClr val="000000"/>
       </a:buClr>
       <a:buFont typeface="Arial"/>
-      <a:defRPr sz="1400" b="0" i="0" u="none" strike="noStrike" cap="none">
+      <a:defRPr b="0" i="0" sz="1400" u="none" cap="none" strike="noStrike">
         <a:solidFill>
           <a:srgbClr val="000000"/>
         </a:solidFill>
@@ -195,7 +210,7 @@
         <a:sym typeface="Arial"/>
       </a:defRPr>
     </a:lvl7pPr>
-    <a:lvl8pPr marR="0" lvl="7" algn="l" rtl="0">
+    <a:lvl8pPr lvl="7" marR="0" rtl="0" algn="l">
       <a:lnSpc>
         <a:spcPct val="100000"/>
       </a:lnSpc>
@@ -209,7 +224,7 @@
         <a:srgbClr val="000000"/>
       </a:buClr>
       <a:buFont typeface="Arial"/>
-      <a:defRPr sz="1400" b="0" i="0" u="none" strike="noStrike" cap="none">
+      <a:defRPr b="0" i="0" sz="1400" u="none" cap="none" strike="noStrike">
         <a:solidFill>
           <a:srgbClr val="000000"/>
         </a:solidFill>
@@ -219,7 +234,7 @@
         <a:sym typeface="Arial"/>
       </a:defRPr>
     </a:lvl8pPr>
-    <a:lvl9pPr marR="0" lvl="8" algn="l" rtl="0">
+    <a:lvl9pPr lvl="8" marR="0" rtl="0" algn="l">
       <a:lnSpc>
         <a:spcPct val="100000"/>
       </a:lnSpc>
@@ -233,7 +248,7 @@
         <a:srgbClr val="000000"/>
       </a:buClr>
       <a:buFont typeface="Arial"/>
-      <a:defRPr sz="1400" b="0" i="0" u="none" strike="noStrike" cap="none">
+      <a:defRPr b="0" i="0" sz="1400" u="none" cap="none" strike="noStrike">
         <a:solidFill>
           <a:srgbClr val="000000"/>
         </a:solidFill>
@@ -246,7 +261,7 @@
   </p:defaultTextStyle>
   <p:extLst>
     <p:ext uri="{EFAFB233-063F-42B5-8137-9DF3F51BA10A}">
-      <p15:sldGuideLst xmlns:p15="http://schemas.microsoft.com/office/powerpoint/2012/main">
+      <p15:sldGuideLst>
         <p15:guide id="1" orient="horz" pos="1620">
           <p15:clr>
             <a:srgbClr val="A4A3A4"/>
@@ -264,16 +279,11 @@
 </file>
 
 <file path=ppt/notesMasters/notesMaster1.xml><?xml version="1.0" encoding="utf-8"?>
-<p:notesMaster xmlns:a="http://schemas.openxmlformats.org/drawingml/2006/main" xmlns:r="http://schemas.openxmlformats.org/officeDocument/2006/relationships" xmlns:p="http://schemas.openxmlformats.org/presentationml/2006/main">
+<p:notesMaster xmlns:a="http://schemas.openxmlformats.org/drawingml/2006/main" xmlns:r="http://schemas.openxmlformats.org/officeDocument/2006/relationships" xmlns:mc="http://schemas.openxmlformats.org/markup-compatibility/2006" xmlns:mv="urn:schemas-microsoft-com:mac:vml" xmlns:p="http://schemas.openxmlformats.org/presentationml/2006/main" xmlns:c="http://schemas.openxmlformats.org/drawingml/2006/chart" xmlns:dgm="http://schemas.openxmlformats.org/drawingml/2006/diagram" xmlns:o="urn:schemas-microsoft-com:office:office" xmlns:v="urn:schemas-microsoft-com:vml" xmlns:pvml="urn:schemas-microsoft-com:office:powerpoint" xmlns:com="http://schemas.openxmlformats.org/drawingml/2006/compatibility" xmlns:p14="http://schemas.microsoft.com/office/powerpoint/2010/main" xmlns:p15="http://schemas.microsoft.com/office/powerpoint/2012/main" xmlns:ahyp="http://schemas.microsoft.com/office/drawing/2018/hyperlinkcolor">
   <p:cSld>
-    <p:bg>
-      <p:bgRef idx="1001">
-        <a:schemeClr val="bg1"/>
-      </p:bgRef>
-    </p:bg>
     <p:spTree>
       <p:nvGrpSpPr>
-        <p:cNvPr id="1" name="Shape 2"/>
+        <p:cNvPr id="2" name="Shape 2"/>
         <p:cNvGrpSpPr/>
         <p:nvPr/>
       </p:nvGrpSpPr>
@@ -288,11 +298,9 @@
       <p:sp>
         <p:nvSpPr>
           <p:cNvPr id="3" name="Google Shape;3;n"/>
-          <p:cNvSpPr>
-            <a:spLocks noGrp="1" noRot="1" noChangeAspect="1"/>
-          </p:cNvSpPr>
+          <p:cNvSpPr/>
           <p:nvPr>
-            <p:ph type="sldImg" idx="2"/>
+            <p:ph idx="2" type="sldImg"/>
           </p:nvPr>
         </p:nvSpPr>
         <p:spPr>
@@ -301,13 +309,9 @@
             <a:ext cx="6096075" cy="3429000"/>
           </a:xfrm>
           <a:custGeom>
-            <a:avLst/>
-            <a:gdLst/>
-            <a:ahLst/>
-            <a:cxnLst/>
-            <a:rect l="l" t="t" r="r" b="b"/>
+            <a:rect b="b" l="l" r="r" t="t"/>
             <a:pathLst>
-              <a:path w="120000" h="120000" extrusionOk="0">
+              <a:path extrusionOk="0" h="120000" w="120000">
                 <a:moveTo>
                   <a:pt x="0" y="0"/>
                 </a:moveTo>
@@ -325,25 +329,23 @@
             </a:pathLst>
           </a:custGeom>
           <a:noFill/>
-          <a:ln w="9525" cap="flat" cmpd="sng">
+          <a:ln cap="flat" cmpd="sng" w="9525">
             <a:solidFill>
               <a:srgbClr val="000000"/>
             </a:solidFill>
             <a:prstDash val="solid"/>
             <a:round/>
-            <a:headEnd type="none" w="sm" len="sm"/>
-            <a:tailEnd type="none" w="sm" len="sm"/>
+            <a:headEnd len="sm" w="sm" type="none"/>
+            <a:tailEnd len="sm" w="sm" type="none"/>
           </a:ln>
         </p:spPr>
       </p:sp>
       <p:sp>
         <p:nvSpPr>
           <p:cNvPr id="4" name="Google Shape;4;n"/>
-          <p:cNvSpPr txBox="1">
-            <a:spLocks noGrp="1"/>
-          </p:cNvSpPr>
+          <p:cNvSpPr txBox="1"/>
           <p:nvPr>
-            <p:ph type="body" idx="1"/>
+            <p:ph idx="1" type="body"/>
           </p:nvPr>
         </p:nvSpPr>
         <p:spPr>
@@ -360,11 +362,11 @@
           </a:ln>
         </p:spPr>
         <p:txBody>
-          <a:bodyPr spcFirstLastPara="1" wrap="square" lIns="91425" tIns="91425" rIns="91425" bIns="91425" anchor="t" anchorCtr="0">
+          <a:bodyPr anchorCtr="0" anchor="t" bIns="91425" lIns="91425" spcFirstLastPara="1" rIns="91425" wrap="square" tIns="91425">
             <a:noAutofit/>
           </a:bodyPr>
           <a:lstStyle>
-            <a:lvl1pPr marL="457200" lvl="0" indent="-298450">
+            <a:lvl1pPr indent="-298450" lvl="0" marL="457200">
               <a:spcBef>
                 <a:spcPts val="0"/>
               </a:spcBef>
@@ -375,7 +377,7 @@
               <a:buChar char="●"/>
               <a:defRPr sz="1100"/>
             </a:lvl1pPr>
-            <a:lvl2pPr marL="914400" lvl="1" indent="-298450">
+            <a:lvl2pPr indent="-298450" lvl="1" marL="914400">
               <a:spcBef>
                 <a:spcPts val="0"/>
               </a:spcBef>
@@ -386,7 +388,7 @@
               <a:buChar char="○"/>
               <a:defRPr sz="1100"/>
             </a:lvl2pPr>
-            <a:lvl3pPr marL="1371600" lvl="2" indent="-298450">
+            <a:lvl3pPr indent="-298450" lvl="2" marL="1371600">
               <a:spcBef>
                 <a:spcPts val="0"/>
               </a:spcBef>
@@ -397,7 +399,7 @@
               <a:buChar char="■"/>
               <a:defRPr sz="1100"/>
             </a:lvl3pPr>
-            <a:lvl4pPr marL="1828800" lvl="3" indent="-298450">
+            <a:lvl4pPr indent="-298450" lvl="3" marL="1828800">
               <a:spcBef>
                 <a:spcPts val="0"/>
               </a:spcBef>
@@ -408,7 +410,7 @@
               <a:buChar char="●"/>
               <a:defRPr sz="1100"/>
             </a:lvl4pPr>
-            <a:lvl5pPr marL="2286000" lvl="4" indent="-298450">
+            <a:lvl5pPr indent="-298450" lvl="4" marL="2286000">
               <a:spcBef>
                 <a:spcPts val="0"/>
               </a:spcBef>
@@ -419,7 +421,7 @@
               <a:buChar char="○"/>
               <a:defRPr sz="1100"/>
             </a:lvl5pPr>
-            <a:lvl6pPr marL="2743200" lvl="5" indent="-298450">
+            <a:lvl6pPr indent="-298450" lvl="5" marL="2743200">
               <a:spcBef>
                 <a:spcPts val="0"/>
               </a:spcBef>
@@ -430,7 +432,7 @@
               <a:buChar char="■"/>
               <a:defRPr sz="1100"/>
             </a:lvl6pPr>
-            <a:lvl7pPr marL="3200400" lvl="6" indent="-298450">
+            <a:lvl7pPr indent="-298450" lvl="6" marL="3200400">
               <a:spcBef>
                 <a:spcPts val="0"/>
               </a:spcBef>
@@ -441,7 +443,7 @@
               <a:buChar char="●"/>
               <a:defRPr sz="1100"/>
             </a:lvl7pPr>
-            <a:lvl8pPr marL="3657600" lvl="7" indent="-298450">
+            <a:lvl8pPr indent="-298450" lvl="7" marL="3657600">
               <a:spcBef>
                 <a:spcPts val="0"/>
               </a:spcBef>
@@ -452,7 +454,7 @@
               <a:buChar char="○"/>
               <a:defRPr sz="1100"/>
             </a:lvl8pPr>
-            <a:lvl9pPr marL="4114800" lvl="8" indent="-298450">
+            <a:lvl9pPr indent="-298450" lvl="8" marL="4114800">
               <a:spcBef>
                 <a:spcPts val="0"/>
               </a:spcBef>
@@ -464,16 +466,14 @@
               <a:defRPr sz="1100"/>
             </a:lvl9pPr>
           </a:lstStyle>
-          <a:p>
-            <a:endParaRPr/>
-          </a:p>
+          <a:p/>
         </p:txBody>
       </p:sp>
     </p:spTree>
   </p:cSld>
-  <p:clrMap bg1="lt1" tx1="dk1" bg2="dk2" tx2="lt2" accent1="accent1" accent2="accent2" accent3="accent3" accent4="accent4" accent5="accent5" accent6="accent6" hlink="hlink" folHlink="folHlink"/>
+  <p:clrMap accent1="accent1" accent2="accent2" accent3="accent3" accent4="accent4" accent5="accent5" accent6="accent6" bg1="lt1" bg2="dk2" tx1="dk1" tx2="lt2" folHlink="folHlink" hlink="hlink"/>
   <p:notesStyle>
-    <a:defPPr marR="0" lvl="0" algn="l" rtl="0">
+    <a:defPPr lvl="0" marR="0" rtl="0" algn="l">
       <a:lnSpc>
         <a:spcPct val="100000"/>
       </a:lnSpc>
@@ -484,7 +484,7 @@
         <a:spcPts val="0"/>
       </a:spcAft>
     </a:defPPr>
-    <a:lvl1pPr marR="0" lvl="0" algn="l" rtl="0">
+    <a:lvl1pPr lvl="0" marR="0" rtl="0" algn="l">
       <a:lnSpc>
         <a:spcPct val="100000"/>
       </a:lnSpc>
@@ -498,7 +498,7 @@
         <a:srgbClr val="000000"/>
       </a:buClr>
       <a:buFont typeface="Arial"/>
-      <a:defRPr sz="1400" b="0" i="0" u="none" strike="noStrike" cap="none">
+      <a:defRPr b="0" i="0" sz="1400" u="none" cap="none" strike="noStrike">
         <a:solidFill>
           <a:srgbClr val="000000"/>
         </a:solidFill>
@@ -508,7 +508,7 @@
         <a:sym typeface="Arial"/>
       </a:defRPr>
     </a:lvl1pPr>
-    <a:lvl2pPr marR="0" lvl="1" algn="l" rtl="0">
+    <a:lvl2pPr lvl="1" marR="0" rtl="0" algn="l">
       <a:lnSpc>
         <a:spcPct val="100000"/>
       </a:lnSpc>
@@ -522,7 +522,7 @@
         <a:srgbClr val="000000"/>
       </a:buClr>
       <a:buFont typeface="Arial"/>
-      <a:defRPr sz="1400" b="0" i="0" u="none" strike="noStrike" cap="none">
+      <a:defRPr b="0" i="0" sz="1400" u="none" cap="none" strike="noStrike">
         <a:solidFill>
           <a:srgbClr val="000000"/>
         </a:solidFill>
@@ -532,7 +532,7 @@
         <a:sym typeface="Arial"/>
       </a:defRPr>
     </a:lvl2pPr>
-    <a:lvl3pPr marR="0" lvl="2" algn="l" rtl="0">
+    <a:lvl3pPr lvl="2" marR="0" rtl="0" algn="l">
       <a:lnSpc>
         <a:spcPct val="100000"/>
       </a:lnSpc>
@@ -546,7 +546,7 @@
         <a:srgbClr val="000000"/>
       </a:buClr>
       <a:buFont typeface="Arial"/>
-      <a:defRPr sz="1400" b="0" i="0" u="none" strike="noStrike" cap="none">
+      <a:defRPr b="0" i="0" sz="1400" u="none" cap="none" strike="noStrike">
         <a:solidFill>
           <a:srgbClr val="000000"/>
         </a:solidFill>
@@ -556,7 +556,7 @@
         <a:sym typeface="Arial"/>
       </a:defRPr>
     </a:lvl3pPr>
-    <a:lvl4pPr marR="0" lvl="3" algn="l" rtl="0">
+    <a:lvl4pPr lvl="3" marR="0" rtl="0" algn="l">
       <a:lnSpc>
         <a:spcPct val="100000"/>
       </a:lnSpc>
@@ -570,7 +570,7 @@
         <a:srgbClr val="000000"/>
       </a:buClr>
       <a:buFont typeface="Arial"/>
-      <a:defRPr sz="1400" b="0" i="0" u="none" strike="noStrike" cap="none">
+      <a:defRPr b="0" i="0" sz="1400" u="none" cap="none" strike="noStrike">
         <a:solidFill>
           <a:srgbClr val="000000"/>
         </a:solidFill>
@@ -580,7 +580,7 @@
         <a:sym typeface="Arial"/>
       </a:defRPr>
     </a:lvl4pPr>
-    <a:lvl5pPr marR="0" lvl="4" algn="l" rtl="0">
+    <a:lvl5pPr lvl="4" marR="0" rtl="0" algn="l">
       <a:lnSpc>
         <a:spcPct val="100000"/>
       </a:lnSpc>
@@ -594,7 +594,7 @@
         <a:srgbClr val="000000"/>
       </a:buClr>
       <a:buFont typeface="Arial"/>
-      <a:defRPr sz="1400" b="0" i="0" u="none" strike="noStrike" cap="none">
+      <a:defRPr b="0" i="0" sz="1400" u="none" cap="none" strike="noStrike">
         <a:solidFill>
           <a:srgbClr val="000000"/>
         </a:solidFill>
@@ -604,7 +604,7 @@
         <a:sym typeface="Arial"/>
       </a:defRPr>
     </a:lvl5pPr>
-    <a:lvl6pPr marR="0" lvl="5" algn="l" rtl="0">
+    <a:lvl6pPr lvl="5" marR="0" rtl="0" algn="l">
       <a:lnSpc>
         <a:spcPct val="100000"/>
       </a:lnSpc>
@@ -618,7 +618,7 @@
         <a:srgbClr val="000000"/>
       </a:buClr>
       <a:buFont typeface="Arial"/>
-      <a:defRPr sz="1400" b="0" i="0" u="none" strike="noStrike" cap="none">
+      <a:defRPr b="0" i="0" sz="1400" u="none" cap="none" strike="noStrike">
         <a:solidFill>
           <a:srgbClr val="000000"/>
         </a:solidFill>
@@ -628,7 +628,7 @@
         <a:sym typeface="Arial"/>
       </a:defRPr>
     </a:lvl6pPr>
-    <a:lvl7pPr marR="0" lvl="6" algn="l" rtl="0">
+    <a:lvl7pPr lvl="6" marR="0" rtl="0" algn="l">
       <a:lnSpc>
         <a:spcPct val="100000"/>
       </a:lnSpc>
@@ -642,7 +642,7 @@
         <a:srgbClr val="000000"/>
       </a:buClr>
       <a:buFont typeface="Arial"/>
-      <a:defRPr sz="1400" b="0" i="0" u="none" strike="noStrike" cap="none">
+      <a:defRPr b="0" i="0" sz="1400" u="none" cap="none" strike="noStrike">
         <a:solidFill>
           <a:srgbClr val="000000"/>
         </a:solidFill>
@@ -652,7 +652,7 @@
         <a:sym typeface="Arial"/>
       </a:defRPr>
     </a:lvl7pPr>
-    <a:lvl8pPr marR="0" lvl="7" algn="l" rtl="0">
+    <a:lvl8pPr lvl="7" marR="0" rtl="0" algn="l">
       <a:lnSpc>
         <a:spcPct val="100000"/>
       </a:lnSpc>
@@ -666,7 +666,7 @@
         <a:srgbClr val="000000"/>
       </a:buClr>
       <a:buFont typeface="Arial"/>
-      <a:defRPr sz="1400" b="0" i="0" u="none" strike="noStrike" cap="none">
+      <a:defRPr b="0" i="0" sz="1400" u="none" cap="none" strike="noStrike">
         <a:solidFill>
           <a:srgbClr val="000000"/>
         </a:solidFill>
@@ -676,7 +676,7 @@
         <a:sym typeface="Arial"/>
       </a:defRPr>
     </a:lvl8pPr>
-    <a:lvl9pPr marR="0" lvl="8" algn="l" rtl="0">
+    <a:lvl9pPr lvl="8" marR="0" rtl="0" algn="l">
       <a:lnSpc>
         <a:spcPct val="100000"/>
       </a:lnSpc>
@@ -690,7 +690,7 @@
         <a:srgbClr val="000000"/>
       </a:buClr>
       <a:buFont typeface="Arial"/>
-      <a:defRPr sz="1400" b="0" i="0" u="none" strike="noStrike" cap="none">
+      <a:defRPr b="0" i="0" sz="1400" u="none" cap="none" strike="noStrike">
         <a:solidFill>
           <a:srgbClr val="000000"/>
         </a:solidFill>
@@ -705,11 +705,11 @@
 </file>
 
 <file path=ppt/notesSlides/notesSlide1.xml><?xml version="1.0" encoding="utf-8"?>
-<p:notes xmlns:a="http://schemas.openxmlformats.org/drawingml/2006/main" xmlns:r="http://schemas.openxmlformats.org/officeDocument/2006/relationships" xmlns:p="http://schemas.openxmlformats.org/presentationml/2006/main" showMasterSp="0" showMasterPhAnim="0">
+<p:notes xmlns:a="http://schemas.openxmlformats.org/drawingml/2006/main" xmlns:r="http://schemas.openxmlformats.org/officeDocument/2006/relationships" xmlns:mc="http://schemas.openxmlformats.org/markup-compatibility/2006" xmlns:mv="urn:schemas-microsoft-com:mac:vml" xmlns:p="http://schemas.openxmlformats.org/presentationml/2006/main" xmlns:c="http://schemas.openxmlformats.org/drawingml/2006/chart" xmlns:dgm="http://schemas.openxmlformats.org/drawingml/2006/diagram" xmlns:o="urn:schemas-microsoft-com:office:office" xmlns:v="urn:schemas-microsoft-com:vml" xmlns:pvml="urn:schemas-microsoft-com:office:powerpoint" xmlns:com="http://schemas.openxmlformats.org/drawingml/2006/compatibility" xmlns:p14="http://schemas.microsoft.com/office/powerpoint/2010/main" xmlns:p15="http://schemas.microsoft.com/office/powerpoint/2012/main" xmlns:ahyp="http://schemas.microsoft.com/office/drawing/2018/hyperlinkcolor" showMasterPhAnim="0" showMasterSp="0">
   <p:cSld>
     <p:spTree>
       <p:nvGrpSpPr>
-        <p:cNvPr id="1" name="Shape 50"/>
+        <p:cNvPr id="50" name="Shape 50"/>
         <p:cNvGrpSpPr/>
         <p:nvPr/>
       </p:nvGrpSpPr>
@@ -724,26 +724,20 @@
       <p:sp>
         <p:nvSpPr>
           <p:cNvPr id="51" name="Google Shape;51;p:notes"/>
-          <p:cNvSpPr>
-            <a:spLocks noGrp="1" noRot="1" noChangeAspect="1"/>
-          </p:cNvSpPr>
+          <p:cNvSpPr/>
           <p:nvPr>
-            <p:ph type="sldImg" idx="2"/>
+            <p:ph idx="2" type="sldImg"/>
           </p:nvPr>
         </p:nvSpPr>
         <p:spPr>
           <a:xfrm>
-            <a:off x="381000" y="685800"/>
-            <a:ext cx="6096000" cy="3429000"/>
+            <a:off x="381300" y="685800"/>
+            <a:ext cx="6096075" cy="3429000"/>
           </a:xfrm>
           <a:custGeom>
-            <a:avLst/>
-            <a:gdLst/>
-            <a:ahLst/>
-            <a:cxnLst/>
-            <a:rect l="l" t="t" r="r" b="b"/>
+            <a:rect b="b" l="l" r="r" t="t"/>
             <a:pathLst>
-              <a:path w="120000" h="120000" extrusionOk="0">
+              <a:path extrusionOk="0" h="120000" w="120000">
                 <a:moveTo>
                   <a:pt x="0" y="0"/>
                 </a:moveTo>
@@ -765,11 +759,9 @@
       <p:sp>
         <p:nvSpPr>
           <p:cNvPr id="52" name="Google Shape;52;p:notes"/>
-          <p:cNvSpPr txBox="1">
-            <a:spLocks noGrp="1"/>
-          </p:cNvSpPr>
+          <p:cNvSpPr txBox="1"/>
           <p:nvPr>
-            <p:ph type="body" idx="1"/>
+            <p:ph idx="1" type="body"/>
           </p:nvPr>
         </p:nvSpPr>
         <p:spPr>
@@ -782,20 +774,23 @@
           </a:prstGeom>
         </p:spPr>
         <p:txBody>
-          <a:bodyPr spcFirstLastPara="1" wrap="square" lIns="91425" tIns="91425" rIns="91425" bIns="91425" anchor="t" anchorCtr="0">
+          <a:bodyPr anchorCtr="0" anchor="t" bIns="91425" lIns="91425" spcFirstLastPara="1" rIns="91425" wrap="square" tIns="91425">
             <a:noAutofit/>
           </a:bodyPr>
           <a:lstStyle/>
           <a:p>
-            <a:pPr marL="0" lvl="0" indent="0" algn="l" rtl="0">
-              <a:spcBef>
-                <a:spcPts val="0"/>
-              </a:spcBef>
-              <a:spcAft>
-                <a:spcPts val="0"/>
-              </a:spcAft>
-              <a:buNone/>
-            </a:pPr>
+            <a:pPr indent="0" lvl="0" marL="0" rtl="0" algn="l">
+              <a:spcBef>
+                <a:spcPts val="0"/>
+              </a:spcBef>
+              <a:spcAft>
+                <a:spcPts val="0"/>
+              </a:spcAft>
+              <a:buNone/>
+            </a:pPr>
+            <a:r>
+              <a:t/>
+            </a:r>
             <a:endParaRPr/>
           </a:p>
         </p:txBody>
@@ -808,12 +803,12 @@
 </p:notes>
 </file>
 
-<file path=ppt/notesSlides/notesSlide2.xml><?xml version="1.0" encoding="utf-8"?>
-<p:notes xmlns:a="http://schemas.openxmlformats.org/drawingml/2006/main" xmlns:r="http://schemas.openxmlformats.org/officeDocument/2006/relationships" xmlns:p="http://schemas.openxmlformats.org/presentationml/2006/main" showMasterSp="0" showMasterPhAnim="0">
+<file path=ppt/notesSlides/notesSlide10.xml><?xml version="1.0" encoding="utf-8"?>
+<p:notes xmlns:a="http://schemas.openxmlformats.org/drawingml/2006/main" xmlns:r="http://schemas.openxmlformats.org/officeDocument/2006/relationships" xmlns:mc="http://schemas.openxmlformats.org/markup-compatibility/2006" xmlns:mv="urn:schemas-microsoft-com:mac:vml" xmlns:p="http://schemas.openxmlformats.org/presentationml/2006/main" xmlns:c="http://schemas.openxmlformats.org/drawingml/2006/chart" xmlns:dgm="http://schemas.openxmlformats.org/drawingml/2006/diagram" xmlns:o="urn:schemas-microsoft-com:office:office" xmlns:v="urn:schemas-microsoft-com:vml" xmlns:pvml="urn:schemas-microsoft-com:office:powerpoint" xmlns:com="http://schemas.openxmlformats.org/drawingml/2006/compatibility" xmlns:p14="http://schemas.microsoft.com/office/powerpoint/2010/main" xmlns:p15="http://schemas.microsoft.com/office/powerpoint/2012/main" xmlns:ahyp="http://schemas.microsoft.com/office/drawing/2018/hyperlinkcolor" showMasterPhAnim="0" showMasterSp="0">
   <p:cSld>
     <p:spTree>
       <p:nvGrpSpPr>
-        <p:cNvPr id="1" name="Shape 56"/>
+        <p:cNvPr id="104" name="Shape 104"/>
         <p:cNvGrpSpPr/>
         <p:nvPr/>
       </p:nvGrpSpPr>
@@ -827,12 +822,10 @@
       </p:grpSpPr>
       <p:sp>
         <p:nvSpPr>
-          <p:cNvPr id="57" name="Google Shape;57;g12ae9406bcc_2_0:notes"/>
-          <p:cNvSpPr>
-            <a:spLocks noGrp="1" noRot="1" noChangeAspect="1"/>
-          </p:cNvSpPr>
+          <p:cNvPr id="105" name="Google Shape;105;g12ae9406bcc_2_0:notes"/>
+          <p:cNvSpPr/>
           <p:nvPr>
-            <p:ph type="sldImg" idx="2"/>
+            <p:ph idx="2" type="sldImg"/>
           </p:nvPr>
         </p:nvSpPr>
         <p:spPr>
@@ -841,13 +834,9 @@
             <a:ext cx="6096000" cy="3429000"/>
           </a:xfrm>
           <a:custGeom>
-            <a:avLst/>
-            <a:gdLst/>
-            <a:ahLst/>
-            <a:cxnLst/>
-            <a:rect l="l" t="t" r="r" b="b"/>
+            <a:rect b="b" l="l" r="r" t="t"/>
             <a:pathLst>
-              <a:path w="120000" h="120000" extrusionOk="0">
+              <a:path extrusionOk="0" h="120000" w="120000">
                 <a:moveTo>
                   <a:pt x="0" y="0"/>
                 </a:moveTo>
@@ -868,12 +857,10 @@
       </p:sp>
       <p:sp>
         <p:nvSpPr>
-          <p:cNvPr id="58" name="Google Shape;58;g12ae9406bcc_2_0:notes"/>
-          <p:cNvSpPr txBox="1">
-            <a:spLocks noGrp="1"/>
-          </p:cNvSpPr>
+          <p:cNvPr id="106" name="Google Shape;106;g12ae9406bcc_2_0:notes"/>
+          <p:cNvSpPr txBox="1"/>
           <p:nvPr>
-            <p:ph type="body" idx="1"/>
+            <p:ph idx="1" type="body"/>
           </p:nvPr>
         </p:nvSpPr>
         <p:spPr>
@@ -886,20 +873,23 @@
           </a:prstGeom>
         </p:spPr>
         <p:txBody>
-          <a:bodyPr spcFirstLastPara="1" wrap="square" lIns="91425" tIns="91425" rIns="91425" bIns="91425" anchor="t" anchorCtr="0">
+          <a:bodyPr anchorCtr="0" anchor="t" bIns="91425" lIns="91425" spcFirstLastPara="1" rIns="91425" wrap="square" tIns="91425">
             <a:noAutofit/>
           </a:bodyPr>
           <a:lstStyle/>
           <a:p>
-            <a:pPr marL="0" lvl="0" indent="0" algn="l" rtl="0">
-              <a:spcBef>
-                <a:spcPts val="0"/>
-              </a:spcBef>
-              <a:spcAft>
-                <a:spcPts val="0"/>
-              </a:spcAft>
-              <a:buNone/>
-            </a:pPr>
+            <a:pPr indent="0" lvl="0" marL="0" rtl="0" algn="l">
+              <a:spcBef>
+                <a:spcPts val="0"/>
+              </a:spcBef>
+              <a:spcAft>
+                <a:spcPts val="0"/>
+              </a:spcAft>
+              <a:buNone/>
+            </a:pPr>
+            <a:r>
+              <a:t/>
+            </a:r>
             <a:endParaRPr/>
           </a:p>
         </p:txBody>
@@ -912,12 +902,12 @@
 </p:notes>
 </file>
 
-<file path=ppt/notesSlides/notesSlide3.xml><?xml version="1.0" encoding="utf-8"?>
-<p:notes xmlns:a="http://schemas.openxmlformats.org/drawingml/2006/main" xmlns:r="http://schemas.openxmlformats.org/officeDocument/2006/relationships" xmlns:p="http://schemas.openxmlformats.org/presentationml/2006/main" showMasterSp="0" showMasterPhAnim="0">
+<file path=ppt/notesSlides/notesSlide11.xml><?xml version="1.0" encoding="utf-8"?>
+<p:notes xmlns:a="http://schemas.openxmlformats.org/drawingml/2006/main" xmlns:r="http://schemas.openxmlformats.org/officeDocument/2006/relationships" xmlns:mc="http://schemas.openxmlformats.org/markup-compatibility/2006" xmlns:mv="urn:schemas-microsoft-com:mac:vml" xmlns:p="http://schemas.openxmlformats.org/presentationml/2006/main" xmlns:c="http://schemas.openxmlformats.org/drawingml/2006/chart" xmlns:dgm="http://schemas.openxmlformats.org/drawingml/2006/diagram" xmlns:o="urn:schemas-microsoft-com:office:office" xmlns:v="urn:schemas-microsoft-com:vml" xmlns:pvml="urn:schemas-microsoft-com:office:powerpoint" xmlns:com="http://schemas.openxmlformats.org/drawingml/2006/compatibility" xmlns:p14="http://schemas.microsoft.com/office/powerpoint/2010/main" xmlns:p15="http://schemas.microsoft.com/office/powerpoint/2012/main" xmlns:ahyp="http://schemas.microsoft.com/office/drawing/2018/hyperlinkcolor" showMasterPhAnim="0" showMasterSp="0">
   <p:cSld>
     <p:spTree>
       <p:nvGrpSpPr>
-        <p:cNvPr id="1" name="Shape 62"/>
+        <p:cNvPr id="110" name="Shape 110"/>
         <p:cNvGrpSpPr/>
         <p:nvPr/>
       </p:nvGrpSpPr>
@@ -931,12 +921,10 @@
       </p:grpSpPr>
       <p:sp>
         <p:nvSpPr>
-          <p:cNvPr id="63" name="Google Shape;63;g12ae9406bcc_2_10:notes"/>
-          <p:cNvSpPr>
-            <a:spLocks noGrp="1" noRot="1" noChangeAspect="1"/>
-          </p:cNvSpPr>
+          <p:cNvPr id="111" name="Google Shape;111;g12ae9406bcc_2_10:notes"/>
+          <p:cNvSpPr/>
           <p:nvPr>
-            <p:ph type="sldImg" idx="2"/>
+            <p:ph idx="2" type="sldImg"/>
           </p:nvPr>
         </p:nvSpPr>
         <p:spPr>
@@ -945,13 +933,9 @@
             <a:ext cx="6096000" cy="3429000"/>
           </a:xfrm>
           <a:custGeom>
-            <a:avLst/>
-            <a:gdLst/>
-            <a:ahLst/>
-            <a:cxnLst/>
-            <a:rect l="l" t="t" r="r" b="b"/>
+            <a:rect b="b" l="l" r="r" t="t"/>
             <a:pathLst>
-              <a:path w="120000" h="120000" extrusionOk="0">
+              <a:path extrusionOk="0" h="120000" w="120000">
                 <a:moveTo>
                   <a:pt x="0" y="0"/>
                 </a:moveTo>
@@ -972,12 +956,10 @@
       </p:sp>
       <p:sp>
         <p:nvSpPr>
-          <p:cNvPr id="64" name="Google Shape;64;g12ae9406bcc_2_10:notes"/>
-          <p:cNvSpPr txBox="1">
-            <a:spLocks noGrp="1"/>
-          </p:cNvSpPr>
+          <p:cNvPr id="112" name="Google Shape;112;g12ae9406bcc_2_10:notes"/>
+          <p:cNvSpPr txBox="1"/>
           <p:nvPr>
-            <p:ph type="body" idx="1"/>
+            <p:ph idx="1" type="body"/>
           </p:nvPr>
         </p:nvSpPr>
         <p:spPr>
@@ -990,20 +972,23 @@
           </a:prstGeom>
         </p:spPr>
         <p:txBody>
-          <a:bodyPr spcFirstLastPara="1" wrap="square" lIns="91425" tIns="91425" rIns="91425" bIns="91425" anchor="t" anchorCtr="0">
+          <a:bodyPr anchorCtr="0" anchor="t" bIns="91425" lIns="91425" spcFirstLastPara="1" rIns="91425" wrap="square" tIns="91425">
             <a:noAutofit/>
           </a:bodyPr>
           <a:lstStyle/>
           <a:p>
-            <a:pPr marL="0" lvl="0" indent="0" algn="l" rtl="0">
-              <a:spcBef>
-                <a:spcPts val="0"/>
-              </a:spcBef>
-              <a:spcAft>
-                <a:spcPts val="0"/>
-              </a:spcAft>
-              <a:buNone/>
-            </a:pPr>
+            <a:pPr indent="0" lvl="0" marL="0" rtl="0" algn="l">
+              <a:spcBef>
+                <a:spcPts val="0"/>
+              </a:spcBef>
+              <a:spcAft>
+                <a:spcPts val="0"/>
+              </a:spcAft>
+              <a:buNone/>
+            </a:pPr>
+            <a:r>
+              <a:t/>
+            </a:r>
             <a:endParaRPr/>
           </a:p>
         </p:txBody>
@@ -1016,12 +1001,12 @@
 </p:notes>
 </file>
 
-<file path=ppt/notesSlides/notesSlide4.xml><?xml version="1.0" encoding="utf-8"?>
-<p:notes xmlns:a="http://schemas.openxmlformats.org/drawingml/2006/main" xmlns:r="http://schemas.openxmlformats.org/officeDocument/2006/relationships" xmlns:p="http://schemas.openxmlformats.org/presentationml/2006/main" showMasterSp="0" showMasterPhAnim="0">
+<file path=ppt/notesSlides/notesSlide12.xml><?xml version="1.0" encoding="utf-8"?>
+<p:notes xmlns:a="http://schemas.openxmlformats.org/drawingml/2006/main" xmlns:r="http://schemas.openxmlformats.org/officeDocument/2006/relationships" xmlns:mc="http://schemas.openxmlformats.org/markup-compatibility/2006" xmlns:mv="urn:schemas-microsoft-com:mac:vml" xmlns:p="http://schemas.openxmlformats.org/presentationml/2006/main" xmlns:c="http://schemas.openxmlformats.org/drawingml/2006/chart" xmlns:dgm="http://schemas.openxmlformats.org/drawingml/2006/diagram" xmlns:o="urn:schemas-microsoft-com:office:office" xmlns:v="urn:schemas-microsoft-com:vml" xmlns:pvml="urn:schemas-microsoft-com:office:powerpoint" xmlns:com="http://schemas.openxmlformats.org/drawingml/2006/compatibility" xmlns:p14="http://schemas.microsoft.com/office/powerpoint/2010/main" xmlns:p15="http://schemas.microsoft.com/office/powerpoint/2012/main" xmlns:ahyp="http://schemas.microsoft.com/office/drawing/2018/hyperlinkcolor" showMasterPhAnim="0" showMasterSp="0">
   <p:cSld>
     <p:spTree>
       <p:nvGrpSpPr>
-        <p:cNvPr id="1" name="Shape 68"/>
+        <p:cNvPr id="116" name="Shape 116"/>
         <p:cNvGrpSpPr/>
         <p:nvPr/>
       </p:nvGrpSpPr>
@@ -1035,12 +1020,10 @@
       </p:grpSpPr>
       <p:sp>
         <p:nvSpPr>
-          <p:cNvPr id="69" name="Google Shape;69;g12ae9406bcc_2_5:notes"/>
-          <p:cNvSpPr>
-            <a:spLocks noGrp="1" noRot="1" noChangeAspect="1"/>
-          </p:cNvSpPr>
+          <p:cNvPr id="117" name="Google Shape;117;g12ae9406bcc_2_5:notes"/>
+          <p:cNvSpPr/>
           <p:nvPr>
-            <p:ph type="sldImg" idx="2"/>
+            <p:ph idx="2" type="sldImg"/>
           </p:nvPr>
         </p:nvSpPr>
         <p:spPr>
@@ -1049,13 +1032,9 @@
             <a:ext cx="6096000" cy="3429000"/>
           </a:xfrm>
           <a:custGeom>
-            <a:avLst/>
-            <a:gdLst/>
-            <a:ahLst/>
-            <a:cxnLst/>
-            <a:rect l="l" t="t" r="r" b="b"/>
+            <a:rect b="b" l="l" r="r" t="t"/>
             <a:pathLst>
-              <a:path w="120000" h="120000" extrusionOk="0">
+              <a:path extrusionOk="0" h="120000" w="120000">
                 <a:moveTo>
                   <a:pt x="0" y="0"/>
                 </a:moveTo>
@@ -1076,12 +1055,10 @@
       </p:sp>
       <p:sp>
         <p:nvSpPr>
-          <p:cNvPr id="70" name="Google Shape;70;g12ae9406bcc_2_5:notes"/>
-          <p:cNvSpPr txBox="1">
-            <a:spLocks noGrp="1"/>
-          </p:cNvSpPr>
+          <p:cNvPr id="118" name="Google Shape;118;g12ae9406bcc_2_5:notes"/>
+          <p:cNvSpPr txBox="1"/>
           <p:nvPr>
-            <p:ph type="body" idx="1"/>
+            <p:ph idx="1" type="body"/>
           </p:nvPr>
         </p:nvSpPr>
         <p:spPr>
@@ -1094,20 +1071,1508 @@
           </a:prstGeom>
         </p:spPr>
         <p:txBody>
-          <a:bodyPr spcFirstLastPara="1" wrap="square" lIns="91425" tIns="91425" rIns="91425" bIns="91425" anchor="t" anchorCtr="0">
+          <a:bodyPr anchorCtr="0" anchor="t" bIns="91425" lIns="91425" spcFirstLastPara="1" rIns="91425" wrap="square" tIns="91425">
             <a:noAutofit/>
           </a:bodyPr>
           <a:lstStyle/>
           <a:p>
-            <a:pPr marL="0" lvl="0" indent="0" algn="l" rtl="0">
-              <a:spcBef>
-                <a:spcPts val="0"/>
-              </a:spcBef>
-              <a:spcAft>
-                <a:spcPts val="0"/>
-              </a:spcAft>
-              <a:buNone/>
-            </a:pPr>
+            <a:pPr indent="0" lvl="0" marL="0" rtl="0" algn="l">
+              <a:spcBef>
+                <a:spcPts val="0"/>
+              </a:spcBef>
+              <a:spcAft>
+                <a:spcPts val="0"/>
+              </a:spcAft>
+              <a:buNone/>
+            </a:pPr>
+            <a:r>
+              <a:t/>
+            </a:r>
+            <a:endParaRPr/>
+          </a:p>
+        </p:txBody>
+      </p:sp>
+    </p:spTree>
+  </p:cSld>
+  <p:clrMapOvr>
+    <a:masterClrMapping/>
+  </p:clrMapOvr>
+</p:notes>
+</file>
+
+<file path=ppt/notesSlides/notesSlide13.xml><?xml version="1.0" encoding="utf-8"?>
+<p:notes xmlns:a="http://schemas.openxmlformats.org/drawingml/2006/main" xmlns:r="http://schemas.openxmlformats.org/officeDocument/2006/relationships" xmlns:mc="http://schemas.openxmlformats.org/markup-compatibility/2006" xmlns:mv="urn:schemas-microsoft-com:mac:vml" xmlns:p="http://schemas.openxmlformats.org/presentationml/2006/main" xmlns:c="http://schemas.openxmlformats.org/drawingml/2006/chart" xmlns:dgm="http://schemas.openxmlformats.org/drawingml/2006/diagram" xmlns:o="urn:schemas-microsoft-com:office:office" xmlns:v="urn:schemas-microsoft-com:vml" xmlns:pvml="urn:schemas-microsoft-com:office:powerpoint" xmlns:com="http://schemas.openxmlformats.org/drawingml/2006/compatibility" xmlns:p14="http://schemas.microsoft.com/office/powerpoint/2010/main" xmlns:p15="http://schemas.microsoft.com/office/powerpoint/2012/main" xmlns:ahyp="http://schemas.microsoft.com/office/drawing/2018/hyperlinkcolor" showMasterPhAnim="0" showMasterSp="0">
+  <p:cSld>
+    <p:spTree>
+      <p:nvGrpSpPr>
+        <p:cNvPr id="122" name="Shape 122"/>
+        <p:cNvGrpSpPr/>
+        <p:nvPr/>
+      </p:nvGrpSpPr>
+      <p:grpSpPr>
+        <a:xfrm>
+          <a:off x="0" y="0"/>
+          <a:ext cx="0" cy="0"/>
+          <a:chOff x="0" y="0"/>
+          <a:chExt cx="0" cy="0"/>
+        </a:xfrm>
+      </p:grpSpPr>
+      <p:sp>
+        <p:nvSpPr>
+          <p:cNvPr id="123" name="Google Shape;123;g12af03a0f22_0_0:notes"/>
+          <p:cNvSpPr/>
+          <p:nvPr>
+            <p:ph idx="2" type="sldImg"/>
+          </p:nvPr>
+        </p:nvSpPr>
+        <p:spPr>
+          <a:xfrm>
+            <a:off x="381300" y="685800"/>
+            <a:ext cx="6096000" cy="3429000"/>
+          </a:xfrm>
+          <a:custGeom>
+            <a:rect b="b" l="l" r="r" t="t"/>
+            <a:pathLst>
+              <a:path extrusionOk="0" h="120000" w="120000">
+                <a:moveTo>
+                  <a:pt x="0" y="0"/>
+                </a:moveTo>
+                <a:lnTo>
+                  <a:pt x="120000" y="0"/>
+                </a:lnTo>
+                <a:lnTo>
+                  <a:pt x="120000" y="120000"/>
+                </a:lnTo>
+                <a:lnTo>
+                  <a:pt x="0" y="120000"/>
+                </a:lnTo>
+                <a:close/>
+              </a:path>
+            </a:pathLst>
+          </a:custGeom>
+        </p:spPr>
+      </p:sp>
+      <p:sp>
+        <p:nvSpPr>
+          <p:cNvPr id="124" name="Google Shape;124;g12af03a0f22_0_0:notes"/>
+          <p:cNvSpPr txBox="1"/>
+          <p:nvPr>
+            <p:ph idx="1" type="body"/>
+          </p:nvPr>
+        </p:nvSpPr>
+        <p:spPr>
+          <a:xfrm>
+            <a:off x="685800" y="4343400"/>
+            <a:ext cx="5486400" cy="4114800"/>
+          </a:xfrm>
+          <a:prstGeom prst="rect">
+            <a:avLst/>
+          </a:prstGeom>
+        </p:spPr>
+        <p:txBody>
+          <a:bodyPr anchorCtr="0" anchor="t" bIns="91425" lIns="91425" spcFirstLastPara="1" rIns="91425" wrap="square" tIns="91425">
+            <a:noAutofit/>
+          </a:bodyPr>
+          <a:lstStyle/>
+          <a:p>
+            <a:pPr indent="0" lvl="0" marL="0" rtl="0" algn="l">
+              <a:spcBef>
+                <a:spcPts val="0"/>
+              </a:spcBef>
+              <a:spcAft>
+                <a:spcPts val="0"/>
+              </a:spcAft>
+              <a:buNone/>
+            </a:pPr>
+            <a:r>
+              <a:t/>
+            </a:r>
+            <a:endParaRPr/>
+          </a:p>
+        </p:txBody>
+      </p:sp>
+    </p:spTree>
+  </p:cSld>
+  <p:clrMapOvr>
+    <a:masterClrMapping/>
+  </p:clrMapOvr>
+</p:notes>
+</file>
+
+<file path=ppt/notesSlides/notesSlide14.xml><?xml version="1.0" encoding="utf-8"?>
+<p:notes xmlns:a="http://schemas.openxmlformats.org/drawingml/2006/main" xmlns:r="http://schemas.openxmlformats.org/officeDocument/2006/relationships" xmlns:mc="http://schemas.openxmlformats.org/markup-compatibility/2006" xmlns:mv="urn:schemas-microsoft-com:mac:vml" xmlns:p="http://schemas.openxmlformats.org/presentationml/2006/main" xmlns:c="http://schemas.openxmlformats.org/drawingml/2006/chart" xmlns:dgm="http://schemas.openxmlformats.org/drawingml/2006/diagram" xmlns:o="urn:schemas-microsoft-com:office:office" xmlns:v="urn:schemas-microsoft-com:vml" xmlns:pvml="urn:schemas-microsoft-com:office:powerpoint" xmlns:com="http://schemas.openxmlformats.org/drawingml/2006/compatibility" xmlns:p14="http://schemas.microsoft.com/office/powerpoint/2010/main" xmlns:p15="http://schemas.microsoft.com/office/powerpoint/2012/main" xmlns:ahyp="http://schemas.microsoft.com/office/drawing/2018/hyperlinkcolor" showMasterPhAnim="0" showMasterSp="0">
+  <p:cSld>
+    <p:spTree>
+      <p:nvGrpSpPr>
+        <p:cNvPr id="128" name="Shape 128"/>
+        <p:cNvGrpSpPr/>
+        <p:nvPr/>
+      </p:nvGrpSpPr>
+      <p:grpSpPr>
+        <a:xfrm>
+          <a:off x="0" y="0"/>
+          <a:ext cx="0" cy="0"/>
+          <a:chOff x="0" y="0"/>
+          <a:chExt cx="0" cy="0"/>
+        </a:xfrm>
+      </p:grpSpPr>
+      <p:sp>
+        <p:nvSpPr>
+          <p:cNvPr id="129" name="Google Shape;129;g12af03a0f22_0_10:notes"/>
+          <p:cNvSpPr/>
+          <p:nvPr>
+            <p:ph idx="2" type="sldImg"/>
+          </p:nvPr>
+        </p:nvSpPr>
+        <p:spPr>
+          <a:xfrm>
+            <a:off x="381300" y="685800"/>
+            <a:ext cx="6096000" cy="3429000"/>
+          </a:xfrm>
+          <a:custGeom>
+            <a:rect b="b" l="l" r="r" t="t"/>
+            <a:pathLst>
+              <a:path extrusionOk="0" h="120000" w="120000">
+                <a:moveTo>
+                  <a:pt x="0" y="0"/>
+                </a:moveTo>
+                <a:lnTo>
+                  <a:pt x="120000" y="0"/>
+                </a:lnTo>
+                <a:lnTo>
+                  <a:pt x="120000" y="120000"/>
+                </a:lnTo>
+                <a:lnTo>
+                  <a:pt x="0" y="120000"/>
+                </a:lnTo>
+                <a:close/>
+              </a:path>
+            </a:pathLst>
+          </a:custGeom>
+        </p:spPr>
+      </p:sp>
+      <p:sp>
+        <p:nvSpPr>
+          <p:cNvPr id="130" name="Google Shape;130;g12af03a0f22_0_10:notes"/>
+          <p:cNvSpPr txBox="1"/>
+          <p:nvPr>
+            <p:ph idx="1" type="body"/>
+          </p:nvPr>
+        </p:nvSpPr>
+        <p:spPr>
+          <a:xfrm>
+            <a:off x="685800" y="4343400"/>
+            <a:ext cx="5486400" cy="4114800"/>
+          </a:xfrm>
+          <a:prstGeom prst="rect">
+            <a:avLst/>
+          </a:prstGeom>
+        </p:spPr>
+        <p:txBody>
+          <a:bodyPr anchorCtr="0" anchor="t" bIns="91425" lIns="91425" spcFirstLastPara="1" rIns="91425" wrap="square" tIns="91425">
+            <a:noAutofit/>
+          </a:bodyPr>
+          <a:lstStyle/>
+          <a:p>
+            <a:pPr indent="0" lvl="0" marL="0" rtl="0" algn="l">
+              <a:spcBef>
+                <a:spcPts val="0"/>
+              </a:spcBef>
+              <a:spcAft>
+                <a:spcPts val="0"/>
+              </a:spcAft>
+              <a:buNone/>
+            </a:pPr>
+            <a:r>
+              <a:t/>
+            </a:r>
+            <a:endParaRPr/>
+          </a:p>
+        </p:txBody>
+      </p:sp>
+    </p:spTree>
+  </p:cSld>
+  <p:clrMapOvr>
+    <a:masterClrMapping/>
+  </p:clrMapOvr>
+</p:notes>
+</file>
+
+<file path=ppt/notesSlides/notesSlide15.xml><?xml version="1.0" encoding="utf-8"?>
+<p:notes xmlns:a="http://schemas.openxmlformats.org/drawingml/2006/main" xmlns:r="http://schemas.openxmlformats.org/officeDocument/2006/relationships" xmlns:mc="http://schemas.openxmlformats.org/markup-compatibility/2006" xmlns:mv="urn:schemas-microsoft-com:mac:vml" xmlns:p="http://schemas.openxmlformats.org/presentationml/2006/main" xmlns:c="http://schemas.openxmlformats.org/drawingml/2006/chart" xmlns:dgm="http://schemas.openxmlformats.org/drawingml/2006/diagram" xmlns:o="urn:schemas-microsoft-com:office:office" xmlns:v="urn:schemas-microsoft-com:vml" xmlns:pvml="urn:schemas-microsoft-com:office:powerpoint" xmlns:com="http://schemas.openxmlformats.org/drawingml/2006/compatibility" xmlns:p14="http://schemas.microsoft.com/office/powerpoint/2010/main" xmlns:p15="http://schemas.microsoft.com/office/powerpoint/2012/main" xmlns:ahyp="http://schemas.microsoft.com/office/drawing/2018/hyperlinkcolor" showMasterPhAnim="0" showMasterSp="0">
+  <p:cSld>
+    <p:spTree>
+      <p:nvGrpSpPr>
+        <p:cNvPr id="134" name="Shape 134"/>
+        <p:cNvGrpSpPr/>
+        <p:nvPr/>
+      </p:nvGrpSpPr>
+      <p:grpSpPr>
+        <a:xfrm>
+          <a:off x="0" y="0"/>
+          <a:ext cx="0" cy="0"/>
+          <a:chOff x="0" y="0"/>
+          <a:chExt cx="0" cy="0"/>
+        </a:xfrm>
+      </p:grpSpPr>
+      <p:sp>
+        <p:nvSpPr>
+          <p:cNvPr id="135" name="Google Shape;135;g12af03a0f22_0_15:notes"/>
+          <p:cNvSpPr/>
+          <p:nvPr>
+            <p:ph idx="2" type="sldImg"/>
+          </p:nvPr>
+        </p:nvSpPr>
+        <p:spPr>
+          <a:xfrm>
+            <a:off x="381300" y="685800"/>
+            <a:ext cx="6096000" cy="3429000"/>
+          </a:xfrm>
+          <a:custGeom>
+            <a:rect b="b" l="l" r="r" t="t"/>
+            <a:pathLst>
+              <a:path extrusionOk="0" h="120000" w="120000">
+                <a:moveTo>
+                  <a:pt x="0" y="0"/>
+                </a:moveTo>
+                <a:lnTo>
+                  <a:pt x="120000" y="0"/>
+                </a:lnTo>
+                <a:lnTo>
+                  <a:pt x="120000" y="120000"/>
+                </a:lnTo>
+                <a:lnTo>
+                  <a:pt x="0" y="120000"/>
+                </a:lnTo>
+                <a:close/>
+              </a:path>
+            </a:pathLst>
+          </a:custGeom>
+        </p:spPr>
+      </p:sp>
+      <p:sp>
+        <p:nvSpPr>
+          <p:cNvPr id="136" name="Google Shape;136;g12af03a0f22_0_15:notes"/>
+          <p:cNvSpPr txBox="1"/>
+          <p:nvPr>
+            <p:ph idx="1" type="body"/>
+          </p:nvPr>
+        </p:nvSpPr>
+        <p:spPr>
+          <a:xfrm>
+            <a:off x="685800" y="4343400"/>
+            <a:ext cx="5486400" cy="4114800"/>
+          </a:xfrm>
+          <a:prstGeom prst="rect">
+            <a:avLst/>
+          </a:prstGeom>
+        </p:spPr>
+        <p:txBody>
+          <a:bodyPr anchorCtr="0" anchor="t" bIns="91425" lIns="91425" spcFirstLastPara="1" rIns="91425" wrap="square" tIns="91425">
+            <a:noAutofit/>
+          </a:bodyPr>
+          <a:lstStyle/>
+          <a:p>
+            <a:pPr indent="0" lvl="0" marL="0" rtl="0" algn="l">
+              <a:spcBef>
+                <a:spcPts val="0"/>
+              </a:spcBef>
+              <a:spcAft>
+                <a:spcPts val="0"/>
+              </a:spcAft>
+              <a:buNone/>
+            </a:pPr>
+            <a:r>
+              <a:t/>
+            </a:r>
+            <a:endParaRPr/>
+          </a:p>
+        </p:txBody>
+      </p:sp>
+    </p:spTree>
+  </p:cSld>
+  <p:clrMapOvr>
+    <a:masterClrMapping/>
+  </p:clrMapOvr>
+</p:notes>
+</file>
+
+<file path=ppt/notesSlides/notesSlide16.xml><?xml version="1.0" encoding="utf-8"?>
+<p:notes xmlns:a="http://schemas.openxmlformats.org/drawingml/2006/main" xmlns:r="http://schemas.openxmlformats.org/officeDocument/2006/relationships" xmlns:mc="http://schemas.openxmlformats.org/markup-compatibility/2006" xmlns:mv="urn:schemas-microsoft-com:mac:vml" xmlns:p="http://schemas.openxmlformats.org/presentationml/2006/main" xmlns:c="http://schemas.openxmlformats.org/drawingml/2006/chart" xmlns:dgm="http://schemas.openxmlformats.org/drawingml/2006/diagram" xmlns:o="urn:schemas-microsoft-com:office:office" xmlns:v="urn:schemas-microsoft-com:vml" xmlns:pvml="urn:schemas-microsoft-com:office:powerpoint" xmlns:com="http://schemas.openxmlformats.org/drawingml/2006/compatibility" xmlns:p14="http://schemas.microsoft.com/office/powerpoint/2010/main" xmlns:p15="http://schemas.microsoft.com/office/powerpoint/2012/main" xmlns:ahyp="http://schemas.microsoft.com/office/drawing/2018/hyperlinkcolor" showMasterPhAnim="0" showMasterSp="0">
+  <p:cSld>
+    <p:spTree>
+      <p:nvGrpSpPr>
+        <p:cNvPr id="140" name="Shape 140"/>
+        <p:cNvGrpSpPr/>
+        <p:nvPr/>
+      </p:nvGrpSpPr>
+      <p:grpSpPr>
+        <a:xfrm>
+          <a:off x="0" y="0"/>
+          <a:ext cx="0" cy="0"/>
+          <a:chOff x="0" y="0"/>
+          <a:chExt cx="0" cy="0"/>
+        </a:xfrm>
+      </p:grpSpPr>
+      <p:sp>
+        <p:nvSpPr>
+          <p:cNvPr id="141" name="Google Shape;141;g128bc9cbc15_0_0:notes"/>
+          <p:cNvSpPr/>
+          <p:nvPr>
+            <p:ph idx="2" type="sldImg"/>
+          </p:nvPr>
+        </p:nvSpPr>
+        <p:spPr>
+          <a:xfrm>
+            <a:off x="381300" y="685800"/>
+            <a:ext cx="6096000" cy="3429000"/>
+          </a:xfrm>
+          <a:custGeom>
+            <a:rect b="b" l="l" r="r" t="t"/>
+            <a:pathLst>
+              <a:path extrusionOk="0" h="120000" w="120000">
+                <a:moveTo>
+                  <a:pt x="0" y="0"/>
+                </a:moveTo>
+                <a:lnTo>
+                  <a:pt x="120000" y="0"/>
+                </a:lnTo>
+                <a:lnTo>
+                  <a:pt x="120000" y="120000"/>
+                </a:lnTo>
+                <a:lnTo>
+                  <a:pt x="0" y="120000"/>
+                </a:lnTo>
+                <a:close/>
+              </a:path>
+            </a:pathLst>
+          </a:custGeom>
+        </p:spPr>
+      </p:sp>
+      <p:sp>
+        <p:nvSpPr>
+          <p:cNvPr id="142" name="Google Shape;142;g128bc9cbc15_0_0:notes"/>
+          <p:cNvSpPr txBox="1"/>
+          <p:nvPr>
+            <p:ph idx="1" type="body"/>
+          </p:nvPr>
+        </p:nvSpPr>
+        <p:spPr>
+          <a:xfrm>
+            <a:off x="685800" y="4343400"/>
+            <a:ext cx="5486400" cy="4114800"/>
+          </a:xfrm>
+          <a:prstGeom prst="rect">
+            <a:avLst/>
+          </a:prstGeom>
+        </p:spPr>
+        <p:txBody>
+          <a:bodyPr anchorCtr="0" anchor="t" bIns="91425" lIns="91425" spcFirstLastPara="1" rIns="91425" wrap="square" tIns="91425">
+            <a:noAutofit/>
+          </a:bodyPr>
+          <a:lstStyle/>
+          <a:p>
+            <a:pPr indent="0" lvl="0" marL="0" rtl="0" algn="l">
+              <a:spcBef>
+                <a:spcPts val="0"/>
+              </a:spcBef>
+              <a:spcAft>
+                <a:spcPts val="0"/>
+              </a:spcAft>
+              <a:buNone/>
+            </a:pPr>
+            <a:r>
+              <a:t/>
+            </a:r>
+            <a:endParaRPr/>
+          </a:p>
+        </p:txBody>
+      </p:sp>
+    </p:spTree>
+  </p:cSld>
+  <p:clrMapOvr>
+    <a:masterClrMapping/>
+  </p:clrMapOvr>
+</p:notes>
+</file>
+
+<file path=ppt/notesSlides/notesSlide17.xml><?xml version="1.0" encoding="utf-8"?>
+<p:notes xmlns:a="http://schemas.openxmlformats.org/drawingml/2006/main" xmlns:r="http://schemas.openxmlformats.org/officeDocument/2006/relationships" xmlns:mc="http://schemas.openxmlformats.org/markup-compatibility/2006" xmlns:mv="urn:schemas-microsoft-com:mac:vml" xmlns:p="http://schemas.openxmlformats.org/presentationml/2006/main" xmlns:c="http://schemas.openxmlformats.org/drawingml/2006/chart" xmlns:dgm="http://schemas.openxmlformats.org/drawingml/2006/diagram" xmlns:o="urn:schemas-microsoft-com:office:office" xmlns:v="urn:schemas-microsoft-com:vml" xmlns:pvml="urn:schemas-microsoft-com:office:powerpoint" xmlns:com="http://schemas.openxmlformats.org/drawingml/2006/compatibility" xmlns:p14="http://schemas.microsoft.com/office/powerpoint/2010/main" xmlns:p15="http://schemas.microsoft.com/office/powerpoint/2012/main" xmlns:ahyp="http://schemas.microsoft.com/office/drawing/2018/hyperlinkcolor" showMasterPhAnim="0" showMasterSp="0">
+  <p:cSld>
+    <p:spTree>
+      <p:nvGrpSpPr>
+        <p:cNvPr id="146" name="Shape 146"/>
+        <p:cNvGrpSpPr/>
+        <p:nvPr/>
+      </p:nvGrpSpPr>
+      <p:grpSpPr>
+        <a:xfrm>
+          <a:off x="0" y="0"/>
+          <a:ext cx="0" cy="0"/>
+          <a:chOff x="0" y="0"/>
+          <a:chExt cx="0" cy="0"/>
+        </a:xfrm>
+      </p:grpSpPr>
+      <p:sp>
+        <p:nvSpPr>
+          <p:cNvPr id="147" name="Google Shape;147;g12af03a0f22_0_20:notes"/>
+          <p:cNvSpPr/>
+          <p:nvPr>
+            <p:ph idx="2" type="sldImg"/>
+          </p:nvPr>
+        </p:nvSpPr>
+        <p:spPr>
+          <a:xfrm>
+            <a:off x="381300" y="685800"/>
+            <a:ext cx="6096000" cy="3429000"/>
+          </a:xfrm>
+          <a:custGeom>
+            <a:rect b="b" l="l" r="r" t="t"/>
+            <a:pathLst>
+              <a:path extrusionOk="0" h="120000" w="120000">
+                <a:moveTo>
+                  <a:pt x="0" y="0"/>
+                </a:moveTo>
+                <a:lnTo>
+                  <a:pt x="120000" y="0"/>
+                </a:lnTo>
+                <a:lnTo>
+                  <a:pt x="120000" y="120000"/>
+                </a:lnTo>
+                <a:lnTo>
+                  <a:pt x="0" y="120000"/>
+                </a:lnTo>
+                <a:close/>
+              </a:path>
+            </a:pathLst>
+          </a:custGeom>
+        </p:spPr>
+      </p:sp>
+      <p:sp>
+        <p:nvSpPr>
+          <p:cNvPr id="148" name="Google Shape;148;g12af03a0f22_0_20:notes"/>
+          <p:cNvSpPr txBox="1"/>
+          <p:nvPr>
+            <p:ph idx="1" type="body"/>
+          </p:nvPr>
+        </p:nvSpPr>
+        <p:spPr>
+          <a:xfrm>
+            <a:off x="685800" y="4343400"/>
+            <a:ext cx="5486400" cy="4114800"/>
+          </a:xfrm>
+          <a:prstGeom prst="rect">
+            <a:avLst/>
+          </a:prstGeom>
+        </p:spPr>
+        <p:txBody>
+          <a:bodyPr anchorCtr="0" anchor="t" bIns="91425" lIns="91425" spcFirstLastPara="1" rIns="91425" wrap="square" tIns="91425">
+            <a:noAutofit/>
+          </a:bodyPr>
+          <a:lstStyle/>
+          <a:p>
+            <a:pPr indent="0" lvl="0" marL="0" rtl="0" algn="l">
+              <a:spcBef>
+                <a:spcPts val="0"/>
+              </a:spcBef>
+              <a:spcAft>
+                <a:spcPts val="0"/>
+              </a:spcAft>
+              <a:buNone/>
+            </a:pPr>
+            <a:r>
+              <a:t/>
+            </a:r>
+            <a:endParaRPr/>
+          </a:p>
+        </p:txBody>
+      </p:sp>
+    </p:spTree>
+  </p:cSld>
+  <p:clrMapOvr>
+    <a:masterClrMapping/>
+  </p:clrMapOvr>
+</p:notes>
+</file>
+
+<file path=ppt/notesSlides/notesSlide18.xml><?xml version="1.0" encoding="utf-8"?>
+<p:notes xmlns:a="http://schemas.openxmlformats.org/drawingml/2006/main" xmlns:r="http://schemas.openxmlformats.org/officeDocument/2006/relationships" xmlns:mc="http://schemas.openxmlformats.org/markup-compatibility/2006" xmlns:mv="urn:schemas-microsoft-com:mac:vml" xmlns:p="http://schemas.openxmlformats.org/presentationml/2006/main" xmlns:c="http://schemas.openxmlformats.org/drawingml/2006/chart" xmlns:dgm="http://schemas.openxmlformats.org/drawingml/2006/diagram" xmlns:o="urn:schemas-microsoft-com:office:office" xmlns:v="urn:schemas-microsoft-com:vml" xmlns:pvml="urn:schemas-microsoft-com:office:powerpoint" xmlns:com="http://schemas.openxmlformats.org/drawingml/2006/compatibility" xmlns:p14="http://schemas.microsoft.com/office/powerpoint/2010/main" xmlns:p15="http://schemas.microsoft.com/office/powerpoint/2012/main" xmlns:ahyp="http://schemas.microsoft.com/office/drawing/2018/hyperlinkcolor" showMasterPhAnim="0" showMasterSp="0">
+  <p:cSld>
+    <p:spTree>
+      <p:nvGrpSpPr>
+        <p:cNvPr id="152" name="Shape 152"/>
+        <p:cNvGrpSpPr/>
+        <p:nvPr/>
+      </p:nvGrpSpPr>
+      <p:grpSpPr>
+        <a:xfrm>
+          <a:off x="0" y="0"/>
+          <a:ext cx="0" cy="0"/>
+          <a:chOff x="0" y="0"/>
+          <a:chExt cx="0" cy="0"/>
+        </a:xfrm>
+      </p:grpSpPr>
+      <p:sp>
+        <p:nvSpPr>
+          <p:cNvPr id="153" name="Google Shape;153;g12af03a0f22_0_25:notes"/>
+          <p:cNvSpPr/>
+          <p:nvPr>
+            <p:ph idx="2" type="sldImg"/>
+          </p:nvPr>
+        </p:nvSpPr>
+        <p:spPr>
+          <a:xfrm>
+            <a:off x="381300" y="685800"/>
+            <a:ext cx="6096000" cy="3429000"/>
+          </a:xfrm>
+          <a:custGeom>
+            <a:rect b="b" l="l" r="r" t="t"/>
+            <a:pathLst>
+              <a:path extrusionOk="0" h="120000" w="120000">
+                <a:moveTo>
+                  <a:pt x="0" y="0"/>
+                </a:moveTo>
+                <a:lnTo>
+                  <a:pt x="120000" y="0"/>
+                </a:lnTo>
+                <a:lnTo>
+                  <a:pt x="120000" y="120000"/>
+                </a:lnTo>
+                <a:lnTo>
+                  <a:pt x="0" y="120000"/>
+                </a:lnTo>
+                <a:close/>
+              </a:path>
+            </a:pathLst>
+          </a:custGeom>
+        </p:spPr>
+      </p:sp>
+      <p:sp>
+        <p:nvSpPr>
+          <p:cNvPr id="154" name="Google Shape;154;g12af03a0f22_0_25:notes"/>
+          <p:cNvSpPr txBox="1"/>
+          <p:nvPr>
+            <p:ph idx="1" type="body"/>
+          </p:nvPr>
+        </p:nvSpPr>
+        <p:spPr>
+          <a:xfrm>
+            <a:off x="685800" y="4343400"/>
+            <a:ext cx="5486400" cy="4114800"/>
+          </a:xfrm>
+          <a:prstGeom prst="rect">
+            <a:avLst/>
+          </a:prstGeom>
+        </p:spPr>
+        <p:txBody>
+          <a:bodyPr anchorCtr="0" anchor="t" bIns="91425" lIns="91425" spcFirstLastPara="1" rIns="91425" wrap="square" tIns="91425">
+            <a:noAutofit/>
+          </a:bodyPr>
+          <a:lstStyle/>
+          <a:p>
+            <a:pPr indent="0" lvl="0" marL="0" rtl="0" algn="l">
+              <a:spcBef>
+                <a:spcPts val="0"/>
+              </a:spcBef>
+              <a:spcAft>
+                <a:spcPts val="0"/>
+              </a:spcAft>
+              <a:buNone/>
+            </a:pPr>
+            <a:r>
+              <a:t/>
+            </a:r>
+            <a:endParaRPr/>
+          </a:p>
+        </p:txBody>
+      </p:sp>
+    </p:spTree>
+  </p:cSld>
+  <p:clrMapOvr>
+    <a:masterClrMapping/>
+  </p:clrMapOvr>
+</p:notes>
+</file>
+
+<file path=ppt/notesSlides/notesSlide19.xml><?xml version="1.0" encoding="utf-8"?>
+<p:notes xmlns:a="http://schemas.openxmlformats.org/drawingml/2006/main" xmlns:r="http://schemas.openxmlformats.org/officeDocument/2006/relationships" xmlns:mc="http://schemas.openxmlformats.org/markup-compatibility/2006" xmlns:mv="urn:schemas-microsoft-com:mac:vml" xmlns:p="http://schemas.openxmlformats.org/presentationml/2006/main" xmlns:c="http://schemas.openxmlformats.org/drawingml/2006/chart" xmlns:dgm="http://schemas.openxmlformats.org/drawingml/2006/diagram" xmlns:o="urn:schemas-microsoft-com:office:office" xmlns:v="urn:schemas-microsoft-com:vml" xmlns:pvml="urn:schemas-microsoft-com:office:powerpoint" xmlns:com="http://schemas.openxmlformats.org/drawingml/2006/compatibility" xmlns:p14="http://schemas.microsoft.com/office/powerpoint/2010/main" xmlns:p15="http://schemas.microsoft.com/office/powerpoint/2012/main" xmlns:ahyp="http://schemas.microsoft.com/office/drawing/2018/hyperlinkcolor" showMasterPhAnim="0" showMasterSp="0">
+  <p:cSld>
+    <p:spTree>
+      <p:nvGrpSpPr>
+        <p:cNvPr id="158" name="Shape 158"/>
+        <p:cNvGrpSpPr/>
+        <p:nvPr/>
+      </p:nvGrpSpPr>
+      <p:grpSpPr>
+        <a:xfrm>
+          <a:off x="0" y="0"/>
+          <a:ext cx="0" cy="0"/>
+          <a:chOff x="0" y="0"/>
+          <a:chExt cx="0" cy="0"/>
+        </a:xfrm>
+      </p:grpSpPr>
+      <p:sp>
+        <p:nvSpPr>
+          <p:cNvPr id="159" name="Google Shape;159;g12af03a0f22_0_30:notes"/>
+          <p:cNvSpPr/>
+          <p:nvPr>
+            <p:ph idx="2" type="sldImg"/>
+          </p:nvPr>
+        </p:nvSpPr>
+        <p:spPr>
+          <a:xfrm>
+            <a:off x="381300" y="685800"/>
+            <a:ext cx="6096000" cy="3429000"/>
+          </a:xfrm>
+          <a:custGeom>
+            <a:rect b="b" l="l" r="r" t="t"/>
+            <a:pathLst>
+              <a:path extrusionOk="0" h="120000" w="120000">
+                <a:moveTo>
+                  <a:pt x="0" y="0"/>
+                </a:moveTo>
+                <a:lnTo>
+                  <a:pt x="120000" y="0"/>
+                </a:lnTo>
+                <a:lnTo>
+                  <a:pt x="120000" y="120000"/>
+                </a:lnTo>
+                <a:lnTo>
+                  <a:pt x="0" y="120000"/>
+                </a:lnTo>
+                <a:close/>
+              </a:path>
+            </a:pathLst>
+          </a:custGeom>
+        </p:spPr>
+      </p:sp>
+      <p:sp>
+        <p:nvSpPr>
+          <p:cNvPr id="160" name="Google Shape;160;g12af03a0f22_0_30:notes"/>
+          <p:cNvSpPr txBox="1"/>
+          <p:nvPr>
+            <p:ph idx="1" type="body"/>
+          </p:nvPr>
+        </p:nvSpPr>
+        <p:spPr>
+          <a:xfrm>
+            <a:off x="685800" y="4343400"/>
+            <a:ext cx="5486400" cy="4114800"/>
+          </a:xfrm>
+          <a:prstGeom prst="rect">
+            <a:avLst/>
+          </a:prstGeom>
+        </p:spPr>
+        <p:txBody>
+          <a:bodyPr anchorCtr="0" anchor="t" bIns="91425" lIns="91425" spcFirstLastPara="1" rIns="91425" wrap="square" tIns="91425">
+            <a:noAutofit/>
+          </a:bodyPr>
+          <a:lstStyle/>
+          <a:p>
+            <a:pPr indent="0" lvl="0" marL="0" rtl="0" algn="l">
+              <a:spcBef>
+                <a:spcPts val="0"/>
+              </a:spcBef>
+              <a:spcAft>
+                <a:spcPts val="0"/>
+              </a:spcAft>
+              <a:buNone/>
+            </a:pPr>
+            <a:r>
+              <a:t/>
+            </a:r>
+            <a:endParaRPr/>
+          </a:p>
+        </p:txBody>
+      </p:sp>
+    </p:spTree>
+  </p:cSld>
+  <p:clrMapOvr>
+    <a:masterClrMapping/>
+  </p:clrMapOvr>
+</p:notes>
+</file>
+
+<file path=ppt/notesSlides/notesSlide2.xml><?xml version="1.0" encoding="utf-8"?>
+<p:notes xmlns:a="http://schemas.openxmlformats.org/drawingml/2006/main" xmlns:r="http://schemas.openxmlformats.org/officeDocument/2006/relationships" xmlns:mc="http://schemas.openxmlformats.org/markup-compatibility/2006" xmlns:mv="urn:schemas-microsoft-com:mac:vml" xmlns:p="http://schemas.openxmlformats.org/presentationml/2006/main" xmlns:c="http://schemas.openxmlformats.org/drawingml/2006/chart" xmlns:dgm="http://schemas.openxmlformats.org/drawingml/2006/diagram" xmlns:o="urn:schemas-microsoft-com:office:office" xmlns:v="urn:schemas-microsoft-com:vml" xmlns:pvml="urn:schemas-microsoft-com:office:powerpoint" xmlns:com="http://schemas.openxmlformats.org/drawingml/2006/compatibility" xmlns:p14="http://schemas.microsoft.com/office/powerpoint/2010/main" xmlns:p15="http://schemas.microsoft.com/office/powerpoint/2012/main" xmlns:ahyp="http://schemas.microsoft.com/office/drawing/2018/hyperlinkcolor" showMasterPhAnim="0" showMasterSp="0">
+  <p:cSld>
+    <p:spTree>
+      <p:nvGrpSpPr>
+        <p:cNvPr id="56" name="Shape 56"/>
+        <p:cNvGrpSpPr/>
+        <p:nvPr/>
+      </p:nvGrpSpPr>
+      <p:grpSpPr>
+        <a:xfrm>
+          <a:off x="0" y="0"/>
+          <a:ext cx="0" cy="0"/>
+          <a:chOff x="0" y="0"/>
+          <a:chExt cx="0" cy="0"/>
+        </a:xfrm>
+      </p:grpSpPr>
+      <p:sp>
+        <p:nvSpPr>
+          <p:cNvPr id="57" name="Google Shape;57;g12ae9406bcc_3_0:notes"/>
+          <p:cNvSpPr/>
+          <p:nvPr>
+            <p:ph idx="2" type="sldImg"/>
+          </p:nvPr>
+        </p:nvSpPr>
+        <p:spPr>
+          <a:xfrm>
+            <a:off x="381300" y="685800"/>
+            <a:ext cx="6096000" cy="3429000"/>
+          </a:xfrm>
+          <a:custGeom>
+            <a:rect b="b" l="l" r="r" t="t"/>
+            <a:pathLst>
+              <a:path extrusionOk="0" h="120000" w="120000">
+                <a:moveTo>
+                  <a:pt x="0" y="0"/>
+                </a:moveTo>
+                <a:lnTo>
+                  <a:pt x="120000" y="0"/>
+                </a:lnTo>
+                <a:lnTo>
+                  <a:pt x="120000" y="120000"/>
+                </a:lnTo>
+                <a:lnTo>
+                  <a:pt x="0" y="120000"/>
+                </a:lnTo>
+                <a:close/>
+              </a:path>
+            </a:pathLst>
+          </a:custGeom>
+        </p:spPr>
+      </p:sp>
+      <p:sp>
+        <p:nvSpPr>
+          <p:cNvPr id="58" name="Google Shape;58;g12ae9406bcc_3_0:notes"/>
+          <p:cNvSpPr txBox="1"/>
+          <p:nvPr>
+            <p:ph idx="1" type="body"/>
+          </p:nvPr>
+        </p:nvSpPr>
+        <p:spPr>
+          <a:xfrm>
+            <a:off x="685800" y="4343400"/>
+            <a:ext cx="5486400" cy="4114800"/>
+          </a:xfrm>
+          <a:prstGeom prst="rect">
+            <a:avLst/>
+          </a:prstGeom>
+        </p:spPr>
+        <p:txBody>
+          <a:bodyPr anchorCtr="0" anchor="t" bIns="91425" lIns="91425" spcFirstLastPara="1" rIns="91425" wrap="square" tIns="91425">
+            <a:noAutofit/>
+          </a:bodyPr>
+          <a:lstStyle/>
+          <a:p>
+            <a:pPr indent="0" lvl="0" marL="0" rtl="0" algn="l">
+              <a:spcBef>
+                <a:spcPts val="0"/>
+              </a:spcBef>
+              <a:spcAft>
+                <a:spcPts val="0"/>
+              </a:spcAft>
+              <a:buNone/>
+            </a:pPr>
+            <a:r>
+              <a:t/>
+            </a:r>
+            <a:endParaRPr/>
+          </a:p>
+        </p:txBody>
+      </p:sp>
+    </p:spTree>
+  </p:cSld>
+  <p:clrMapOvr>
+    <a:masterClrMapping/>
+  </p:clrMapOvr>
+</p:notes>
+</file>
+
+<file path=ppt/notesSlides/notesSlide3.xml><?xml version="1.0" encoding="utf-8"?>
+<p:notes xmlns:a="http://schemas.openxmlformats.org/drawingml/2006/main" xmlns:r="http://schemas.openxmlformats.org/officeDocument/2006/relationships" xmlns:mc="http://schemas.openxmlformats.org/markup-compatibility/2006" xmlns:mv="urn:schemas-microsoft-com:mac:vml" xmlns:p="http://schemas.openxmlformats.org/presentationml/2006/main" xmlns:c="http://schemas.openxmlformats.org/drawingml/2006/chart" xmlns:dgm="http://schemas.openxmlformats.org/drawingml/2006/diagram" xmlns:o="urn:schemas-microsoft-com:office:office" xmlns:v="urn:schemas-microsoft-com:vml" xmlns:pvml="urn:schemas-microsoft-com:office:powerpoint" xmlns:com="http://schemas.openxmlformats.org/drawingml/2006/compatibility" xmlns:p14="http://schemas.microsoft.com/office/powerpoint/2010/main" xmlns:p15="http://schemas.microsoft.com/office/powerpoint/2012/main" xmlns:ahyp="http://schemas.microsoft.com/office/drawing/2018/hyperlinkcolor" showMasterPhAnim="0" showMasterSp="0">
+  <p:cSld>
+    <p:spTree>
+      <p:nvGrpSpPr>
+        <p:cNvPr id="62" name="Shape 62"/>
+        <p:cNvGrpSpPr/>
+        <p:nvPr/>
+      </p:nvGrpSpPr>
+      <p:grpSpPr>
+        <a:xfrm>
+          <a:off x="0" y="0"/>
+          <a:ext cx="0" cy="0"/>
+          <a:chOff x="0" y="0"/>
+          <a:chExt cx="0" cy="0"/>
+        </a:xfrm>
+      </p:grpSpPr>
+      <p:sp>
+        <p:nvSpPr>
+          <p:cNvPr id="63" name="Google Shape;63;g12ae9406bcc_3_5:notes"/>
+          <p:cNvSpPr/>
+          <p:nvPr>
+            <p:ph idx="2" type="sldImg"/>
+          </p:nvPr>
+        </p:nvSpPr>
+        <p:spPr>
+          <a:xfrm>
+            <a:off x="381300" y="685800"/>
+            <a:ext cx="6096000" cy="3429000"/>
+          </a:xfrm>
+          <a:custGeom>
+            <a:rect b="b" l="l" r="r" t="t"/>
+            <a:pathLst>
+              <a:path extrusionOk="0" h="120000" w="120000">
+                <a:moveTo>
+                  <a:pt x="0" y="0"/>
+                </a:moveTo>
+                <a:lnTo>
+                  <a:pt x="120000" y="0"/>
+                </a:lnTo>
+                <a:lnTo>
+                  <a:pt x="120000" y="120000"/>
+                </a:lnTo>
+                <a:lnTo>
+                  <a:pt x="0" y="120000"/>
+                </a:lnTo>
+                <a:close/>
+              </a:path>
+            </a:pathLst>
+          </a:custGeom>
+        </p:spPr>
+      </p:sp>
+      <p:sp>
+        <p:nvSpPr>
+          <p:cNvPr id="64" name="Google Shape;64;g12ae9406bcc_3_5:notes"/>
+          <p:cNvSpPr txBox="1"/>
+          <p:nvPr>
+            <p:ph idx="1" type="body"/>
+          </p:nvPr>
+        </p:nvSpPr>
+        <p:spPr>
+          <a:xfrm>
+            <a:off x="685800" y="4343400"/>
+            <a:ext cx="5486400" cy="4114800"/>
+          </a:xfrm>
+          <a:prstGeom prst="rect">
+            <a:avLst/>
+          </a:prstGeom>
+        </p:spPr>
+        <p:txBody>
+          <a:bodyPr anchorCtr="0" anchor="t" bIns="91425" lIns="91425" spcFirstLastPara="1" rIns="91425" wrap="square" tIns="91425">
+            <a:noAutofit/>
+          </a:bodyPr>
+          <a:lstStyle/>
+          <a:p>
+            <a:pPr indent="0" lvl="0" marL="0" rtl="0" algn="l">
+              <a:spcBef>
+                <a:spcPts val="0"/>
+              </a:spcBef>
+              <a:spcAft>
+                <a:spcPts val="0"/>
+              </a:spcAft>
+              <a:buNone/>
+            </a:pPr>
+            <a:r>
+              <a:t/>
+            </a:r>
+            <a:endParaRPr/>
+          </a:p>
+        </p:txBody>
+      </p:sp>
+    </p:spTree>
+  </p:cSld>
+  <p:clrMapOvr>
+    <a:masterClrMapping/>
+  </p:clrMapOvr>
+</p:notes>
+</file>
+
+<file path=ppt/notesSlides/notesSlide4.xml><?xml version="1.0" encoding="utf-8"?>
+<p:notes xmlns:a="http://schemas.openxmlformats.org/drawingml/2006/main" xmlns:r="http://schemas.openxmlformats.org/officeDocument/2006/relationships" xmlns:mc="http://schemas.openxmlformats.org/markup-compatibility/2006" xmlns:mv="urn:schemas-microsoft-com:mac:vml" xmlns:p="http://schemas.openxmlformats.org/presentationml/2006/main" xmlns:c="http://schemas.openxmlformats.org/drawingml/2006/chart" xmlns:dgm="http://schemas.openxmlformats.org/drawingml/2006/diagram" xmlns:o="urn:schemas-microsoft-com:office:office" xmlns:v="urn:schemas-microsoft-com:vml" xmlns:pvml="urn:schemas-microsoft-com:office:powerpoint" xmlns:com="http://schemas.openxmlformats.org/drawingml/2006/compatibility" xmlns:p14="http://schemas.microsoft.com/office/powerpoint/2010/main" xmlns:p15="http://schemas.microsoft.com/office/powerpoint/2012/main" xmlns:ahyp="http://schemas.microsoft.com/office/drawing/2018/hyperlinkcolor" showMasterPhAnim="0" showMasterSp="0">
+  <p:cSld>
+    <p:spTree>
+      <p:nvGrpSpPr>
+        <p:cNvPr id="68" name="Shape 68"/>
+        <p:cNvGrpSpPr/>
+        <p:nvPr/>
+      </p:nvGrpSpPr>
+      <p:grpSpPr>
+        <a:xfrm>
+          <a:off x="0" y="0"/>
+          <a:ext cx="0" cy="0"/>
+          <a:chOff x="0" y="0"/>
+          <a:chExt cx="0" cy="0"/>
+        </a:xfrm>
+      </p:grpSpPr>
+      <p:sp>
+        <p:nvSpPr>
+          <p:cNvPr id="69" name="Google Shape;69;g12ae9406bcc_3_12:notes"/>
+          <p:cNvSpPr/>
+          <p:nvPr>
+            <p:ph idx="2" type="sldImg"/>
+          </p:nvPr>
+        </p:nvSpPr>
+        <p:spPr>
+          <a:xfrm>
+            <a:off x="381300" y="685800"/>
+            <a:ext cx="6096000" cy="3429000"/>
+          </a:xfrm>
+          <a:custGeom>
+            <a:rect b="b" l="l" r="r" t="t"/>
+            <a:pathLst>
+              <a:path extrusionOk="0" h="120000" w="120000">
+                <a:moveTo>
+                  <a:pt x="0" y="0"/>
+                </a:moveTo>
+                <a:lnTo>
+                  <a:pt x="120000" y="0"/>
+                </a:lnTo>
+                <a:lnTo>
+                  <a:pt x="120000" y="120000"/>
+                </a:lnTo>
+                <a:lnTo>
+                  <a:pt x="0" y="120000"/>
+                </a:lnTo>
+                <a:close/>
+              </a:path>
+            </a:pathLst>
+          </a:custGeom>
+        </p:spPr>
+      </p:sp>
+      <p:sp>
+        <p:nvSpPr>
+          <p:cNvPr id="70" name="Google Shape;70;g12ae9406bcc_3_12:notes"/>
+          <p:cNvSpPr txBox="1"/>
+          <p:nvPr>
+            <p:ph idx="1" type="body"/>
+          </p:nvPr>
+        </p:nvSpPr>
+        <p:spPr>
+          <a:xfrm>
+            <a:off x="685800" y="4343400"/>
+            <a:ext cx="5486400" cy="4114800"/>
+          </a:xfrm>
+          <a:prstGeom prst="rect">
+            <a:avLst/>
+          </a:prstGeom>
+        </p:spPr>
+        <p:txBody>
+          <a:bodyPr anchorCtr="0" anchor="t" bIns="91425" lIns="91425" spcFirstLastPara="1" rIns="91425" wrap="square" tIns="91425">
+            <a:noAutofit/>
+          </a:bodyPr>
+          <a:lstStyle/>
+          <a:p>
+            <a:pPr indent="0" lvl="0" marL="0" rtl="0" algn="l">
+              <a:spcBef>
+                <a:spcPts val="0"/>
+              </a:spcBef>
+              <a:spcAft>
+                <a:spcPts val="0"/>
+              </a:spcAft>
+              <a:buNone/>
+            </a:pPr>
+            <a:r>
+              <a:t/>
+            </a:r>
+            <a:endParaRPr/>
+          </a:p>
+        </p:txBody>
+      </p:sp>
+    </p:spTree>
+  </p:cSld>
+  <p:clrMapOvr>
+    <a:masterClrMapping/>
+  </p:clrMapOvr>
+</p:notes>
+</file>
+
+<file path=ppt/notesSlides/notesSlide5.xml><?xml version="1.0" encoding="utf-8"?>
+<p:notes xmlns:a="http://schemas.openxmlformats.org/drawingml/2006/main" xmlns:r="http://schemas.openxmlformats.org/officeDocument/2006/relationships" xmlns:mc="http://schemas.openxmlformats.org/markup-compatibility/2006" xmlns:mv="urn:schemas-microsoft-com:mac:vml" xmlns:p="http://schemas.openxmlformats.org/presentationml/2006/main" xmlns:c="http://schemas.openxmlformats.org/drawingml/2006/chart" xmlns:dgm="http://schemas.openxmlformats.org/drawingml/2006/diagram" xmlns:o="urn:schemas-microsoft-com:office:office" xmlns:v="urn:schemas-microsoft-com:vml" xmlns:pvml="urn:schemas-microsoft-com:office:powerpoint" xmlns:com="http://schemas.openxmlformats.org/drawingml/2006/compatibility" xmlns:p14="http://schemas.microsoft.com/office/powerpoint/2010/main" xmlns:p15="http://schemas.microsoft.com/office/powerpoint/2012/main" xmlns:ahyp="http://schemas.microsoft.com/office/drawing/2018/hyperlinkcolor" showMasterPhAnim="0" showMasterSp="0">
+  <p:cSld>
+    <p:spTree>
+      <p:nvGrpSpPr>
+        <p:cNvPr id="74" name="Shape 74"/>
+        <p:cNvGrpSpPr/>
+        <p:nvPr/>
+      </p:nvGrpSpPr>
+      <p:grpSpPr>
+        <a:xfrm>
+          <a:off x="0" y="0"/>
+          <a:ext cx="0" cy="0"/>
+          <a:chOff x="0" y="0"/>
+          <a:chExt cx="0" cy="0"/>
+        </a:xfrm>
+      </p:grpSpPr>
+      <p:sp>
+        <p:nvSpPr>
+          <p:cNvPr id="75" name="Google Shape;75;g12ae9406bcc_3_18:notes"/>
+          <p:cNvSpPr/>
+          <p:nvPr>
+            <p:ph idx="2" type="sldImg"/>
+          </p:nvPr>
+        </p:nvSpPr>
+        <p:spPr>
+          <a:xfrm>
+            <a:off x="381300" y="685800"/>
+            <a:ext cx="6096000" cy="3429000"/>
+          </a:xfrm>
+          <a:custGeom>
+            <a:rect b="b" l="l" r="r" t="t"/>
+            <a:pathLst>
+              <a:path extrusionOk="0" h="120000" w="120000">
+                <a:moveTo>
+                  <a:pt x="0" y="0"/>
+                </a:moveTo>
+                <a:lnTo>
+                  <a:pt x="120000" y="0"/>
+                </a:lnTo>
+                <a:lnTo>
+                  <a:pt x="120000" y="120000"/>
+                </a:lnTo>
+                <a:lnTo>
+                  <a:pt x="0" y="120000"/>
+                </a:lnTo>
+                <a:close/>
+              </a:path>
+            </a:pathLst>
+          </a:custGeom>
+        </p:spPr>
+      </p:sp>
+      <p:sp>
+        <p:nvSpPr>
+          <p:cNvPr id="76" name="Google Shape;76;g12ae9406bcc_3_18:notes"/>
+          <p:cNvSpPr txBox="1"/>
+          <p:nvPr>
+            <p:ph idx="1" type="body"/>
+          </p:nvPr>
+        </p:nvSpPr>
+        <p:spPr>
+          <a:xfrm>
+            <a:off x="685800" y="4343400"/>
+            <a:ext cx="5486400" cy="4114800"/>
+          </a:xfrm>
+          <a:prstGeom prst="rect">
+            <a:avLst/>
+          </a:prstGeom>
+        </p:spPr>
+        <p:txBody>
+          <a:bodyPr anchorCtr="0" anchor="t" bIns="91425" lIns="91425" spcFirstLastPara="1" rIns="91425" wrap="square" tIns="91425">
+            <a:noAutofit/>
+          </a:bodyPr>
+          <a:lstStyle/>
+          <a:p>
+            <a:pPr indent="0" lvl="0" marL="0" rtl="0" algn="l">
+              <a:spcBef>
+                <a:spcPts val="0"/>
+              </a:spcBef>
+              <a:spcAft>
+                <a:spcPts val="0"/>
+              </a:spcAft>
+              <a:buNone/>
+            </a:pPr>
+            <a:r>
+              <a:t/>
+            </a:r>
+            <a:endParaRPr/>
+          </a:p>
+        </p:txBody>
+      </p:sp>
+    </p:spTree>
+  </p:cSld>
+  <p:clrMapOvr>
+    <a:masterClrMapping/>
+  </p:clrMapOvr>
+</p:notes>
+</file>
+
+<file path=ppt/notesSlides/notesSlide6.xml><?xml version="1.0" encoding="utf-8"?>
+<p:notes xmlns:a="http://schemas.openxmlformats.org/drawingml/2006/main" xmlns:r="http://schemas.openxmlformats.org/officeDocument/2006/relationships" xmlns:mc="http://schemas.openxmlformats.org/markup-compatibility/2006" xmlns:mv="urn:schemas-microsoft-com:mac:vml" xmlns:p="http://schemas.openxmlformats.org/presentationml/2006/main" xmlns:c="http://schemas.openxmlformats.org/drawingml/2006/chart" xmlns:dgm="http://schemas.openxmlformats.org/drawingml/2006/diagram" xmlns:o="urn:schemas-microsoft-com:office:office" xmlns:v="urn:schemas-microsoft-com:vml" xmlns:pvml="urn:schemas-microsoft-com:office:powerpoint" xmlns:com="http://schemas.openxmlformats.org/drawingml/2006/compatibility" xmlns:p14="http://schemas.microsoft.com/office/powerpoint/2010/main" xmlns:p15="http://schemas.microsoft.com/office/powerpoint/2012/main" xmlns:ahyp="http://schemas.microsoft.com/office/drawing/2018/hyperlinkcolor" showMasterPhAnim="0" showMasterSp="0">
+  <p:cSld>
+    <p:spTree>
+      <p:nvGrpSpPr>
+        <p:cNvPr id="80" name="Shape 80"/>
+        <p:cNvGrpSpPr/>
+        <p:nvPr/>
+      </p:nvGrpSpPr>
+      <p:grpSpPr>
+        <a:xfrm>
+          <a:off x="0" y="0"/>
+          <a:ext cx="0" cy="0"/>
+          <a:chOff x="0" y="0"/>
+          <a:chExt cx="0" cy="0"/>
+        </a:xfrm>
+      </p:grpSpPr>
+      <p:sp>
+        <p:nvSpPr>
+          <p:cNvPr id="81" name="Google Shape;81;g12ae9406bcc_3_23:notes"/>
+          <p:cNvSpPr/>
+          <p:nvPr>
+            <p:ph idx="2" type="sldImg"/>
+          </p:nvPr>
+        </p:nvSpPr>
+        <p:spPr>
+          <a:xfrm>
+            <a:off x="381300" y="685800"/>
+            <a:ext cx="6096000" cy="3429000"/>
+          </a:xfrm>
+          <a:custGeom>
+            <a:rect b="b" l="l" r="r" t="t"/>
+            <a:pathLst>
+              <a:path extrusionOk="0" h="120000" w="120000">
+                <a:moveTo>
+                  <a:pt x="0" y="0"/>
+                </a:moveTo>
+                <a:lnTo>
+                  <a:pt x="120000" y="0"/>
+                </a:lnTo>
+                <a:lnTo>
+                  <a:pt x="120000" y="120000"/>
+                </a:lnTo>
+                <a:lnTo>
+                  <a:pt x="0" y="120000"/>
+                </a:lnTo>
+                <a:close/>
+              </a:path>
+            </a:pathLst>
+          </a:custGeom>
+        </p:spPr>
+      </p:sp>
+      <p:sp>
+        <p:nvSpPr>
+          <p:cNvPr id="82" name="Google Shape;82;g12ae9406bcc_3_23:notes"/>
+          <p:cNvSpPr txBox="1"/>
+          <p:nvPr>
+            <p:ph idx="1" type="body"/>
+          </p:nvPr>
+        </p:nvSpPr>
+        <p:spPr>
+          <a:xfrm>
+            <a:off x="685800" y="4343400"/>
+            <a:ext cx="5486400" cy="4114800"/>
+          </a:xfrm>
+          <a:prstGeom prst="rect">
+            <a:avLst/>
+          </a:prstGeom>
+        </p:spPr>
+        <p:txBody>
+          <a:bodyPr anchorCtr="0" anchor="t" bIns="91425" lIns="91425" spcFirstLastPara="1" rIns="91425" wrap="square" tIns="91425">
+            <a:noAutofit/>
+          </a:bodyPr>
+          <a:lstStyle/>
+          <a:p>
+            <a:pPr indent="0" lvl="0" marL="0" rtl="0" algn="l">
+              <a:spcBef>
+                <a:spcPts val="0"/>
+              </a:spcBef>
+              <a:spcAft>
+                <a:spcPts val="0"/>
+              </a:spcAft>
+              <a:buNone/>
+            </a:pPr>
+            <a:r>
+              <a:t/>
+            </a:r>
+            <a:endParaRPr/>
+          </a:p>
+        </p:txBody>
+      </p:sp>
+    </p:spTree>
+  </p:cSld>
+  <p:clrMapOvr>
+    <a:masterClrMapping/>
+  </p:clrMapOvr>
+</p:notes>
+</file>
+
+<file path=ppt/notesSlides/notesSlide7.xml><?xml version="1.0" encoding="utf-8"?>
+<p:notes xmlns:a="http://schemas.openxmlformats.org/drawingml/2006/main" xmlns:r="http://schemas.openxmlformats.org/officeDocument/2006/relationships" xmlns:mc="http://schemas.openxmlformats.org/markup-compatibility/2006" xmlns:mv="urn:schemas-microsoft-com:mac:vml" xmlns:p="http://schemas.openxmlformats.org/presentationml/2006/main" xmlns:c="http://schemas.openxmlformats.org/drawingml/2006/chart" xmlns:dgm="http://schemas.openxmlformats.org/drawingml/2006/diagram" xmlns:o="urn:schemas-microsoft-com:office:office" xmlns:v="urn:schemas-microsoft-com:vml" xmlns:pvml="urn:schemas-microsoft-com:office:powerpoint" xmlns:com="http://schemas.openxmlformats.org/drawingml/2006/compatibility" xmlns:p14="http://schemas.microsoft.com/office/powerpoint/2010/main" xmlns:p15="http://schemas.microsoft.com/office/powerpoint/2012/main" xmlns:ahyp="http://schemas.microsoft.com/office/drawing/2018/hyperlinkcolor" showMasterPhAnim="0" showMasterSp="0">
+  <p:cSld>
+    <p:spTree>
+      <p:nvGrpSpPr>
+        <p:cNvPr id="86" name="Shape 86"/>
+        <p:cNvGrpSpPr/>
+        <p:nvPr/>
+      </p:nvGrpSpPr>
+      <p:grpSpPr>
+        <a:xfrm>
+          <a:off x="0" y="0"/>
+          <a:ext cx="0" cy="0"/>
+          <a:chOff x="0" y="0"/>
+          <a:chExt cx="0" cy="0"/>
+        </a:xfrm>
+      </p:grpSpPr>
+      <p:sp>
+        <p:nvSpPr>
+          <p:cNvPr id="87" name="Google Shape;87;g12ae9406bcc_3_28:notes"/>
+          <p:cNvSpPr/>
+          <p:nvPr>
+            <p:ph idx="2" type="sldImg"/>
+          </p:nvPr>
+        </p:nvSpPr>
+        <p:spPr>
+          <a:xfrm>
+            <a:off x="381300" y="685800"/>
+            <a:ext cx="6096000" cy="3429000"/>
+          </a:xfrm>
+          <a:custGeom>
+            <a:rect b="b" l="l" r="r" t="t"/>
+            <a:pathLst>
+              <a:path extrusionOk="0" h="120000" w="120000">
+                <a:moveTo>
+                  <a:pt x="0" y="0"/>
+                </a:moveTo>
+                <a:lnTo>
+                  <a:pt x="120000" y="0"/>
+                </a:lnTo>
+                <a:lnTo>
+                  <a:pt x="120000" y="120000"/>
+                </a:lnTo>
+                <a:lnTo>
+                  <a:pt x="0" y="120000"/>
+                </a:lnTo>
+                <a:close/>
+              </a:path>
+            </a:pathLst>
+          </a:custGeom>
+        </p:spPr>
+      </p:sp>
+      <p:sp>
+        <p:nvSpPr>
+          <p:cNvPr id="88" name="Google Shape;88;g12ae9406bcc_3_28:notes"/>
+          <p:cNvSpPr txBox="1"/>
+          <p:nvPr>
+            <p:ph idx="1" type="body"/>
+          </p:nvPr>
+        </p:nvSpPr>
+        <p:spPr>
+          <a:xfrm>
+            <a:off x="685800" y="4343400"/>
+            <a:ext cx="5486400" cy="4114800"/>
+          </a:xfrm>
+          <a:prstGeom prst="rect">
+            <a:avLst/>
+          </a:prstGeom>
+        </p:spPr>
+        <p:txBody>
+          <a:bodyPr anchorCtr="0" anchor="t" bIns="91425" lIns="91425" spcFirstLastPara="1" rIns="91425" wrap="square" tIns="91425">
+            <a:noAutofit/>
+          </a:bodyPr>
+          <a:lstStyle/>
+          <a:p>
+            <a:pPr indent="0" lvl="0" marL="0" rtl="0" algn="l">
+              <a:spcBef>
+                <a:spcPts val="0"/>
+              </a:spcBef>
+              <a:spcAft>
+                <a:spcPts val="0"/>
+              </a:spcAft>
+              <a:buNone/>
+            </a:pPr>
+            <a:r>
+              <a:t/>
+            </a:r>
+            <a:endParaRPr/>
+          </a:p>
+        </p:txBody>
+      </p:sp>
+    </p:spTree>
+  </p:cSld>
+  <p:clrMapOvr>
+    <a:masterClrMapping/>
+  </p:clrMapOvr>
+</p:notes>
+</file>
+
+<file path=ppt/notesSlides/notesSlide8.xml><?xml version="1.0" encoding="utf-8"?>
+<p:notes xmlns:a="http://schemas.openxmlformats.org/drawingml/2006/main" xmlns:r="http://schemas.openxmlformats.org/officeDocument/2006/relationships" xmlns:mc="http://schemas.openxmlformats.org/markup-compatibility/2006" xmlns:mv="urn:schemas-microsoft-com:mac:vml" xmlns:p="http://schemas.openxmlformats.org/presentationml/2006/main" xmlns:c="http://schemas.openxmlformats.org/drawingml/2006/chart" xmlns:dgm="http://schemas.openxmlformats.org/drawingml/2006/diagram" xmlns:o="urn:schemas-microsoft-com:office:office" xmlns:v="urn:schemas-microsoft-com:vml" xmlns:pvml="urn:schemas-microsoft-com:office:powerpoint" xmlns:com="http://schemas.openxmlformats.org/drawingml/2006/compatibility" xmlns:p14="http://schemas.microsoft.com/office/powerpoint/2010/main" xmlns:p15="http://schemas.microsoft.com/office/powerpoint/2012/main" xmlns:ahyp="http://schemas.microsoft.com/office/drawing/2018/hyperlinkcolor" showMasterPhAnim="0" showMasterSp="0">
+  <p:cSld>
+    <p:spTree>
+      <p:nvGrpSpPr>
+        <p:cNvPr id="92" name="Shape 92"/>
+        <p:cNvGrpSpPr/>
+        <p:nvPr/>
+      </p:nvGrpSpPr>
+      <p:grpSpPr>
+        <a:xfrm>
+          <a:off x="0" y="0"/>
+          <a:ext cx="0" cy="0"/>
+          <a:chOff x="0" y="0"/>
+          <a:chExt cx="0" cy="0"/>
+        </a:xfrm>
+      </p:grpSpPr>
+      <p:sp>
+        <p:nvSpPr>
+          <p:cNvPr id="93" name="Google Shape;93;g12ae9406bcc_3_38:notes"/>
+          <p:cNvSpPr/>
+          <p:nvPr>
+            <p:ph idx="2" type="sldImg"/>
+          </p:nvPr>
+        </p:nvSpPr>
+        <p:spPr>
+          <a:xfrm>
+            <a:off x="381300" y="685800"/>
+            <a:ext cx="6096000" cy="3429000"/>
+          </a:xfrm>
+          <a:custGeom>
+            <a:rect b="b" l="l" r="r" t="t"/>
+            <a:pathLst>
+              <a:path extrusionOk="0" h="120000" w="120000">
+                <a:moveTo>
+                  <a:pt x="0" y="0"/>
+                </a:moveTo>
+                <a:lnTo>
+                  <a:pt x="120000" y="0"/>
+                </a:lnTo>
+                <a:lnTo>
+                  <a:pt x="120000" y="120000"/>
+                </a:lnTo>
+                <a:lnTo>
+                  <a:pt x="0" y="120000"/>
+                </a:lnTo>
+                <a:close/>
+              </a:path>
+            </a:pathLst>
+          </a:custGeom>
+        </p:spPr>
+      </p:sp>
+      <p:sp>
+        <p:nvSpPr>
+          <p:cNvPr id="94" name="Google Shape;94;g12ae9406bcc_3_38:notes"/>
+          <p:cNvSpPr txBox="1"/>
+          <p:nvPr>
+            <p:ph idx="1" type="body"/>
+          </p:nvPr>
+        </p:nvSpPr>
+        <p:spPr>
+          <a:xfrm>
+            <a:off x="685800" y="4343400"/>
+            <a:ext cx="5486400" cy="4114800"/>
+          </a:xfrm>
+          <a:prstGeom prst="rect">
+            <a:avLst/>
+          </a:prstGeom>
+        </p:spPr>
+        <p:txBody>
+          <a:bodyPr anchorCtr="0" anchor="t" bIns="91425" lIns="91425" spcFirstLastPara="1" rIns="91425" wrap="square" tIns="91425">
+            <a:noAutofit/>
+          </a:bodyPr>
+          <a:lstStyle/>
+          <a:p>
+            <a:pPr indent="0" lvl="0" marL="0" rtl="0" algn="l">
+              <a:spcBef>
+                <a:spcPts val="0"/>
+              </a:spcBef>
+              <a:spcAft>
+                <a:spcPts val="0"/>
+              </a:spcAft>
+              <a:buNone/>
+            </a:pPr>
+            <a:r>
+              <a:t/>
+            </a:r>
+            <a:endParaRPr/>
+          </a:p>
+        </p:txBody>
+      </p:sp>
+    </p:spTree>
+  </p:cSld>
+  <p:clrMapOvr>
+    <a:masterClrMapping/>
+  </p:clrMapOvr>
+</p:notes>
+</file>
+
+<file path=ppt/notesSlides/notesSlide9.xml><?xml version="1.0" encoding="utf-8"?>
+<p:notes xmlns:a="http://schemas.openxmlformats.org/drawingml/2006/main" xmlns:r="http://schemas.openxmlformats.org/officeDocument/2006/relationships" xmlns:mc="http://schemas.openxmlformats.org/markup-compatibility/2006" xmlns:mv="urn:schemas-microsoft-com:mac:vml" xmlns:p="http://schemas.openxmlformats.org/presentationml/2006/main" xmlns:c="http://schemas.openxmlformats.org/drawingml/2006/chart" xmlns:dgm="http://schemas.openxmlformats.org/drawingml/2006/diagram" xmlns:o="urn:schemas-microsoft-com:office:office" xmlns:v="urn:schemas-microsoft-com:vml" xmlns:pvml="urn:schemas-microsoft-com:office:powerpoint" xmlns:com="http://schemas.openxmlformats.org/drawingml/2006/compatibility" xmlns:p14="http://schemas.microsoft.com/office/powerpoint/2010/main" xmlns:p15="http://schemas.microsoft.com/office/powerpoint/2012/main" xmlns:ahyp="http://schemas.microsoft.com/office/drawing/2018/hyperlinkcolor" showMasterPhAnim="0" showMasterSp="0">
+  <p:cSld>
+    <p:spTree>
+      <p:nvGrpSpPr>
+        <p:cNvPr id="98" name="Shape 98"/>
+        <p:cNvGrpSpPr/>
+        <p:nvPr/>
+      </p:nvGrpSpPr>
+      <p:grpSpPr>
+        <a:xfrm>
+          <a:off x="0" y="0"/>
+          <a:ext cx="0" cy="0"/>
+          <a:chOff x="0" y="0"/>
+          <a:chExt cx="0" cy="0"/>
+        </a:xfrm>
+      </p:grpSpPr>
+      <p:sp>
+        <p:nvSpPr>
+          <p:cNvPr id="99" name="Google Shape;99;g12ae9406bcc_3_33:notes"/>
+          <p:cNvSpPr/>
+          <p:nvPr>
+            <p:ph idx="2" type="sldImg"/>
+          </p:nvPr>
+        </p:nvSpPr>
+        <p:spPr>
+          <a:xfrm>
+            <a:off x="381300" y="685800"/>
+            <a:ext cx="6096000" cy="3429000"/>
+          </a:xfrm>
+          <a:custGeom>
+            <a:rect b="b" l="l" r="r" t="t"/>
+            <a:pathLst>
+              <a:path extrusionOk="0" h="120000" w="120000">
+                <a:moveTo>
+                  <a:pt x="0" y="0"/>
+                </a:moveTo>
+                <a:lnTo>
+                  <a:pt x="120000" y="0"/>
+                </a:lnTo>
+                <a:lnTo>
+                  <a:pt x="120000" y="120000"/>
+                </a:lnTo>
+                <a:lnTo>
+                  <a:pt x="0" y="120000"/>
+                </a:lnTo>
+                <a:close/>
+              </a:path>
+            </a:pathLst>
+          </a:custGeom>
+        </p:spPr>
+      </p:sp>
+      <p:sp>
+        <p:nvSpPr>
+          <p:cNvPr id="100" name="Google Shape;100;g12ae9406bcc_3_33:notes"/>
+          <p:cNvSpPr txBox="1"/>
+          <p:nvPr>
+            <p:ph idx="1" type="body"/>
+          </p:nvPr>
+        </p:nvSpPr>
+        <p:spPr>
+          <a:xfrm>
+            <a:off x="685800" y="4343400"/>
+            <a:ext cx="5486400" cy="4114800"/>
+          </a:xfrm>
+          <a:prstGeom prst="rect">
+            <a:avLst/>
+          </a:prstGeom>
+        </p:spPr>
+        <p:txBody>
+          <a:bodyPr anchorCtr="0" anchor="t" bIns="91425" lIns="91425" spcFirstLastPara="1" rIns="91425" wrap="square" tIns="91425">
+            <a:noAutofit/>
+          </a:bodyPr>
+          <a:lstStyle/>
+          <a:p>
+            <a:pPr indent="0" lvl="0" marL="0" rtl="0" algn="l">
+              <a:spcBef>
+                <a:spcPts val="0"/>
+              </a:spcBef>
+              <a:spcAft>
+                <a:spcPts val="0"/>
+              </a:spcAft>
+              <a:buNone/>
+            </a:pPr>
+            <a:r>
+              <a:t/>
+            </a:r>
             <a:endParaRPr/>
           </a:p>
         </p:txBody>
@@ -1121,11 +2586,11 @@
 </file>
 
 <file path=ppt/slideLayouts/slideLayout1.xml><?xml version="1.0" encoding="utf-8"?>
-<p:sldLayout xmlns:a="http://schemas.openxmlformats.org/drawingml/2006/main" xmlns:r="http://schemas.openxmlformats.org/officeDocument/2006/relationships" xmlns:p="http://schemas.openxmlformats.org/presentationml/2006/main" matchingName="Title slide" type="title">
+<p:sldLayout xmlns:a="http://schemas.openxmlformats.org/drawingml/2006/main" xmlns:r="http://schemas.openxmlformats.org/officeDocument/2006/relationships" xmlns:mc="http://schemas.openxmlformats.org/markup-compatibility/2006" xmlns:mv="urn:schemas-microsoft-com:mac:vml" xmlns:p="http://schemas.openxmlformats.org/presentationml/2006/main" xmlns:c="http://schemas.openxmlformats.org/drawingml/2006/chart" xmlns:dgm="http://schemas.openxmlformats.org/drawingml/2006/diagram" xmlns:o="urn:schemas-microsoft-com:office:office" xmlns:v="urn:schemas-microsoft-com:vml" xmlns:pvml="urn:schemas-microsoft-com:office:powerpoint" xmlns:com="http://schemas.openxmlformats.org/drawingml/2006/compatibility" xmlns:p14="http://schemas.microsoft.com/office/powerpoint/2010/main" xmlns:p15="http://schemas.microsoft.com/office/powerpoint/2012/main" xmlns:ahyp="http://schemas.microsoft.com/office/drawing/2018/hyperlinkcolor" matchingName="Title slide" type="title">
   <p:cSld name="TITLE">
     <p:spTree>
       <p:nvGrpSpPr>
-        <p:cNvPr id="1" name="Shape 9"/>
+        <p:cNvPr id="9" name="Shape 9"/>
         <p:cNvGrpSpPr/>
         <p:nvPr/>
       </p:nvGrpSpPr>
@@ -1140,9 +2605,7 @@
       <p:sp>
         <p:nvSpPr>
           <p:cNvPr id="10" name="Google Shape;10;p2"/>
-          <p:cNvSpPr txBox="1">
-            <a:spLocks noGrp="1"/>
-          </p:cNvSpPr>
+          <p:cNvSpPr txBox="1"/>
           <p:nvPr>
             <p:ph type="ctrTitle"/>
           </p:nvPr>
@@ -1157,7 +2620,7 @@
           </a:prstGeom>
         </p:spPr>
         <p:txBody>
-          <a:bodyPr spcFirstLastPara="1" wrap="square" lIns="91425" tIns="91425" rIns="91425" bIns="91425" anchor="b" anchorCtr="0">
+          <a:bodyPr anchorCtr="0" anchor="b" bIns="91425" lIns="91425" spcFirstLastPara="1" rIns="91425" wrap="square" tIns="91425">
             <a:normAutofit/>
           </a:bodyPr>
           <a:lstStyle>
@@ -1261,19 +2724,15 @@
               <a:defRPr sz="5200"/>
             </a:lvl9pPr>
           </a:lstStyle>
-          <a:p>
-            <a:endParaRPr/>
-          </a:p>
+          <a:p/>
         </p:txBody>
       </p:sp>
       <p:sp>
         <p:nvSpPr>
           <p:cNvPr id="11" name="Google Shape;11;p2"/>
-          <p:cNvSpPr txBox="1">
-            <a:spLocks noGrp="1"/>
-          </p:cNvSpPr>
+          <p:cNvSpPr txBox="1"/>
           <p:nvPr>
-            <p:ph type="subTitle" idx="1"/>
+            <p:ph idx="1" type="subTitle"/>
           </p:nvPr>
         </p:nvSpPr>
         <p:spPr>
@@ -1286,7 +2745,7 @@
           </a:prstGeom>
         </p:spPr>
         <p:txBody>
-          <a:bodyPr spcFirstLastPara="1" wrap="square" lIns="91425" tIns="91425" rIns="91425" bIns="91425" anchor="t" anchorCtr="0">
+          <a:bodyPr anchorCtr="0" anchor="t" bIns="91425" lIns="91425" spcFirstLastPara="1" rIns="91425" wrap="square" tIns="91425">
             <a:normAutofit/>
           </a:bodyPr>
           <a:lstStyle>
@@ -1417,19 +2876,15 @@
               <a:defRPr sz="2800"/>
             </a:lvl9pPr>
           </a:lstStyle>
-          <a:p>
-            <a:endParaRPr/>
-          </a:p>
+          <a:p/>
         </p:txBody>
       </p:sp>
       <p:sp>
         <p:nvSpPr>
           <p:cNvPr id="12" name="Google Shape;12;p2"/>
-          <p:cNvSpPr txBox="1">
-            <a:spLocks noGrp="1"/>
-          </p:cNvSpPr>
+          <p:cNvSpPr txBox="1"/>
           <p:nvPr>
-            <p:ph type="sldNum" idx="12"/>
+            <p:ph idx="12" type="sldNum"/>
           </p:nvPr>
         </p:nvSpPr>
         <p:spPr>
@@ -1442,7 +2897,7 @@
           </a:prstGeom>
         </p:spPr>
         <p:txBody>
-          <a:bodyPr spcFirstLastPara="1" wrap="square" lIns="91425" tIns="91425" rIns="91425" bIns="91425" anchor="ctr" anchorCtr="0">
+          <a:bodyPr anchorCtr="0" anchor="ctr" bIns="91425" lIns="91425" spcFirstLastPara="1" rIns="91425" wrap="square" tIns="91425">
             <a:normAutofit/>
           </a:bodyPr>
           <a:lstStyle>
@@ -1484,7 +2939,7 @@
             </a:lvl9pPr>
           </a:lstStyle>
           <a:p>
-            <a:pPr marL="0" lvl="0" indent="0" algn="r" rtl="0">
+            <a:pPr indent="0" lvl="0" marL="0" rtl="0" algn="r">
               <a:spcBef>
                 <a:spcPts val="0"/>
               </a:spcBef>
@@ -1510,11 +2965,11 @@
 </file>
 
 <file path=ppt/slideLayouts/slideLayout10.xml><?xml version="1.0" encoding="utf-8"?>
-<p:sldLayout xmlns:a="http://schemas.openxmlformats.org/drawingml/2006/main" xmlns:r="http://schemas.openxmlformats.org/officeDocument/2006/relationships" xmlns:p="http://schemas.openxmlformats.org/presentationml/2006/main" matchingName="Big number">
+<p:sldLayout xmlns:a="http://schemas.openxmlformats.org/drawingml/2006/main" xmlns:r="http://schemas.openxmlformats.org/officeDocument/2006/relationships" xmlns:mc="http://schemas.openxmlformats.org/markup-compatibility/2006" xmlns:mv="urn:schemas-microsoft-com:mac:vml" xmlns:p="http://schemas.openxmlformats.org/presentationml/2006/main" xmlns:c="http://schemas.openxmlformats.org/drawingml/2006/chart" xmlns:dgm="http://schemas.openxmlformats.org/drawingml/2006/diagram" xmlns:o="urn:schemas-microsoft-com:office:office" xmlns:v="urn:schemas-microsoft-com:vml" xmlns:pvml="urn:schemas-microsoft-com:office:powerpoint" xmlns:com="http://schemas.openxmlformats.org/drawingml/2006/compatibility" xmlns:p14="http://schemas.microsoft.com/office/powerpoint/2010/main" xmlns:p15="http://schemas.microsoft.com/office/powerpoint/2012/main" xmlns:ahyp="http://schemas.microsoft.com/office/drawing/2018/hyperlinkcolor" matchingName="Big number">
   <p:cSld name="BIG_NUMBER">
     <p:spTree>
       <p:nvGrpSpPr>
-        <p:cNvPr id="1" name="Shape 44"/>
+        <p:cNvPr id="44" name="Shape 44"/>
         <p:cNvGrpSpPr/>
         <p:nvPr/>
       </p:nvGrpSpPr>
@@ -1529,11 +2984,9 @@
       <p:sp>
         <p:nvSpPr>
           <p:cNvPr id="45" name="Google Shape;45;p11"/>
-          <p:cNvSpPr txBox="1">
-            <a:spLocks noGrp="1"/>
-          </p:cNvSpPr>
+          <p:cNvSpPr txBox="1"/>
           <p:nvPr>
-            <p:ph type="title" hasCustomPrompt="1"/>
+            <p:ph hasCustomPrompt="1" type="title"/>
           </p:nvPr>
         </p:nvSpPr>
         <p:spPr>
@@ -1546,7 +2999,7 @@
           </a:prstGeom>
         </p:spPr>
         <p:txBody>
-          <a:bodyPr spcFirstLastPara="1" wrap="square" lIns="91425" tIns="91425" rIns="91425" bIns="91425" anchor="b" anchorCtr="0">
+          <a:bodyPr anchorCtr="0" anchor="b" bIns="91425" lIns="91425" spcFirstLastPara="1" rIns="91425" wrap="square" tIns="91425">
             <a:normAutofit/>
           </a:bodyPr>
           <a:lstStyle>
@@ -1660,11 +3113,9 @@
       <p:sp>
         <p:nvSpPr>
           <p:cNvPr id="46" name="Google Shape;46;p11"/>
-          <p:cNvSpPr txBox="1">
-            <a:spLocks noGrp="1"/>
-          </p:cNvSpPr>
+          <p:cNvSpPr txBox="1"/>
           <p:nvPr>
-            <p:ph type="body" idx="1"/>
+            <p:ph idx="1" type="body"/>
           </p:nvPr>
         </p:nvSpPr>
         <p:spPr>
@@ -1677,11 +3128,11 @@
           </a:prstGeom>
         </p:spPr>
         <p:txBody>
-          <a:bodyPr spcFirstLastPara="1" wrap="square" lIns="91425" tIns="91425" rIns="91425" bIns="91425" anchor="t" anchorCtr="0">
+          <a:bodyPr anchorCtr="0" anchor="t" bIns="91425" lIns="91425" spcFirstLastPara="1" rIns="91425" wrap="square" tIns="91425">
             <a:normAutofit/>
           </a:bodyPr>
           <a:lstStyle>
-            <a:lvl1pPr marL="457200" lvl="0" indent="-342900" algn="ctr">
+            <a:lvl1pPr indent="-342900" lvl="0" marL="457200" algn="ctr">
               <a:spcBef>
                 <a:spcPts val="0"/>
               </a:spcBef>
@@ -1692,7 +3143,7 @@
               <a:buChar char="●"/>
               <a:defRPr/>
             </a:lvl1pPr>
-            <a:lvl2pPr marL="914400" lvl="1" indent="-317500" algn="ctr">
+            <a:lvl2pPr indent="-317500" lvl="1" marL="914400" algn="ctr">
               <a:spcBef>
                 <a:spcPts val="0"/>
               </a:spcBef>
@@ -1703,7 +3154,7 @@
               <a:buChar char="○"/>
               <a:defRPr/>
             </a:lvl2pPr>
-            <a:lvl3pPr marL="1371600" lvl="2" indent="-317500" algn="ctr">
+            <a:lvl3pPr indent="-317500" lvl="2" marL="1371600" algn="ctr">
               <a:spcBef>
                 <a:spcPts val="0"/>
               </a:spcBef>
@@ -1714,7 +3165,7 @@
               <a:buChar char="■"/>
               <a:defRPr/>
             </a:lvl3pPr>
-            <a:lvl4pPr marL="1828800" lvl="3" indent="-317500" algn="ctr">
+            <a:lvl4pPr indent="-317500" lvl="3" marL="1828800" algn="ctr">
               <a:spcBef>
                 <a:spcPts val="0"/>
               </a:spcBef>
@@ -1725,7 +3176,7 @@
               <a:buChar char="●"/>
               <a:defRPr/>
             </a:lvl4pPr>
-            <a:lvl5pPr marL="2286000" lvl="4" indent="-317500" algn="ctr">
+            <a:lvl5pPr indent="-317500" lvl="4" marL="2286000" algn="ctr">
               <a:spcBef>
                 <a:spcPts val="0"/>
               </a:spcBef>
@@ -1736,7 +3187,7 @@
               <a:buChar char="○"/>
               <a:defRPr/>
             </a:lvl5pPr>
-            <a:lvl6pPr marL="2743200" lvl="5" indent="-317500" algn="ctr">
+            <a:lvl6pPr indent="-317500" lvl="5" marL="2743200" algn="ctr">
               <a:spcBef>
                 <a:spcPts val="0"/>
               </a:spcBef>
@@ -1747,7 +3198,7 @@
               <a:buChar char="■"/>
               <a:defRPr/>
             </a:lvl6pPr>
-            <a:lvl7pPr marL="3200400" lvl="6" indent="-317500" algn="ctr">
+            <a:lvl7pPr indent="-317500" lvl="6" marL="3200400" algn="ctr">
               <a:spcBef>
                 <a:spcPts val="0"/>
               </a:spcBef>
@@ -1758,7 +3209,7 @@
               <a:buChar char="●"/>
               <a:defRPr/>
             </a:lvl7pPr>
-            <a:lvl8pPr marL="3657600" lvl="7" indent="-317500" algn="ctr">
+            <a:lvl8pPr indent="-317500" lvl="7" marL="3657600" algn="ctr">
               <a:spcBef>
                 <a:spcPts val="0"/>
               </a:spcBef>
@@ -1769,7 +3220,7 @@
               <a:buChar char="○"/>
               <a:defRPr/>
             </a:lvl8pPr>
-            <a:lvl9pPr marL="4114800" lvl="8" indent="-317500" algn="ctr">
+            <a:lvl9pPr indent="-317500" lvl="8" marL="4114800" algn="ctr">
               <a:spcBef>
                 <a:spcPts val="0"/>
               </a:spcBef>
@@ -1781,19 +3232,15 @@
               <a:defRPr/>
             </a:lvl9pPr>
           </a:lstStyle>
-          <a:p>
-            <a:endParaRPr/>
-          </a:p>
+          <a:p/>
         </p:txBody>
       </p:sp>
       <p:sp>
         <p:nvSpPr>
           <p:cNvPr id="47" name="Google Shape;47;p11"/>
-          <p:cNvSpPr txBox="1">
-            <a:spLocks noGrp="1"/>
-          </p:cNvSpPr>
+          <p:cNvSpPr txBox="1"/>
           <p:nvPr>
-            <p:ph type="sldNum" idx="12"/>
+            <p:ph idx="12" type="sldNum"/>
           </p:nvPr>
         </p:nvSpPr>
         <p:spPr>
@@ -1806,7 +3253,7 @@
           </a:prstGeom>
         </p:spPr>
         <p:txBody>
-          <a:bodyPr spcFirstLastPara="1" wrap="square" lIns="91425" tIns="91425" rIns="91425" bIns="91425" anchor="ctr" anchorCtr="0">
+          <a:bodyPr anchorCtr="0" anchor="ctr" bIns="91425" lIns="91425" spcFirstLastPara="1" rIns="91425" wrap="square" tIns="91425">
             <a:normAutofit/>
           </a:bodyPr>
           <a:lstStyle>
@@ -1848,7 +3295,7 @@
             </a:lvl9pPr>
           </a:lstStyle>
           <a:p>
-            <a:pPr marL="0" lvl="0" indent="0" algn="r" rtl="0">
+            <a:pPr indent="0" lvl="0" marL="0" rtl="0" algn="r">
               <a:spcBef>
                 <a:spcPts val="0"/>
               </a:spcBef>
@@ -1874,11 +3321,11 @@
 </file>
 
 <file path=ppt/slideLayouts/slideLayout11.xml><?xml version="1.0" encoding="utf-8"?>
-<p:sldLayout xmlns:a="http://schemas.openxmlformats.org/drawingml/2006/main" xmlns:r="http://schemas.openxmlformats.org/officeDocument/2006/relationships" xmlns:p="http://schemas.openxmlformats.org/presentationml/2006/main" matchingName="Blank" type="blank">
+<p:sldLayout xmlns:a="http://schemas.openxmlformats.org/drawingml/2006/main" xmlns:r="http://schemas.openxmlformats.org/officeDocument/2006/relationships" xmlns:mc="http://schemas.openxmlformats.org/markup-compatibility/2006" xmlns:mv="urn:schemas-microsoft-com:mac:vml" xmlns:p="http://schemas.openxmlformats.org/presentationml/2006/main" xmlns:c="http://schemas.openxmlformats.org/drawingml/2006/chart" xmlns:dgm="http://schemas.openxmlformats.org/drawingml/2006/diagram" xmlns:o="urn:schemas-microsoft-com:office:office" xmlns:v="urn:schemas-microsoft-com:vml" xmlns:pvml="urn:schemas-microsoft-com:office:powerpoint" xmlns:com="http://schemas.openxmlformats.org/drawingml/2006/compatibility" xmlns:p14="http://schemas.microsoft.com/office/powerpoint/2010/main" xmlns:p15="http://schemas.microsoft.com/office/powerpoint/2012/main" xmlns:ahyp="http://schemas.microsoft.com/office/drawing/2018/hyperlinkcolor" matchingName="Blank" type="blank">
   <p:cSld name="BLANK">
     <p:spTree>
       <p:nvGrpSpPr>
-        <p:cNvPr id="1" name="Shape 48"/>
+        <p:cNvPr id="48" name="Shape 48"/>
         <p:cNvGrpSpPr/>
         <p:nvPr/>
       </p:nvGrpSpPr>
@@ -1893,11 +3340,9 @@
       <p:sp>
         <p:nvSpPr>
           <p:cNvPr id="49" name="Google Shape;49;p12"/>
-          <p:cNvSpPr txBox="1">
-            <a:spLocks noGrp="1"/>
-          </p:cNvSpPr>
+          <p:cNvSpPr txBox="1"/>
           <p:nvPr>
-            <p:ph type="sldNum" idx="12"/>
+            <p:ph idx="12" type="sldNum"/>
           </p:nvPr>
         </p:nvSpPr>
         <p:spPr>
@@ -1910,7 +3355,7 @@
           </a:prstGeom>
         </p:spPr>
         <p:txBody>
-          <a:bodyPr spcFirstLastPara="1" wrap="square" lIns="91425" tIns="91425" rIns="91425" bIns="91425" anchor="ctr" anchorCtr="0">
+          <a:bodyPr anchorCtr="0" anchor="ctr" bIns="91425" lIns="91425" spcFirstLastPara="1" rIns="91425" wrap="square" tIns="91425">
             <a:normAutofit/>
           </a:bodyPr>
           <a:lstStyle>
@@ -1952,7 +3397,7 @@
             </a:lvl9pPr>
           </a:lstStyle>
           <a:p>
-            <a:pPr marL="0" lvl="0" indent="0" algn="r" rtl="0">
+            <a:pPr indent="0" lvl="0" marL="0" rtl="0" algn="r">
               <a:spcBef>
                 <a:spcPts val="0"/>
               </a:spcBef>
@@ -1978,11 +3423,11 @@
 </file>
 
 <file path=ppt/slideLayouts/slideLayout2.xml><?xml version="1.0" encoding="utf-8"?>
-<p:sldLayout xmlns:a="http://schemas.openxmlformats.org/drawingml/2006/main" xmlns:r="http://schemas.openxmlformats.org/officeDocument/2006/relationships" xmlns:p="http://schemas.openxmlformats.org/presentationml/2006/main" matchingName="Section header" type="secHead">
+<p:sldLayout xmlns:a="http://schemas.openxmlformats.org/drawingml/2006/main" xmlns:r="http://schemas.openxmlformats.org/officeDocument/2006/relationships" xmlns:mc="http://schemas.openxmlformats.org/markup-compatibility/2006" xmlns:mv="urn:schemas-microsoft-com:mac:vml" xmlns:p="http://schemas.openxmlformats.org/presentationml/2006/main" xmlns:c="http://schemas.openxmlformats.org/drawingml/2006/chart" xmlns:dgm="http://schemas.openxmlformats.org/drawingml/2006/diagram" xmlns:o="urn:schemas-microsoft-com:office:office" xmlns:v="urn:schemas-microsoft-com:vml" xmlns:pvml="urn:schemas-microsoft-com:office:powerpoint" xmlns:com="http://schemas.openxmlformats.org/drawingml/2006/compatibility" xmlns:p14="http://schemas.microsoft.com/office/powerpoint/2010/main" xmlns:p15="http://schemas.microsoft.com/office/powerpoint/2012/main" xmlns:ahyp="http://schemas.microsoft.com/office/drawing/2018/hyperlinkcolor" matchingName="Section header" type="secHead">
   <p:cSld name="SECTION_HEADER">
     <p:spTree>
       <p:nvGrpSpPr>
-        <p:cNvPr id="1" name="Shape 13"/>
+        <p:cNvPr id="13" name="Shape 13"/>
         <p:cNvGrpSpPr/>
         <p:nvPr/>
       </p:nvGrpSpPr>
@@ -1997,9 +3442,7 @@
       <p:sp>
         <p:nvSpPr>
           <p:cNvPr id="14" name="Google Shape;14;p3"/>
-          <p:cNvSpPr txBox="1">
-            <a:spLocks noGrp="1"/>
-          </p:cNvSpPr>
+          <p:cNvSpPr txBox="1"/>
           <p:nvPr>
             <p:ph type="title"/>
           </p:nvPr>
@@ -2014,7 +3457,7 @@
           </a:prstGeom>
         </p:spPr>
         <p:txBody>
-          <a:bodyPr spcFirstLastPara="1" wrap="square" lIns="91425" tIns="91425" rIns="91425" bIns="91425" anchor="ctr" anchorCtr="0">
+          <a:bodyPr anchorCtr="0" anchor="ctr" bIns="91425" lIns="91425" spcFirstLastPara="1" rIns="91425" wrap="square" tIns="91425">
             <a:normAutofit/>
           </a:bodyPr>
           <a:lstStyle>
@@ -2118,19 +3561,15 @@
               <a:defRPr sz="3600"/>
             </a:lvl9pPr>
           </a:lstStyle>
-          <a:p>
-            <a:endParaRPr/>
-          </a:p>
+          <a:p/>
         </p:txBody>
       </p:sp>
       <p:sp>
         <p:nvSpPr>
           <p:cNvPr id="15" name="Google Shape;15;p3"/>
-          <p:cNvSpPr txBox="1">
-            <a:spLocks noGrp="1"/>
-          </p:cNvSpPr>
+          <p:cNvSpPr txBox="1"/>
           <p:nvPr>
-            <p:ph type="sldNum" idx="12"/>
+            <p:ph idx="12" type="sldNum"/>
           </p:nvPr>
         </p:nvSpPr>
         <p:spPr>
@@ -2143,7 +3582,7 @@
           </a:prstGeom>
         </p:spPr>
         <p:txBody>
-          <a:bodyPr spcFirstLastPara="1" wrap="square" lIns="91425" tIns="91425" rIns="91425" bIns="91425" anchor="ctr" anchorCtr="0">
+          <a:bodyPr anchorCtr="0" anchor="ctr" bIns="91425" lIns="91425" spcFirstLastPara="1" rIns="91425" wrap="square" tIns="91425">
             <a:normAutofit/>
           </a:bodyPr>
           <a:lstStyle>
@@ -2185,7 +3624,7 @@
             </a:lvl9pPr>
           </a:lstStyle>
           <a:p>
-            <a:pPr marL="0" lvl="0" indent="0" algn="r" rtl="0">
+            <a:pPr indent="0" lvl="0" marL="0" rtl="0" algn="r">
               <a:spcBef>
                 <a:spcPts val="0"/>
               </a:spcBef>
@@ -2211,11 +3650,11 @@
 </file>
 
 <file path=ppt/slideLayouts/slideLayout3.xml><?xml version="1.0" encoding="utf-8"?>
-<p:sldLayout xmlns:a="http://schemas.openxmlformats.org/drawingml/2006/main" xmlns:r="http://schemas.openxmlformats.org/officeDocument/2006/relationships" xmlns:p="http://schemas.openxmlformats.org/presentationml/2006/main" matchingName="Title and body" type="tx">
+<p:sldLayout xmlns:a="http://schemas.openxmlformats.org/drawingml/2006/main" xmlns:r="http://schemas.openxmlformats.org/officeDocument/2006/relationships" xmlns:mc="http://schemas.openxmlformats.org/markup-compatibility/2006" xmlns:mv="urn:schemas-microsoft-com:mac:vml" xmlns:p="http://schemas.openxmlformats.org/presentationml/2006/main" xmlns:c="http://schemas.openxmlformats.org/drawingml/2006/chart" xmlns:dgm="http://schemas.openxmlformats.org/drawingml/2006/diagram" xmlns:o="urn:schemas-microsoft-com:office:office" xmlns:v="urn:schemas-microsoft-com:vml" xmlns:pvml="urn:schemas-microsoft-com:office:powerpoint" xmlns:com="http://schemas.openxmlformats.org/drawingml/2006/compatibility" xmlns:p14="http://schemas.microsoft.com/office/powerpoint/2010/main" xmlns:p15="http://schemas.microsoft.com/office/powerpoint/2012/main" xmlns:ahyp="http://schemas.microsoft.com/office/drawing/2018/hyperlinkcolor" matchingName="Title and body" type="tx">
   <p:cSld name="TITLE_AND_BODY">
     <p:spTree>
       <p:nvGrpSpPr>
-        <p:cNvPr id="1" name="Shape 16"/>
+        <p:cNvPr id="16" name="Shape 16"/>
         <p:cNvGrpSpPr/>
         <p:nvPr/>
       </p:nvGrpSpPr>
@@ -2230,9 +3669,7 @@
       <p:sp>
         <p:nvSpPr>
           <p:cNvPr id="17" name="Google Shape;17;p4"/>
-          <p:cNvSpPr txBox="1">
-            <a:spLocks noGrp="1"/>
-          </p:cNvSpPr>
+          <p:cNvSpPr txBox="1"/>
           <p:nvPr>
             <p:ph type="title"/>
           </p:nvPr>
@@ -2247,7 +3684,7 @@
           </a:prstGeom>
         </p:spPr>
         <p:txBody>
-          <a:bodyPr spcFirstLastPara="1" wrap="square" lIns="91425" tIns="91425" rIns="91425" bIns="91425" anchor="t" anchorCtr="0">
+          <a:bodyPr anchorCtr="0" anchor="t" bIns="91425" lIns="91425" spcFirstLastPara="1" rIns="91425" wrap="square" tIns="91425">
             <a:normAutofit/>
           </a:bodyPr>
           <a:lstStyle>
@@ -2351,19 +3788,15 @@
               <a:defRPr/>
             </a:lvl9pPr>
           </a:lstStyle>
-          <a:p>
-            <a:endParaRPr/>
-          </a:p>
+          <a:p/>
         </p:txBody>
       </p:sp>
       <p:sp>
         <p:nvSpPr>
           <p:cNvPr id="18" name="Google Shape;18;p4"/>
-          <p:cNvSpPr txBox="1">
-            <a:spLocks noGrp="1"/>
-          </p:cNvSpPr>
+          <p:cNvSpPr txBox="1"/>
           <p:nvPr>
-            <p:ph type="body" idx="1"/>
+            <p:ph idx="1" type="body"/>
           </p:nvPr>
         </p:nvSpPr>
         <p:spPr>
@@ -2376,11 +3809,11 @@
           </a:prstGeom>
         </p:spPr>
         <p:txBody>
-          <a:bodyPr spcFirstLastPara="1" wrap="square" lIns="91425" tIns="91425" rIns="91425" bIns="91425" anchor="t" anchorCtr="0">
+          <a:bodyPr anchorCtr="0" anchor="t" bIns="91425" lIns="91425" spcFirstLastPara="1" rIns="91425" wrap="square" tIns="91425">
             <a:normAutofit/>
           </a:bodyPr>
           <a:lstStyle>
-            <a:lvl1pPr marL="457200" lvl="0" indent="-342900">
+            <a:lvl1pPr indent="-342900" lvl="0" marL="457200">
               <a:spcBef>
                 <a:spcPts val="0"/>
               </a:spcBef>
@@ -2391,7 +3824,7 @@
               <a:buChar char="●"/>
               <a:defRPr/>
             </a:lvl1pPr>
-            <a:lvl2pPr marL="914400" lvl="1" indent="-317500">
+            <a:lvl2pPr indent="-317500" lvl="1" marL="914400">
               <a:spcBef>
                 <a:spcPts val="0"/>
               </a:spcBef>
@@ -2402,7 +3835,7 @@
               <a:buChar char="○"/>
               <a:defRPr/>
             </a:lvl2pPr>
-            <a:lvl3pPr marL="1371600" lvl="2" indent="-317500">
+            <a:lvl3pPr indent="-317500" lvl="2" marL="1371600">
               <a:spcBef>
                 <a:spcPts val="0"/>
               </a:spcBef>
@@ -2413,7 +3846,7 @@
               <a:buChar char="■"/>
               <a:defRPr/>
             </a:lvl3pPr>
-            <a:lvl4pPr marL="1828800" lvl="3" indent="-317500">
+            <a:lvl4pPr indent="-317500" lvl="3" marL="1828800">
               <a:spcBef>
                 <a:spcPts val="0"/>
               </a:spcBef>
@@ -2424,7 +3857,7 @@
               <a:buChar char="●"/>
               <a:defRPr/>
             </a:lvl4pPr>
-            <a:lvl5pPr marL="2286000" lvl="4" indent="-317500">
+            <a:lvl5pPr indent="-317500" lvl="4" marL="2286000">
               <a:spcBef>
                 <a:spcPts val="0"/>
               </a:spcBef>
@@ -2435,7 +3868,7 @@
               <a:buChar char="○"/>
               <a:defRPr/>
             </a:lvl5pPr>
-            <a:lvl6pPr marL="2743200" lvl="5" indent="-317500">
+            <a:lvl6pPr indent="-317500" lvl="5" marL="2743200">
               <a:spcBef>
                 <a:spcPts val="0"/>
               </a:spcBef>
@@ -2446,7 +3879,7 @@
               <a:buChar char="■"/>
               <a:defRPr/>
             </a:lvl6pPr>
-            <a:lvl7pPr marL="3200400" lvl="6" indent="-317500">
+            <a:lvl7pPr indent="-317500" lvl="6" marL="3200400">
               <a:spcBef>
                 <a:spcPts val="0"/>
               </a:spcBef>
@@ -2457,7 +3890,7 @@
               <a:buChar char="●"/>
               <a:defRPr/>
             </a:lvl7pPr>
-            <a:lvl8pPr marL="3657600" lvl="7" indent="-317500">
+            <a:lvl8pPr indent="-317500" lvl="7" marL="3657600">
               <a:spcBef>
                 <a:spcPts val="0"/>
               </a:spcBef>
@@ -2468,7 +3901,7 @@
               <a:buChar char="○"/>
               <a:defRPr/>
             </a:lvl8pPr>
-            <a:lvl9pPr marL="4114800" lvl="8" indent="-317500">
+            <a:lvl9pPr indent="-317500" lvl="8" marL="4114800">
               <a:spcBef>
                 <a:spcPts val="0"/>
               </a:spcBef>
@@ -2480,19 +3913,15 @@
               <a:defRPr/>
             </a:lvl9pPr>
           </a:lstStyle>
-          <a:p>
-            <a:endParaRPr/>
-          </a:p>
+          <a:p/>
         </p:txBody>
       </p:sp>
       <p:sp>
         <p:nvSpPr>
           <p:cNvPr id="19" name="Google Shape;19;p4"/>
-          <p:cNvSpPr txBox="1">
-            <a:spLocks noGrp="1"/>
-          </p:cNvSpPr>
+          <p:cNvSpPr txBox="1"/>
           <p:nvPr>
-            <p:ph type="sldNum" idx="12"/>
+            <p:ph idx="12" type="sldNum"/>
           </p:nvPr>
         </p:nvSpPr>
         <p:spPr>
@@ -2505,7 +3934,7 @@
           </a:prstGeom>
         </p:spPr>
         <p:txBody>
-          <a:bodyPr spcFirstLastPara="1" wrap="square" lIns="91425" tIns="91425" rIns="91425" bIns="91425" anchor="ctr" anchorCtr="0">
+          <a:bodyPr anchorCtr="0" anchor="ctr" bIns="91425" lIns="91425" spcFirstLastPara="1" rIns="91425" wrap="square" tIns="91425">
             <a:normAutofit/>
           </a:bodyPr>
           <a:lstStyle>
@@ -2547,7 +3976,7 @@
             </a:lvl9pPr>
           </a:lstStyle>
           <a:p>
-            <a:pPr marL="0" lvl="0" indent="0" algn="r" rtl="0">
+            <a:pPr indent="0" lvl="0" marL="0" rtl="0" algn="r">
               <a:spcBef>
                 <a:spcPts val="0"/>
               </a:spcBef>
@@ -2573,11 +4002,11 @@
 </file>
 
 <file path=ppt/slideLayouts/slideLayout4.xml><?xml version="1.0" encoding="utf-8"?>
-<p:sldLayout xmlns:a="http://schemas.openxmlformats.org/drawingml/2006/main" xmlns:r="http://schemas.openxmlformats.org/officeDocument/2006/relationships" xmlns:p="http://schemas.openxmlformats.org/presentationml/2006/main" matchingName="Title and two columns" type="twoColTx">
+<p:sldLayout xmlns:a="http://schemas.openxmlformats.org/drawingml/2006/main" xmlns:r="http://schemas.openxmlformats.org/officeDocument/2006/relationships" xmlns:mc="http://schemas.openxmlformats.org/markup-compatibility/2006" xmlns:mv="urn:schemas-microsoft-com:mac:vml" xmlns:p="http://schemas.openxmlformats.org/presentationml/2006/main" xmlns:c="http://schemas.openxmlformats.org/drawingml/2006/chart" xmlns:dgm="http://schemas.openxmlformats.org/drawingml/2006/diagram" xmlns:o="urn:schemas-microsoft-com:office:office" xmlns:v="urn:schemas-microsoft-com:vml" xmlns:pvml="urn:schemas-microsoft-com:office:powerpoint" xmlns:com="http://schemas.openxmlformats.org/drawingml/2006/compatibility" xmlns:p14="http://schemas.microsoft.com/office/powerpoint/2010/main" xmlns:p15="http://schemas.microsoft.com/office/powerpoint/2012/main" xmlns:ahyp="http://schemas.microsoft.com/office/drawing/2018/hyperlinkcolor" matchingName="Title and two columns" type="twoColTx">
   <p:cSld name="TITLE_AND_TWO_COLUMNS">
     <p:spTree>
       <p:nvGrpSpPr>
-        <p:cNvPr id="1" name="Shape 20"/>
+        <p:cNvPr id="20" name="Shape 20"/>
         <p:cNvGrpSpPr/>
         <p:nvPr/>
       </p:nvGrpSpPr>
@@ -2592,9 +4021,7 @@
       <p:sp>
         <p:nvSpPr>
           <p:cNvPr id="21" name="Google Shape;21;p5"/>
-          <p:cNvSpPr txBox="1">
-            <a:spLocks noGrp="1"/>
-          </p:cNvSpPr>
+          <p:cNvSpPr txBox="1"/>
           <p:nvPr>
             <p:ph type="title"/>
           </p:nvPr>
@@ -2609,7 +4036,7 @@
           </a:prstGeom>
         </p:spPr>
         <p:txBody>
-          <a:bodyPr spcFirstLastPara="1" wrap="square" lIns="91425" tIns="91425" rIns="91425" bIns="91425" anchor="t" anchorCtr="0">
+          <a:bodyPr anchorCtr="0" anchor="t" bIns="91425" lIns="91425" spcFirstLastPara="1" rIns="91425" wrap="square" tIns="91425">
             <a:normAutofit/>
           </a:bodyPr>
           <a:lstStyle>
@@ -2713,19 +4140,15 @@
               <a:defRPr/>
             </a:lvl9pPr>
           </a:lstStyle>
-          <a:p>
-            <a:endParaRPr/>
-          </a:p>
+          <a:p/>
         </p:txBody>
       </p:sp>
       <p:sp>
         <p:nvSpPr>
           <p:cNvPr id="22" name="Google Shape;22;p5"/>
-          <p:cNvSpPr txBox="1">
-            <a:spLocks noGrp="1"/>
-          </p:cNvSpPr>
+          <p:cNvSpPr txBox="1"/>
           <p:nvPr>
-            <p:ph type="body" idx="1"/>
+            <p:ph idx="1" type="body"/>
           </p:nvPr>
         </p:nvSpPr>
         <p:spPr>
@@ -2738,11 +4161,11 @@
           </a:prstGeom>
         </p:spPr>
         <p:txBody>
-          <a:bodyPr spcFirstLastPara="1" wrap="square" lIns="91425" tIns="91425" rIns="91425" bIns="91425" anchor="t" anchorCtr="0">
+          <a:bodyPr anchorCtr="0" anchor="t" bIns="91425" lIns="91425" spcFirstLastPara="1" rIns="91425" wrap="square" tIns="91425">
             <a:normAutofit/>
           </a:bodyPr>
           <a:lstStyle>
-            <a:lvl1pPr marL="457200" lvl="0" indent="-317500">
+            <a:lvl1pPr indent="-317500" lvl="0" marL="457200">
               <a:spcBef>
                 <a:spcPts val="0"/>
               </a:spcBef>
@@ -2753,7 +4176,7 @@
               <a:buChar char="●"/>
               <a:defRPr sz="1400"/>
             </a:lvl1pPr>
-            <a:lvl2pPr marL="914400" lvl="1" indent="-304800">
+            <a:lvl2pPr indent="-304800" lvl="1" marL="914400">
               <a:spcBef>
                 <a:spcPts val="0"/>
               </a:spcBef>
@@ -2764,7 +4187,7 @@
               <a:buChar char="○"/>
               <a:defRPr sz="1200"/>
             </a:lvl2pPr>
-            <a:lvl3pPr marL="1371600" lvl="2" indent="-304800">
+            <a:lvl3pPr indent="-304800" lvl="2" marL="1371600">
               <a:spcBef>
                 <a:spcPts val="0"/>
               </a:spcBef>
@@ -2775,7 +4198,7 @@
               <a:buChar char="■"/>
               <a:defRPr sz="1200"/>
             </a:lvl3pPr>
-            <a:lvl4pPr marL="1828800" lvl="3" indent="-304800">
+            <a:lvl4pPr indent="-304800" lvl="3" marL="1828800">
               <a:spcBef>
                 <a:spcPts val="0"/>
               </a:spcBef>
@@ -2786,7 +4209,7 @@
               <a:buChar char="●"/>
               <a:defRPr sz="1200"/>
             </a:lvl4pPr>
-            <a:lvl5pPr marL="2286000" lvl="4" indent="-304800">
+            <a:lvl5pPr indent="-304800" lvl="4" marL="2286000">
               <a:spcBef>
                 <a:spcPts val="0"/>
               </a:spcBef>
@@ -2797,7 +4220,7 @@
               <a:buChar char="○"/>
               <a:defRPr sz="1200"/>
             </a:lvl5pPr>
-            <a:lvl6pPr marL="2743200" lvl="5" indent="-304800">
+            <a:lvl6pPr indent="-304800" lvl="5" marL="2743200">
               <a:spcBef>
                 <a:spcPts val="0"/>
               </a:spcBef>
@@ -2808,7 +4231,7 @@
               <a:buChar char="■"/>
               <a:defRPr sz="1200"/>
             </a:lvl6pPr>
-            <a:lvl7pPr marL="3200400" lvl="6" indent="-304800">
+            <a:lvl7pPr indent="-304800" lvl="6" marL="3200400">
               <a:spcBef>
                 <a:spcPts val="0"/>
               </a:spcBef>
@@ -2819,7 +4242,7 @@
               <a:buChar char="●"/>
               <a:defRPr sz="1200"/>
             </a:lvl7pPr>
-            <a:lvl8pPr marL="3657600" lvl="7" indent="-304800">
+            <a:lvl8pPr indent="-304800" lvl="7" marL="3657600">
               <a:spcBef>
                 <a:spcPts val="0"/>
               </a:spcBef>
@@ -2830,7 +4253,7 @@
               <a:buChar char="○"/>
               <a:defRPr sz="1200"/>
             </a:lvl8pPr>
-            <a:lvl9pPr marL="4114800" lvl="8" indent="-304800">
+            <a:lvl9pPr indent="-304800" lvl="8" marL="4114800">
               <a:spcBef>
                 <a:spcPts val="0"/>
               </a:spcBef>
@@ -2842,19 +4265,15 @@
               <a:defRPr sz="1200"/>
             </a:lvl9pPr>
           </a:lstStyle>
-          <a:p>
-            <a:endParaRPr/>
-          </a:p>
+          <a:p/>
         </p:txBody>
       </p:sp>
       <p:sp>
         <p:nvSpPr>
           <p:cNvPr id="23" name="Google Shape;23;p5"/>
-          <p:cNvSpPr txBox="1">
-            <a:spLocks noGrp="1"/>
-          </p:cNvSpPr>
+          <p:cNvSpPr txBox="1"/>
           <p:nvPr>
-            <p:ph type="body" idx="2"/>
+            <p:ph idx="2" type="body"/>
           </p:nvPr>
         </p:nvSpPr>
         <p:spPr>
@@ -2867,11 +4286,11 @@
           </a:prstGeom>
         </p:spPr>
         <p:txBody>
-          <a:bodyPr spcFirstLastPara="1" wrap="square" lIns="91425" tIns="91425" rIns="91425" bIns="91425" anchor="t" anchorCtr="0">
+          <a:bodyPr anchorCtr="0" anchor="t" bIns="91425" lIns="91425" spcFirstLastPara="1" rIns="91425" wrap="square" tIns="91425">
             <a:normAutofit/>
           </a:bodyPr>
           <a:lstStyle>
-            <a:lvl1pPr marL="457200" lvl="0" indent="-317500">
+            <a:lvl1pPr indent="-317500" lvl="0" marL="457200">
               <a:spcBef>
                 <a:spcPts val="0"/>
               </a:spcBef>
@@ -2882,7 +4301,7 @@
               <a:buChar char="●"/>
               <a:defRPr sz="1400"/>
             </a:lvl1pPr>
-            <a:lvl2pPr marL="914400" lvl="1" indent="-304800">
+            <a:lvl2pPr indent="-304800" lvl="1" marL="914400">
               <a:spcBef>
                 <a:spcPts val="0"/>
               </a:spcBef>
@@ -2893,7 +4312,7 @@
               <a:buChar char="○"/>
               <a:defRPr sz="1200"/>
             </a:lvl2pPr>
-            <a:lvl3pPr marL="1371600" lvl="2" indent="-304800">
+            <a:lvl3pPr indent="-304800" lvl="2" marL="1371600">
               <a:spcBef>
                 <a:spcPts val="0"/>
               </a:spcBef>
@@ -2904,7 +4323,7 @@
               <a:buChar char="■"/>
               <a:defRPr sz="1200"/>
             </a:lvl3pPr>
-            <a:lvl4pPr marL="1828800" lvl="3" indent="-304800">
+            <a:lvl4pPr indent="-304800" lvl="3" marL="1828800">
               <a:spcBef>
                 <a:spcPts val="0"/>
               </a:spcBef>
@@ -2915,7 +4334,7 @@
               <a:buChar char="●"/>
               <a:defRPr sz="1200"/>
             </a:lvl4pPr>
-            <a:lvl5pPr marL="2286000" lvl="4" indent="-304800">
+            <a:lvl5pPr indent="-304800" lvl="4" marL="2286000">
               <a:spcBef>
                 <a:spcPts val="0"/>
               </a:spcBef>
@@ -2926,7 +4345,7 @@
               <a:buChar char="○"/>
               <a:defRPr sz="1200"/>
             </a:lvl5pPr>
-            <a:lvl6pPr marL="2743200" lvl="5" indent="-304800">
+            <a:lvl6pPr indent="-304800" lvl="5" marL="2743200">
               <a:spcBef>
                 <a:spcPts val="0"/>
               </a:spcBef>
@@ -2937,7 +4356,7 @@
               <a:buChar char="■"/>
               <a:defRPr sz="1200"/>
             </a:lvl6pPr>
-            <a:lvl7pPr marL="3200400" lvl="6" indent="-304800">
+            <a:lvl7pPr indent="-304800" lvl="6" marL="3200400">
               <a:spcBef>
                 <a:spcPts val="0"/>
               </a:spcBef>
@@ -2948,7 +4367,7 @@
               <a:buChar char="●"/>
               <a:defRPr sz="1200"/>
             </a:lvl7pPr>
-            <a:lvl8pPr marL="3657600" lvl="7" indent="-304800">
+            <a:lvl8pPr indent="-304800" lvl="7" marL="3657600">
               <a:spcBef>
                 <a:spcPts val="0"/>
               </a:spcBef>
@@ -2959,7 +4378,7 @@
               <a:buChar char="○"/>
               <a:defRPr sz="1200"/>
             </a:lvl8pPr>
-            <a:lvl9pPr marL="4114800" lvl="8" indent="-304800">
+            <a:lvl9pPr indent="-304800" lvl="8" marL="4114800">
               <a:spcBef>
                 <a:spcPts val="0"/>
               </a:spcBef>
@@ -2971,19 +4390,15 @@
               <a:defRPr sz="1200"/>
             </a:lvl9pPr>
           </a:lstStyle>
-          <a:p>
-            <a:endParaRPr/>
-          </a:p>
+          <a:p/>
         </p:txBody>
       </p:sp>
       <p:sp>
         <p:nvSpPr>
           <p:cNvPr id="24" name="Google Shape;24;p5"/>
-          <p:cNvSpPr txBox="1">
-            <a:spLocks noGrp="1"/>
-          </p:cNvSpPr>
+          <p:cNvSpPr txBox="1"/>
           <p:nvPr>
-            <p:ph type="sldNum" idx="12"/>
+            <p:ph idx="12" type="sldNum"/>
           </p:nvPr>
         </p:nvSpPr>
         <p:spPr>
@@ -2996,7 +4411,7 @@
           </a:prstGeom>
         </p:spPr>
         <p:txBody>
-          <a:bodyPr spcFirstLastPara="1" wrap="square" lIns="91425" tIns="91425" rIns="91425" bIns="91425" anchor="ctr" anchorCtr="0">
+          <a:bodyPr anchorCtr="0" anchor="ctr" bIns="91425" lIns="91425" spcFirstLastPara="1" rIns="91425" wrap="square" tIns="91425">
             <a:normAutofit/>
           </a:bodyPr>
           <a:lstStyle>
@@ -3038,7 +4453,7 @@
             </a:lvl9pPr>
           </a:lstStyle>
           <a:p>
-            <a:pPr marL="0" lvl="0" indent="0" algn="r" rtl="0">
+            <a:pPr indent="0" lvl="0" marL="0" rtl="0" algn="r">
               <a:spcBef>
                 <a:spcPts val="0"/>
               </a:spcBef>
@@ -3064,11 +4479,11 @@
 </file>
 
 <file path=ppt/slideLayouts/slideLayout5.xml><?xml version="1.0" encoding="utf-8"?>
-<p:sldLayout xmlns:a="http://schemas.openxmlformats.org/drawingml/2006/main" xmlns:r="http://schemas.openxmlformats.org/officeDocument/2006/relationships" xmlns:p="http://schemas.openxmlformats.org/presentationml/2006/main" matchingName="Title only" type="titleOnly">
+<p:sldLayout xmlns:a="http://schemas.openxmlformats.org/drawingml/2006/main" xmlns:r="http://schemas.openxmlformats.org/officeDocument/2006/relationships" xmlns:mc="http://schemas.openxmlformats.org/markup-compatibility/2006" xmlns:mv="urn:schemas-microsoft-com:mac:vml" xmlns:p="http://schemas.openxmlformats.org/presentationml/2006/main" xmlns:c="http://schemas.openxmlformats.org/drawingml/2006/chart" xmlns:dgm="http://schemas.openxmlformats.org/drawingml/2006/diagram" xmlns:o="urn:schemas-microsoft-com:office:office" xmlns:v="urn:schemas-microsoft-com:vml" xmlns:pvml="urn:schemas-microsoft-com:office:powerpoint" xmlns:com="http://schemas.openxmlformats.org/drawingml/2006/compatibility" xmlns:p14="http://schemas.microsoft.com/office/powerpoint/2010/main" xmlns:p15="http://schemas.microsoft.com/office/powerpoint/2012/main" xmlns:ahyp="http://schemas.microsoft.com/office/drawing/2018/hyperlinkcolor" matchingName="Title only" type="titleOnly">
   <p:cSld name="TITLE_ONLY">
     <p:spTree>
       <p:nvGrpSpPr>
-        <p:cNvPr id="1" name="Shape 25"/>
+        <p:cNvPr id="25" name="Shape 25"/>
         <p:cNvGrpSpPr/>
         <p:nvPr/>
       </p:nvGrpSpPr>
@@ -3083,9 +4498,7 @@
       <p:sp>
         <p:nvSpPr>
           <p:cNvPr id="26" name="Google Shape;26;p6"/>
-          <p:cNvSpPr txBox="1">
-            <a:spLocks noGrp="1"/>
-          </p:cNvSpPr>
+          <p:cNvSpPr txBox="1"/>
           <p:nvPr>
             <p:ph type="title"/>
           </p:nvPr>
@@ -3100,7 +4513,7 @@
           </a:prstGeom>
         </p:spPr>
         <p:txBody>
-          <a:bodyPr spcFirstLastPara="1" wrap="square" lIns="91425" tIns="91425" rIns="91425" bIns="91425" anchor="t" anchorCtr="0">
+          <a:bodyPr anchorCtr="0" anchor="t" bIns="91425" lIns="91425" spcFirstLastPara="1" rIns="91425" wrap="square" tIns="91425">
             <a:normAutofit/>
           </a:bodyPr>
           <a:lstStyle>
@@ -3204,19 +4617,15 @@
               <a:defRPr/>
             </a:lvl9pPr>
           </a:lstStyle>
-          <a:p>
-            <a:endParaRPr/>
-          </a:p>
+          <a:p/>
         </p:txBody>
       </p:sp>
       <p:sp>
         <p:nvSpPr>
           <p:cNvPr id="27" name="Google Shape;27;p6"/>
-          <p:cNvSpPr txBox="1">
-            <a:spLocks noGrp="1"/>
-          </p:cNvSpPr>
+          <p:cNvSpPr txBox="1"/>
           <p:nvPr>
-            <p:ph type="sldNum" idx="12"/>
+            <p:ph idx="12" type="sldNum"/>
           </p:nvPr>
         </p:nvSpPr>
         <p:spPr>
@@ -3229,7 +4638,7 @@
           </a:prstGeom>
         </p:spPr>
         <p:txBody>
-          <a:bodyPr spcFirstLastPara="1" wrap="square" lIns="91425" tIns="91425" rIns="91425" bIns="91425" anchor="ctr" anchorCtr="0">
+          <a:bodyPr anchorCtr="0" anchor="ctr" bIns="91425" lIns="91425" spcFirstLastPara="1" rIns="91425" wrap="square" tIns="91425">
             <a:normAutofit/>
           </a:bodyPr>
           <a:lstStyle>
@@ -3271,7 +4680,7 @@
             </a:lvl9pPr>
           </a:lstStyle>
           <a:p>
-            <a:pPr marL="0" lvl="0" indent="0" algn="r" rtl="0">
+            <a:pPr indent="0" lvl="0" marL="0" rtl="0" algn="r">
               <a:spcBef>
                 <a:spcPts val="0"/>
               </a:spcBef>
@@ -3297,11 +4706,11 @@
 </file>
 
 <file path=ppt/slideLayouts/slideLayout6.xml><?xml version="1.0" encoding="utf-8"?>
-<p:sldLayout xmlns:a="http://schemas.openxmlformats.org/drawingml/2006/main" xmlns:r="http://schemas.openxmlformats.org/officeDocument/2006/relationships" xmlns:p="http://schemas.openxmlformats.org/presentationml/2006/main" matchingName="One column text">
+<p:sldLayout xmlns:a="http://schemas.openxmlformats.org/drawingml/2006/main" xmlns:r="http://schemas.openxmlformats.org/officeDocument/2006/relationships" xmlns:mc="http://schemas.openxmlformats.org/markup-compatibility/2006" xmlns:mv="urn:schemas-microsoft-com:mac:vml" xmlns:p="http://schemas.openxmlformats.org/presentationml/2006/main" xmlns:c="http://schemas.openxmlformats.org/drawingml/2006/chart" xmlns:dgm="http://schemas.openxmlformats.org/drawingml/2006/diagram" xmlns:o="urn:schemas-microsoft-com:office:office" xmlns:v="urn:schemas-microsoft-com:vml" xmlns:pvml="urn:schemas-microsoft-com:office:powerpoint" xmlns:com="http://schemas.openxmlformats.org/drawingml/2006/compatibility" xmlns:p14="http://schemas.microsoft.com/office/powerpoint/2010/main" xmlns:p15="http://schemas.microsoft.com/office/powerpoint/2012/main" xmlns:ahyp="http://schemas.microsoft.com/office/drawing/2018/hyperlinkcolor" matchingName="One column text">
   <p:cSld name="ONE_COLUMN_TEXT">
     <p:spTree>
       <p:nvGrpSpPr>
-        <p:cNvPr id="1" name="Shape 28"/>
+        <p:cNvPr id="28" name="Shape 28"/>
         <p:cNvGrpSpPr/>
         <p:nvPr/>
       </p:nvGrpSpPr>
@@ -3316,9 +4725,7 @@
       <p:sp>
         <p:nvSpPr>
           <p:cNvPr id="29" name="Google Shape;29;p7"/>
-          <p:cNvSpPr txBox="1">
-            <a:spLocks noGrp="1"/>
-          </p:cNvSpPr>
+          <p:cNvSpPr txBox="1"/>
           <p:nvPr>
             <p:ph type="title"/>
           </p:nvPr>
@@ -3333,7 +4740,7 @@
           </a:prstGeom>
         </p:spPr>
         <p:txBody>
-          <a:bodyPr spcFirstLastPara="1" wrap="square" lIns="91425" tIns="91425" rIns="91425" bIns="91425" anchor="b" anchorCtr="0">
+          <a:bodyPr anchorCtr="0" anchor="b" bIns="91425" lIns="91425" spcFirstLastPara="1" rIns="91425" wrap="square" tIns="91425">
             <a:normAutofit/>
           </a:bodyPr>
           <a:lstStyle>
@@ -3437,19 +4844,15 @@
               <a:defRPr sz="2400"/>
             </a:lvl9pPr>
           </a:lstStyle>
-          <a:p>
-            <a:endParaRPr/>
-          </a:p>
+          <a:p/>
         </p:txBody>
       </p:sp>
       <p:sp>
         <p:nvSpPr>
           <p:cNvPr id="30" name="Google Shape;30;p7"/>
-          <p:cNvSpPr txBox="1">
-            <a:spLocks noGrp="1"/>
-          </p:cNvSpPr>
+          <p:cNvSpPr txBox="1"/>
           <p:nvPr>
-            <p:ph type="body" idx="1"/>
+            <p:ph idx="1" type="body"/>
           </p:nvPr>
         </p:nvSpPr>
         <p:spPr>
@@ -3462,11 +4865,11 @@
           </a:prstGeom>
         </p:spPr>
         <p:txBody>
-          <a:bodyPr spcFirstLastPara="1" wrap="square" lIns="91425" tIns="91425" rIns="91425" bIns="91425" anchor="t" anchorCtr="0">
+          <a:bodyPr anchorCtr="0" anchor="t" bIns="91425" lIns="91425" spcFirstLastPara="1" rIns="91425" wrap="square" tIns="91425">
             <a:normAutofit/>
           </a:bodyPr>
           <a:lstStyle>
-            <a:lvl1pPr marL="457200" lvl="0" indent="-304800">
+            <a:lvl1pPr indent="-304800" lvl="0" marL="457200">
               <a:spcBef>
                 <a:spcPts val="0"/>
               </a:spcBef>
@@ -3477,7 +4880,7 @@
               <a:buChar char="●"/>
               <a:defRPr sz="1200"/>
             </a:lvl1pPr>
-            <a:lvl2pPr marL="914400" lvl="1" indent="-304800">
+            <a:lvl2pPr indent="-304800" lvl="1" marL="914400">
               <a:spcBef>
                 <a:spcPts val="0"/>
               </a:spcBef>
@@ -3488,7 +4891,7 @@
               <a:buChar char="○"/>
               <a:defRPr sz="1200"/>
             </a:lvl2pPr>
-            <a:lvl3pPr marL="1371600" lvl="2" indent="-304800">
+            <a:lvl3pPr indent="-304800" lvl="2" marL="1371600">
               <a:spcBef>
                 <a:spcPts val="0"/>
               </a:spcBef>
@@ -3499,7 +4902,7 @@
               <a:buChar char="■"/>
               <a:defRPr sz="1200"/>
             </a:lvl3pPr>
-            <a:lvl4pPr marL="1828800" lvl="3" indent="-304800">
+            <a:lvl4pPr indent="-304800" lvl="3" marL="1828800">
               <a:spcBef>
                 <a:spcPts val="0"/>
               </a:spcBef>
@@ -3510,7 +4913,7 @@
               <a:buChar char="●"/>
               <a:defRPr sz="1200"/>
             </a:lvl4pPr>
-            <a:lvl5pPr marL="2286000" lvl="4" indent="-304800">
+            <a:lvl5pPr indent="-304800" lvl="4" marL="2286000">
               <a:spcBef>
                 <a:spcPts val="0"/>
               </a:spcBef>
@@ -3521,7 +4924,7 @@
               <a:buChar char="○"/>
               <a:defRPr sz="1200"/>
             </a:lvl5pPr>
-            <a:lvl6pPr marL="2743200" lvl="5" indent="-304800">
+            <a:lvl6pPr indent="-304800" lvl="5" marL="2743200">
               <a:spcBef>
                 <a:spcPts val="0"/>
               </a:spcBef>
@@ -3532,7 +4935,7 @@
               <a:buChar char="■"/>
               <a:defRPr sz="1200"/>
             </a:lvl6pPr>
-            <a:lvl7pPr marL="3200400" lvl="6" indent="-304800">
+            <a:lvl7pPr indent="-304800" lvl="6" marL="3200400">
               <a:spcBef>
                 <a:spcPts val="0"/>
               </a:spcBef>
@@ -3543,7 +4946,7 @@
               <a:buChar char="●"/>
               <a:defRPr sz="1200"/>
             </a:lvl7pPr>
-            <a:lvl8pPr marL="3657600" lvl="7" indent="-304800">
+            <a:lvl8pPr indent="-304800" lvl="7" marL="3657600">
               <a:spcBef>
                 <a:spcPts val="0"/>
               </a:spcBef>
@@ -3554,7 +4957,7 @@
               <a:buChar char="○"/>
               <a:defRPr sz="1200"/>
             </a:lvl8pPr>
-            <a:lvl9pPr marL="4114800" lvl="8" indent="-304800">
+            <a:lvl9pPr indent="-304800" lvl="8" marL="4114800">
               <a:spcBef>
                 <a:spcPts val="0"/>
               </a:spcBef>
@@ -3566,19 +4969,15 @@
               <a:defRPr sz="1200"/>
             </a:lvl9pPr>
           </a:lstStyle>
-          <a:p>
-            <a:endParaRPr/>
-          </a:p>
+          <a:p/>
         </p:txBody>
       </p:sp>
       <p:sp>
         <p:nvSpPr>
           <p:cNvPr id="31" name="Google Shape;31;p7"/>
-          <p:cNvSpPr txBox="1">
-            <a:spLocks noGrp="1"/>
-          </p:cNvSpPr>
+          <p:cNvSpPr txBox="1"/>
           <p:nvPr>
-            <p:ph type="sldNum" idx="12"/>
+            <p:ph idx="12" type="sldNum"/>
           </p:nvPr>
         </p:nvSpPr>
         <p:spPr>
@@ -3591,7 +4990,7 @@
           </a:prstGeom>
         </p:spPr>
         <p:txBody>
-          <a:bodyPr spcFirstLastPara="1" wrap="square" lIns="91425" tIns="91425" rIns="91425" bIns="91425" anchor="ctr" anchorCtr="0">
+          <a:bodyPr anchorCtr="0" anchor="ctr" bIns="91425" lIns="91425" spcFirstLastPara="1" rIns="91425" wrap="square" tIns="91425">
             <a:normAutofit/>
           </a:bodyPr>
           <a:lstStyle>
@@ -3633,7 +5032,7 @@
             </a:lvl9pPr>
           </a:lstStyle>
           <a:p>
-            <a:pPr marL="0" lvl="0" indent="0" algn="r" rtl="0">
+            <a:pPr indent="0" lvl="0" marL="0" rtl="0" algn="r">
               <a:spcBef>
                 <a:spcPts val="0"/>
               </a:spcBef>
@@ -3659,11 +5058,11 @@
 </file>
 
 <file path=ppt/slideLayouts/slideLayout7.xml><?xml version="1.0" encoding="utf-8"?>
-<p:sldLayout xmlns:a="http://schemas.openxmlformats.org/drawingml/2006/main" xmlns:r="http://schemas.openxmlformats.org/officeDocument/2006/relationships" xmlns:p="http://schemas.openxmlformats.org/presentationml/2006/main" matchingName="Main point">
+<p:sldLayout xmlns:a="http://schemas.openxmlformats.org/drawingml/2006/main" xmlns:r="http://schemas.openxmlformats.org/officeDocument/2006/relationships" xmlns:mc="http://schemas.openxmlformats.org/markup-compatibility/2006" xmlns:mv="urn:schemas-microsoft-com:mac:vml" xmlns:p="http://schemas.openxmlformats.org/presentationml/2006/main" xmlns:c="http://schemas.openxmlformats.org/drawingml/2006/chart" xmlns:dgm="http://schemas.openxmlformats.org/drawingml/2006/diagram" xmlns:o="urn:schemas-microsoft-com:office:office" xmlns:v="urn:schemas-microsoft-com:vml" xmlns:pvml="urn:schemas-microsoft-com:office:powerpoint" xmlns:com="http://schemas.openxmlformats.org/drawingml/2006/compatibility" xmlns:p14="http://schemas.microsoft.com/office/powerpoint/2010/main" xmlns:p15="http://schemas.microsoft.com/office/powerpoint/2012/main" xmlns:ahyp="http://schemas.microsoft.com/office/drawing/2018/hyperlinkcolor" matchingName="Main point">
   <p:cSld name="MAIN_POINT">
     <p:spTree>
       <p:nvGrpSpPr>
-        <p:cNvPr id="1" name="Shape 32"/>
+        <p:cNvPr id="32" name="Shape 32"/>
         <p:cNvGrpSpPr/>
         <p:nvPr/>
       </p:nvGrpSpPr>
@@ -3678,9 +5077,7 @@
       <p:sp>
         <p:nvSpPr>
           <p:cNvPr id="33" name="Google Shape;33;p8"/>
-          <p:cNvSpPr txBox="1">
-            <a:spLocks noGrp="1"/>
-          </p:cNvSpPr>
+          <p:cNvSpPr txBox="1"/>
           <p:nvPr>
             <p:ph type="title"/>
           </p:nvPr>
@@ -3695,7 +5092,7 @@
           </a:prstGeom>
         </p:spPr>
         <p:txBody>
-          <a:bodyPr spcFirstLastPara="1" wrap="square" lIns="91425" tIns="91425" rIns="91425" bIns="91425" anchor="ctr" anchorCtr="0">
+          <a:bodyPr anchorCtr="0" anchor="ctr" bIns="91425" lIns="91425" spcFirstLastPara="1" rIns="91425" wrap="square" tIns="91425">
             <a:normAutofit/>
           </a:bodyPr>
           <a:lstStyle>
@@ -3799,19 +5196,15 @@
               <a:defRPr sz="4800"/>
             </a:lvl9pPr>
           </a:lstStyle>
-          <a:p>
-            <a:endParaRPr/>
-          </a:p>
+          <a:p/>
         </p:txBody>
       </p:sp>
       <p:sp>
         <p:nvSpPr>
           <p:cNvPr id="34" name="Google Shape;34;p8"/>
-          <p:cNvSpPr txBox="1">
-            <a:spLocks noGrp="1"/>
-          </p:cNvSpPr>
+          <p:cNvSpPr txBox="1"/>
           <p:nvPr>
-            <p:ph type="sldNum" idx="12"/>
+            <p:ph idx="12" type="sldNum"/>
           </p:nvPr>
         </p:nvSpPr>
         <p:spPr>
@@ -3824,7 +5217,7 @@
           </a:prstGeom>
         </p:spPr>
         <p:txBody>
-          <a:bodyPr spcFirstLastPara="1" wrap="square" lIns="91425" tIns="91425" rIns="91425" bIns="91425" anchor="ctr" anchorCtr="0">
+          <a:bodyPr anchorCtr="0" anchor="ctr" bIns="91425" lIns="91425" spcFirstLastPara="1" rIns="91425" wrap="square" tIns="91425">
             <a:normAutofit/>
           </a:bodyPr>
           <a:lstStyle>
@@ -3866,7 +5259,7 @@
             </a:lvl9pPr>
           </a:lstStyle>
           <a:p>
-            <a:pPr marL="0" lvl="0" indent="0" algn="r" rtl="0">
+            <a:pPr indent="0" lvl="0" marL="0" rtl="0" algn="r">
               <a:spcBef>
                 <a:spcPts val="0"/>
               </a:spcBef>
@@ -3892,11 +5285,11 @@
 </file>
 
 <file path=ppt/slideLayouts/slideLayout8.xml><?xml version="1.0" encoding="utf-8"?>
-<p:sldLayout xmlns:a="http://schemas.openxmlformats.org/drawingml/2006/main" xmlns:r="http://schemas.openxmlformats.org/officeDocument/2006/relationships" xmlns:p="http://schemas.openxmlformats.org/presentationml/2006/main" matchingName="Section title and description">
+<p:sldLayout xmlns:a="http://schemas.openxmlformats.org/drawingml/2006/main" xmlns:r="http://schemas.openxmlformats.org/officeDocument/2006/relationships" xmlns:mc="http://schemas.openxmlformats.org/markup-compatibility/2006" xmlns:mv="urn:schemas-microsoft-com:mac:vml" xmlns:p="http://schemas.openxmlformats.org/presentationml/2006/main" xmlns:c="http://schemas.openxmlformats.org/drawingml/2006/chart" xmlns:dgm="http://schemas.openxmlformats.org/drawingml/2006/diagram" xmlns:o="urn:schemas-microsoft-com:office:office" xmlns:v="urn:schemas-microsoft-com:vml" xmlns:pvml="urn:schemas-microsoft-com:office:powerpoint" xmlns:com="http://schemas.openxmlformats.org/drawingml/2006/compatibility" xmlns:p14="http://schemas.microsoft.com/office/powerpoint/2010/main" xmlns:p15="http://schemas.microsoft.com/office/powerpoint/2012/main" xmlns:ahyp="http://schemas.microsoft.com/office/drawing/2018/hyperlinkcolor" matchingName="Section title and description">
   <p:cSld name="SECTION_TITLE_AND_DESCRIPTION">
     <p:spTree>
       <p:nvGrpSpPr>
-        <p:cNvPr id="1" name="Shape 35"/>
+        <p:cNvPr id="35" name="Shape 35"/>
         <p:cNvGrpSpPr/>
         <p:nvPr/>
       </p:nvGrpSpPr>
@@ -3930,20 +5323,23 @@
           </a:ln>
         </p:spPr>
         <p:txBody>
-          <a:bodyPr spcFirstLastPara="1" wrap="square" lIns="91425" tIns="91425" rIns="91425" bIns="91425" anchor="ctr" anchorCtr="0">
+          <a:bodyPr anchorCtr="0" anchor="ctr" bIns="91425" lIns="91425" spcFirstLastPara="1" rIns="91425" wrap="square" tIns="91425">
             <a:noAutofit/>
           </a:bodyPr>
           <a:lstStyle/>
           <a:p>
-            <a:pPr marL="0" lvl="0" indent="0" algn="l" rtl="0">
-              <a:spcBef>
-                <a:spcPts val="0"/>
-              </a:spcBef>
-              <a:spcAft>
-                <a:spcPts val="0"/>
-              </a:spcAft>
-              <a:buNone/>
-            </a:pPr>
+            <a:pPr indent="0" lvl="0" marL="0" rtl="0" algn="l">
+              <a:spcBef>
+                <a:spcPts val="0"/>
+              </a:spcBef>
+              <a:spcAft>
+                <a:spcPts val="0"/>
+              </a:spcAft>
+              <a:buNone/>
+            </a:pPr>
+            <a:r>
+              <a:t/>
+            </a:r>
             <a:endParaRPr/>
           </a:p>
         </p:txBody>
@@ -3951,9 +5347,7 @@
       <p:sp>
         <p:nvSpPr>
           <p:cNvPr id="37" name="Google Shape;37;p9"/>
-          <p:cNvSpPr txBox="1">
-            <a:spLocks noGrp="1"/>
-          </p:cNvSpPr>
+          <p:cNvSpPr txBox="1"/>
           <p:nvPr>
             <p:ph type="title"/>
           </p:nvPr>
@@ -3968,7 +5362,7 @@
           </a:prstGeom>
         </p:spPr>
         <p:txBody>
-          <a:bodyPr spcFirstLastPara="1" wrap="square" lIns="91425" tIns="91425" rIns="91425" bIns="91425" anchor="b" anchorCtr="0">
+          <a:bodyPr anchorCtr="0" anchor="b" bIns="91425" lIns="91425" spcFirstLastPara="1" rIns="91425" wrap="square" tIns="91425">
             <a:normAutofit/>
           </a:bodyPr>
           <a:lstStyle>
@@ -4072,19 +5466,15 @@
               <a:defRPr sz="4200"/>
             </a:lvl9pPr>
           </a:lstStyle>
-          <a:p>
-            <a:endParaRPr/>
-          </a:p>
+          <a:p/>
         </p:txBody>
       </p:sp>
       <p:sp>
         <p:nvSpPr>
           <p:cNvPr id="38" name="Google Shape;38;p9"/>
-          <p:cNvSpPr txBox="1">
-            <a:spLocks noGrp="1"/>
-          </p:cNvSpPr>
+          <p:cNvSpPr txBox="1"/>
           <p:nvPr>
-            <p:ph type="subTitle" idx="1"/>
+            <p:ph idx="1" type="subTitle"/>
           </p:nvPr>
         </p:nvSpPr>
         <p:spPr>
@@ -4097,7 +5487,7 @@
           </a:prstGeom>
         </p:spPr>
         <p:txBody>
-          <a:bodyPr spcFirstLastPara="1" wrap="square" lIns="91425" tIns="91425" rIns="91425" bIns="91425" anchor="t" anchorCtr="0">
+          <a:bodyPr anchorCtr="0" anchor="t" bIns="91425" lIns="91425" spcFirstLastPara="1" rIns="91425" wrap="square" tIns="91425">
             <a:normAutofit/>
           </a:bodyPr>
           <a:lstStyle>
@@ -4228,19 +5618,15 @@
               <a:defRPr sz="2100"/>
             </a:lvl9pPr>
           </a:lstStyle>
-          <a:p>
-            <a:endParaRPr/>
-          </a:p>
+          <a:p/>
         </p:txBody>
       </p:sp>
       <p:sp>
         <p:nvSpPr>
           <p:cNvPr id="39" name="Google Shape;39;p9"/>
-          <p:cNvSpPr txBox="1">
-            <a:spLocks noGrp="1"/>
-          </p:cNvSpPr>
+          <p:cNvSpPr txBox="1"/>
           <p:nvPr>
-            <p:ph type="body" idx="2"/>
+            <p:ph idx="2" type="body"/>
           </p:nvPr>
         </p:nvSpPr>
         <p:spPr>
@@ -4253,11 +5639,11 @@
           </a:prstGeom>
         </p:spPr>
         <p:txBody>
-          <a:bodyPr spcFirstLastPara="1" wrap="square" lIns="91425" tIns="91425" rIns="91425" bIns="91425" anchor="ctr" anchorCtr="0">
+          <a:bodyPr anchorCtr="0" anchor="ctr" bIns="91425" lIns="91425" spcFirstLastPara="1" rIns="91425" wrap="square" tIns="91425">
             <a:normAutofit/>
           </a:bodyPr>
           <a:lstStyle>
-            <a:lvl1pPr marL="457200" lvl="0" indent="-342900">
+            <a:lvl1pPr indent="-342900" lvl="0" marL="457200">
               <a:spcBef>
                 <a:spcPts val="0"/>
               </a:spcBef>
@@ -4268,7 +5654,7 @@
               <a:buChar char="●"/>
               <a:defRPr/>
             </a:lvl1pPr>
-            <a:lvl2pPr marL="914400" lvl="1" indent="-317500">
+            <a:lvl2pPr indent="-317500" lvl="1" marL="914400">
               <a:spcBef>
                 <a:spcPts val="0"/>
               </a:spcBef>
@@ -4279,7 +5665,7 @@
               <a:buChar char="○"/>
               <a:defRPr/>
             </a:lvl2pPr>
-            <a:lvl3pPr marL="1371600" lvl="2" indent="-317500">
+            <a:lvl3pPr indent="-317500" lvl="2" marL="1371600">
               <a:spcBef>
                 <a:spcPts val="0"/>
               </a:spcBef>
@@ -4290,7 +5676,7 @@
               <a:buChar char="■"/>
               <a:defRPr/>
             </a:lvl3pPr>
-            <a:lvl4pPr marL="1828800" lvl="3" indent="-317500">
+            <a:lvl4pPr indent="-317500" lvl="3" marL="1828800">
               <a:spcBef>
                 <a:spcPts val="0"/>
               </a:spcBef>
@@ -4301,7 +5687,7 @@
               <a:buChar char="●"/>
               <a:defRPr/>
             </a:lvl4pPr>
-            <a:lvl5pPr marL="2286000" lvl="4" indent="-317500">
+            <a:lvl5pPr indent="-317500" lvl="4" marL="2286000">
               <a:spcBef>
                 <a:spcPts val="0"/>
               </a:spcBef>
@@ -4312,7 +5698,7 @@
               <a:buChar char="○"/>
               <a:defRPr/>
             </a:lvl5pPr>
-            <a:lvl6pPr marL="2743200" lvl="5" indent="-317500">
+            <a:lvl6pPr indent="-317500" lvl="5" marL="2743200">
               <a:spcBef>
                 <a:spcPts val="0"/>
               </a:spcBef>
@@ -4323,7 +5709,7 @@
               <a:buChar char="■"/>
               <a:defRPr/>
             </a:lvl6pPr>
-            <a:lvl7pPr marL="3200400" lvl="6" indent="-317500">
+            <a:lvl7pPr indent="-317500" lvl="6" marL="3200400">
               <a:spcBef>
                 <a:spcPts val="0"/>
               </a:spcBef>
@@ -4334,7 +5720,7 @@
               <a:buChar char="●"/>
               <a:defRPr/>
             </a:lvl7pPr>
-            <a:lvl8pPr marL="3657600" lvl="7" indent="-317500">
+            <a:lvl8pPr indent="-317500" lvl="7" marL="3657600">
               <a:spcBef>
                 <a:spcPts val="0"/>
               </a:spcBef>
@@ -4345,7 +5731,7 @@
               <a:buChar char="○"/>
               <a:defRPr/>
             </a:lvl8pPr>
-            <a:lvl9pPr marL="4114800" lvl="8" indent="-317500">
+            <a:lvl9pPr indent="-317500" lvl="8" marL="4114800">
               <a:spcBef>
                 <a:spcPts val="0"/>
               </a:spcBef>
@@ -4357,19 +5743,15 @@
               <a:defRPr/>
             </a:lvl9pPr>
           </a:lstStyle>
-          <a:p>
-            <a:endParaRPr/>
-          </a:p>
+          <a:p/>
         </p:txBody>
       </p:sp>
       <p:sp>
         <p:nvSpPr>
           <p:cNvPr id="40" name="Google Shape;40;p9"/>
-          <p:cNvSpPr txBox="1">
-            <a:spLocks noGrp="1"/>
-          </p:cNvSpPr>
+          <p:cNvSpPr txBox="1"/>
           <p:nvPr>
-            <p:ph type="sldNum" idx="12"/>
+            <p:ph idx="12" type="sldNum"/>
           </p:nvPr>
         </p:nvSpPr>
         <p:spPr>
@@ -4382,7 +5764,7 @@
           </a:prstGeom>
         </p:spPr>
         <p:txBody>
-          <a:bodyPr spcFirstLastPara="1" wrap="square" lIns="91425" tIns="91425" rIns="91425" bIns="91425" anchor="ctr" anchorCtr="0">
+          <a:bodyPr anchorCtr="0" anchor="ctr" bIns="91425" lIns="91425" spcFirstLastPara="1" rIns="91425" wrap="square" tIns="91425">
             <a:normAutofit/>
           </a:bodyPr>
           <a:lstStyle>
@@ -4424,7 +5806,7 @@
             </a:lvl9pPr>
           </a:lstStyle>
           <a:p>
-            <a:pPr marL="0" lvl="0" indent="0" algn="r" rtl="0">
+            <a:pPr indent="0" lvl="0" marL="0" rtl="0" algn="r">
               <a:spcBef>
                 <a:spcPts val="0"/>
               </a:spcBef>
@@ -4450,11 +5832,11 @@
 </file>
 
 <file path=ppt/slideLayouts/slideLayout9.xml><?xml version="1.0" encoding="utf-8"?>
-<p:sldLayout xmlns:a="http://schemas.openxmlformats.org/drawingml/2006/main" xmlns:r="http://schemas.openxmlformats.org/officeDocument/2006/relationships" xmlns:p="http://schemas.openxmlformats.org/presentationml/2006/main" matchingName="Caption">
+<p:sldLayout xmlns:a="http://schemas.openxmlformats.org/drawingml/2006/main" xmlns:r="http://schemas.openxmlformats.org/officeDocument/2006/relationships" xmlns:mc="http://schemas.openxmlformats.org/markup-compatibility/2006" xmlns:mv="urn:schemas-microsoft-com:mac:vml" xmlns:p="http://schemas.openxmlformats.org/presentationml/2006/main" xmlns:c="http://schemas.openxmlformats.org/drawingml/2006/chart" xmlns:dgm="http://schemas.openxmlformats.org/drawingml/2006/diagram" xmlns:o="urn:schemas-microsoft-com:office:office" xmlns:v="urn:schemas-microsoft-com:vml" xmlns:pvml="urn:schemas-microsoft-com:office:powerpoint" xmlns:com="http://schemas.openxmlformats.org/drawingml/2006/compatibility" xmlns:p14="http://schemas.microsoft.com/office/powerpoint/2010/main" xmlns:p15="http://schemas.microsoft.com/office/powerpoint/2012/main" xmlns:ahyp="http://schemas.microsoft.com/office/drawing/2018/hyperlinkcolor" matchingName="Caption">
   <p:cSld name="CAPTION_ONLY">
     <p:spTree>
       <p:nvGrpSpPr>
-        <p:cNvPr id="1" name="Shape 41"/>
+        <p:cNvPr id="41" name="Shape 41"/>
         <p:cNvGrpSpPr/>
         <p:nvPr/>
       </p:nvGrpSpPr>
@@ -4469,11 +5851,9 @@
       <p:sp>
         <p:nvSpPr>
           <p:cNvPr id="42" name="Google Shape;42;p10"/>
-          <p:cNvSpPr txBox="1">
-            <a:spLocks noGrp="1"/>
-          </p:cNvSpPr>
+          <p:cNvSpPr txBox="1"/>
           <p:nvPr>
-            <p:ph type="body" idx="1"/>
+            <p:ph idx="1" type="body"/>
           </p:nvPr>
         </p:nvSpPr>
         <p:spPr>
@@ -4486,11 +5866,11 @@
           </a:prstGeom>
         </p:spPr>
         <p:txBody>
-          <a:bodyPr spcFirstLastPara="1" wrap="square" lIns="91425" tIns="91425" rIns="91425" bIns="91425" anchor="ctr" anchorCtr="0">
+          <a:bodyPr anchorCtr="0" anchor="ctr" bIns="91425" lIns="91425" spcFirstLastPara="1" rIns="91425" wrap="square" tIns="91425">
             <a:normAutofit/>
           </a:bodyPr>
           <a:lstStyle>
-            <a:lvl1pPr marL="457200" lvl="0" indent="-228600">
+            <a:lvl1pPr indent="-228600" lvl="0" marL="457200">
               <a:lnSpc>
                 <a:spcPct val="100000"/>
               </a:lnSpc>
@@ -4505,19 +5885,15 @@
               <a:defRPr/>
             </a:lvl1pPr>
           </a:lstStyle>
-          <a:p>
-            <a:endParaRPr/>
-          </a:p>
+          <a:p/>
         </p:txBody>
       </p:sp>
       <p:sp>
         <p:nvSpPr>
           <p:cNvPr id="43" name="Google Shape;43;p10"/>
-          <p:cNvSpPr txBox="1">
-            <a:spLocks noGrp="1"/>
-          </p:cNvSpPr>
+          <p:cNvSpPr txBox="1"/>
           <p:nvPr>
-            <p:ph type="sldNum" idx="12"/>
+            <p:ph idx="12" type="sldNum"/>
           </p:nvPr>
         </p:nvSpPr>
         <p:spPr>
@@ -4530,7 +5906,7 @@
           </a:prstGeom>
         </p:spPr>
         <p:txBody>
-          <a:bodyPr spcFirstLastPara="1" wrap="square" lIns="91425" tIns="91425" rIns="91425" bIns="91425" anchor="ctr" anchorCtr="0">
+          <a:bodyPr anchorCtr="0" anchor="ctr" bIns="91425" lIns="91425" spcFirstLastPara="1" rIns="91425" wrap="square" tIns="91425">
             <a:normAutofit/>
           </a:bodyPr>
           <a:lstStyle>
@@ -4572,7 +5948,7 @@
             </a:lvl9pPr>
           </a:lstStyle>
           <a:p>
-            <a:pPr marL="0" lvl="0" indent="0" algn="r" rtl="0">
+            <a:pPr indent="0" lvl="0" marL="0" rtl="0" algn="r">
               <a:spcBef>
                 <a:spcPts val="0"/>
               </a:spcBef>
@@ -4598,19 +5974,18 @@
 </file>
 
 <file path=ppt/slideMasters/slideMaster1.xml><?xml version="1.0" encoding="utf-8"?>
-<p:sldMaster xmlns:a="http://schemas.openxmlformats.org/drawingml/2006/main" xmlns:r="http://schemas.openxmlformats.org/officeDocument/2006/relationships" xmlns:p="http://schemas.openxmlformats.org/presentationml/2006/main">
+<p:sldMaster xmlns:a="http://schemas.openxmlformats.org/drawingml/2006/main" xmlns:r="http://schemas.openxmlformats.org/officeDocument/2006/relationships" xmlns:mc="http://schemas.openxmlformats.org/markup-compatibility/2006" xmlns:mv="urn:schemas-microsoft-com:mac:vml" xmlns:p="http://schemas.openxmlformats.org/presentationml/2006/main" xmlns:c="http://schemas.openxmlformats.org/drawingml/2006/chart" xmlns:dgm="http://schemas.openxmlformats.org/drawingml/2006/diagram" xmlns:o="urn:schemas-microsoft-com:office:office" xmlns:v="urn:schemas-microsoft-com:vml" xmlns:pvml="urn:schemas-microsoft-com:office:powerpoint" xmlns:com="http://schemas.openxmlformats.org/drawingml/2006/compatibility" xmlns:p14="http://schemas.microsoft.com/office/powerpoint/2010/main" xmlns:p15="http://schemas.microsoft.com/office/powerpoint/2012/main" xmlns:ahyp="http://schemas.microsoft.com/office/drawing/2018/hyperlinkcolor">
   <p:cSld name="simple-light-2">
     <p:bg>
       <p:bgPr>
         <a:solidFill>
           <a:schemeClr val="lt1"/>
         </a:solidFill>
-        <a:effectLst/>
       </p:bgPr>
     </p:bg>
     <p:spTree>
       <p:nvGrpSpPr>
-        <p:cNvPr id="1" name="Shape 5"/>
+        <p:cNvPr id="5" name="Shape 5"/>
         <p:cNvGrpSpPr/>
         <p:nvPr/>
       </p:nvGrpSpPr>
@@ -4625,9 +6000,7 @@
       <p:sp>
         <p:nvSpPr>
           <p:cNvPr id="6" name="Google Shape;6;p1"/>
-          <p:cNvSpPr txBox="1">
-            <a:spLocks noGrp="1"/>
-          </p:cNvSpPr>
+          <p:cNvSpPr txBox="1"/>
           <p:nvPr>
             <p:ph type="title"/>
           </p:nvPr>
@@ -4646,7 +6019,7 @@
           </a:ln>
         </p:spPr>
         <p:txBody>
-          <a:bodyPr spcFirstLastPara="1" wrap="square" lIns="91425" tIns="91425" rIns="91425" bIns="91425" anchor="t" anchorCtr="0">
+          <a:bodyPr anchorCtr="0" anchor="t" bIns="91425" lIns="91425" spcFirstLastPara="1" rIns="91425" wrap="square" tIns="91425">
             <a:normAutofit/>
           </a:bodyPr>
           <a:lstStyle>
@@ -4813,19 +6186,15 @@
               </a:defRPr>
             </a:lvl9pPr>
           </a:lstStyle>
-          <a:p>
-            <a:endParaRPr/>
-          </a:p>
+          <a:p/>
         </p:txBody>
       </p:sp>
       <p:sp>
         <p:nvSpPr>
           <p:cNvPr id="7" name="Google Shape;7;p1"/>
-          <p:cNvSpPr txBox="1">
-            <a:spLocks noGrp="1"/>
-          </p:cNvSpPr>
+          <p:cNvSpPr txBox="1"/>
           <p:nvPr>
-            <p:ph type="body" idx="1"/>
+            <p:ph idx="1" type="body"/>
           </p:nvPr>
         </p:nvSpPr>
         <p:spPr>
@@ -4842,11 +6211,11 @@
           </a:ln>
         </p:spPr>
         <p:txBody>
-          <a:bodyPr spcFirstLastPara="1" wrap="square" lIns="91425" tIns="91425" rIns="91425" bIns="91425" anchor="t" anchorCtr="0">
+          <a:bodyPr anchorCtr="0" anchor="t" bIns="91425" lIns="91425" spcFirstLastPara="1" rIns="91425" wrap="square" tIns="91425">
             <a:normAutofit/>
           </a:bodyPr>
           <a:lstStyle>
-            <a:lvl1pPr marL="457200" lvl="0" indent="-342900">
+            <a:lvl1pPr indent="-342900" lvl="0" marL="457200">
               <a:lnSpc>
                 <a:spcPct val="115000"/>
               </a:lnSpc>
@@ -4867,7 +6236,7 @@
                 </a:solidFill>
               </a:defRPr>
             </a:lvl1pPr>
-            <a:lvl2pPr marL="914400" lvl="1" indent="-317500">
+            <a:lvl2pPr indent="-317500" lvl="1" marL="914400">
               <a:lnSpc>
                 <a:spcPct val="115000"/>
               </a:lnSpc>
@@ -4888,7 +6257,7 @@
                 </a:solidFill>
               </a:defRPr>
             </a:lvl2pPr>
-            <a:lvl3pPr marL="1371600" lvl="2" indent="-317500">
+            <a:lvl3pPr indent="-317500" lvl="2" marL="1371600">
               <a:lnSpc>
                 <a:spcPct val="115000"/>
               </a:lnSpc>
@@ -4909,7 +6278,7 @@
                 </a:solidFill>
               </a:defRPr>
             </a:lvl3pPr>
-            <a:lvl4pPr marL="1828800" lvl="3" indent="-317500">
+            <a:lvl4pPr indent="-317500" lvl="3" marL="1828800">
               <a:lnSpc>
                 <a:spcPct val="115000"/>
               </a:lnSpc>
@@ -4930,7 +6299,7 @@
                 </a:solidFill>
               </a:defRPr>
             </a:lvl4pPr>
-            <a:lvl5pPr marL="2286000" lvl="4" indent="-317500">
+            <a:lvl5pPr indent="-317500" lvl="4" marL="2286000">
               <a:lnSpc>
                 <a:spcPct val="115000"/>
               </a:lnSpc>
@@ -4951,7 +6320,7 @@
                 </a:solidFill>
               </a:defRPr>
             </a:lvl5pPr>
-            <a:lvl6pPr marL="2743200" lvl="5" indent="-317500">
+            <a:lvl6pPr indent="-317500" lvl="5" marL="2743200">
               <a:lnSpc>
                 <a:spcPct val="115000"/>
               </a:lnSpc>
@@ -4972,7 +6341,7 @@
                 </a:solidFill>
               </a:defRPr>
             </a:lvl6pPr>
-            <a:lvl7pPr marL="3200400" lvl="6" indent="-317500">
+            <a:lvl7pPr indent="-317500" lvl="6" marL="3200400">
               <a:lnSpc>
                 <a:spcPct val="115000"/>
               </a:lnSpc>
@@ -4993,7 +6362,7 @@
                 </a:solidFill>
               </a:defRPr>
             </a:lvl7pPr>
-            <a:lvl8pPr marL="3657600" lvl="7" indent="-317500">
+            <a:lvl8pPr indent="-317500" lvl="7" marL="3657600">
               <a:lnSpc>
                 <a:spcPct val="115000"/>
               </a:lnSpc>
@@ -5014,7 +6383,7 @@
                 </a:solidFill>
               </a:defRPr>
             </a:lvl8pPr>
-            <a:lvl9pPr marL="4114800" lvl="8" indent="-317500">
+            <a:lvl9pPr indent="-317500" lvl="8" marL="4114800">
               <a:lnSpc>
                 <a:spcPct val="115000"/>
               </a:lnSpc>
@@ -5036,19 +6405,15 @@
               </a:defRPr>
             </a:lvl9pPr>
           </a:lstStyle>
-          <a:p>
-            <a:endParaRPr/>
-          </a:p>
+          <a:p/>
         </p:txBody>
       </p:sp>
       <p:sp>
         <p:nvSpPr>
           <p:cNvPr id="8" name="Google Shape;8;p1"/>
-          <p:cNvSpPr txBox="1">
-            <a:spLocks noGrp="1"/>
-          </p:cNvSpPr>
+          <p:cNvSpPr txBox="1"/>
           <p:nvPr>
-            <p:ph type="sldNum" idx="12"/>
+            <p:ph idx="12" type="sldNum"/>
           </p:nvPr>
         </p:nvSpPr>
         <p:spPr>
@@ -5065,7 +6430,7 @@
           </a:ln>
         </p:spPr>
         <p:txBody>
-          <a:bodyPr spcFirstLastPara="1" wrap="square" lIns="91425" tIns="91425" rIns="91425" bIns="91425" anchor="ctr" anchorCtr="0">
+          <a:bodyPr anchorCtr="0" anchor="ctr" bIns="91425" lIns="91425" spcFirstLastPara="1" rIns="91425" wrap="square" tIns="91425">
             <a:normAutofit/>
           </a:bodyPr>
           <a:lstStyle>
@@ -5143,7 +6508,7 @@
             </a:lvl9pPr>
           </a:lstStyle>
           <a:p>
-            <a:pPr marL="0" lvl="0" indent="0" algn="r" rtl="0">
+            <a:pPr indent="0" lvl="0" marL="0" rtl="0" algn="r">
               <a:spcBef>
                 <a:spcPts val="0"/>
               </a:spcBef>
@@ -5162,7 +6527,7 @@
       </p:sp>
     </p:spTree>
   </p:cSld>
-  <p:clrMap bg1="lt1" tx1="dk1" bg2="dk2" tx2="lt2" accent1="accent1" accent2="accent2" accent3="accent3" accent4="accent4" accent5="accent5" accent6="accent6" hlink="hlink" folHlink="folHlink"/>
+  <p:clrMap accent1="accent1" accent2="accent2" accent3="accent3" accent4="accent4" accent5="accent5" accent6="accent6" bg1="lt1" bg2="dk2" tx1="dk1" tx2="lt2" folHlink="folHlink" hlink="hlink"/>
   <p:sldLayoutIdLst>
     <p:sldLayoutId id="2147483648" r:id="rId1"/>
     <p:sldLayoutId id="2147483649" r:id="rId2"/>
@@ -5176,10 +6541,10 @@
     <p:sldLayoutId id="2147483657" r:id="rId10"/>
     <p:sldLayoutId id="2147483658" r:id="rId11"/>
   </p:sldLayoutIdLst>
-  <p:hf sldNum="0" hdr="0" ftr="0" dt="0"/>
+  <p:hf dt="0" ftr="0" hdr="0" sldNum="0"/>
   <p:txStyles>
     <p:titleStyle>
-      <a:defPPr marR="0" lvl="0" algn="l" rtl="0">
+      <a:defPPr lvl="0" marR="0" rtl="0" algn="l">
         <a:lnSpc>
           <a:spcPct val="100000"/>
         </a:lnSpc>
@@ -5190,7 +6555,7 @@
           <a:spcPts val="0"/>
         </a:spcAft>
       </a:defPPr>
-      <a:lvl1pPr marR="0" lvl="0" algn="l" rtl="0">
+      <a:lvl1pPr lvl="0" marR="0" rtl="0" algn="l">
         <a:lnSpc>
           <a:spcPct val="100000"/>
         </a:lnSpc>
@@ -5204,7 +6569,7 @@
           <a:srgbClr val="000000"/>
         </a:buClr>
         <a:buFont typeface="Arial"/>
-        <a:defRPr sz="1400" b="0" i="0" u="none" strike="noStrike" cap="none">
+        <a:defRPr b="0" i="0" sz="1400" u="none" cap="none" strike="noStrike">
           <a:solidFill>
             <a:srgbClr val="000000"/>
           </a:solidFill>
@@ -5214,7 +6579,7 @@
           <a:sym typeface="Arial"/>
         </a:defRPr>
       </a:lvl1pPr>
-      <a:lvl2pPr marR="0" lvl="1" algn="l" rtl="0">
+      <a:lvl2pPr lvl="1" marR="0" rtl="0" algn="l">
         <a:lnSpc>
           <a:spcPct val="100000"/>
         </a:lnSpc>
@@ -5228,7 +6593,7 @@
           <a:srgbClr val="000000"/>
         </a:buClr>
         <a:buFont typeface="Arial"/>
-        <a:defRPr sz="1400" b="0" i="0" u="none" strike="noStrike" cap="none">
+        <a:defRPr b="0" i="0" sz="1400" u="none" cap="none" strike="noStrike">
           <a:solidFill>
             <a:srgbClr val="000000"/>
           </a:solidFill>
@@ -5238,7 +6603,7 @@
           <a:sym typeface="Arial"/>
         </a:defRPr>
       </a:lvl2pPr>
-      <a:lvl3pPr marR="0" lvl="2" algn="l" rtl="0">
+      <a:lvl3pPr lvl="2" marR="0" rtl="0" algn="l">
         <a:lnSpc>
           <a:spcPct val="100000"/>
         </a:lnSpc>
@@ -5252,7 +6617,7 @@
           <a:srgbClr val="000000"/>
         </a:buClr>
         <a:buFont typeface="Arial"/>
-        <a:defRPr sz="1400" b="0" i="0" u="none" strike="noStrike" cap="none">
+        <a:defRPr b="0" i="0" sz="1400" u="none" cap="none" strike="noStrike">
           <a:solidFill>
             <a:srgbClr val="000000"/>
           </a:solidFill>
@@ -5262,7 +6627,7 @@
           <a:sym typeface="Arial"/>
         </a:defRPr>
       </a:lvl3pPr>
-      <a:lvl4pPr marR="0" lvl="3" algn="l" rtl="0">
+      <a:lvl4pPr lvl="3" marR="0" rtl="0" algn="l">
         <a:lnSpc>
           <a:spcPct val="100000"/>
         </a:lnSpc>
@@ -5276,7 +6641,7 @@
           <a:srgbClr val="000000"/>
         </a:buClr>
         <a:buFont typeface="Arial"/>
-        <a:defRPr sz="1400" b="0" i="0" u="none" strike="noStrike" cap="none">
+        <a:defRPr b="0" i="0" sz="1400" u="none" cap="none" strike="noStrike">
           <a:solidFill>
             <a:srgbClr val="000000"/>
           </a:solidFill>
@@ -5286,7 +6651,7 @@
           <a:sym typeface="Arial"/>
         </a:defRPr>
       </a:lvl4pPr>
-      <a:lvl5pPr marR="0" lvl="4" algn="l" rtl="0">
+      <a:lvl5pPr lvl="4" marR="0" rtl="0" algn="l">
         <a:lnSpc>
           <a:spcPct val="100000"/>
         </a:lnSpc>
@@ -5300,7 +6665,7 @@
           <a:srgbClr val="000000"/>
         </a:buClr>
         <a:buFont typeface="Arial"/>
-        <a:defRPr sz="1400" b="0" i="0" u="none" strike="noStrike" cap="none">
+        <a:defRPr b="0" i="0" sz="1400" u="none" cap="none" strike="noStrike">
           <a:solidFill>
             <a:srgbClr val="000000"/>
           </a:solidFill>
@@ -5310,7 +6675,7 @@
           <a:sym typeface="Arial"/>
         </a:defRPr>
       </a:lvl5pPr>
-      <a:lvl6pPr marR="0" lvl="5" algn="l" rtl="0">
+      <a:lvl6pPr lvl="5" marR="0" rtl="0" algn="l">
         <a:lnSpc>
           <a:spcPct val="100000"/>
         </a:lnSpc>
@@ -5324,7 +6689,7 @@
           <a:srgbClr val="000000"/>
         </a:buClr>
         <a:buFont typeface="Arial"/>
-        <a:defRPr sz="1400" b="0" i="0" u="none" strike="noStrike" cap="none">
+        <a:defRPr b="0" i="0" sz="1400" u="none" cap="none" strike="noStrike">
           <a:solidFill>
             <a:srgbClr val="000000"/>
           </a:solidFill>
@@ -5334,7 +6699,7 @@
           <a:sym typeface="Arial"/>
         </a:defRPr>
       </a:lvl6pPr>
-      <a:lvl7pPr marR="0" lvl="6" algn="l" rtl="0">
+      <a:lvl7pPr lvl="6" marR="0" rtl="0" algn="l">
         <a:lnSpc>
           <a:spcPct val="100000"/>
         </a:lnSpc>
@@ -5348,7 +6713,7 @@
           <a:srgbClr val="000000"/>
         </a:buClr>
         <a:buFont typeface="Arial"/>
-        <a:defRPr sz="1400" b="0" i="0" u="none" strike="noStrike" cap="none">
+        <a:defRPr b="0" i="0" sz="1400" u="none" cap="none" strike="noStrike">
           <a:solidFill>
             <a:srgbClr val="000000"/>
           </a:solidFill>
@@ -5358,7 +6723,7 @@
           <a:sym typeface="Arial"/>
         </a:defRPr>
       </a:lvl7pPr>
-      <a:lvl8pPr marR="0" lvl="7" algn="l" rtl="0">
+      <a:lvl8pPr lvl="7" marR="0" rtl="0" algn="l">
         <a:lnSpc>
           <a:spcPct val="100000"/>
         </a:lnSpc>
@@ -5372,7 +6737,7 @@
           <a:srgbClr val="000000"/>
         </a:buClr>
         <a:buFont typeface="Arial"/>
-        <a:defRPr sz="1400" b="0" i="0" u="none" strike="noStrike" cap="none">
+        <a:defRPr b="0" i="0" sz="1400" u="none" cap="none" strike="noStrike">
           <a:solidFill>
             <a:srgbClr val="000000"/>
           </a:solidFill>
@@ -5382,7 +6747,7 @@
           <a:sym typeface="Arial"/>
         </a:defRPr>
       </a:lvl8pPr>
-      <a:lvl9pPr marR="0" lvl="8" algn="l" rtl="0">
+      <a:lvl9pPr lvl="8" marR="0" rtl="0" algn="l">
         <a:lnSpc>
           <a:spcPct val="100000"/>
         </a:lnSpc>
@@ -5396,7 +6761,7 @@
           <a:srgbClr val="000000"/>
         </a:buClr>
         <a:buFont typeface="Arial"/>
-        <a:defRPr sz="1400" b="0" i="0" u="none" strike="noStrike" cap="none">
+        <a:defRPr b="0" i="0" sz="1400" u="none" cap="none" strike="noStrike">
           <a:solidFill>
             <a:srgbClr val="000000"/>
           </a:solidFill>
@@ -5408,7 +6773,7 @@
       </a:lvl9pPr>
     </p:titleStyle>
     <p:bodyStyle>
-      <a:defPPr marR="0" lvl="0" algn="l" rtl="0">
+      <a:defPPr lvl="0" marR="0" rtl="0" algn="l">
         <a:lnSpc>
           <a:spcPct val="100000"/>
         </a:lnSpc>
@@ -5419,7 +6784,7 @@
           <a:spcPts val="0"/>
         </a:spcAft>
       </a:defPPr>
-      <a:lvl1pPr marR="0" lvl="0" algn="l" rtl="0">
+      <a:lvl1pPr lvl="0" marR="0" rtl="0" algn="l">
         <a:lnSpc>
           <a:spcPct val="100000"/>
         </a:lnSpc>
@@ -5433,7 +6798,7 @@
           <a:srgbClr val="000000"/>
         </a:buClr>
         <a:buFont typeface="Arial"/>
-        <a:defRPr sz="1400" b="0" i="0" u="none" strike="noStrike" cap="none">
+        <a:defRPr b="0" i="0" sz="1400" u="none" cap="none" strike="noStrike">
           <a:solidFill>
             <a:srgbClr val="000000"/>
           </a:solidFill>
@@ -5443,7 +6808,7 @@
           <a:sym typeface="Arial"/>
         </a:defRPr>
       </a:lvl1pPr>
-      <a:lvl2pPr marR="0" lvl="1" algn="l" rtl="0">
+      <a:lvl2pPr lvl="1" marR="0" rtl="0" algn="l">
         <a:lnSpc>
           <a:spcPct val="100000"/>
         </a:lnSpc>
@@ -5457,7 +6822,7 @@
           <a:srgbClr val="000000"/>
         </a:buClr>
         <a:buFont typeface="Arial"/>
-        <a:defRPr sz="1400" b="0" i="0" u="none" strike="noStrike" cap="none">
+        <a:defRPr b="0" i="0" sz="1400" u="none" cap="none" strike="noStrike">
           <a:solidFill>
             <a:srgbClr val="000000"/>
           </a:solidFill>
@@ -5467,7 +6832,7 @@
           <a:sym typeface="Arial"/>
         </a:defRPr>
       </a:lvl2pPr>
-      <a:lvl3pPr marR="0" lvl="2" algn="l" rtl="0">
+      <a:lvl3pPr lvl="2" marR="0" rtl="0" algn="l">
         <a:lnSpc>
           <a:spcPct val="100000"/>
         </a:lnSpc>
@@ -5481,7 +6846,7 @@
           <a:srgbClr val="000000"/>
         </a:buClr>
         <a:buFont typeface="Arial"/>
-        <a:defRPr sz="1400" b="0" i="0" u="none" strike="noStrike" cap="none">
+        <a:defRPr b="0" i="0" sz="1400" u="none" cap="none" strike="noStrike">
           <a:solidFill>
             <a:srgbClr val="000000"/>
           </a:solidFill>
@@ -5491,7 +6856,7 @@
           <a:sym typeface="Arial"/>
         </a:defRPr>
       </a:lvl3pPr>
-      <a:lvl4pPr marR="0" lvl="3" algn="l" rtl="0">
+      <a:lvl4pPr lvl="3" marR="0" rtl="0" algn="l">
         <a:lnSpc>
           <a:spcPct val="100000"/>
         </a:lnSpc>
@@ -5505,7 +6870,7 @@
           <a:srgbClr val="000000"/>
         </a:buClr>
         <a:buFont typeface="Arial"/>
-        <a:defRPr sz="1400" b="0" i="0" u="none" strike="noStrike" cap="none">
+        <a:defRPr b="0" i="0" sz="1400" u="none" cap="none" strike="noStrike">
           <a:solidFill>
             <a:srgbClr val="000000"/>
           </a:solidFill>
@@ -5515,7 +6880,7 @@
           <a:sym typeface="Arial"/>
         </a:defRPr>
       </a:lvl4pPr>
-      <a:lvl5pPr marR="0" lvl="4" algn="l" rtl="0">
+      <a:lvl5pPr lvl="4" marR="0" rtl="0" algn="l">
         <a:lnSpc>
           <a:spcPct val="100000"/>
         </a:lnSpc>
@@ -5529,7 +6894,7 @@
           <a:srgbClr val="000000"/>
         </a:buClr>
         <a:buFont typeface="Arial"/>
-        <a:defRPr sz="1400" b="0" i="0" u="none" strike="noStrike" cap="none">
+        <a:defRPr b="0" i="0" sz="1400" u="none" cap="none" strike="noStrike">
           <a:solidFill>
             <a:srgbClr val="000000"/>
           </a:solidFill>
@@ -5539,7 +6904,7 @@
           <a:sym typeface="Arial"/>
         </a:defRPr>
       </a:lvl5pPr>
-      <a:lvl6pPr marR="0" lvl="5" algn="l" rtl="0">
+      <a:lvl6pPr lvl="5" marR="0" rtl="0" algn="l">
         <a:lnSpc>
           <a:spcPct val="100000"/>
         </a:lnSpc>
@@ -5553,7 +6918,7 @@
           <a:srgbClr val="000000"/>
         </a:buClr>
         <a:buFont typeface="Arial"/>
-        <a:defRPr sz="1400" b="0" i="0" u="none" strike="noStrike" cap="none">
+        <a:defRPr b="0" i="0" sz="1400" u="none" cap="none" strike="noStrike">
           <a:solidFill>
             <a:srgbClr val="000000"/>
           </a:solidFill>
@@ -5563,7 +6928,7 @@
           <a:sym typeface="Arial"/>
         </a:defRPr>
       </a:lvl6pPr>
-      <a:lvl7pPr marR="0" lvl="6" algn="l" rtl="0">
+      <a:lvl7pPr lvl="6" marR="0" rtl="0" algn="l">
         <a:lnSpc>
           <a:spcPct val="100000"/>
         </a:lnSpc>
@@ -5577,7 +6942,7 @@
           <a:srgbClr val="000000"/>
         </a:buClr>
         <a:buFont typeface="Arial"/>
-        <a:defRPr sz="1400" b="0" i="0" u="none" strike="noStrike" cap="none">
+        <a:defRPr b="0" i="0" sz="1400" u="none" cap="none" strike="noStrike">
           <a:solidFill>
             <a:srgbClr val="000000"/>
           </a:solidFill>
@@ -5587,7 +6952,7 @@
           <a:sym typeface="Arial"/>
         </a:defRPr>
       </a:lvl7pPr>
-      <a:lvl8pPr marR="0" lvl="7" algn="l" rtl="0">
+      <a:lvl8pPr lvl="7" marR="0" rtl="0" algn="l">
         <a:lnSpc>
           <a:spcPct val="100000"/>
         </a:lnSpc>
@@ -5601,7 +6966,7 @@
           <a:srgbClr val="000000"/>
         </a:buClr>
         <a:buFont typeface="Arial"/>
-        <a:defRPr sz="1400" b="0" i="0" u="none" strike="noStrike" cap="none">
+        <a:defRPr b="0" i="0" sz="1400" u="none" cap="none" strike="noStrike">
           <a:solidFill>
             <a:srgbClr val="000000"/>
           </a:solidFill>
@@ -5611,7 +6976,7 @@
           <a:sym typeface="Arial"/>
         </a:defRPr>
       </a:lvl8pPr>
-      <a:lvl9pPr marR="0" lvl="8" algn="l" rtl="0">
+      <a:lvl9pPr lvl="8" marR="0" rtl="0" algn="l">
         <a:lnSpc>
           <a:spcPct val="100000"/>
         </a:lnSpc>
@@ -5625,7 +6990,7 @@
           <a:srgbClr val="000000"/>
         </a:buClr>
         <a:buFont typeface="Arial"/>
-        <a:defRPr sz="1400" b="0" i="0" u="none" strike="noStrike" cap="none">
+        <a:defRPr b="0" i="0" sz="1400" u="none" cap="none" strike="noStrike">
           <a:solidFill>
             <a:srgbClr val="000000"/>
           </a:solidFill>
@@ -5637,7 +7002,7 @@
       </a:lvl9pPr>
     </p:bodyStyle>
     <p:otherStyle>
-      <a:defPPr marR="0" lvl="0" algn="l" rtl="0">
+      <a:defPPr lvl="0" marR="0" rtl="0" algn="l">
         <a:lnSpc>
           <a:spcPct val="100000"/>
         </a:lnSpc>
@@ -5648,7 +7013,7 @@
           <a:spcPts val="0"/>
         </a:spcAft>
       </a:defPPr>
-      <a:lvl1pPr marR="0" lvl="0" algn="l" rtl="0">
+      <a:lvl1pPr lvl="0" marR="0" rtl="0" algn="l">
         <a:lnSpc>
           <a:spcPct val="100000"/>
         </a:lnSpc>
@@ -5662,7 +7027,7 @@
           <a:srgbClr val="000000"/>
         </a:buClr>
         <a:buFont typeface="Arial"/>
-        <a:defRPr sz="1400" b="0" i="0" u="none" strike="noStrike" cap="none">
+        <a:defRPr b="0" i="0" sz="1400" u="none" cap="none" strike="noStrike">
           <a:solidFill>
             <a:srgbClr val="000000"/>
           </a:solidFill>
@@ -5672,7 +7037,7 @@
           <a:sym typeface="Arial"/>
         </a:defRPr>
       </a:lvl1pPr>
-      <a:lvl2pPr marR="0" lvl="1" algn="l" rtl="0">
+      <a:lvl2pPr lvl="1" marR="0" rtl="0" algn="l">
         <a:lnSpc>
           <a:spcPct val="100000"/>
         </a:lnSpc>
@@ -5686,7 +7051,7 @@
           <a:srgbClr val="000000"/>
         </a:buClr>
         <a:buFont typeface="Arial"/>
-        <a:defRPr sz="1400" b="0" i="0" u="none" strike="noStrike" cap="none">
+        <a:defRPr b="0" i="0" sz="1400" u="none" cap="none" strike="noStrike">
           <a:solidFill>
             <a:srgbClr val="000000"/>
           </a:solidFill>
@@ -5696,7 +7061,7 @@
           <a:sym typeface="Arial"/>
         </a:defRPr>
       </a:lvl2pPr>
-      <a:lvl3pPr marR="0" lvl="2" algn="l" rtl="0">
+      <a:lvl3pPr lvl="2" marR="0" rtl="0" algn="l">
         <a:lnSpc>
           <a:spcPct val="100000"/>
         </a:lnSpc>
@@ -5710,7 +7075,7 @@
           <a:srgbClr val="000000"/>
         </a:buClr>
         <a:buFont typeface="Arial"/>
-        <a:defRPr sz="1400" b="0" i="0" u="none" strike="noStrike" cap="none">
+        <a:defRPr b="0" i="0" sz="1400" u="none" cap="none" strike="noStrike">
           <a:solidFill>
             <a:srgbClr val="000000"/>
           </a:solidFill>
@@ -5720,7 +7085,7 @@
           <a:sym typeface="Arial"/>
         </a:defRPr>
       </a:lvl3pPr>
-      <a:lvl4pPr marR="0" lvl="3" algn="l" rtl="0">
+      <a:lvl4pPr lvl="3" marR="0" rtl="0" algn="l">
         <a:lnSpc>
           <a:spcPct val="100000"/>
         </a:lnSpc>
@@ -5734,7 +7099,7 @@
           <a:srgbClr val="000000"/>
         </a:buClr>
         <a:buFont typeface="Arial"/>
-        <a:defRPr sz="1400" b="0" i="0" u="none" strike="noStrike" cap="none">
+        <a:defRPr b="0" i="0" sz="1400" u="none" cap="none" strike="noStrike">
           <a:solidFill>
             <a:srgbClr val="000000"/>
           </a:solidFill>
@@ -5744,7 +7109,7 @@
           <a:sym typeface="Arial"/>
         </a:defRPr>
       </a:lvl4pPr>
-      <a:lvl5pPr marR="0" lvl="4" algn="l" rtl="0">
+      <a:lvl5pPr lvl="4" marR="0" rtl="0" algn="l">
         <a:lnSpc>
           <a:spcPct val="100000"/>
         </a:lnSpc>
@@ -5758,7 +7123,7 @@
           <a:srgbClr val="000000"/>
         </a:buClr>
         <a:buFont typeface="Arial"/>
-        <a:defRPr sz="1400" b="0" i="0" u="none" strike="noStrike" cap="none">
+        <a:defRPr b="0" i="0" sz="1400" u="none" cap="none" strike="noStrike">
           <a:solidFill>
             <a:srgbClr val="000000"/>
           </a:solidFill>
@@ -5768,7 +7133,7 @@
           <a:sym typeface="Arial"/>
         </a:defRPr>
       </a:lvl5pPr>
-      <a:lvl6pPr marR="0" lvl="5" algn="l" rtl="0">
+      <a:lvl6pPr lvl="5" marR="0" rtl="0" algn="l">
         <a:lnSpc>
           <a:spcPct val="100000"/>
         </a:lnSpc>
@@ -5782,7 +7147,7 @@
           <a:srgbClr val="000000"/>
         </a:buClr>
         <a:buFont typeface="Arial"/>
-        <a:defRPr sz="1400" b="0" i="0" u="none" strike="noStrike" cap="none">
+        <a:defRPr b="0" i="0" sz="1400" u="none" cap="none" strike="noStrike">
           <a:solidFill>
             <a:srgbClr val="000000"/>
           </a:solidFill>
@@ -5792,7 +7157,7 @@
           <a:sym typeface="Arial"/>
         </a:defRPr>
       </a:lvl6pPr>
-      <a:lvl7pPr marR="0" lvl="6" algn="l" rtl="0">
+      <a:lvl7pPr lvl="6" marR="0" rtl="0" algn="l">
         <a:lnSpc>
           <a:spcPct val="100000"/>
         </a:lnSpc>
@@ -5806,7 +7171,7 @@
           <a:srgbClr val="000000"/>
         </a:buClr>
         <a:buFont typeface="Arial"/>
-        <a:defRPr sz="1400" b="0" i="0" u="none" strike="noStrike" cap="none">
+        <a:defRPr b="0" i="0" sz="1400" u="none" cap="none" strike="noStrike">
           <a:solidFill>
             <a:srgbClr val="000000"/>
           </a:solidFill>
@@ -5816,7 +7181,7 @@
           <a:sym typeface="Arial"/>
         </a:defRPr>
       </a:lvl7pPr>
-      <a:lvl8pPr marR="0" lvl="7" algn="l" rtl="0">
+      <a:lvl8pPr lvl="7" marR="0" rtl="0" algn="l">
         <a:lnSpc>
           <a:spcPct val="100000"/>
         </a:lnSpc>
@@ -5830,7 +7195,7 @@
           <a:srgbClr val="000000"/>
         </a:buClr>
         <a:buFont typeface="Arial"/>
-        <a:defRPr sz="1400" b="0" i="0" u="none" strike="noStrike" cap="none">
+        <a:defRPr b="0" i="0" sz="1400" u="none" cap="none" strike="noStrike">
           <a:solidFill>
             <a:srgbClr val="000000"/>
           </a:solidFill>
@@ -5840,7 +7205,7 @@
           <a:sym typeface="Arial"/>
         </a:defRPr>
       </a:lvl8pPr>
-      <a:lvl9pPr marR="0" lvl="8" algn="l" rtl="0">
+      <a:lvl9pPr lvl="8" marR="0" rtl="0" algn="l">
         <a:lnSpc>
           <a:spcPct val="100000"/>
         </a:lnSpc>
@@ -5854,7 +7219,7 @@
           <a:srgbClr val="000000"/>
         </a:buClr>
         <a:buFont typeface="Arial"/>
-        <a:defRPr sz="1400" b="0" i="0" u="none" strike="noStrike" cap="none">
+        <a:defRPr b="0" i="0" sz="1400" u="none" cap="none" strike="noStrike">
           <a:solidFill>
             <a:srgbClr val="000000"/>
           </a:solidFill>
@@ -5870,11 +7235,11 @@
 </file>
 
 <file path=ppt/slides/slide1.xml><?xml version="1.0" encoding="utf-8"?>
-<p:sld xmlns:a="http://schemas.openxmlformats.org/drawingml/2006/main" xmlns:r="http://schemas.openxmlformats.org/officeDocument/2006/relationships" xmlns:p="http://schemas.openxmlformats.org/presentationml/2006/main">
+<p:sld xmlns:a="http://schemas.openxmlformats.org/drawingml/2006/main" xmlns:r="http://schemas.openxmlformats.org/officeDocument/2006/relationships" xmlns:mc="http://schemas.openxmlformats.org/markup-compatibility/2006" xmlns:mv="urn:schemas-microsoft-com:mac:vml" xmlns:p="http://schemas.openxmlformats.org/presentationml/2006/main" xmlns:c="http://schemas.openxmlformats.org/drawingml/2006/chart" xmlns:dgm="http://schemas.openxmlformats.org/drawingml/2006/diagram" xmlns:o="urn:schemas-microsoft-com:office:office" xmlns:v="urn:schemas-microsoft-com:vml" xmlns:pvml="urn:schemas-microsoft-com:office:powerpoint" xmlns:com="http://schemas.openxmlformats.org/drawingml/2006/compatibility" xmlns:p14="http://schemas.microsoft.com/office/powerpoint/2010/main" xmlns:p15="http://schemas.microsoft.com/office/powerpoint/2012/main" xmlns:ahyp="http://schemas.microsoft.com/office/drawing/2018/hyperlinkcolor">
   <p:cSld>
     <p:spTree>
       <p:nvGrpSpPr>
-        <p:cNvPr id="1" name="Shape 53"/>
+        <p:cNvPr id="53" name="Shape 53"/>
         <p:cNvGrpSpPr/>
         <p:nvPr/>
       </p:nvGrpSpPr>
@@ -5889,9 +7254,7 @@
       <p:sp>
         <p:nvSpPr>
           <p:cNvPr id="54" name="Google Shape;54;p13"/>
-          <p:cNvSpPr txBox="1">
-            <a:spLocks noGrp="1"/>
-          </p:cNvSpPr>
+          <p:cNvSpPr txBox="1"/>
           <p:nvPr>
             <p:ph type="ctrTitle"/>
           </p:nvPr>
@@ -5906,27 +7269,23 @@
           </a:prstGeom>
         </p:spPr>
         <p:txBody>
-          <a:bodyPr spcFirstLastPara="1" wrap="square" lIns="91425" tIns="91425" rIns="91425" bIns="91425" anchor="b" anchorCtr="0">
+          <a:bodyPr anchorCtr="0" anchor="b" bIns="91425" lIns="91425" spcFirstLastPara="1" rIns="91425" wrap="square" tIns="91425">
             <a:normAutofit/>
           </a:bodyPr>
           <a:lstStyle/>
           <a:p>
-            <a:pPr marL="0" lvl="0" indent="0" algn="ctr" rtl="0">
-              <a:spcBef>
-                <a:spcPts val="0"/>
-              </a:spcBef>
-              <a:spcAft>
-                <a:spcPts val="0"/>
-              </a:spcAft>
-              <a:buNone/>
-            </a:pPr>
-            <a:r>
-              <a:rPr lang="en" dirty="0"/>
-              <a:t>Chess </a:t>
-            </a:r>
-            <a:r>
-              <a:rPr lang="en"/>
-              <a:t>Games Analysis</a:t>
+            <a:pPr indent="0" lvl="0" marL="0" rtl="0" algn="ctr">
+              <a:spcBef>
+                <a:spcPts val="0"/>
+              </a:spcBef>
+              <a:spcAft>
+                <a:spcPts val="0"/>
+              </a:spcAft>
+              <a:buNone/>
+            </a:pPr>
+            <a:r>
+              <a:rPr lang="en"/>
+              <a:t>Chess Games Analysis</a:t>
             </a:r>
             <a:endParaRPr/>
           </a:p>
@@ -5935,11 +7294,9 @@
       <p:sp>
         <p:nvSpPr>
           <p:cNvPr id="55" name="Google Shape;55;p13"/>
-          <p:cNvSpPr txBox="1">
-            <a:spLocks noGrp="1"/>
-          </p:cNvSpPr>
+          <p:cNvSpPr txBox="1"/>
           <p:nvPr>
-            <p:ph type="subTitle" idx="1"/>
+            <p:ph idx="1" type="subTitle"/>
           </p:nvPr>
         </p:nvSpPr>
         <p:spPr>
@@ -5952,21 +7309,30 @@
           </a:prstGeom>
         </p:spPr>
         <p:txBody>
-          <a:bodyPr spcFirstLastPara="1" wrap="square" lIns="91425" tIns="91425" rIns="91425" bIns="91425" anchor="t" anchorCtr="0">
+          <a:bodyPr anchorCtr="0" anchor="t" bIns="91425" lIns="91425" spcFirstLastPara="1" rIns="91425" wrap="square" tIns="91425">
             <a:normAutofit/>
           </a:bodyPr>
           <a:lstStyle/>
           <a:p>
-            <a:pPr marL="0" lvl="0" indent="0" algn="ctr" rtl="0">
-              <a:spcBef>
-                <a:spcPts val="0"/>
-              </a:spcBef>
-              <a:spcAft>
-                <a:spcPts val="0"/>
-              </a:spcAft>
-              <a:buNone/>
-            </a:pPr>
-            <a:endParaRPr/>
+            <a:pPr indent="0" lvl="0" marL="0" rtl="0" algn="ctr">
+              <a:spcBef>
+                <a:spcPts val="0"/>
+              </a:spcBef>
+              <a:spcAft>
+                <a:spcPts val="0"/>
+              </a:spcAft>
+              <a:buSzPts val="935"/>
+              <a:buNone/>
+            </a:pPr>
+            <a:r>
+              <a:rPr lang="en" sz="1580"/>
+              <a:t>Joseph</a:t>
+            </a:r>
+            <a:r>
+              <a:rPr lang="en" sz="1580"/>
+              <a:t> Arney, Ravi Kiran, Jake Muller, Nathan Veatch</a:t>
+            </a:r>
+            <a:endParaRPr sz="1580"/>
           </a:p>
         </p:txBody>
       </p:sp>
@@ -5978,12 +7344,1871 @@
 </p:sld>
 </file>
 
-<file path=ppt/slides/slide2.xml><?xml version="1.0" encoding="utf-8"?>
-<p:sld xmlns:a="http://schemas.openxmlformats.org/drawingml/2006/main" xmlns:r="http://schemas.openxmlformats.org/officeDocument/2006/relationships" xmlns:p="http://schemas.openxmlformats.org/presentationml/2006/main">
+<file path=ppt/slides/slide10.xml><?xml version="1.0" encoding="utf-8"?>
+<p:sld xmlns:a="http://schemas.openxmlformats.org/drawingml/2006/main" xmlns:r="http://schemas.openxmlformats.org/officeDocument/2006/relationships" xmlns:mc="http://schemas.openxmlformats.org/markup-compatibility/2006" xmlns:mv="urn:schemas-microsoft-com:mac:vml" xmlns:p="http://schemas.openxmlformats.org/presentationml/2006/main" xmlns:c="http://schemas.openxmlformats.org/drawingml/2006/chart" xmlns:dgm="http://schemas.openxmlformats.org/drawingml/2006/diagram" xmlns:o="urn:schemas-microsoft-com:office:office" xmlns:v="urn:schemas-microsoft-com:vml" xmlns:pvml="urn:schemas-microsoft-com:office:powerpoint" xmlns:com="http://schemas.openxmlformats.org/drawingml/2006/compatibility" xmlns:p14="http://schemas.microsoft.com/office/powerpoint/2010/main" xmlns:p15="http://schemas.microsoft.com/office/powerpoint/2012/main" xmlns:ahyp="http://schemas.microsoft.com/office/drawing/2018/hyperlinkcolor">
   <p:cSld>
     <p:spTree>
       <p:nvGrpSpPr>
-        <p:cNvPr id="1" name="Shape 59"/>
+        <p:cNvPr id="107" name="Shape 107"/>
+        <p:cNvGrpSpPr/>
+        <p:nvPr/>
+      </p:nvGrpSpPr>
+      <p:grpSpPr>
+        <a:xfrm>
+          <a:off x="0" y="0"/>
+          <a:ext cx="0" cy="0"/>
+          <a:chOff x="0" y="0"/>
+          <a:chExt cx="0" cy="0"/>
+        </a:xfrm>
+      </p:grpSpPr>
+      <p:sp>
+        <p:nvSpPr>
+          <p:cNvPr id="108" name="Google Shape;108;p22"/>
+          <p:cNvSpPr txBox="1"/>
+          <p:nvPr>
+            <p:ph type="title"/>
+          </p:nvPr>
+        </p:nvSpPr>
+        <p:spPr>
+          <a:xfrm>
+            <a:off x="365850" y="671350"/>
+            <a:ext cx="8520600" cy="1635000"/>
+          </a:xfrm>
+          <a:prstGeom prst="rect">
+            <a:avLst/>
+          </a:prstGeom>
+        </p:spPr>
+        <p:txBody>
+          <a:bodyPr anchorCtr="0" anchor="ctr" bIns="91425" lIns="91425" spcFirstLastPara="1" rIns="91425" wrap="square" tIns="91425">
+            <a:normAutofit/>
+          </a:bodyPr>
+          <a:lstStyle/>
+          <a:p>
+            <a:pPr indent="0" lvl="0" marL="0" rtl="0" algn="ctr">
+              <a:spcBef>
+                <a:spcPts val="0"/>
+              </a:spcBef>
+              <a:spcAft>
+                <a:spcPts val="0"/>
+              </a:spcAft>
+              <a:buNone/>
+            </a:pPr>
+            <a:r>
+              <a:rPr lang="en" sz="5000"/>
+              <a:t>Storyboard</a:t>
+            </a:r>
+            <a:endParaRPr sz="5000"/>
+          </a:p>
+        </p:txBody>
+      </p:sp>
+      <p:sp>
+        <p:nvSpPr>
+          <p:cNvPr id="109" name="Google Shape;109;p22"/>
+          <p:cNvSpPr txBox="1"/>
+          <p:nvPr>
+            <p:ph idx="1" type="body"/>
+          </p:nvPr>
+        </p:nvSpPr>
+        <p:spPr>
+          <a:xfrm>
+            <a:off x="549925" y="2306350"/>
+            <a:ext cx="8520600" cy="1446300"/>
+          </a:xfrm>
+          <a:prstGeom prst="rect">
+            <a:avLst/>
+          </a:prstGeom>
+        </p:spPr>
+        <p:txBody>
+          <a:bodyPr anchorCtr="0" anchor="t" bIns="91425" lIns="91425" spcFirstLastPara="1" rIns="91425" wrap="square" tIns="91425">
+            <a:normAutofit/>
+          </a:bodyPr>
+          <a:lstStyle/>
+          <a:p>
+            <a:pPr indent="0" lvl="0" marL="0" rtl="0" algn="ctr">
+              <a:spcBef>
+                <a:spcPts val="0"/>
+              </a:spcBef>
+              <a:spcAft>
+                <a:spcPts val="0"/>
+              </a:spcAft>
+              <a:buNone/>
+            </a:pPr>
+            <a:r>
+              <a:rPr lang="en" sz="2000"/>
+              <a:t>Tableau</a:t>
+            </a:r>
+            <a:endParaRPr sz="2000"/>
+          </a:p>
+          <a:p>
+            <a:pPr indent="0" lvl="0" marL="914400" rtl="0" algn="l">
+              <a:spcBef>
+                <a:spcPts val="1200"/>
+              </a:spcBef>
+              <a:spcAft>
+                <a:spcPts val="0"/>
+              </a:spcAft>
+              <a:buNone/>
+            </a:pPr>
+            <a:r>
+              <a:rPr lang="en" sz="1374"/>
+              <a:t>Tableau is an interactive data visualization software</a:t>
+            </a:r>
+            <a:endParaRPr sz="1374"/>
+          </a:p>
+          <a:p>
+            <a:pPr indent="0" lvl="0" marL="914400" rtl="0" algn="l">
+              <a:spcBef>
+                <a:spcPts val="1200"/>
+              </a:spcBef>
+              <a:spcAft>
+                <a:spcPts val="1200"/>
+              </a:spcAft>
+              <a:buNone/>
+            </a:pPr>
+            <a:r>
+              <a:rPr lang="en" sz="1374"/>
+              <a:t>We will use tableau to determine if data analytics can </a:t>
+            </a:r>
+            <a:r>
+              <a:rPr lang="en" sz="1374"/>
+              <a:t>make</a:t>
+            </a:r>
+            <a:r>
+              <a:rPr lang="en" sz="1374"/>
+              <a:t> you a </a:t>
+            </a:r>
+            <a:r>
+              <a:rPr lang="en" sz="1374"/>
+              <a:t>better</a:t>
+            </a:r>
+            <a:r>
+              <a:rPr lang="en" sz="1374"/>
+              <a:t> chess player</a:t>
+            </a:r>
+            <a:endParaRPr sz="1374"/>
+          </a:p>
+        </p:txBody>
+      </p:sp>
+    </p:spTree>
+  </p:cSld>
+  <p:clrMapOvr>
+    <a:masterClrMapping/>
+  </p:clrMapOvr>
+</p:sld>
+</file>
+
+<file path=ppt/slides/slide11.xml><?xml version="1.0" encoding="utf-8"?>
+<p:sld xmlns:a="http://schemas.openxmlformats.org/drawingml/2006/main" xmlns:r="http://schemas.openxmlformats.org/officeDocument/2006/relationships" xmlns:mc="http://schemas.openxmlformats.org/markup-compatibility/2006" xmlns:mv="urn:schemas-microsoft-com:mac:vml" xmlns:p="http://schemas.openxmlformats.org/presentationml/2006/main" xmlns:c="http://schemas.openxmlformats.org/drawingml/2006/chart" xmlns:dgm="http://schemas.openxmlformats.org/drawingml/2006/diagram" xmlns:o="urn:schemas-microsoft-com:office:office" xmlns:v="urn:schemas-microsoft-com:vml" xmlns:pvml="urn:schemas-microsoft-com:office:powerpoint" xmlns:com="http://schemas.openxmlformats.org/drawingml/2006/compatibility" xmlns:p14="http://schemas.microsoft.com/office/powerpoint/2010/main" xmlns:p15="http://schemas.microsoft.com/office/powerpoint/2012/main" xmlns:ahyp="http://schemas.microsoft.com/office/drawing/2018/hyperlinkcolor">
+  <p:cSld>
+    <p:spTree>
+      <p:nvGrpSpPr>
+        <p:cNvPr id="113" name="Shape 113"/>
+        <p:cNvGrpSpPr/>
+        <p:nvPr/>
+      </p:nvGrpSpPr>
+      <p:grpSpPr>
+        <a:xfrm>
+          <a:off x="0" y="0"/>
+          <a:ext cx="0" cy="0"/>
+          <a:chOff x="0" y="0"/>
+          <a:chExt cx="0" cy="0"/>
+        </a:xfrm>
+      </p:grpSpPr>
+      <p:sp>
+        <p:nvSpPr>
+          <p:cNvPr id="114" name="Google Shape;114;p23"/>
+          <p:cNvSpPr txBox="1"/>
+          <p:nvPr>
+            <p:ph type="title"/>
+          </p:nvPr>
+        </p:nvSpPr>
+        <p:spPr>
+          <a:xfrm>
+            <a:off x="311700" y="445025"/>
+            <a:ext cx="8520600" cy="572700"/>
+          </a:xfrm>
+          <a:prstGeom prst="rect">
+            <a:avLst/>
+          </a:prstGeom>
+        </p:spPr>
+        <p:txBody>
+          <a:bodyPr anchorCtr="0" anchor="t" bIns="91425" lIns="91425" spcFirstLastPara="1" rIns="91425" wrap="square" tIns="91425">
+            <a:normAutofit fontScale="90000"/>
+          </a:bodyPr>
+          <a:lstStyle/>
+          <a:p>
+            <a:pPr indent="0" lvl="0" marL="0" rtl="0" algn="ctr">
+              <a:spcBef>
+                <a:spcPts val="0"/>
+              </a:spcBef>
+              <a:spcAft>
+                <a:spcPts val="0"/>
+              </a:spcAft>
+              <a:buNone/>
+            </a:pPr>
+            <a:r>
+              <a:rPr lang="en"/>
+              <a:t>Tableau Public</a:t>
+            </a:r>
+            <a:endParaRPr/>
+          </a:p>
+        </p:txBody>
+      </p:sp>
+      <p:sp>
+        <p:nvSpPr>
+          <p:cNvPr id="115" name="Google Shape;115;p23"/>
+          <p:cNvSpPr txBox="1"/>
+          <p:nvPr>
+            <p:ph idx="1" type="body"/>
+          </p:nvPr>
+        </p:nvSpPr>
+        <p:spPr>
+          <a:xfrm>
+            <a:off x="311700" y="1152475"/>
+            <a:ext cx="8520600" cy="3416400"/>
+          </a:xfrm>
+          <a:prstGeom prst="rect">
+            <a:avLst/>
+          </a:prstGeom>
+        </p:spPr>
+        <p:txBody>
+          <a:bodyPr anchorCtr="0" anchor="t" bIns="91425" lIns="91425" spcFirstLastPara="1" rIns="91425" wrap="square" tIns="91425">
+            <a:normAutofit/>
+          </a:bodyPr>
+          <a:lstStyle/>
+          <a:p>
+            <a:pPr indent="-342900" lvl="0" marL="457200" rtl="0" algn="l">
+              <a:spcBef>
+                <a:spcPts val="0"/>
+              </a:spcBef>
+              <a:spcAft>
+                <a:spcPts val="0"/>
+              </a:spcAft>
+              <a:buSzPts val="1800"/>
+              <a:buChar char="●"/>
+            </a:pPr>
+            <a:r>
+              <a:rPr lang="en"/>
+              <a:t>We will use interactive elements in tableau public to display the answer to the following questions</a:t>
+            </a:r>
+            <a:endParaRPr/>
+          </a:p>
+          <a:p>
+            <a:pPr indent="-317500" lvl="1" marL="914400" rtl="0" algn="l">
+              <a:spcBef>
+                <a:spcPts val="0"/>
+              </a:spcBef>
+              <a:spcAft>
+                <a:spcPts val="0"/>
+              </a:spcAft>
+              <a:buSzPts val="1400"/>
+              <a:buChar char="○"/>
+            </a:pPr>
+            <a:r>
+              <a:rPr lang="en"/>
+              <a:t>Win/lose/draw based on color, and if the outcome changes based on bracket.</a:t>
+            </a:r>
+            <a:endParaRPr/>
+          </a:p>
+          <a:p>
+            <a:pPr indent="-317500" lvl="1" marL="914400" rtl="0" algn="l">
+              <a:spcBef>
+                <a:spcPts val="0"/>
+              </a:spcBef>
+              <a:spcAft>
+                <a:spcPts val="0"/>
+              </a:spcAft>
+              <a:buSzPts val="1400"/>
+              <a:buChar char="○"/>
+            </a:pPr>
+            <a:r>
+              <a:rPr lang="en"/>
+              <a:t>Average number of turns per match for wins and losses.</a:t>
+            </a:r>
+            <a:endParaRPr/>
+          </a:p>
+          <a:p>
+            <a:pPr indent="-317500" lvl="1" marL="914400" rtl="0" algn="l">
+              <a:spcBef>
+                <a:spcPts val="0"/>
+              </a:spcBef>
+              <a:spcAft>
+                <a:spcPts val="0"/>
+              </a:spcAft>
+              <a:buSzPts val="1400"/>
+              <a:buChar char="○"/>
+            </a:pPr>
+            <a:r>
+              <a:rPr lang="en"/>
+              <a:t>Chances on winning based on ELO difference, and if this will change per bracket.</a:t>
+            </a:r>
+            <a:endParaRPr/>
+          </a:p>
+          <a:p>
+            <a:pPr indent="-317500" lvl="1" marL="914400" rtl="0" algn="l">
+              <a:spcBef>
+                <a:spcPts val="0"/>
+              </a:spcBef>
+              <a:spcAft>
+                <a:spcPts val="0"/>
+              </a:spcAft>
+              <a:buSzPts val="1400"/>
+              <a:buChar char="○"/>
+            </a:pPr>
+            <a:r>
+              <a:rPr lang="en"/>
+              <a:t>Most common opening overall, and by ELO bracket.</a:t>
+            </a:r>
+            <a:endParaRPr/>
+          </a:p>
+          <a:p>
+            <a:pPr indent="-317500" lvl="1" marL="914400" rtl="0" algn="l">
+              <a:spcBef>
+                <a:spcPts val="0"/>
+              </a:spcBef>
+              <a:spcAft>
+                <a:spcPts val="0"/>
+              </a:spcAft>
+              <a:buSzPts val="1400"/>
+              <a:buChar char="○"/>
+            </a:pPr>
+            <a:r>
+              <a:rPr lang="en"/>
+              <a:t>What opening has the highest win chance by color and by ELO bracket.</a:t>
+            </a:r>
+            <a:endParaRPr/>
+          </a:p>
+        </p:txBody>
+      </p:sp>
+    </p:spTree>
+  </p:cSld>
+  <p:clrMapOvr>
+    <a:masterClrMapping/>
+  </p:clrMapOvr>
+</p:sld>
+</file>
+
+<file path=ppt/slides/slide12.xml><?xml version="1.0" encoding="utf-8"?>
+<p:sld xmlns:a="http://schemas.openxmlformats.org/drawingml/2006/main" xmlns:r="http://schemas.openxmlformats.org/officeDocument/2006/relationships" xmlns:mc="http://schemas.openxmlformats.org/markup-compatibility/2006" xmlns:mv="urn:schemas-microsoft-com:mac:vml" xmlns:p="http://schemas.openxmlformats.org/presentationml/2006/main" xmlns:c="http://schemas.openxmlformats.org/drawingml/2006/chart" xmlns:dgm="http://schemas.openxmlformats.org/drawingml/2006/diagram" xmlns:o="urn:schemas-microsoft-com:office:office" xmlns:v="urn:schemas-microsoft-com:vml" xmlns:pvml="urn:schemas-microsoft-com:office:powerpoint" xmlns:com="http://schemas.openxmlformats.org/drawingml/2006/compatibility" xmlns:p14="http://schemas.microsoft.com/office/powerpoint/2010/main" xmlns:p15="http://schemas.microsoft.com/office/powerpoint/2012/main" xmlns:ahyp="http://schemas.microsoft.com/office/drawing/2018/hyperlinkcolor">
+  <p:cSld>
+    <p:spTree>
+      <p:nvGrpSpPr>
+        <p:cNvPr id="119" name="Shape 119"/>
+        <p:cNvGrpSpPr/>
+        <p:nvPr/>
+      </p:nvGrpSpPr>
+      <p:grpSpPr>
+        <a:xfrm>
+          <a:off x="0" y="0"/>
+          <a:ext cx="0" cy="0"/>
+          <a:chOff x="0" y="0"/>
+          <a:chExt cx="0" cy="0"/>
+        </a:xfrm>
+      </p:grpSpPr>
+      <p:sp>
+        <p:nvSpPr>
+          <p:cNvPr id="120" name="Google Shape;120;p24"/>
+          <p:cNvSpPr txBox="1"/>
+          <p:nvPr>
+            <p:ph type="title"/>
+          </p:nvPr>
+        </p:nvSpPr>
+        <p:spPr>
+          <a:xfrm>
+            <a:off x="311700" y="445025"/>
+            <a:ext cx="8520600" cy="572700"/>
+          </a:xfrm>
+          <a:prstGeom prst="rect">
+            <a:avLst/>
+          </a:prstGeom>
+        </p:spPr>
+        <p:txBody>
+          <a:bodyPr anchorCtr="0" anchor="t" bIns="91425" lIns="91425" spcFirstLastPara="1" rIns="91425" wrap="square" tIns="91425">
+            <a:normAutofit fontScale="90000"/>
+          </a:bodyPr>
+          <a:lstStyle/>
+          <a:p>
+            <a:pPr indent="0" lvl="0" marL="0" rtl="0" algn="ctr">
+              <a:spcBef>
+                <a:spcPts val="0"/>
+              </a:spcBef>
+              <a:spcAft>
+                <a:spcPts val="0"/>
+              </a:spcAft>
+              <a:buNone/>
+            </a:pPr>
+            <a:r>
+              <a:rPr lang="en"/>
+              <a:t>Interactive Elements</a:t>
+            </a:r>
+            <a:endParaRPr/>
+          </a:p>
+        </p:txBody>
+      </p:sp>
+      <p:sp>
+        <p:nvSpPr>
+          <p:cNvPr id="121" name="Google Shape;121;p24"/>
+          <p:cNvSpPr txBox="1"/>
+          <p:nvPr>
+            <p:ph idx="1" type="body"/>
+          </p:nvPr>
+        </p:nvSpPr>
+        <p:spPr>
+          <a:xfrm>
+            <a:off x="311700" y="1152475"/>
+            <a:ext cx="8520600" cy="3416400"/>
+          </a:xfrm>
+          <a:prstGeom prst="rect">
+            <a:avLst/>
+          </a:prstGeom>
+        </p:spPr>
+        <p:txBody>
+          <a:bodyPr anchorCtr="0" anchor="t" bIns="91425" lIns="91425" spcFirstLastPara="1" rIns="91425" wrap="square" tIns="91425">
+            <a:normAutofit/>
+          </a:bodyPr>
+          <a:lstStyle/>
+          <a:p>
+            <a:pPr indent="0" lvl="0" marL="0" rtl="0" algn="l">
+              <a:spcBef>
+                <a:spcPts val="0"/>
+              </a:spcBef>
+              <a:spcAft>
+                <a:spcPts val="0"/>
+              </a:spcAft>
+              <a:buNone/>
+            </a:pPr>
+            <a:r>
+              <a:rPr lang="en"/>
+              <a:t>Drop down selections:</a:t>
+            </a:r>
+            <a:endParaRPr/>
+          </a:p>
+          <a:p>
+            <a:pPr indent="-342900" lvl="0" marL="457200" rtl="0" algn="l">
+              <a:spcBef>
+                <a:spcPts val="1200"/>
+              </a:spcBef>
+              <a:spcAft>
+                <a:spcPts val="0"/>
+              </a:spcAft>
+              <a:buSzPts val="1800"/>
+              <a:buChar char="●"/>
+            </a:pPr>
+            <a:r>
+              <a:rPr lang="en"/>
+              <a:t>We will use a drop down arrow to show the win/lose/draw statistics by rating brackets, chances of winning based on ELO difference, and to show the most common opening per bracket.</a:t>
+            </a:r>
+            <a:endParaRPr/>
+          </a:p>
+          <a:p>
+            <a:pPr indent="0" lvl="0" marL="0" rtl="0" algn="l">
+              <a:spcBef>
+                <a:spcPts val="1200"/>
+              </a:spcBef>
+              <a:spcAft>
+                <a:spcPts val="0"/>
+              </a:spcAft>
+              <a:buNone/>
+            </a:pPr>
+            <a:r>
+              <a:rPr lang="en"/>
+              <a:t>Charts and graphs:</a:t>
+            </a:r>
+            <a:endParaRPr/>
+          </a:p>
+          <a:p>
+            <a:pPr indent="-342900" lvl="0" marL="457200" rtl="0" algn="l">
+              <a:spcBef>
+                <a:spcPts val="1200"/>
+              </a:spcBef>
+              <a:spcAft>
+                <a:spcPts val="0"/>
+              </a:spcAft>
+              <a:buSzPts val="1800"/>
+              <a:buChar char="●"/>
+            </a:pPr>
+            <a:r>
+              <a:rPr lang="en"/>
+              <a:t>We will use interactive charts to determine the amount of average turns per match and what opening has the highest chance of winning</a:t>
+            </a:r>
+            <a:endParaRPr/>
+          </a:p>
+        </p:txBody>
+      </p:sp>
+    </p:spTree>
+  </p:cSld>
+  <p:clrMapOvr>
+    <a:masterClrMapping/>
+  </p:clrMapOvr>
+</p:sld>
+</file>
+
+<file path=ppt/slides/slide13.xml><?xml version="1.0" encoding="utf-8"?>
+<p:sld xmlns:a="http://schemas.openxmlformats.org/drawingml/2006/main" xmlns:r="http://schemas.openxmlformats.org/officeDocument/2006/relationships" xmlns:mc="http://schemas.openxmlformats.org/markup-compatibility/2006" xmlns:mv="urn:schemas-microsoft-com:mac:vml" xmlns:p="http://schemas.openxmlformats.org/presentationml/2006/main" xmlns:c="http://schemas.openxmlformats.org/drawingml/2006/chart" xmlns:dgm="http://schemas.openxmlformats.org/drawingml/2006/diagram" xmlns:o="urn:schemas-microsoft-com:office:office" xmlns:v="urn:schemas-microsoft-com:vml" xmlns:pvml="urn:schemas-microsoft-com:office:powerpoint" xmlns:com="http://schemas.openxmlformats.org/drawingml/2006/compatibility" xmlns:p14="http://schemas.microsoft.com/office/powerpoint/2010/main" xmlns:p15="http://schemas.microsoft.com/office/powerpoint/2012/main" xmlns:ahyp="http://schemas.microsoft.com/office/drawing/2018/hyperlinkcolor">
+  <p:cSld>
+    <p:spTree>
+      <p:nvGrpSpPr>
+        <p:cNvPr id="125" name="Shape 125"/>
+        <p:cNvGrpSpPr/>
+        <p:nvPr/>
+      </p:nvGrpSpPr>
+      <p:grpSpPr>
+        <a:xfrm>
+          <a:off x="0" y="0"/>
+          <a:ext cx="0" cy="0"/>
+          <a:chOff x="0" y="0"/>
+          <a:chExt cx="0" cy="0"/>
+        </a:xfrm>
+      </p:grpSpPr>
+      <p:sp>
+        <p:nvSpPr>
+          <p:cNvPr id="126" name="Google Shape;126;p25"/>
+          <p:cNvSpPr txBox="1"/>
+          <p:nvPr>
+            <p:ph type="title"/>
+          </p:nvPr>
+        </p:nvSpPr>
+        <p:spPr>
+          <a:xfrm>
+            <a:off x="311700" y="415900"/>
+            <a:ext cx="8520600" cy="572700"/>
+          </a:xfrm>
+          <a:prstGeom prst="rect">
+            <a:avLst/>
+          </a:prstGeom>
+        </p:spPr>
+        <p:txBody>
+          <a:bodyPr anchorCtr="0" anchor="t" bIns="91425" lIns="91425" spcFirstLastPara="1" rIns="91425" wrap="square" tIns="91425">
+            <a:normAutofit fontScale="90000"/>
+          </a:bodyPr>
+          <a:lstStyle/>
+          <a:p>
+            <a:pPr indent="0" lvl="0" marL="0" rtl="0" algn="ctr">
+              <a:spcBef>
+                <a:spcPts val="0"/>
+              </a:spcBef>
+              <a:spcAft>
+                <a:spcPts val="0"/>
+              </a:spcAft>
+              <a:buNone/>
+            </a:pPr>
+            <a:r>
+              <a:rPr lang="en"/>
+              <a:t>Machine-Learning Model</a:t>
+            </a:r>
+            <a:endParaRPr/>
+          </a:p>
+        </p:txBody>
+      </p:sp>
+      <p:sp>
+        <p:nvSpPr>
+          <p:cNvPr id="127" name="Google Shape;127;p25"/>
+          <p:cNvSpPr txBox="1"/>
+          <p:nvPr>
+            <p:ph idx="1" type="body"/>
+          </p:nvPr>
+        </p:nvSpPr>
+        <p:spPr>
+          <a:xfrm>
+            <a:off x="311700" y="1152475"/>
+            <a:ext cx="8520600" cy="3416400"/>
+          </a:xfrm>
+          <a:prstGeom prst="rect">
+            <a:avLst/>
+          </a:prstGeom>
+        </p:spPr>
+        <p:txBody>
+          <a:bodyPr anchorCtr="0" anchor="t" bIns="91425" lIns="91425" spcFirstLastPara="1" rIns="91425" wrap="square" tIns="91425">
+            <a:normAutofit/>
+          </a:bodyPr>
+          <a:lstStyle/>
+          <a:p>
+            <a:pPr indent="0" lvl="0" marL="0" rtl="0" algn="l">
+              <a:spcBef>
+                <a:spcPts val="0"/>
+              </a:spcBef>
+              <a:spcAft>
+                <a:spcPts val="0"/>
+              </a:spcAft>
+              <a:buNone/>
+            </a:pPr>
+            <a:r>
+              <a:rPr lang="en"/>
+              <a:t>-How important is a chess opening in determining an overall winner? If an ML model is given the first 10 moves of a game (by definition, “the opening”), how </a:t>
+            </a:r>
+            <a:r>
+              <a:rPr lang="en"/>
+              <a:t>accurately</a:t>
+            </a:r>
+            <a:r>
+              <a:rPr lang="en"/>
+              <a:t> can it predict the winner?</a:t>
+            </a:r>
+            <a:endParaRPr/>
+          </a:p>
+          <a:p>
+            <a:pPr indent="0" lvl="0" marL="0" rtl="0" algn="l">
+              <a:spcBef>
+                <a:spcPts val="1200"/>
+              </a:spcBef>
+              <a:spcAft>
+                <a:spcPts val="0"/>
+              </a:spcAft>
+              <a:buNone/>
+            </a:pPr>
+            <a:r>
+              <a:t/>
+            </a:r>
+            <a:endParaRPr/>
+          </a:p>
+          <a:p>
+            <a:pPr indent="0" lvl="0" marL="0" rtl="0" algn="l">
+              <a:spcBef>
+                <a:spcPts val="1200"/>
+              </a:spcBef>
+              <a:spcAft>
+                <a:spcPts val="0"/>
+              </a:spcAft>
+              <a:buNone/>
+            </a:pPr>
+            <a:r>
+              <a:rPr lang="en"/>
+              <a:t>-If we can achieve a high percentage of accuracy, the opening is very important in who wins and who loses</a:t>
+            </a:r>
+            <a:endParaRPr/>
+          </a:p>
+          <a:p>
+            <a:pPr indent="0" lvl="0" marL="0" rtl="0" algn="l">
+              <a:spcBef>
+                <a:spcPts val="1200"/>
+              </a:spcBef>
+              <a:spcAft>
+                <a:spcPts val="1200"/>
+              </a:spcAft>
+              <a:buNone/>
+            </a:pPr>
+            <a:r>
+              <a:rPr lang="en"/>
+              <a:t>-If we can’t achieve a high percentage of accuracy, and instead end up around 50%, the opening isn’t as much of a deciding factor in the winner</a:t>
+            </a:r>
+            <a:endParaRPr/>
+          </a:p>
+        </p:txBody>
+      </p:sp>
+    </p:spTree>
+  </p:cSld>
+  <p:clrMapOvr>
+    <a:masterClrMapping/>
+  </p:clrMapOvr>
+</p:sld>
+</file>
+
+<file path=ppt/slides/slide14.xml><?xml version="1.0" encoding="utf-8"?>
+<p:sld xmlns:a="http://schemas.openxmlformats.org/drawingml/2006/main" xmlns:r="http://schemas.openxmlformats.org/officeDocument/2006/relationships" xmlns:mc="http://schemas.openxmlformats.org/markup-compatibility/2006" xmlns:mv="urn:schemas-microsoft-com:mac:vml" xmlns:p="http://schemas.openxmlformats.org/presentationml/2006/main" xmlns:c="http://schemas.openxmlformats.org/drawingml/2006/chart" xmlns:dgm="http://schemas.openxmlformats.org/drawingml/2006/diagram" xmlns:o="urn:schemas-microsoft-com:office:office" xmlns:v="urn:schemas-microsoft-com:vml" xmlns:pvml="urn:schemas-microsoft-com:office:powerpoint" xmlns:com="http://schemas.openxmlformats.org/drawingml/2006/compatibility" xmlns:p14="http://schemas.microsoft.com/office/powerpoint/2010/main" xmlns:p15="http://schemas.microsoft.com/office/powerpoint/2012/main" xmlns:ahyp="http://schemas.microsoft.com/office/drawing/2018/hyperlinkcolor">
+  <p:cSld>
+    <p:spTree>
+      <p:nvGrpSpPr>
+        <p:cNvPr id="131" name="Shape 131"/>
+        <p:cNvGrpSpPr/>
+        <p:nvPr/>
+      </p:nvGrpSpPr>
+      <p:grpSpPr>
+        <a:xfrm>
+          <a:off x="0" y="0"/>
+          <a:ext cx="0" cy="0"/>
+          <a:chOff x="0" y="0"/>
+          <a:chExt cx="0" cy="0"/>
+        </a:xfrm>
+      </p:grpSpPr>
+      <p:sp>
+        <p:nvSpPr>
+          <p:cNvPr id="132" name="Google Shape;132;p26"/>
+          <p:cNvSpPr txBox="1"/>
+          <p:nvPr>
+            <p:ph type="title"/>
+          </p:nvPr>
+        </p:nvSpPr>
+        <p:spPr>
+          <a:xfrm>
+            <a:off x="311700" y="445025"/>
+            <a:ext cx="8520600" cy="572700"/>
+          </a:xfrm>
+          <a:prstGeom prst="rect">
+            <a:avLst/>
+          </a:prstGeom>
+        </p:spPr>
+        <p:txBody>
+          <a:bodyPr anchorCtr="0" anchor="t" bIns="91425" lIns="91425" spcFirstLastPara="1" rIns="91425" wrap="square" tIns="91425">
+            <a:normAutofit fontScale="90000"/>
+          </a:bodyPr>
+          <a:lstStyle/>
+          <a:p>
+            <a:pPr indent="0" lvl="0" marL="0" rtl="0" algn="ctr">
+              <a:spcBef>
+                <a:spcPts val="0"/>
+              </a:spcBef>
+              <a:spcAft>
+                <a:spcPts val="0"/>
+              </a:spcAft>
+              <a:buNone/>
+            </a:pPr>
+            <a:r>
+              <a:rPr lang="en"/>
+              <a:t>Machine Learning: Model Information</a:t>
+            </a:r>
+            <a:endParaRPr/>
+          </a:p>
+        </p:txBody>
+      </p:sp>
+      <p:sp>
+        <p:nvSpPr>
+          <p:cNvPr id="133" name="Google Shape;133;p26"/>
+          <p:cNvSpPr txBox="1"/>
+          <p:nvPr>
+            <p:ph idx="1" type="body"/>
+          </p:nvPr>
+        </p:nvSpPr>
+        <p:spPr>
+          <a:xfrm>
+            <a:off x="311700" y="1152475"/>
+            <a:ext cx="8520600" cy="3416400"/>
+          </a:xfrm>
+          <a:prstGeom prst="rect">
+            <a:avLst/>
+          </a:prstGeom>
+        </p:spPr>
+        <p:txBody>
+          <a:bodyPr anchorCtr="0" anchor="t" bIns="91425" lIns="91425" spcFirstLastPara="1" rIns="91425" wrap="square" tIns="91425">
+            <a:normAutofit fontScale="55000" lnSpcReduction="20000"/>
+          </a:bodyPr>
+          <a:lstStyle/>
+          <a:p>
+            <a:pPr indent="0" lvl="0" marL="0" rtl="0" algn="l">
+              <a:spcBef>
+                <a:spcPts val="0"/>
+              </a:spcBef>
+              <a:spcAft>
+                <a:spcPts val="0"/>
+              </a:spcAft>
+              <a:buNone/>
+            </a:pPr>
+            <a:r>
+              <a:rPr lang="en"/>
+              <a:t>-Model Type: Neural Network</a:t>
+            </a:r>
+            <a:endParaRPr/>
+          </a:p>
+          <a:p>
+            <a:pPr indent="0" lvl="0" marL="0" rtl="0" algn="l">
+              <a:spcBef>
+                <a:spcPts val="1200"/>
+              </a:spcBef>
+              <a:spcAft>
+                <a:spcPts val="0"/>
+              </a:spcAft>
+              <a:buNone/>
+            </a:pPr>
+            <a:r>
+              <a:t/>
+            </a:r>
+            <a:endParaRPr/>
+          </a:p>
+          <a:p>
+            <a:pPr indent="0" lvl="0" marL="0" rtl="0" algn="l">
+              <a:spcBef>
+                <a:spcPts val="1200"/>
+              </a:spcBef>
+              <a:spcAft>
+                <a:spcPts val="0"/>
+              </a:spcAft>
+              <a:buNone/>
+            </a:pPr>
+            <a:r>
+              <a:rPr lang="en"/>
+              <a:t>-Features:</a:t>
+            </a:r>
+            <a:endParaRPr/>
+          </a:p>
+          <a:p>
+            <a:pPr indent="0" lvl="0" marL="0" rtl="0" algn="l">
+              <a:spcBef>
+                <a:spcPts val="1200"/>
+              </a:spcBef>
+              <a:spcAft>
+                <a:spcPts val="0"/>
+              </a:spcAft>
+              <a:buNone/>
+            </a:pPr>
+            <a:r>
+              <a:rPr lang="en"/>
+              <a:t>	-White moves 1-5, Black moves 1-5 (in chess notation)</a:t>
+            </a:r>
+            <a:endParaRPr/>
+          </a:p>
+          <a:p>
+            <a:pPr indent="0" lvl="0" marL="0" rtl="0" algn="l">
+              <a:spcBef>
+                <a:spcPts val="1200"/>
+              </a:spcBef>
+              <a:spcAft>
+                <a:spcPts val="0"/>
+              </a:spcAft>
+              <a:buNone/>
+            </a:pPr>
+            <a:r>
+              <a:t/>
+            </a:r>
+            <a:endParaRPr/>
+          </a:p>
+          <a:p>
+            <a:pPr indent="0" lvl="0" marL="0" rtl="0" algn="l">
+              <a:spcBef>
+                <a:spcPts val="1200"/>
+              </a:spcBef>
+              <a:spcAft>
+                <a:spcPts val="0"/>
+              </a:spcAft>
+              <a:buNone/>
+            </a:pPr>
+            <a:r>
+              <a:rPr lang="en"/>
+              <a:t>-Labels:</a:t>
+            </a:r>
+            <a:endParaRPr/>
+          </a:p>
+          <a:p>
+            <a:pPr indent="0" lvl="0" marL="0" rtl="0" algn="l">
+              <a:spcBef>
+                <a:spcPts val="1200"/>
+              </a:spcBef>
+              <a:spcAft>
+                <a:spcPts val="0"/>
+              </a:spcAft>
+              <a:buNone/>
+            </a:pPr>
+            <a:r>
+              <a:rPr lang="en"/>
+              <a:t>	-The result of the game</a:t>
+            </a:r>
+            <a:endParaRPr/>
+          </a:p>
+          <a:p>
+            <a:pPr indent="-291464" lvl="0" marL="1371600" rtl="0" algn="l">
+              <a:spcBef>
+                <a:spcPts val="1200"/>
+              </a:spcBef>
+              <a:spcAft>
+                <a:spcPts val="0"/>
+              </a:spcAft>
+              <a:buSzPct val="100000"/>
+              <a:buChar char="●"/>
+            </a:pPr>
+            <a:r>
+              <a:rPr lang="en"/>
+              <a:t>1-0: White Wins</a:t>
+            </a:r>
+            <a:endParaRPr/>
+          </a:p>
+          <a:p>
+            <a:pPr indent="-291464" lvl="0" marL="1371600" rtl="0" algn="l">
+              <a:spcBef>
+                <a:spcPts val="0"/>
+              </a:spcBef>
+              <a:spcAft>
+                <a:spcPts val="0"/>
+              </a:spcAft>
+              <a:buSzPct val="100000"/>
+              <a:buChar char="●"/>
+            </a:pPr>
+            <a:r>
+              <a:rPr lang="en"/>
+              <a:t>0-1: Black Wins</a:t>
+            </a:r>
+            <a:endParaRPr/>
+          </a:p>
+          <a:p>
+            <a:pPr indent="-291464" lvl="0" marL="1371600" rtl="0" algn="l">
+              <a:spcBef>
+                <a:spcPts val="0"/>
+              </a:spcBef>
+              <a:spcAft>
+                <a:spcPts val="0"/>
+              </a:spcAft>
+              <a:buSzPct val="100000"/>
+              <a:buChar char="●"/>
+            </a:pPr>
+            <a:r>
+              <a:rPr lang="en"/>
+              <a:t>½-½: Draw</a:t>
+            </a:r>
+            <a:endParaRPr/>
+          </a:p>
+          <a:p>
+            <a:pPr indent="0" lvl="0" marL="0" rtl="0" algn="l">
+              <a:spcBef>
+                <a:spcPts val="1200"/>
+              </a:spcBef>
+              <a:spcAft>
+                <a:spcPts val="0"/>
+              </a:spcAft>
+              <a:buNone/>
+            </a:pPr>
+            <a:r>
+              <a:t/>
+            </a:r>
+            <a:endParaRPr/>
+          </a:p>
+          <a:p>
+            <a:pPr indent="0" lvl="0" marL="0" rtl="0" algn="l">
+              <a:spcBef>
+                <a:spcPts val="1200"/>
+              </a:spcBef>
+              <a:spcAft>
+                <a:spcPts val="1200"/>
+              </a:spcAft>
+              <a:buNone/>
+            </a:pPr>
+            <a:r>
+              <a:rPr lang="en"/>
+              <a:t>Data-Split: 75% training, 25% testing, using train_test_split from python’s sklearn library (sklearn.model_selection)</a:t>
+            </a:r>
+            <a:endParaRPr/>
+          </a:p>
+        </p:txBody>
+      </p:sp>
+    </p:spTree>
+  </p:cSld>
+  <p:clrMapOvr>
+    <a:masterClrMapping/>
+  </p:clrMapOvr>
+</p:sld>
+</file>
+
+<file path=ppt/slides/slide15.xml><?xml version="1.0" encoding="utf-8"?>
+<p:sld xmlns:a="http://schemas.openxmlformats.org/drawingml/2006/main" xmlns:r="http://schemas.openxmlformats.org/officeDocument/2006/relationships" xmlns:mc="http://schemas.openxmlformats.org/markup-compatibility/2006" xmlns:mv="urn:schemas-microsoft-com:mac:vml" xmlns:p="http://schemas.openxmlformats.org/presentationml/2006/main" xmlns:c="http://schemas.openxmlformats.org/drawingml/2006/chart" xmlns:dgm="http://schemas.openxmlformats.org/drawingml/2006/diagram" xmlns:o="urn:schemas-microsoft-com:office:office" xmlns:v="urn:schemas-microsoft-com:vml" xmlns:pvml="urn:schemas-microsoft-com:office:powerpoint" xmlns:com="http://schemas.openxmlformats.org/drawingml/2006/compatibility" xmlns:p14="http://schemas.microsoft.com/office/powerpoint/2010/main" xmlns:p15="http://schemas.microsoft.com/office/powerpoint/2012/main" xmlns:ahyp="http://schemas.microsoft.com/office/drawing/2018/hyperlinkcolor">
+  <p:cSld>
+    <p:spTree>
+      <p:nvGrpSpPr>
+        <p:cNvPr id="137" name="Shape 137"/>
+        <p:cNvGrpSpPr/>
+        <p:nvPr/>
+      </p:nvGrpSpPr>
+      <p:grpSpPr>
+        <a:xfrm>
+          <a:off x="0" y="0"/>
+          <a:ext cx="0" cy="0"/>
+          <a:chOff x="0" y="0"/>
+          <a:chExt cx="0" cy="0"/>
+        </a:xfrm>
+      </p:grpSpPr>
+      <p:sp>
+        <p:nvSpPr>
+          <p:cNvPr id="138" name="Google Shape;138;p27"/>
+          <p:cNvSpPr txBox="1"/>
+          <p:nvPr>
+            <p:ph type="title"/>
+          </p:nvPr>
+        </p:nvSpPr>
+        <p:spPr>
+          <a:xfrm>
+            <a:off x="311700" y="445025"/>
+            <a:ext cx="8520600" cy="572700"/>
+          </a:xfrm>
+          <a:prstGeom prst="rect">
+            <a:avLst/>
+          </a:prstGeom>
+        </p:spPr>
+        <p:txBody>
+          <a:bodyPr anchorCtr="0" anchor="t" bIns="91425" lIns="91425" spcFirstLastPara="1" rIns="91425" wrap="square" tIns="91425">
+            <a:normAutofit fontScale="90000"/>
+          </a:bodyPr>
+          <a:lstStyle/>
+          <a:p>
+            <a:pPr indent="0" lvl="0" marL="0" rtl="0" algn="ctr">
+              <a:spcBef>
+                <a:spcPts val="0"/>
+              </a:spcBef>
+              <a:spcAft>
+                <a:spcPts val="0"/>
+              </a:spcAft>
+              <a:buClr>
+                <a:schemeClr val="dk1"/>
+              </a:buClr>
+              <a:buSzPct val="39285"/>
+              <a:buFont typeface="Arial"/>
+              <a:buNone/>
+            </a:pPr>
+            <a:r>
+              <a:rPr lang="en"/>
+              <a:t>Machine Learning: Why a Neural Network?</a:t>
+            </a:r>
+            <a:endParaRPr/>
+          </a:p>
+        </p:txBody>
+      </p:sp>
+      <p:sp>
+        <p:nvSpPr>
+          <p:cNvPr id="139" name="Google Shape;139;p27"/>
+          <p:cNvSpPr txBox="1"/>
+          <p:nvPr>
+            <p:ph idx="1" type="body"/>
+          </p:nvPr>
+        </p:nvSpPr>
+        <p:spPr>
+          <a:xfrm>
+            <a:off x="311700" y="1152475"/>
+            <a:ext cx="8520600" cy="3416400"/>
+          </a:xfrm>
+          <a:prstGeom prst="rect">
+            <a:avLst/>
+          </a:prstGeom>
+        </p:spPr>
+        <p:txBody>
+          <a:bodyPr anchorCtr="0" anchor="t" bIns="91425" lIns="91425" spcFirstLastPara="1" rIns="91425" wrap="square" tIns="91425">
+            <a:normAutofit lnSpcReduction="10000"/>
+          </a:bodyPr>
+          <a:lstStyle/>
+          <a:p>
+            <a:pPr indent="0" lvl="0" marL="0" rtl="0" algn="l">
+              <a:spcBef>
+                <a:spcPts val="0"/>
+              </a:spcBef>
+              <a:spcAft>
+                <a:spcPts val="0"/>
+              </a:spcAft>
+              <a:buClr>
+                <a:schemeClr val="dk1"/>
+              </a:buClr>
+              <a:buSzPts val="1100"/>
+              <a:buFont typeface="Arial"/>
+              <a:buNone/>
+            </a:pPr>
+            <a:r>
+              <a:rPr lang="en"/>
+              <a:t>-They excel at pattern recognition, and the game of chess is ultimately a game of pattern recognition, looking at a position for </a:t>
+            </a:r>
+            <a:r>
+              <a:rPr lang="en"/>
+              <a:t>similarities</a:t>
+            </a:r>
+            <a:r>
+              <a:rPr lang="en"/>
+              <a:t> to other games seen</a:t>
+            </a:r>
+            <a:endParaRPr/>
+          </a:p>
+          <a:p>
+            <a:pPr indent="0" lvl="0" marL="0" rtl="0" algn="l">
+              <a:spcBef>
+                <a:spcPts val="1200"/>
+              </a:spcBef>
+              <a:spcAft>
+                <a:spcPts val="0"/>
+              </a:spcAft>
+              <a:buClr>
+                <a:schemeClr val="dk1"/>
+              </a:buClr>
+              <a:buSzPts val="1100"/>
+              <a:buFont typeface="Arial"/>
+              <a:buNone/>
+            </a:pPr>
+            <a:r>
+              <a:rPr lang="en"/>
+              <a:t>-Openings are even more patternistic, as openings are just a pattern of moves, repeated at the beginning of every game. In addition, they don’t form a linear relationship with the outcome, and neural networks excel at analyzing non-linear relationships </a:t>
+            </a:r>
+            <a:endParaRPr/>
+          </a:p>
+          <a:p>
+            <a:pPr indent="0" lvl="0" marL="0" rtl="0" algn="l">
+              <a:spcBef>
+                <a:spcPts val="1200"/>
+              </a:spcBef>
+              <a:spcAft>
+                <a:spcPts val="0"/>
+              </a:spcAft>
+              <a:buClr>
+                <a:schemeClr val="dk1"/>
+              </a:buClr>
+              <a:buSzPts val="1100"/>
+              <a:buFont typeface="Arial"/>
+              <a:buNone/>
+            </a:pPr>
+            <a:r>
+              <a:rPr lang="en"/>
+              <a:t>-Neural networks work best with large datasets, and our dataset has 1 million+ games</a:t>
+            </a:r>
+            <a:endParaRPr/>
+          </a:p>
+          <a:p>
+            <a:pPr indent="0" lvl="0" marL="0" rtl="0" algn="l">
+              <a:spcBef>
+                <a:spcPts val="1200"/>
+              </a:spcBef>
+              <a:spcAft>
+                <a:spcPts val="1200"/>
+              </a:spcAft>
+              <a:buClr>
+                <a:schemeClr val="dk1"/>
+              </a:buClr>
+              <a:buSzPts val="1100"/>
+              <a:buFont typeface="Arial"/>
+              <a:buNone/>
+            </a:pPr>
+            <a:r>
+              <a:t/>
+            </a:r>
+            <a:endParaRPr/>
+          </a:p>
+        </p:txBody>
+      </p:sp>
+    </p:spTree>
+  </p:cSld>
+  <p:clrMapOvr>
+    <a:masterClrMapping/>
+  </p:clrMapOvr>
+</p:sld>
+</file>
+
+<file path=ppt/slides/slide16.xml><?xml version="1.0" encoding="utf-8"?>
+<p:sld xmlns:a="http://schemas.openxmlformats.org/drawingml/2006/main" xmlns:r="http://schemas.openxmlformats.org/officeDocument/2006/relationships" xmlns:mc="http://schemas.openxmlformats.org/markup-compatibility/2006" xmlns:mv="urn:schemas-microsoft-com:mac:vml" xmlns:p="http://schemas.openxmlformats.org/presentationml/2006/main" xmlns:c="http://schemas.openxmlformats.org/drawingml/2006/chart" xmlns:dgm="http://schemas.openxmlformats.org/drawingml/2006/diagram" xmlns:o="urn:schemas-microsoft-com:office:office" xmlns:v="urn:schemas-microsoft-com:vml" xmlns:pvml="urn:schemas-microsoft-com:office:powerpoint" xmlns:com="http://schemas.openxmlformats.org/drawingml/2006/compatibility" xmlns:p14="http://schemas.microsoft.com/office/powerpoint/2010/main" xmlns:p15="http://schemas.microsoft.com/office/powerpoint/2012/main" xmlns:ahyp="http://schemas.microsoft.com/office/drawing/2018/hyperlinkcolor">
+  <p:cSld>
+    <p:spTree>
+      <p:nvGrpSpPr>
+        <p:cNvPr id="143" name="Shape 143"/>
+        <p:cNvGrpSpPr/>
+        <p:nvPr/>
+      </p:nvGrpSpPr>
+      <p:grpSpPr>
+        <a:xfrm>
+          <a:off x="0" y="0"/>
+          <a:ext cx="0" cy="0"/>
+          <a:chOff x="0" y="0"/>
+          <a:chExt cx="0" cy="0"/>
+        </a:xfrm>
+      </p:grpSpPr>
+      <p:sp>
+        <p:nvSpPr>
+          <p:cNvPr id="144" name="Google Shape;144;p28"/>
+          <p:cNvSpPr txBox="1"/>
+          <p:nvPr>
+            <p:ph type="title"/>
+          </p:nvPr>
+        </p:nvSpPr>
+        <p:spPr>
+          <a:xfrm>
+            <a:off x="311700" y="423875"/>
+            <a:ext cx="8520600" cy="572700"/>
+          </a:xfrm>
+          <a:prstGeom prst="rect">
+            <a:avLst/>
+          </a:prstGeom>
+        </p:spPr>
+        <p:txBody>
+          <a:bodyPr anchorCtr="0" anchor="t" bIns="91425" lIns="91425" spcFirstLastPara="1" rIns="91425" wrap="square" tIns="91425">
+            <a:normAutofit fontScale="90000"/>
+          </a:bodyPr>
+          <a:lstStyle/>
+          <a:p>
+            <a:pPr indent="0" lvl="0" marL="0" rtl="0" algn="ctr">
+              <a:spcBef>
+                <a:spcPts val="0"/>
+              </a:spcBef>
+              <a:spcAft>
+                <a:spcPts val="0"/>
+              </a:spcAft>
+              <a:buClr>
+                <a:schemeClr val="dk1"/>
+              </a:buClr>
+              <a:buSzPct val="39285"/>
+              <a:buFont typeface="Arial"/>
+              <a:buNone/>
+            </a:pPr>
+            <a:r>
+              <a:rPr lang="en"/>
+              <a:t>Machine Learning: Neural Network Limitations</a:t>
+            </a:r>
+            <a:endParaRPr/>
+          </a:p>
+        </p:txBody>
+      </p:sp>
+      <p:sp>
+        <p:nvSpPr>
+          <p:cNvPr id="145" name="Google Shape;145;p28"/>
+          <p:cNvSpPr txBox="1"/>
+          <p:nvPr>
+            <p:ph idx="1" type="body"/>
+          </p:nvPr>
+        </p:nvSpPr>
+        <p:spPr>
+          <a:xfrm>
+            <a:off x="311700" y="1152475"/>
+            <a:ext cx="8520600" cy="3416400"/>
+          </a:xfrm>
+          <a:prstGeom prst="rect">
+            <a:avLst/>
+          </a:prstGeom>
+        </p:spPr>
+        <p:txBody>
+          <a:bodyPr anchorCtr="0" anchor="t" bIns="91425" lIns="91425" spcFirstLastPara="1" rIns="91425" wrap="square" tIns="91425">
+            <a:normAutofit/>
+          </a:bodyPr>
+          <a:lstStyle/>
+          <a:p>
+            <a:pPr indent="0" lvl="0" marL="0" rtl="0" algn="l">
+              <a:spcBef>
+                <a:spcPts val="0"/>
+              </a:spcBef>
+              <a:spcAft>
+                <a:spcPts val="0"/>
+              </a:spcAft>
+              <a:buNone/>
+            </a:pPr>
+            <a:r>
+              <a:rPr lang="en"/>
+              <a:t>-Neural networks have a high likelihood of overfitting to the training data, and thus losing accuracy when tested</a:t>
+            </a:r>
+            <a:endParaRPr/>
+          </a:p>
+          <a:p>
+            <a:pPr indent="0" lvl="0" marL="0" rtl="0" algn="l">
+              <a:spcBef>
+                <a:spcPts val="1200"/>
+              </a:spcBef>
+              <a:spcAft>
+                <a:spcPts val="0"/>
+              </a:spcAft>
+              <a:buNone/>
+            </a:pPr>
+            <a:r>
+              <a:rPr lang="en"/>
+              <a:t>	-In our case, an example of this would be if a common set of the first 3 moves won often, and thus the model leans towards all openings with those 3 moves resulting in a win. The trend however, is more sophisticated than that, and thus results in a loss of </a:t>
+            </a:r>
+            <a:r>
+              <a:rPr lang="en"/>
+              <a:t>accuracy.</a:t>
+            </a:r>
+            <a:endParaRPr/>
+          </a:p>
+          <a:p>
+            <a:pPr indent="0" lvl="0" marL="0" rtl="0" algn="l">
+              <a:spcBef>
+                <a:spcPts val="1200"/>
+              </a:spcBef>
+              <a:spcAft>
+                <a:spcPts val="1200"/>
+              </a:spcAft>
+              <a:buNone/>
+            </a:pPr>
+            <a:r>
+              <a:rPr lang="en"/>
+              <a:t>-To counter this, we</a:t>
+            </a:r>
+            <a:endParaRPr/>
+          </a:p>
+        </p:txBody>
+      </p:sp>
+    </p:spTree>
+  </p:cSld>
+  <p:clrMapOvr>
+    <a:masterClrMapping/>
+  </p:clrMapOvr>
+</p:sld>
+</file>
+
+<file path=ppt/slides/slide17.xml><?xml version="1.0" encoding="utf-8"?>
+<p:sld xmlns:a="http://schemas.openxmlformats.org/drawingml/2006/main" xmlns:r="http://schemas.openxmlformats.org/officeDocument/2006/relationships" xmlns:mc="http://schemas.openxmlformats.org/markup-compatibility/2006" xmlns:mv="urn:schemas-microsoft-com:mac:vml" xmlns:p="http://schemas.openxmlformats.org/presentationml/2006/main" xmlns:c="http://schemas.openxmlformats.org/drawingml/2006/chart" xmlns:dgm="http://schemas.openxmlformats.org/drawingml/2006/diagram" xmlns:o="urn:schemas-microsoft-com:office:office" xmlns:v="urn:schemas-microsoft-com:vml" xmlns:pvml="urn:schemas-microsoft-com:office:powerpoint" xmlns:com="http://schemas.openxmlformats.org/drawingml/2006/compatibility" xmlns:p14="http://schemas.microsoft.com/office/powerpoint/2010/main" xmlns:p15="http://schemas.microsoft.com/office/powerpoint/2012/main" xmlns:ahyp="http://schemas.microsoft.com/office/drawing/2018/hyperlinkcolor">
+  <p:cSld>
+    <p:spTree>
+      <p:nvGrpSpPr>
+        <p:cNvPr id="149" name="Shape 149"/>
+        <p:cNvGrpSpPr/>
+        <p:nvPr/>
+      </p:nvGrpSpPr>
+      <p:grpSpPr>
+        <a:xfrm>
+          <a:off x="0" y="0"/>
+          <a:ext cx="0" cy="0"/>
+          <a:chOff x="0" y="0"/>
+          <a:chExt cx="0" cy="0"/>
+        </a:xfrm>
+      </p:grpSpPr>
+      <p:sp>
+        <p:nvSpPr>
+          <p:cNvPr id="150" name="Google Shape;150;p29"/>
+          <p:cNvSpPr txBox="1"/>
+          <p:nvPr>
+            <p:ph type="title"/>
+          </p:nvPr>
+        </p:nvSpPr>
+        <p:spPr>
+          <a:xfrm>
+            <a:off x="311700" y="445025"/>
+            <a:ext cx="8520600" cy="572700"/>
+          </a:xfrm>
+          <a:prstGeom prst="rect">
+            <a:avLst/>
+          </a:prstGeom>
+        </p:spPr>
+        <p:txBody>
+          <a:bodyPr anchorCtr="0" anchor="t" bIns="91425" lIns="91425" spcFirstLastPara="1" rIns="91425" wrap="square" tIns="91425">
+            <a:normAutofit fontScale="90000"/>
+          </a:bodyPr>
+          <a:lstStyle/>
+          <a:p>
+            <a:pPr indent="0" lvl="0" marL="0" rtl="0" algn="ctr">
+              <a:spcBef>
+                <a:spcPts val="0"/>
+              </a:spcBef>
+              <a:spcAft>
+                <a:spcPts val="0"/>
+              </a:spcAft>
+              <a:buNone/>
+            </a:pPr>
+            <a:r>
+              <a:rPr lang="en"/>
+              <a:t>Machine Learning: Data Preprocessing</a:t>
+            </a:r>
+            <a:endParaRPr/>
+          </a:p>
+        </p:txBody>
+      </p:sp>
+      <p:sp>
+        <p:nvSpPr>
+          <p:cNvPr id="151" name="Google Shape;151;p29"/>
+          <p:cNvSpPr txBox="1"/>
+          <p:nvPr>
+            <p:ph idx="1" type="body"/>
+          </p:nvPr>
+        </p:nvSpPr>
+        <p:spPr>
+          <a:xfrm>
+            <a:off x="311700" y="1152475"/>
+            <a:ext cx="8520600" cy="3416400"/>
+          </a:xfrm>
+          <a:prstGeom prst="rect">
+            <a:avLst/>
+          </a:prstGeom>
+        </p:spPr>
+        <p:txBody>
+          <a:bodyPr anchorCtr="0" anchor="t" bIns="91425" lIns="91425" spcFirstLastPara="1" rIns="91425" wrap="square" tIns="91425">
+            <a:normAutofit/>
+          </a:bodyPr>
+          <a:lstStyle/>
+          <a:p>
+            <a:pPr indent="-342900" lvl="0" marL="457200" rtl="0" algn="l">
+              <a:spcBef>
+                <a:spcPts val="0"/>
+              </a:spcBef>
+              <a:spcAft>
+                <a:spcPts val="0"/>
+              </a:spcAft>
+              <a:buSzPts val="1800"/>
+              <a:buAutoNum type="arabicPeriod"/>
+            </a:pPr>
+            <a:r>
+              <a:rPr lang="en"/>
+              <a:t>Chess_games.csv was randomly sampled for 1 million games(out of 6.5 million) to reduce bulk</a:t>
+            </a:r>
+            <a:endParaRPr/>
+          </a:p>
+          <a:p>
+            <a:pPr indent="-342900" lvl="0" marL="457200" rtl="0" algn="l">
+              <a:spcBef>
+                <a:spcPts val="0"/>
+              </a:spcBef>
+              <a:spcAft>
+                <a:spcPts val="0"/>
+              </a:spcAft>
+              <a:buSzPts val="1800"/>
+              <a:buAutoNum type="arabicPeriod"/>
+            </a:pPr>
+            <a:r>
+              <a:rPr lang="en"/>
+              <a:t>The</a:t>
+            </a:r>
+            <a:r>
+              <a:rPr lang="en"/>
+              <a:t> two tables of chess games were merged into a master table of all games</a:t>
+            </a:r>
+            <a:endParaRPr/>
+          </a:p>
+          <a:p>
+            <a:pPr indent="-342900" lvl="0" marL="457200" rtl="0" algn="l">
+              <a:spcBef>
+                <a:spcPts val="0"/>
+              </a:spcBef>
+              <a:spcAft>
+                <a:spcPts val="0"/>
+              </a:spcAft>
+              <a:buSzPts val="1800"/>
+              <a:buAutoNum type="arabicPeriod"/>
+            </a:pPr>
+            <a:r>
+              <a:rPr lang="en"/>
+              <a:t>Games without move lists were removed from the dataset</a:t>
+            </a:r>
+            <a:endParaRPr/>
+          </a:p>
+          <a:p>
+            <a:pPr indent="-342900" lvl="0" marL="457200" rtl="0" algn="l">
+              <a:spcBef>
+                <a:spcPts val="0"/>
+              </a:spcBef>
+              <a:spcAft>
+                <a:spcPts val="0"/>
+              </a:spcAft>
+              <a:buSzPts val="1800"/>
+              <a:buAutoNum type="arabicPeriod"/>
+            </a:pPr>
+            <a:r>
+              <a:rPr lang="en"/>
+              <a:t>The “winner” column was standardized to say either “white”, “black”, or “draw”, as it was previously a mixture of that and notation (1-0,0-1,½-½)</a:t>
+            </a:r>
+            <a:endParaRPr/>
+          </a:p>
+          <a:p>
+            <a:pPr indent="-342900" lvl="0" marL="457200" rtl="0" algn="l">
+              <a:spcBef>
+                <a:spcPts val="0"/>
+              </a:spcBef>
+              <a:spcAft>
+                <a:spcPts val="0"/>
+              </a:spcAft>
+              <a:buSzPts val="1800"/>
+              <a:buAutoNum type="arabicPeriod"/>
+            </a:pPr>
+            <a:r>
+              <a:rPr lang="en"/>
+              <a:t>Turn numbers and chess engine evaluations were removed from the list of moves</a:t>
+            </a:r>
+            <a:endParaRPr/>
+          </a:p>
+        </p:txBody>
+      </p:sp>
+    </p:spTree>
+  </p:cSld>
+  <p:clrMapOvr>
+    <a:masterClrMapping/>
+  </p:clrMapOvr>
+</p:sld>
+</file>
+
+<file path=ppt/slides/slide18.xml><?xml version="1.0" encoding="utf-8"?>
+<p:sld xmlns:a="http://schemas.openxmlformats.org/drawingml/2006/main" xmlns:r="http://schemas.openxmlformats.org/officeDocument/2006/relationships" xmlns:mc="http://schemas.openxmlformats.org/markup-compatibility/2006" xmlns:mv="urn:schemas-microsoft-com:mac:vml" xmlns:p="http://schemas.openxmlformats.org/presentationml/2006/main" xmlns:c="http://schemas.openxmlformats.org/drawingml/2006/chart" xmlns:dgm="http://schemas.openxmlformats.org/drawingml/2006/diagram" xmlns:o="urn:schemas-microsoft-com:office:office" xmlns:v="urn:schemas-microsoft-com:vml" xmlns:pvml="urn:schemas-microsoft-com:office:powerpoint" xmlns:com="http://schemas.openxmlformats.org/drawingml/2006/compatibility" xmlns:p14="http://schemas.microsoft.com/office/powerpoint/2010/main" xmlns:p15="http://schemas.microsoft.com/office/powerpoint/2012/main" xmlns:ahyp="http://schemas.microsoft.com/office/drawing/2018/hyperlinkcolor">
+  <p:cSld>
+    <p:spTree>
+      <p:nvGrpSpPr>
+        <p:cNvPr id="155" name="Shape 155"/>
+        <p:cNvGrpSpPr/>
+        <p:nvPr/>
+      </p:nvGrpSpPr>
+      <p:grpSpPr>
+        <a:xfrm>
+          <a:off x="0" y="0"/>
+          <a:ext cx="0" cy="0"/>
+          <a:chOff x="0" y="0"/>
+          <a:chExt cx="0" cy="0"/>
+        </a:xfrm>
+      </p:grpSpPr>
+      <p:sp>
+        <p:nvSpPr>
+          <p:cNvPr id="156" name="Google Shape;156;p30"/>
+          <p:cNvSpPr txBox="1"/>
+          <p:nvPr>
+            <p:ph type="title"/>
+          </p:nvPr>
+        </p:nvSpPr>
+        <p:spPr>
+          <a:xfrm>
+            <a:off x="311700" y="445025"/>
+            <a:ext cx="8520600" cy="572700"/>
+          </a:xfrm>
+          <a:prstGeom prst="rect">
+            <a:avLst/>
+          </a:prstGeom>
+        </p:spPr>
+        <p:txBody>
+          <a:bodyPr anchorCtr="0" anchor="t" bIns="91425" lIns="91425" spcFirstLastPara="1" rIns="91425" wrap="square" tIns="91425">
+            <a:normAutofit fontScale="90000"/>
+          </a:bodyPr>
+          <a:lstStyle/>
+          <a:p>
+            <a:pPr indent="0" lvl="0" marL="0" rtl="0" algn="ctr">
+              <a:spcBef>
+                <a:spcPts val="0"/>
+              </a:spcBef>
+              <a:spcAft>
+                <a:spcPts val="0"/>
+              </a:spcAft>
+              <a:buClr>
+                <a:schemeClr val="dk1"/>
+              </a:buClr>
+              <a:buSzPct val="39285"/>
+              <a:buFont typeface="Arial"/>
+              <a:buNone/>
+            </a:pPr>
+            <a:r>
+              <a:rPr lang="en"/>
+              <a:t>Machine Learning: Feature Engineering</a:t>
+            </a:r>
+            <a:endParaRPr/>
+          </a:p>
+        </p:txBody>
+      </p:sp>
+      <p:sp>
+        <p:nvSpPr>
+          <p:cNvPr id="157" name="Google Shape;157;p30"/>
+          <p:cNvSpPr txBox="1"/>
+          <p:nvPr>
+            <p:ph idx="1" type="body"/>
+          </p:nvPr>
+        </p:nvSpPr>
+        <p:spPr>
+          <a:xfrm>
+            <a:off x="311700" y="1152475"/>
+            <a:ext cx="8520600" cy="3416400"/>
+          </a:xfrm>
+          <a:prstGeom prst="rect">
+            <a:avLst/>
+          </a:prstGeom>
+        </p:spPr>
+        <p:txBody>
+          <a:bodyPr anchorCtr="0" anchor="t" bIns="91425" lIns="91425" spcFirstLastPara="1" rIns="91425" wrap="square" tIns="91425">
+            <a:normAutofit lnSpcReduction="20000"/>
+          </a:bodyPr>
+          <a:lstStyle/>
+          <a:p>
+            <a:pPr indent="0" lvl="0" marL="0" rtl="0" algn="l">
+              <a:spcBef>
+                <a:spcPts val="0"/>
+              </a:spcBef>
+              <a:spcAft>
+                <a:spcPts val="0"/>
+              </a:spcAft>
+              <a:buNone/>
+            </a:pPr>
+            <a:r>
+              <a:rPr lang="en"/>
+              <a:t>-To answer our question, we needed to get the opening moves from our dataset (our features), and the winner of each game (our </a:t>
+            </a:r>
+            <a:r>
+              <a:rPr lang="en"/>
+              <a:t>labels):</a:t>
+            </a:r>
+            <a:endParaRPr/>
+          </a:p>
+          <a:p>
+            <a:pPr indent="0" lvl="0" marL="457200" rtl="0" algn="l">
+              <a:spcBef>
+                <a:spcPts val="1200"/>
+              </a:spcBef>
+              <a:spcAft>
+                <a:spcPts val="0"/>
+              </a:spcAft>
+              <a:buNone/>
+            </a:pPr>
+            <a:r>
+              <a:rPr lang="en"/>
+              <a:t>-Our features were already in their own column (“moves”), but some transformation work was needed:</a:t>
+            </a:r>
+            <a:endParaRPr/>
+          </a:p>
+          <a:p>
+            <a:pPr indent="0" lvl="0" marL="457200" rtl="0" algn="l">
+              <a:spcBef>
+                <a:spcPts val="1200"/>
+              </a:spcBef>
+              <a:spcAft>
+                <a:spcPts val="0"/>
+              </a:spcAft>
+              <a:buNone/>
+            </a:pPr>
+            <a:r>
+              <a:rPr lang="en"/>
+              <a:t>-The special symbols used in chess notation needed to be removed (ex.  “!” for a good move, “?” for a mistake), as for our analysis, we only care about the move itself, and thus want “e4” and “e4!” to be considered the same move</a:t>
+            </a:r>
+            <a:endParaRPr/>
+          </a:p>
+          <a:p>
+            <a:pPr indent="0" lvl="0" marL="457200" rtl="0" algn="l">
+              <a:spcBef>
+                <a:spcPts val="1200"/>
+              </a:spcBef>
+              <a:spcAft>
+                <a:spcPts val="0"/>
+              </a:spcAft>
+              <a:buNone/>
+            </a:pPr>
+            <a:r>
+              <a:rPr lang="en"/>
+              <a:t>-The first 10 moves were then split into their own columns, and labeled Wm1-Wm5 and Bm1-Bm5 (white and black moves 1-5,respectively)</a:t>
+            </a:r>
+            <a:endParaRPr/>
+          </a:p>
+          <a:p>
+            <a:pPr indent="0" lvl="0" marL="457200" rtl="0" algn="l">
+              <a:spcBef>
+                <a:spcPts val="1200"/>
+              </a:spcBef>
+              <a:spcAft>
+                <a:spcPts val="1200"/>
+              </a:spcAft>
+              <a:buNone/>
+            </a:pPr>
+            <a:r>
+              <a:rPr lang="en"/>
+              <a:t>-These columns were then separated into their own “moves” dataset</a:t>
+            </a:r>
+            <a:endParaRPr/>
+          </a:p>
+        </p:txBody>
+      </p:sp>
+    </p:spTree>
+  </p:cSld>
+  <p:clrMapOvr>
+    <a:masterClrMapping/>
+  </p:clrMapOvr>
+</p:sld>
+</file>
+
+<file path=ppt/slides/slide19.xml><?xml version="1.0" encoding="utf-8"?>
+<p:sld xmlns:a="http://schemas.openxmlformats.org/drawingml/2006/main" xmlns:r="http://schemas.openxmlformats.org/officeDocument/2006/relationships" xmlns:mc="http://schemas.openxmlformats.org/markup-compatibility/2006" xmlns:mv="urn:schemas-microsoft-com:mac:vml" xmlns:p="http://schemas.openxmlformats.org/presentationml/2006/main" xmlns:c="http://schemas.openxmlformats.org/drawingml/2006/chart" xmlns:dgm="http://schemas.openxmlformats.org/drawingml/2006/diagram" xmlns:o="urn:schemas-microsoft-com:office:office" xmlns:v="urn:schemas-microsoft-com:vml" xmlns:pvml="urn:schemas-microsoft-com:office:powerpoint" xmlns:com="http://schemas.openxmlformats.org/drawingml/2006/compatibility" xmlns:p14="http://schemas.microsoft.com/office/powerpoint/2010/main" xmlns:p15="http://schemas.microsoft.com/office/powerpoint/2012/main" xmlns:ahyp="http://schemas.microsoft.com/office/drawing/2018/hyperlinkcolor">
+  <p:cSld>
+    <p:spTree>
+      <p:nvGrpSpPr>
+        <p:cNvPr id="161" name="Shape 161"/>
+        <p:cNvGrpSpPr/>
+        <p:nvPr/>
+      </p:nvGrpSpPr>
+      <p:grpSpPr>
+        <a:xfrm>
+          <a:off x="0" y="0"/>
+          <a:ext cx="0" cy="0"/>
+          <a:chOff x="0" y="0"/>
+          <a:chExt cx="0" cy="0"/>
+        </a:xfrm>
+      </p:grpSpPr>
+      <p:sp>
+        <p:nvSpPr>
+          <p:cNvPr id="162" name="Google Shape;162;p31"/>
+          <p:cNvSpPr txBox="1"/>
+          <p:nvPr>
+            <p:ph type="title"/>
+          </p:nvPr>
+        </p:nvSpPr>
+        <p:spPr>
+          <a:xfrm>
+            <a:off x="311700" y="445025"/>
+            <a:ext cx="8520600" cy="572700"/>
+          </a:xfrm>
+          <a:prstGeom prst="rect">
+            <a:avLst/>
+          </a:prstGeom>
+        </p:spPr>
+        <p:txBody>
+          <a:bodyPr anchorCtr="0" anchor="t" bIns="91425" lIns="91425" spcFirstLastPara="1" rIns="91425" wrap="square" tIns="91425">
+            <a:normAutofit fontScale="90000"/>
+          </a:bodyPr>
+          <a:lstStyle/>
+          <a:p>
+            <a:pPr indent="0" lvl="0" marL="0" rtl="0" algn="ctr">
+              <a:spcBef>
+                <a:spcPts val="0"/>
+              </a:spcBef>
+              <a:spcAft>
+                <a:spcPts val="0"/>
+              </a:spcAft>
+              <a:buClr>
+                <a:schemeClr val="dk1"/>
+              </a:buClr>
+              <a:buSzPct val="39285"/>
+              <a:buFont typeface="Arial"/>
+              <a:buNone/>
+            </a:pPr>
+            <a:r>
+              <a:rPr lang="en"/>
+              <a:t>Machine Learning: Feature Engineering (cont.)</a:t>
+            </a:r>
+            <a:endParaRPr/>
+          </a:p>
+          <a:p>
+            <a:pPr indent="0" lvl="0" marL="0" rtl="0" algn="l">
+              <a:spcBef>
+                <a:spcPts val="0"/>
+              </a:spcBef>
+              <a:spcAft>
+                <a:spcPts val="0"/>
+              </a:spcAft>
+              <a:buNone/>
+            </a:pPr>
+            <a:r>
+              <a:t/>
+            </a:r>
+            <a:endParaRPr/>
+          </a:p>
+        </p:txBody>
+      </p:sp>
+      <p:sp>
+        <p:nvSpPr>
+          <p:cNvPr id="163" name="Google Shape;163;p31"/>
+          <p:cNvSpPr txBox="1"/>
+          <p:nvPr>
+            <p:ph idx="1" type="body"/>
+          </p:nvPr>
+        </p:nvSpPr>
+        <p:spPr>
+          <a:xfrm>
+            <a:off x="311700" y="1152475"/>
+            <a:ext cx="8520600" cy="3416400"/>
+          </a:xfrm>
+          <a:prstGeom prst="rect">
+            <a:avLst/>
+          </a:prstGeom>
+        </p:spPr>
+        <p:txBody>
+          <a:bodyPr anchorCtr="0" anchor="t" bIns="91425" lIns="91425" spcFirstLastPara="1" rIns="91425" wrap="square" tIns="91425">
+            <a:normAutofit lnSpcReduction="20000"/>
+          </a:bodyPr>
+          <a:lstStyle/>
+          <a:p>
+            <a:pPr indent="0" lvl="0" marL="0" rtl="0" algn="l">
+              <a:spcBef>
+                <a:spcPts val="0"/>
+              </a:spcBef>
+              <a:spcAft>
+                <a:spcPts val="0"/>
+              </a:spcAft>
+              <a:buNone/>
+            </a:pPr>
+            <a:r>
+              <a:rPr lang="en"/>
+              <a:t>-Our labels were also in their own column in the dataset (“result”), and thus just needed to be taken and added to the “moves” dataset (as “outcome”)</a:t>
+            </a:r>
+            <a:endParaRPr/>
+          </a:p>
+          <a:p>
+            <a:pPr indent="0" lvl="0" marL="0" rtl="0" algn="l">
+              <a:spcBef>
+                <a:spcPts val="1200"/>
+              </a:spcBef>
+              <a:spcAft>
+                <a:spcPts val="0"/>
+              </a:spcAft>
+              <a:buNone/>
+            </a:pPr>
+            <a:r>
+              <a:t/>
+            </a:r>
+            <a:endParaRPr/>
+          </a:p>
+          <a:p>
+            <a:pPr indent="0" lvl="0" marL="0" rtl="0" algn="l">
+              <a:spcBef>
+                <a:spcPts val="1200"/>
+              </a:spcBef>
+              <a:spcAft>
+                <a:spcPts val="0"/>
+              </a:spcAft>
+              <a:buNone/>
+            </a:pPr>
+            <a:r>
+              <a:rPr lang="en"/>
+              <a:t>-Each unique move was then assigned its own unique number for each feature column (ex. “E4” was 0), and our “result” label column was also transformed with a unique number for each result:</a:t>
+            </a:r>
+            <a:endParaRPr/>
+          </a:p>
+          <a:p>
+            <a:pPr indent="457200" lvl="0" marL="0" rtl="0" algn="l">
+              <a:spcBef>
+                <a:spcPts val="1200"/>
+              </a:spcBef>
+              <a:spcAft>
+                <a:spcPts val="0"/>
+              </a:spcAft>
+              <a:buNone/>
+            </a:pPr>
+            <a:r>
+              <a:rPr lang="en"/>
+              <a:t>- 0: White wins</a:t>
+            </a:r>
+            <a:endParaRPr/>
+          </a:p>
+          <a:p>
+            <a:pPr indent="457200" lvl="0" marL="0" rtl="0" algn="l">
+              <a:spcBef>
+                <a:spcPts val="1200"/>
+              </a:spcBef>
+              <a:spcAft>
+                <a:spcPts val="0"/>
+              </a:spcAft>
+              <a:buNone/>
+            </a:pPr>
+            <a:r>
+              <a:rPr lang="en"/>
+              <a:t>- 1: Draw</a:t>
+            </a:r>
+            <a:endParaRPr/>
+          </a:p>
+          <a:p>
+            <a:pPr indent="457200" lvl="0" marL="0" rtl="0" algn="l">
+              <a:spcBef>
+                <a:spcPts val="1200"/>
+              </a:spcBef>
+              <a:spcAft>
+                <a:spcPts val="1200"/>
+              </a:spcAft>
+              <a:buNone/>
+            </a:pPr>
+            <a:r>
+              <a:rPr lang="en"/>
+              <a:t>- 2: Black wins  </a:t>
+            </a:r>
+            <a:endParaRPr/>
+          </a:p>
+        </p:txBody>
+      </p:sp>
+      <p:pic>
+        <p:nvPicPr>
+          <p:cNvPr id="164" name="Google Shape;164;p31"/>
+          <p:cNvPicPr preferRelativeResize="0"/>
+          <p:nvPr/>
+        </p:nvPicPr>
+        <p:blipFill>
+          <a:blip r:embed="rId3">
+            <a:alphaModFix/>
+          </a:blip>
+          <a:stretch>
+            <a:fillRect/>
+          </a:stretch>
+        </p:blipFill>
+        <p:spPr>
+          <a:xfrm>
+            <a:off x="3415848" y="3234650"/>
+            <a:ext cx="5045550" cy="1642750"/>
+          </a:xfrm>
+          <a:prstGeom prst="rect">
+            <a:avLst/>
+          </a:prstGeom>
+          <a:noFill/>
+          <a:ln>
+            <a:noFill/>
+          </a:ln>
+        </p:spPr>
+      </p:pic>
+    </p:spTree>
+  </p:cSld>
+  <p:clrMapOvr>
+    <a:masterClrMapping/>
+  </p:clrMapOvr>
+</p:sld>
+</file>
+
+<file path=ppt/slides/slide2.xml><?xml version="1.0" encoding="utf-8"?>
+<p:sld xmlns:a="http://schemas.openxmlformats.org/drawingml/2006/main" xmlns:r="http://schemas.openxmlformats.org/officeDocument/2006/relationships" xmlns:mc="http://schemas.openxmlformats.org/markup-compatibility/2006" xmlns:mv="urn:schemas-microsoft-com:mac:vml" xmlns:p="http://schemas.openxmlformats.org/presentationml/2006/main" xmlns:c="http://schemas.openxmlformats.org/drawingml/2006/chart" xmlns:dgm="http://schemas.openxmlformats.org/drawingml/2006/diagram" xmlns:o="urn:schemas-microsoft-com:office:office" xmlns:v="urn:schemas-microsoft-com:vml" xmlns:pvml="urn:schemas-microsoft-com:office:powerpoint" xmlns:com="http://schemas.openxmlformats.org/drawingml/2006/compatibility" xmlns:p14="http://schemas.microsoft.com/office/powerpoint/2010/main" xmlns:p15="http://schemas.microsoft.com/office/powerpoint/2012/main" xmlns:ahyp="http://schemas.microsoft.com/office/drawing/2018/hyperlinkcolor">
+  <p:cSld>
+    <p:spTree>
+      <p:nvGrpSpPr>
+        <p:cNvPr id="59" name="Shape 59"/>
         <p:cNvGrpSpPr/>
         <p:nvPr/>
       </p:nvGrpSpPr>
@@ -5998,116 +9223,174 @@
       <p:sp>
         <p:nvSpPr>
           <p:cNvPr id="60" name="Google Shape;60;p14"/>
-          <p:cNvSpPr txBox="1">
-            <a:spLocks noGrp="1"/>
-          </p:cNvSpPr>
+          <p:cNvSpPr txBox="1"/>
           <p:nvPr>
             <p:ph type="title"/>
           </p:nvPr>
         </p:nvSpPr>
         <p:spPr>
           <a:xfrm>
-            <a:off x="365850" y="671350"/>
-            <a:ext cx="8520600" cy="1635000"/>
+            <a:off x="311700" y="445025"/>
+            <a:ext cx="8520600" cy="572700"/>
           </a:xfrm>
           <a:prstGeom prst="rect">
             <a:avLst/>
           </a:prstGeom>
         </p:spPr>
         <p:txBody>
-          <a:bodyPr spcFirstLastPara="1" wrap="square" lIns="91425" tIns="91425" rIns="91425" bIns="91425" anchor="ctr" anchorCtr="0">
-            <a:normAutofit/>
+          <a:bodyPr anchorCtr="0" anchor="t" bIns="91425" lIns="91425" spcFirstLastPara="1" rIns="91425" wrap="square" tIns="91425">
+            <a:normAutofit fontScale="90000"/>
           </a:bodyPr>
           <a:lstStyle/>
           <a:p>
-            <a:pPr marL="0" lvl="0" indent="0" algn="ctr" rtl="0">
-              <a:spcBef>
-                <a:spcPts val="0"/>
-              </a:spcBef>
-              <a:spcAft>
-                <a:spcPts val="0"/>
-              </a:spcAft>
-              <a:buNone/>
-            </a:pPr>
-            <a:r>
-              <a:rPr lang="en" sz="5000"/>
-              <a:t>Storyboard</a:t>
-            </a:r>
-            <a:endParaRPr sz="5000"/>
+            <a:pPr indent="0" lvl="0" marL="0" rtl="0" algn="l">
+              <a:spcBef>
+                <a:spcPts val="0"/>
+              </a:spcBef>
+              <a:spcAft>
+                <a:spcPts val="0"/>
+              </a:spcAft>
+              <a:buNone/>
+            </a:pPr>
+            <a:r>
+              <a:rPr lang="en"/>
+              <a:t>Background</a:t>
+            </a:r>
+            <a:endParaRPr/>
           </a:p>
         </p:txBody>
       </p:sp>
       <p:sp>
         <p:nvSpPr>
           <p:cNvPr id="61" name="Google Shape;61;p14"/>
-          <p:cNvSpPr txBox="1">
-            <a:spLocks noGrp="1"/>
-          </p:cNvSpPr>
+          <p:cNvSpPr txBox="1"/>
           <p:nvPr>
-            <p:ph type="body" idx="1"/>
+            <p:ph idx="1" type="body"/>
           </p:nvPr>
         </p:nvSpPr>
         <p:spPr>
           <a:xfrm>
-            <a:off x="549925" y="2306350"/>
-            <a:ext cx="8520600" cy="1446300"/>
+            <a:off x="311700" y="1152475"/>
+            <a:ext cx="8520600" cy="3416400"/>
           </a:xfrm>
           <a:prstGeom prst="rect">
             <a:avLst/>
           </a:prstGeom>
         </p:spPr>
         <p:txBody>
-          <a:bodyPr spcFirstLastPara="1" wrap="square" lIns="91425" tIns="91425" rIns="91425" bIns="91425" anchor="t" anchorCtr="0">
+          <a:bodyPr anchorCtr="0" anchor="t" bIns="91425" lIns="91425" spcFirstLastPara="1" rIns="91425" wrap="square" tIns="91425">
             <a:normAutofit/>
           </a:bodyPr>
           <a:lstStyle/>
           <a:p>
-            <a:pPr marL="0" lvl="0" indent="0" algn="ctr" rtl="0">
-              <a:spcBef>
-                <a:spcPts val="0"/>
-              </a:spcBef>
-              <a:spcAft>
-                <a:spcPts val="0"/>
-              </a:spcAft>
-              <a:buNone/>
-            </a:pPr>
-            <a:r>
-              <a:rPr lang="en" sz="2000"/>
-              <a:t>Tableau</a:t>
-            </a:r>
-            <a:endParaRPr sz="2000"/>
-          </a:p>
-          <a:p>
-            <a:pPr marL="914400" lvl="0" indent="0" algn="l" rtl="0">
-              <a:spcBef>
-                <a:spcPts val="1200"/>
-              </a:spcBef>
-              <a:spcAft>
-                <a:spcPts val="0"/>
-              </a:spcAft>
-              <a:buNone/>
-            </a:pPr>
-            <a:r>
-              <a:rPr lang="en" sz="1374"/>
-              <a:t>Tableau is an interactive data visualization software</a:t>
-            </a:r>
-            <a:endParaRPr sz="1374"/>
-          </a:p>
-          <a:p>
-            <a:pPr marL="914400" lvl="0" indent="0" algn="l" rtl="0">
-              <a:spcBef>
-                <a:spcPts val="1200"/>
-              </a:spcBef>
-              <a:spcAft>
-                <a:spcPts val="1200"/>
-              </a:spcAft>
-              <a:buNone/>
-            </a:pPr>
-            <a:r>
-              <a:rPr lang="en" sz="1374"/>
-              <a:t>We will use tableau to determine if data analytics can make you a better chess player</a:t>
-            </a:r>
-            <a:endParaRPr sz="1374"/>
+            <a:pPr indent="-342900" lvl="0" marL="457200" rtl="0" algn="l">
+              <a:spcBef>
+                <a:spcPts val="0"/>
+              </a:spcBef>
+              <a:spcAft>
+                <a:spcPts val="0"/>
+              </a:spcAft>
+              <a:buSzPts val="1800"/>
+              <a:buChar char="●"/>
+            </a:pPr>
+            <a:r>
+              <a:rPr lang="en"/>
+              <a:t>Chess is a game of pattern recognition</a:t>
+            </a:r>
+            <a:endParaRPr/>
+          </a:p>
+          <a:p>
+            <a:pPr indent="-342900" lvl="0" marL="457200" rtl="0" algn="l">
+              <a:spcBef>
+                <a:spcPts val="0"/>
+              </a:spcBef>
+              <a:spcAft>
+                <a:spcPts val="0"/>
+              </a:spcAft>
+              <a:buSzPts val="1800"/>
+              <a:buChar char="●"/>
+            </a:pPr>
+            <a:r>
+              <a:rPr lang="en"/>
+              <a:t>Machine learning excels at detecting macroscopic patterns in data</a:t>
+            </a:r>
+            <a:endParaRPr/>
+          </a:p>
+          <a:p>
+            <a:pPr indent="-342900" lvl="0" marL="457200" rtl="0" algn="l">
+              <a:spcBef>
+                <a:spcPts val="0"/>
+              </a:spcBef>
+              <a:spcAft>
+                <a:spcPts val="0"/>
+              </a:spcAft>
+              <a:buSzPts val="1800"/>
+              <a:buChar char="●"/>
+            </a:pPr>
+            <a:r>
+              <a:rPr lang="en"/>
+              <a:t>Goals</a:t>
+            </a:r>
+            <a:endParaRPr/>
+          </a:p>
+          <a:p>
+            <a:pPr indent="-317500" lvl="1" marL="914400" rtl="0" algn="l">
+              <a:spcBef>
+                <a:spcPts val="0"/>
+              </a:spcBef>
+              <a:spcAft>
+                <a:spcPts val="0"/>
+              </a:spcAft>
+              <a:buSzPts val="1400"/>
+              <a:buChar char="○"/>
+            </a:pPr>
+            <a:r>
+              <a:rPr lang="en"/>
+              <a:t>Use statistical and </a:t>
+            </a:r>
+            <a:r>
+              <a:rPr lang="en"/>
+              <a:t>machine</a:t>
+            </a:r>
+            <a:r>
+              <a:rPr lang="en"/>
+              <a:t> learning analysis on a large dataset of chess games</a:t>
+            </a:r>
+            <a:endParaRPr/>
+          </a:p>
+          <a:p>
+            <a:pPr indent="-317500" lvl="1" marL="914400" rtl="0" algn="l">
+              <a:spcBef>
+                <a:spcPts val="0"/>
+              </a:spcBef>
+              <a:spcAft>
+                <a:spcPts val="0"/>
+              </a:spcAft>
+              <a:buSzPts val="1400"/>
+              <a:buChar char="○"/>
+            </a:pPr>
+            <a:r>
+              <a:rPr lang="en"/>
+              <a:t>Answer broad questions about how chess is played</a:t>
+            </a:r>
+            <a:endParaRPr/>
+          </a:p>
+          <a:p>
+            <a:pPr indent="-317500" lvl="1" marL="914400" rtl="0" algn="l">
+              <a:spcBef>
+                <a:spcPts val="0"/>
+              </a:spcBef>
+              <a:spcAft>
+                <a:spcPts val="0"/>
+              </a:spcAft>
+              <a:buSzPts val="1400"/>
+              <a:buChar char="○"/>
+            </a:pPr>
+            <a:r>
+              <a:rPr lang="en"/>
+              <a:t>Apply results to our own games to become better players</a:t>
+            </a:r>
+            <a:endParaRPr/>
           </a:p>
         </p:txBody>
       </p:sp>
@@ -6120,11 +9403,11 @@
 </file>
 
 <file path=ppt/slides/slide3.xml><?xml version="1.0" encoding="utf-8"?>
-<p:sld xmlns:a="http://schemas.openxmlformats.org/drawingml/2006/main" xmlns:r="http://schemas.openxmlformats.org/officeDocument/2006/relationships" xmlns:p="http://schemas.openxmlformats.org/presentationml/2006/main">
+<p:sld xmlns:a="http://schemas.openxmlformats.org/drawingml/2006/main" xmlns:r="http://schemas.openxmlformats.org/officeDocument/2006/relationships" xmlns:mc="http://schemas.openxmlformats.org/markup-compatibility/2006" xmlns:mv="urn:schemas-microsoft-com:mac:vml" xmlns:p="http://schemas.openxmlformats.org/presentationml/2006/main" xmlns:c="http://schemas.openxmlformats.org/drawingml/2006/chart" xmlns:dgm="http://schemas.openxmlformats.org/drawingml/2006/diagram" xmlns:o="urn:schemas-microsoft-com:office:office" xmlns:v="urn:schemas-microsoft-com:vml" xmlns:pvml="urn:schemas-microsoft-com:office:powerpoint" xmlns:com="http://schemas.openxmlformats.org/drawingml/2006/compatibility" xmlns:p14="http://schemas.microsoft.com/office/powerpoint/2010/main" xmlns:p15="http://schemas.microsoft.com/office/powerpoint/2012/main" xmlns:ahyp="http://schemas.microsoft.com/office/drawing/2018/hyperlinkcolor">
   <p:cSld>
     <p:spTree>
       <p:nvGrpSpPr>
-        <p:cNvPr id="1" name="Shape 65"/>
+        <p:cNvPr id="65" name="Shape 65"/>
         <p:cNvGrpSpPr/>
         <p:nvPr/>
       </p:nvGrpSpPr>
@@ -6139,9 +9422,7 @@
       <p:sp>
         <p:nvSpPr>
           <p:cNvPr id="66" name="Google Shape;66;p15"/>
-          <p:cNvSpPr txBox="1">
-            <a:spLocks noGrp="1"/>
-          </p:cNvSpPr>
+          <p:cNvSpPr txBox="1"/>
           <p:nvPr>
             <p:ph type="title"/>
           </p:nvPr>
@@ -6156,23 +9437,23 @@
           </a:prstGeom>
         </p:spPr>
         <p:txBody>
-          <a:bodyPr spcFirstLastPara="1" wrap="square" lIns="91425" tIns="91425" rIns="91425" bIns="91425" anchor="t" anchorCtr="0">
+          <a:bodyPr anchorCtr="0" anchor="t" bIns="91425" lIns="91425" spcFirstLastPara="1" rIns="91425" wrap="square" tIns="91425">
             <a:normAutofit fontScale="90000"/>
           </a:bodyPr>
           <a:lstStyle/>
           <a:p>
-            <a:pPr marL="0" lvl="0" indent="0" algn="ctr" rtl="0">
-              <a:spcBef>
-                <a:spcPts val="0"/>
-              </a:spcBef>
-              <a:spcAft>
-                <a:spcPts val="0"/>
-              </a:spcAft>
-              <a:buNone/>
-            </a:pPr>
-            <a:r>
-              <a:rPr lang="en"/>
-              <a:t>Tableau Public</a:t>
+            <a:pPr indent="0" lvl="0" marL="0" rtl="0" algn="l">
+              <a:spcBef>
+                <a:spcPts val="0"/>
+              </a:spcBef>
+              <a:spcAft>
+                <a:spcPts val="0"/>
+              </a:spcAft>
+              <a:buNone/>
+            </a:pPr>
+            <a:r>
+              <a:rPr lang="en"/>
+              <a:t>Communication Protocols</a:t>
             </a:r>
             <a:endParaRPr/>
           </a:p>
@@ -6181,11 +9462,9 @@
       <p:sp>
         <p:nvSpPr>
           <p:cNvPr id="67" name="Google Shape;67;p15"/>
-          <p:cNvSpPr txBox="1">
-            <a:spLocks noGrp="1"/>
-          </p:cNvSpPr>
+          <p:cNvSpPr txBox="1"/>
           <p:nvPr>
-            <p:ph type="body" idx="1"/>
+            <p:ph idx="1" type="body"/>
           </p:nvPr>
         </p:nvSpPr>
         <p:spPr>
@@ -6198,12 +9477,12 @@
           </a:prstGeom>
         </p:spPr>
         <p:txBody>
-          <a:bodyPr spcFirstLastPara="1" wrap="square" lIns="91425" tIns="91425" rIns="91425" bIns="91425" anchor="t" anchorCtr="0">
+          <a:bodyPr anchorCtr="0" anchor="t" bIns="91425" lIns="91425" spcFirstLastPara="1" rIns="91425" wrap="square" tIns="91425">
             <a:normAutofit/>
           </a:bodyPr>
           <a:lstStyle/>
           <a:p>
-            <a:pPr marL="457200" lvl="0" indent="-342900" algn="l" rtl="0">
+            <a:pPr indent="-342900" lvl="0" marL="457200" rtl="0" algn="l">
               <a:spcBef>
                 <a:spcPts val="0"/>
               </a:spcBef>
@@ -6215,12 +9494,12 @@
             </a:pPr>
             <a:r>
               <a:rPr lang="en"/>
-              <a:t>We will use interactive elements in tableau public to display the answer to the following questions</a:t>
-            </a:r>
-            <a:endParaRPr/>
-          </a:p>
-          <a:p>
-            <a:pPr marL="914400" lvl="1" indent="-317500" algn="l" rtl="0">
+              <a:t>Meeting via Zoom 3-4 times per week</a:t>
+            </a:r>
+            <a:endParaRPr/>
+          </a:p>
+          <a:p>
+            <a:pPr indent="-317500" lvl="1" marL="914400" rtl="0" algn="l">
               <a:spcBef>
                 <a:spcPts val="0"/>
               </a:spcBef>
@@ -6232,12 +9511,12 @@
             </a:pPr>
             <a:r>
               <a:rPr lang="en"/>
-              <a:t>Win/lose/draw based on color, and if the outcome changes based on bracket.</a:t>
-            </a:r>
-            <a:endParaRPr/>
-          </a:p>
-          <a:p>
-            <a:pPr marL="914400" lvl="1" indent="-317500" algn="l" rtl="0">
+              <a:t>During Monday and Wednesday lectures</a:t>
+            </a:r>
+            <a:endParaRPr/>
+          </a:p>
+          <a:p>
+            <a:pPr indent="-317500" lvl="1" marL="914400" rtl="0" algn="l">
               <a:spcBef>
                 <a:spcPts val="0"/>
               </a:spcBef>
@@ -6249,12 +9528,12 @@
             </a:pPr>
             <a:r>
               <a:rPr lang="en"/>
-              <a:t>Average number of turns per match for wins and losses.</a:t>
-            </a:r>
-            <a:endParaRPr/>
-          </a:p>
-          <a:p>
-            <a:pPr marL="914400" lvl="1" indent="-317500" algn="l" rtl="0">
+              <a:t>Friday or Saturday to finalize plans for the segment</a:t>
+            </a:r>
+            <a:endParaRPr/>
+          </a:p>
+          <a:p>
+            <a:pPr indent="-317500" lvl="1" marL="914400" rtl="0" algn="l">
               <a:spcBef>
                 <a:spcPts val="0"/>
               </a:spcBef>
@@ -6266,12 +9545,29 @@
             </a:pPr>
             <a:r>
               <a:rPr lang="en"/>
-              <a:t>Chances on winning based on ELO difference, and if this will change per bracket.</a:t>
-            </a:r>
-            <a:endParaRPr/>
-          </a:p>
-          <a:p>
-            <a:pPr marL="914400" lvl="1" indent="-317500" algn="l" rtl="0">
+              <a:t>Sunday to make sure everything is set for submission</a:t>
+            </a:r>
+            <a:endParaRPr/>
+          </a:p>
+          <a:p>
+            <a:pPr indent="-342900" lvl="0" marL="457200" rtl="0" algn="l">
+              <a:spcBef>
+                <a:spcPts val="0"/>
+              </a:spcBef>
+              <a:spcAft>
+                <a:spcPts val="0"/>
+              </a:spcAft>
+              <a:buSzPts val="1800"/>
+              <a:buChar char="●"/>
+            </a:pPr>
+            <a:r>
+              <a:rPr lang="en"/>
+              <a:t>Communicating throughout the week via Slack</a:t>
+            </a:r>
+            <a:endParaRPr/>
+          </a:p>
+          <a:p>
+            <a:pPr indent="-317500" lvl="1" marL="914400" rtl="0" algn="l">
               <a:spcBef>
                 <a:spcPts val="0"/>
               </a:spcBef>
@@ -6283,24 +9579,7 @@
             </a:pPr>
             <a:r>
               <a:rPr lang="en"/>
-              <a:t>Most common opening overall, and by ELO bracket.</a:t>
-            </a:r>
-            <a:endParaRPr/>
-          </a:p>
-          <a:p>
-            <a:pPr marL="914400" lvl="1" indent="-317500" algn="l" rtl="0">
-              <a:spcBef>
-                <a:spcPts val="0"/>
-              </a:spcBef>
-              <a:spcAft>
-                <a:spcPts val="0"/>
-              </a:spcAft>
-              <a:buSzPts val="1400"/>
-              <a:buChar char="○"/>
-            </a:pPr>
-            <a:r>
-              <a:rPr lang="en"/>
-              <a:t>What opening has the highest win chance by color and by ELO bracket.</a:t>
+              <a:t>Each member gave periodic updates on their progress and brought up questions that arose when completing their portion of the assignments</a:t>
             </a:r>
             <a:endParaRPr/>
           </a:p>
@@ -6315,11 +9594,11 @@
 </file>
 
 <file path=ppt/slides/slide4.xml><?xml version="1.0" encoding="utf-8"?>
-<p:sld xmlns:a="http://schemas.openxmlformats.org/drawingml/2006/main" xmlns:r="http://schemas.openxmlformats.org/officeDocument/2006/relationships" xmlns:p="http://schemas.openxmlformats.org/presentationml/2006/main">
+<p:sld xmlns:a="http://schemas.openxmlformats.org/drawingml/2006/main" xmlns:r="http://schemas.openxmlformats.org/officeDocument/2006/relationships" xmlns:mc="http://schemas.openxmlformats.org/markup-compatibility/2006" xmlns:mv="urn:schemas-microsoft-com:mac:vml" xmlns:p="http://schemas.openxmlformats.org/presentationml/2006/main" xmlns:c="http://schemas.openxmlformats.org/drawingml/2006/chart" xmlns:dgm="http://schemas.openxmlformats.org/drawingml/2006/diagram" xmlns:o="urn:schemas-microsoft-com:office:office" xmlns:v="urn:schemas-microsoft-com:vml" xmlns:pvml="urn:schemas-microsoft-com:office:powerpoint" xmlns:com="http://schemas.openxmlformats.org/drawingml/2006/compatibility" xmlns:p14="http://schemas.microsoft.com/office/powerpoint/2010/main" xmlns:p15="http://schemas.microsoft.com/office/powerpoint/2012/main" xmlns:ahyp="http://schemas.microsoft.com/office/drawing/2018/hyperlinkcolor">
   <p:cSld>
     <p:spTree>
       <p:nvGrpSpPr>
-        <p:cNvPr id="1" name="Shape 71"/>
+        <p:cNvPr id="71" name="Shape 71"/>
         <p:cNvGrpSpPr/>
         <p:nvPr/>
       </p:nvGrpSpPr>
@@ -6334,9 +9613,7 @@
       <p:sp>
         <p:nvSpPr>
           <p:cNvPr id="72" name="Google Shape;72;p16"/>
-          <p:cNvSpPr txBox="1">
-            <a:spLocks noGrp="1"/>
-          </p:cNvSpPr>
+          <p:cNvSpPr txBox="1"/>
           <p:nvPr>
             <p:ph type="title"/>
           </p:nvPr>
@@ -6351,23 +9628,23 @@
           </a:prstGeom>
         </p:spPr>
         <p:txBody>
-          <a:bodyPr spcFirstLastPara="1" wrap="square" lIns="91425" tIns="91425" rIns="91425" bIns="91425" anchor="t" anchorCtr="0">
+          <a:bodyPr anchorCtr="0" anchor="t" bIns="91425" lIns="91425" spcFirstLastPara="1" rIns="91425" wrap="square" tIns="91425">
             <a:normAutofit fontScale="90000"/>
           </a:bodyPr>
           <a:lstStyle/>
           <a:p>
-            <a:pPr marL="0" lvl="0" indent="0" algn="ctr" rtl="0">
-              <a:spcBef>
-                <a:spcPts val="0"/>
-              </a:spcBef>
-              <a:spcAft>
-                <a:spcPts val="0"/>
-              </a:spcAft>
-              <a:buNone/>
-            </a:pPr>
-            <a:r>
-              <a:rPr lang="en"/>
-              <a:t>Interactive Elements</a:t>
+            <a:pPr indent="0" lvl="0" marL="0" rtl="0" algn="l">
+              <a:spcBef>
+                <a:spcPts val="0"/>
+              </a:spcBef>
+              <a:spcAft>
+                <a:spcPts val="0"/>
+              </a:spcAft>
+              <a:buNone/>
+            </a:pPr>
+            <a:r>
+              <a:rPr lang="en"/>
+              <a:t>Datasets</a:t>
             </a:r>
             <a:endParaRPr/>
           </a:p>
@@ -6376,11 +9653,9 @@
       <p:sp>
         <p:nvSpPr>
           <p:cNvPr id="73" name="Google Shape;73;p16"/>
-          <p:cNvSpPr txBox="1">
-            <a:spLocks noGrp="1"/>
-          </p:cNvSpPr>
+          <p:cNvSpPr txBox="1"/>
           <p:nvPr>
-            <p:ph type="body" idx="1"/>
+            <p:ph idx="1" type="body"/>
           </p:nvPr>
         </p:nvSpPr>
         <p:spPr>
@@ -6393,30 +9668,14 @@
           </a:prstGeom>
         </p:spPr>
         <p:txBody>
-          <a:bodyPr spcFirstLastPara="1" wrap="square" lIns="91425" tIns="91425" rIns="91425" bIns="91425" anchor="t" anchorCtr="0">
+          <a:bodyPr anchorCtr="0" anchor="t" bIns="91425" lIns="91425" spcFirstLastPara="1" rIns="91425" wrap="square" tIns="91425">
             <a:normAutofit/>
           </a:bodyPr>
           <a:lstStyle/>
           <a:p>
-            <a:pPr marL="0" lvl="0" indent="0" algn="l" rtl="0">
-              <a:spcBef>
-                <a:spcPts val="0"/>
-              </a:spcBef>
-              <a:spcAft>
-                <a:spcPts val="0"/>
-              </a:spcAft>
-              <a:buNone/>
-            </a:pPr>
-            <a:r>
-              <a:rPr lang="en"/>
-              <a:t>Drop down selections:</a:t>
-            </a:r>
-            <a:endParaRPr/>
-          </a:p>
-          <a:p>
-            <a:pPr marL="457200" lvl="0" indent="-342900" algn="l" rtl="0">
-              <a:spcBef>
-                <a:spcPts val="1200"/>
+            <a:pPr indent="-342900" lvl="0" marL="457200" rtl="0" algn="l">
+              <a:spcBef>
+                <a:spcPts val="0"/>
               </a:spcBef>
               <a:spcAft>
                 <a:spcPts val="0"/>
@@ -6426,30 +9685,36 @@
             </a:pPr>
             <a:r>
               <a:rPr lang="en"/>
-              <a:t>We will use a drop down arrow to show the win/lose/draw statistics by rating brackets, chances of winning based on ELO difference, and to show the most common opening per bracket.</a:t>
-            </a:r>
-            <a:endParaRPr/>
-          </a:p>
-          <a:p>
-            <a:pPr marL="0" lvl="0" indent="0" algn="l" rtl="0">
-              <a:spcBef>
-                <a:spcPts val="1200"/>
-              </a:spcBef>
-              <a:spcAft>
-                <a:spcPts val="0"/>
-              </a:spcAft>
-              <a:buNone/>
-            </a:pPr>
-            <a:r>
-              <a:rPr lang="en"/>
-              <a:t>Charts and graphs:</a:t>
-            </a:r>
-            <a:endParaRPr/>
-          </a:p>
-          <a:p>
-            <a:pPr marL="457200" lvl="0" indent="-342900" algn="l" rtl="0">
-              <a:spcBef>
-                <a:spcPts val="1200"/>
+              <a:t>Random assortment of roughly 20,000 games played on lichess.org, pulled via Lichess API</a:t>
+            </a:r>
+            <a:endParaRPr/>
+          </a:p>
+          <a:p>
+            <a:pPr indent="-317500" lvl="1" marL="914400" rtl="0" algn="l">
+              <a:spcBef>
+                <a:spcPts val="0"/>
+              </a:spcBef>
+              <a:spcAft>
+                <a:spcPts val="0"/>
+              </a:spcAft>
+              <a:buSzPts val="1400"/>
+              <a:buChar char="○"/>
+            </a:pPr>
+            <a:r>
+              <a:rPr lang="en" u="sng">
+                <a:solidFill>
+                  <a:schemeClr val="hlink"/>
+                </a:solidFill>
+                <a:hlinkClick r:id="rId3"/>
+              </a:rPr>
+              <a:t>Link</a:t>
+            </a:r>
+            <a:endParaRPr/>
+          </a:p>
+          <a:p>
+            <a:pPr indent="-342900" lvl="0" marL="457200" rtl="0" algn="l">
+              <a:spcBef>
+                <a:spcPts val="0"/>
               </a:spcBef>
               <a:spcAft>
                 <a:spcPts val="0"/>
@@ -6459,7 +9724,1009 @@
             </a:pPr>
             <a:r>
               <a:rPr lang="en"/>
-              <a:t>We will use interactive charts to determine the amount of average turns per match and what opening has the highest chance of winning</a:t>
+              <a:t>6.25 million chess games played on lichess.org in July 2016</a:t>
+            </a:r>
+            <a:endParaRPr/>
+          </a:p>
+          <a:p>
+            <a:pPr indent="-317500" lvl="1" marL="914400" rtl="0" algn="l">
+              <a:spcBef>
+                <a:spcPts val="0"/>
+              </a:spcBef>
+              <a:spcAft>
+                <a:spcPts val="0"/>
+              </a:spcAft>
+              <a:buSzPts val="1400"/>
+              <a:buChar char="○"/>
+            </a:pPr>
+            <a:r>
+              <a:rPr lang="en" u="sng">
+                <a:solidFill>
+                  <a:schemeClr val="hlink"/>
+                </a:solidFill>
+                <a:hlinkClick r:id="rId4"/>
+              </a:rPr>
+              <a:t>Link</a:t>
+            </a:r>
+            <a:endParaRPr/>
+          </a:p>
+          <a:p>
+            <a:pPr indent="-342900" lvl="0" marL="457200" rtl="0" algn="l">
+              <a:spcBef>
+                <a:spcPts val="0"/>
+              </a:spcBef>
+              <a:spcAft>
+                <a:spcPts val="0"/>
+              </a:spcAft>
+              <a:buSzPts val="1800"/>
+              <a:buChar char="●"/>
+            </a:pPr>
+            <a:r>
+              <a:rPr lang="en"/>
+              <a:t>3.5 million chess games stored in ChessDB database from late 1700s to early 2000s</a:t>
+            </a:r>
+            <a:endParaRPr/>
+          </a:p>
+          <a:p>
+            <a:pPr indent="-317500" lvl="1" marL="914400" rtl="0" algn="l">
+              <a:spcBef>
+                <a:spcPts val="0"/>
+              </a:spcBef>
+              <a:spcAft>
+                <a:spcPts val="0"/>
+              </a:spcAft>
+              <a:buSzPts val="1400"/>
+              <a:buChar char="○"/>
+            </a:pPr>
+            <a:r>
+              <a:rPr lang="en" u="sng">
+                <a:solidFill>
+                  <a:schemeClr val="hlink"/>
+                </a:solidFill>
+                <a:hlinkClick r:id="rId5"/>
+              </a:rPr>
+              <a:t>Link</a:t>
+            </a:r>
+            <a:endParaRPr/>
+          </a:p>
+        </p:txBody>
+      </p:sp>
+    </p:spTree>
+  </p:cSld>
+  <p:clrMapOvr>
+    <a:masterClrMapping/>
+  </p:clrMapOvr>
+</p:sld>
+</file>
+
+<file path=ppt/slides/slide5.xml><?xml version="1.0" encoding="utf-8"?>
+<p:sld xmlns:a="http://schemas.openxmlformats.org/drawingml/2006/main" xmlns:r="http://schemas.openxmlformats.org/officeDocument/2006/relationships" xmlns:mc="http://schemas.openxmlformats.org/markup-compatibility/2006" xmlns:mv="urn:schemas-microsoft-com:mac:vml" xmlns:p="http://schemas.openxmlformats.org/presentationml/2006/main" xmlns:c="http://schemas.openxmlformats.org/drawingml/2006/chart" xmlns:dgm="http://schemas.openxmlformats.org/drawingml/2006/diagram" xmlns:o="urn:schemas-microsoft-com:office:office" xmlns:v="urn:schemas-microsoft-com:vml" xmlns:pvml="urn:schemas-microsoft-com:office:powerpoint" xmlns:com="http://schemas.openxmlformats.org/drawingml/2006/compatibility" xmlns:p14="http://schemas.microsoft.com/office/powerpoint/2010/main" xmlns:p15="http://schemas.microsoft.com/office/powerpoint/2012/main" xmlns:ahyp="http://schemas.microsoft.com/office/drawing/2018/hyperlinkcolor">
+  <p:cSld>
+    <p:spTree>
+      <p:nvGrpSpPr>
+        <p:cNvPr id="77" name="Shape 77"/>
+        <p:cNvGrpSpPr/>
+        <p:nvPr/>
+      </p:nvGrpSpPr>
+      <p:grpSpPr>
+        <a:xfrm>
+          <a:off x="0" y="0"/>
+          <a:ext cx="0" cy="0"/>
+          <a:chOff x="0" y="0"/>
+          <a:chExt cx="0" cy="0"/>
+        </a:xfrm>
+      </p:grpSpPr>
+      <p:sp>
+        <p:nvSpPr>
+          <p:cNvPr id="78" name="Google Shape;78;p17"/>
+          <p:cNvSpPr txBox="1"/>
+          <p:nvPr>
+            <p:ph type="title"/>
+          </p:nvPr>
+        </p:nvSpPr>
+        <p:spPr>
+          <a:xfrm>
+            <a:off x="311700" y="445025"/>
+            <a:ext cx="8520600" cy="572700"/>
+          </a:xfrm>
+          <a:prstGeom prst="rect">
+            <a:avLst/>
+          </a:prstGeom>
+        </p:spPr>
+        <p:txBody>
+          <a:bodyPr anchorCtr="0" anchor="t" bIns="91425" lIns="91425" spcFirstLastPara="1" rIns="91425" wrap="square" tIns="91425">
+            <a:normAutofit fontScale="90000"/>
+          </a:bodyPr>
+          <a:lstStyle/>
+          <a:p>
+            <a:pPr indent="0" lvl="0" marL="0" rtl="0" algn="l">
+              <a:spcBef>
+                <a:spcPts val="0"/>
+              </a:spcBef>
+              <a:spcAft>
+                <a:spcPts val="0"/>
+              </a:spcAft>
+              <a:buNone/>
+            </a:pPr>
+            <a:r>
+              <a:rPr lang="en"/>
+              <a:t>Datasets</a:t>
+            </a:r>
+            <a:endParaRPr/>
+          </a:p>
+        </p:txBody>
+      </p:sp>
+      <p:sp>
+        <p:nvSpPr>
+          <p:cNvPr id="79" name="Google Shape;79;p17"/>
+          <p:cNvSpPr txBox="1"/>
+          <p:nvPr>
+            <p:ph idx="1" type="body"/>
+          </p:nvPr>
+        </p:nvSpPr>
+        <p:spPr>
+          <a:xfrm>
+            <a:off x="311700" y="1152475"/>
+            <a:ext cx="8520600" cy="3416400"/>
+          </a:xfrm>
+          <a:prstGeom prst="rect">
+            <a:avLst/>
+          </a:prstGeom>
+        </p:spPr>
+        <p:txBody>
+          <a:bodyPr anchorCtr="0" anchor="t" bIns="91425" lIns="91425" spcFirstLastPara="1" rIns="91425" wrap="square" tIns="91425">
+            <a:normAutofit/>
+          </a:bodyPr>
+          <a:lstStyle/>
+          <a:p>
+            <a:pPr indent="-342900" lvl="0" marL="457200" rtl="0" algn="l">
+              <a:spcBef>
+                <a:spcPts val="0"/>
+              </a:spcBef>
+              <a:spcAft>
+                <a:spcPts val="0"/>
+              </a:spcAft>
+              <a:buSzPts val="1800"/>
+              <a:buChar char="●"/>
+            </a:pPr>
+            <a:r>
+              <a:rPr lang="en"/>
+              <a:t>Information contained in each dataset</a:t>
+            </a:r>
+            <a:endParaRPr/>
+          </a:p>
+          <a:p>
+            <a:pPr indent="-317500" lvl="1" marL="914400" rtl="0" algn="l">
+              <a:spcBef>
+                <a:spcPts val="0"/>
+              </a:spcBef>
+              <a:spcAft>
+                <a:spcPts val="0"/>
+              </a:spcAft>
+              <a:buSzPts val="1400"/>
+              <a:buChar char="○"/>
+            </a:pPr>
+            <a:r>
+              <a:rPr lang="en"/>
+              <a:t>Date/time of game</a:t>
+            </a:r>
+            <a:endParaRPr/>
+          </a:p>
+          <a:p>
+            <a:pPr indent="-317500" lvl="1" marL="914400" rtl="0" algn="l">
+              <a:spcBef>
+                <a:spcPts val="0"/>
+              </a:spcBef>
+              <a:spcAft>
+                <a:spcPts val="0"/>
+              </a:spcAft>
+              <a:buSzPts val="1400"/>
+              <a:buChar char="○"/>
+            </a:pPr>
+            <a:r>
+              <a:rPr lang="en"/>
+              <a:t>Identity of players</a:t>
+            </a:r>
+            <a:endParaRPr/>
+          </a:p>
+          <a:p>
+            <a:pPr indent="-317500" lvl="1" marL="914400" rtl="0" algn="l">
+              <a:spcBef>
+                <a:spcPts val="0"/>
+              </a:spcBef>
+              <a:spcAft>
+                <a:spcPts val="0"/>
+              </a:spcAft>
+              <a:buSzPts val="1400"/>
+              <a:buChar char="○"/>
+            </a:pPr>
+            <a:r>
+              <a:rPr lang="en"/>
+              <a:t>Rating of players</a:t>
+            </a:r>
+            <a:endParaRPr/>
+          </a:p>
+          <a:p>
+            <a:pPr indent="-317500" lvl="1" marL="914400" rtl="0" algn="l">
+              <a:spcBef>
+                <a:spcPts val="0"/>
+              </a:spcBef>
+              <a:spcAft>
+                <a:spcPts val="0"/>
+              </a:spcAft>
+              <a:buSzPts val="1400"/>
+              <a:buChar char="○"/>
+            </a:pPr>
+            <a:r>
+              <a:rPr lang="en"/>
+              <a:t>Winner</a:t>
+            </a:r>
+            <a:endParaRPr/>
+          </a:p>
+          <a:p>
+            <a:pPr indent="-317500" lvl="1" marL="914400" rtl="0" algn="l">
+              <a:spcBef>
+                <a:spcPts val="0"/>
+              </a:spcBef>
+              <a:spcAft>
+                <a:spcPts val="0"/>
+              </a:spcAft>
+              <a:buSzPts val="1400"/>
+              <a:buChar char="○"/>
+            </a:pPr>
+            <a:r>
+              <a:rPr lang="en"/>
+              <a:t>Moves</a:t>
+            </a:r>
+            <a:endParaRPr/>
+          </a:p>
+        </p:txBody>
+      </p:sp>
+    </p:spTree>
+  </p:cSld>
+  <p:clrMapOvr>
+    <a:masterClrMapping/>
+  </p:clrMapOvr>
+</p:sld>
+</file>
+
+<file path=ppt/slides/slide6.xml><?xml version="1.0" encoding="utf-8"?>
+<p:sld xmlns:a="http://schemas.openxmlformats.org/drawingml/2006/main" xmlns:r="http://schemas.openxmlformats.org/officeDocument/2006/relationships" xmlns:mc="http://schemas.openxmlformats.org/markup-compatibility/2006" xmlns:mv="urn:schemas-microsoft-com:mac:vml" xmlns:p="http://schemas.openxmlformats.org/presentationml/2006/main" xmlns:c="http://schemas.openxmlformats.org/drawingml/2006/chart" xmlns:dgm="http://schemas.openxmlformats.org/drawingml/2006/diagram" xmlns:o="urn:schemas-microsoft-com:office:office" xmlns:v="urn:schemas-microsoft-com:vml" xmlns:pvml="urn:schemas-microsoft-com:office:powerpoint" xmlns:com="http://schemas.openxmlformats.org/drawingml/2006/compatibility" xmlns:p14="http://schemas.microsoft.com/office/powerpoint/2010/main" xmlns:p15="http://schemas.microsoft.com/office/powerpoint/2012/main" xmlns:ahyp="http://schemas.microsoft.com/office/drawing/2018/hyperlinkcolor">
+  <p:cSld>
+    <p:spTree>
+      <p:nvGrpSpPr>
+        <p:cNvPr id="83" name="Shape 83"/>
+        <p:cNvGrpSpPr/>
+        <p:nvPr/>
+      </p:nvGrpSpPr>
+      <p:grpSpPr>
+        <a:xfrm>
+          <a:off x="0" y="0"/>
+          <a:ext cx="0" cy="0"/>
+          <a:chOff x="0" y="0"/>
+          <a:chExt cx="0" cy="0"/>
+        </a:xfrm>
+      </p:grpSpPr>
+      <p:sp>
+        <p:nvSpPr>
+          <p:cNvPr id="84" name="Google Shape;84;p18"/>
+          <p:cNvSpPr txBox="1"/>
+          <p:nvPr>
+            <p:ph type="title"/>
+          </p:nvPr>
+        </p:nvSpPr>
+        <p:spPr>
+          <a:xfrm>
+            <a:off x="311700" y="445025"/>
+            <a:ext cx="8520600" cy="572700"/>
+          </a:xfrm>
+          <a:prstGeom prst="rect">
+            <a:avLst/>
+          </a:prstGeom>
+        </p:spPr>
+        <p:txBody>
+          <a:bodyPr anchorCtr="0" anchor="t" bIns="91425" lIns="91425" spcFirstLastPara="1" rIns="91425" wrap="square" tIns="91425">
+            <a:normAutofit fontScale="90000"/>
+          </a:bodyPr>
+          <a:lstStyle/>
+          <a:p>
+            <a:pPr indent="0" lvl="0" marL="0" rtl="0" algn="l">
+              <a:spcBef>
+                <a:spcPts val="0"/>
+              </a:spcBef>
+              <a:spcAft>
+                <a:spcPts val="0"/>
+              </a:spcAft>
+              <a:buNone/>
+            </a:pPr>
+            <a:r>
+              <a:rPr lang="en"/>
+              <a:t>Data Exploration Phase</a:t>
+            </a:r>
+            <a:endParaRPr/>
+          </a:p>
+        </p:txBody>
+      </p:sp>
+      <p:sp>
+        <p:nvSpPr>
+          <p:cNvPr id="85" name="Google Shape;85;p18"/>
+          <p:cNvSpPr txBox="1"/>
+          <p:nvPr>
+            <p:ph idx="1" type="body"/>
+          </p:nvPr>
+        </p:nvSpPr>
+        <p:spPr>
+          <a:xfrm>
+            <a:off x="311700" y="1152475"/>
+            <a:ext cx="8520600" cy="3416400"/>
+          </a:xfrm>
+          <a:prstGeom prst="rect">
+            <a:avLst/>
+          </a:prstGeom>
+        </p:spPr>
+        <p:txBody>
+          <a:bodyPr anchorCtr="0" anchor="t" bIns="91425" lIns="91425" spcFirstLastPara="1" rIns="91425" wrap="square" tIns="91425">
+            <a:normAutofit/>
+          </a:bodyPr>
+          <a:lstStyle/>
+          <a:p>
+            <a:pPr indent="-342900" lvl="0" marL="457200" rtl="0" algn="l">
+              <a:spcBef>
+                <a:spcPts val="0"/>
+              </a:spcBef>
+              <a:spcAft>
+                <a:spcPts val="0"/>
+              </a:spcAft>
+              <a:buSzPts val="1800"/>
+              <a:buChar char="●"/>
+            </a:pPr>
+            <a:r>
+              <a:rPr lang="en"/>
+              <a:t>Sourcing and collecting datasets</a:t>
+            </a:r>
+            <a:endParaRPr/>
+          </a:p>
+          <a:p>
+            <a:pPr indent="-342900" lvl="0" marL="457200" rtl="0" algn="l">
+              <a:spcBef>
+                <a:spcPts val="0"/>
+              </a:spcBef>
+              <a:spcAft>
+                <a:spcPts val="0"/>
+              </a:spcAft>
+              <a:buSzPts val="1800"/>
+              <a:buChar char="●"/>
+            </a:pPr>
+            <a:r>
+              <a:rPr lang="en"/>
+              <a:t>Removal of unnecessary columns/parameters within datasets</a:t>
+            </a:r>
+            <a:endParaRPr/>
+          </a:p>
+          <a:p>
+            <a:pPr indent="-342900" lvl="0" marL="457200" rtl="0" algn="l">
+              <a:spcBef>
+                <a:spcPts val="0"/>
+              </a:spcBef>
+              <a:spcAft>
+                <a:spcPts val="0"/>
+              </a:spcAft>
+              <a:buSzPts val="1800"/>
+              <a:buChar char="●"/>
+            </a:pPr>
+            <a:r>
+              <a:rPr lang="en"/>
+              <a:t>Collation of multiple games played by single players</a:t>
+            </a:r>
+            <a:endParaRPr/>
+          </a:p>
+          <a:p>
+            <a:pPr indent="-342900" lvl="0" marL="457200" rtl="0" algn="l">
+              <a:spcBef>
+                <a:spcPts val="0"/>
+              </a:spcBef>
+              <a:spcAft>
+                <a:spcPts val="0"/>
+              </a:spcAft>
+              <a:buSzPts val="1800"/>
+              <a:buChar char="●"/>
+            </a:pPr>
+            <a:r>
+              <a:rPr lang="en"/>
+              <a:t>Grouping ratings into brackets</a:t>
+            </a:r>
+            <a:endParaRPr/>
+          </a:p>
+          <a:p>
+            <a:pPr indent="-342900" lvl="0" marL="457200" rtl="0" algn="l">
+              <a:spcBef>
+                <a:spcPts val="0"/>
+              </a:spcBef>
+              <a:spcAft>
+                <a:spcPts val="0"/>
+              </a:spcAft>
+              <a:buSzPts val="1800"/>
+              <a:buChar char="●"/>
+            </a:pPr>
+            <a:r>
+              <a:rPr lang="en"/>
+              <a:t>Loading into SQL</a:t>
+            </a:r>
+            <a:endParaRPr/>
+          </a:p>
+          <a:p>
+            <a:pPr indent="-342900" lvl="0" marL="457200" rtl="0" algn="l">
+              <a:spcBef>
+                <a:spcPts val="0"/>
+              </a:spcBef>
+              <a:spcAft>
+                <a:spcPts val="0"/>
+              </a:spcAft>
+              <a:buSzPts val="1800"/>
+              <a:buChar char="●"/>
+            </a:pPr>
+            <a:r>
+              <a:rPr lang="en"/>
+              <a:t>Joining tables</a:t>
+            </a:r>
+            <a:endParaRPr/>
+          </a:p>
+        </p:txBody>
+      </p:sp>
+    </p:spTree>
+  </p:cSld>
+  <p:clrMapOvr>
+    <a:masterClrMapping/>
+  </p:clrMapOvr>
+</p:sld>
+</file>
+
+<file path=ppt/slides/slide7.xml><?xml version="1.0" encoding="utf-8"?>
+<p:sld xmlns:a="http://schemas.openxmlformats.org/drawingml/2006/main" xmlns:r="http://schemas.openxmlformats.org/officeDocument/2006/relationships" xmlns:mc="http://schemas.openxmlformats.org/markup-compatibility/2006" xmlns:mv="urn:schemas-microsoft-com:mac:vml" xmlns:p="http://schemas.openxmlformats.org/presentationml/2006/main" xmlns:c="http://schemas.openxmlformats.org/drawingml/2006/chart" xmlns:dgm="http://schemas.openxmlformats.org/drawingml/2006/diagram" xmlns:o="urn:schemas-microsoft-com:office:office" xmlns:v="urn:schemas-microsoft-com:vml" xmlns:pvml="urn:schemas-microsoft-com:office:powerpoint" xmlns:com="http://schemas.openxmlformats.org/drawingml/2006/compatibility" xmlns:p14="http://schemas.microsoft.com/office/powerpoint/2010/main" xmlns:p15="http://schemas.microsoft.com/office/powerpoint/2012/main" xmlns:ahyp="http://schemas.microsoft.com/office/drawing/2018/hyperlinkcolor">
+  <p:cSld>
+    <p:spTree>
+      <p:nvGrpSpPr>
+        <p:cNvPr id="89" name="Shape 89"/>
+        <p:cNvGrpSpPr/>
+        <p:nvPr/>
+      </p:nvGrpSpPr>
+      <p:grpSpPr>
+        <a:xfrm>
+          <a:off x="0" y="0"/>
+          <a:ext cx="0" cy="0"/>
+          <a:chOff x="0" y="0"/>
+          <a:chExt cx="0" cy="0"/>
+        </a:xfrm>
+      </p:grpSpPr>
+      <p:sp>
+        <p:nvSpPr>
+          <p:cNvPr id="90" name="Google Shape;90;p19"/>
+          <p:cNvSpPr txBox="1"/>
+          <p:nvPr>
+            <p:ph type="title"/>
+          </p:nvPr>
+        </p:nvSpPr>
+        <p:spPr>
+          <a:xfrm>
+            <a:off x="311700" y="445025"/>
+            <a:ext cx="8520600" cy="572700"/>
+          </a:xfrm>
+          <a:prstGeom prst="rect">
+            <a:avLst/>
+          </a:prstGeom>
+        </p:spPr>
+        <p:txBody>
+          <a:bodyPr anchorCtr="0" anchor="t" bIns="91425" lIns="91425" spcFirstLastPara="1" rIns="91425" wrap="square" tIns="91425">
+            <a:normAutofit fontScale="90000"/>
+          </a:bodyPr>
+          <a:lstStyle/>
+          <a:p>
+            <a:pPr indent="0" lvl="0" marL="0" rtl="0" algn="l">
+              <a:spcBef>
+                <a:spcPts val="0"/>
+              </a:spcBef>
+              <a:spcAft>
+                <a:spcPts val="0"/>
+              </a:spcAft>
+              <a:buNone/>
+            </a:pPr>
+            <a:r>
+              <a:rPr lang="en"/>
+              <a:t>Data Analysis Phase</a:t>
+            </a:r>
+            <a:endParaRPr/>
+          </a:p>
+        </p:txBody>
+      </p:sp>
+      <p:sp>
+        <p:nvSpPr>
+          <p:cNvPr id="91" name="Google Shape;91;p19"/>
+          <p:cNvSpPr txBox="1"/>
+          <p:nvPr>
+            <p:ph idx="1" type="body"/>
+          </p:nvPr>
+        </p:nvSpPr>
+        <p:spPr>
+          <a:xfrm>
+            <a:off x="311700" y="1152475"/>
+            <a:ext cx="8520600" cy="3416400"/>
+          </a:xfrm>
+          <a:prstGeom prst="rect">
+            <a:avLst/>
+          </a:prstGeom>
+        </p:spPr>
+        <p:txBody>
+          <a:bodyPr anchorCtr="0" anchor="t" bIns="91425" lIns="91425" spcFirstLastPara="1" rIns="91425" wrap="square" tIns="91425">
+            <a:normAutofit/>
+          </a:bodyPr>
+          <a:lstStyle/>
+          <a:p>
+            <a:pPr indent="-342900" lvl="0" marL="457200" rtl="0" algn="l">
+              <a:spcBef>
+                <a:spcPts val="0"/>
+              </a:spcBef>
+              <a:spcAft>
+                <a:spcPts val="0"/>
+              </a:spcAft>
+              <a:buSzPts val="1800"/>
+              <a:buChar char="●"/>
+            </a:pPr>
+            <a:r>
+              <a:rPr lang="en"/>
+              <a:t>Creation of machine learning model</a:t>
+            </a:r>
+            <a:endParaRPr/>
+          </a:p>
+          <a:p>
+            <a:pPr indent="-317500" lvl="1" marL="914400" rtl="0" algn="l">
+              <a:spcBef>
+                <a:spcPts val="0"/>
+              </a:spcBef>
+              <a:spcAft>
+                <a:spcPts val="0"/>
+              </a:spcAft>
+              <a:buSzPts val="1400"/>
+              <a:buChar char="○"/>
+            </a:pPr>
+            <a:r>
+              <a:rPr lang="en"/>
+              <a:t>Converted moves (categorical, main feature) into integers for use in model</a:t>
+            </a:r>
+            <a:endParaRPr/>
+          </a:p>
+          <a:p>
+            <a:pPr indent="-317500" lvl="1" marL="914400" rtl="0" algn="l">
+              <a:spcBef>
+                <a:spcPts val="0"/>
+              </a:spcBef>
+              <a:spcAft>
+                <a:spcPts val="0"/>
+              </a:spcAft>
+              <a:buSzPts val="1400"/>
+              <a:buChar char="○"/>
+            </a:pPr>
+            <a:r>
+              <a:rPr lang="en"/>
+              <a:t>Applied standard scaler</a:t>
+            </a:r>
+            <a:endParaRPr/>
+          </a:p>
+          <a:p>
+            <a:pPr indent="-317500" lvl="1" marL="914400" rtl="0" algn="l">
+              <a:spcBef>
+                <a:spcPts val="0"/>
+              </a:spcBef>
+              <a:spcAft>
+                <a:spcPts val="0"/>
+              </a:spcAft>
+              <a:buSzPts val="1400"/>
+              <a:buChar char="○"/>
+            </a:pPr>
+            <a:r>
+              <a:rPr lang="en"/>
+              <a:t>Split into training and testing data</a:t>
+            </a:r>
+            <a:endParaRPr/>
+          </a:p>
+          <a:p>
+            <a:pPr indent="-317500" lvl="1" marL="914400" rtl="0" algn="l">
+              <a:spcBef>
+                <a:spcPts val="0"/>
+              </a:spcBef>
+              <a:spcAft>
+                <a:spcPts val="0"/>
+              </a:spcAft>
+              <a:buSzPts val="1400"/>
+              <a:buChar char="○"/>
+            </a:pPr>
+            <a:r>
+              <a:rPr lang="en"/>
+              <a:t>Created hidden layer and output layer</a:t>
+            </a:r>
+            <a:endParaRPr/>
+          </a:p>
+          <a:p>
+            <a:pPr indent="-317500" lvl="1" marL="914400" rtl="0" algn="l">
+              <a:spcBef>
+                <a:spcPts val="0"/>
+              </a:spcBef>
+              <a:spcAft>
+                <a:spcPts val="0"/>
+              </a:spcAft>
+              <a:buSzPts val="1400"/>
+              <a:buChar char="○"/>
+            </a:pPr>
+            <a:r>
+              <a:rPr lang="en"/>
+              <a:t>Preliminary run of model with five epochs</a:t>
+            </a:r>
+            <a:endParaRPr/>
+          </a:p>
+          <a:p>
+            <a:pPr indent="-342900" lvl="0" marL="457200" rtl="0" algn="l">
+              <a:spcBef>
+                <a:spcPts val="0"/>
+              </a:spcBef>
+              <a:spcAft>
+                <a:spcPts val="0"/>
+              </a:spcAft>
+              <a:buSzPts val="1800"/>
+              <a:buChar char="●"/>
+            </a:pPr>
+            <a:r>
+              <a:rPr lang="en"/>
+              <a:t>Brainstorming statistical analysis questions and methods</a:t>
+            </a:r>
+            <a:endParaRPr/>
+          </a:p>
+          <a:p>
+            <a:pPr indent="-342900" lvl="0" marL="457200" rtl="0" algn="l">
+              <a:spcBef>
+                <a:spcPts val="0"/>
+              </a:spcBef>
+              <a:spcAft>
+                <a:spcPts val="0"/>
+              </a:spcAft>
+              <a:buSzPts val="1800"/>
+              <a:buChar char="●"/>
+            </a:pPr>
+            <a:r>
+              <a:rPr lang="en"/>
+              <a:t>Storyboarding visualizations for one machine learning model has been run</a:t>
+            </a:r>
+            <a:endParaRPr/>
+          </a:p>
+        </p:txBody>
+      </p:sp>
+    </p:spTree>
+  </p:cSld>
+  <p:clrMapOvr>
+    <a:masterClrMapping/>
+  </p:clrMapOvr>
+</p:sld>
+</file>
+
+<file path=ppt/slides/slide8.xml><?xml version="1.0" encoding="utf-8"?>
+<p:sld xmlns:a="http://schemas.openxmlformats.org/drawingml/2006/main" xmlns:r="http://schemas.openxmlformats.org/officeDocument/2006/relationships" xmlns:mc="http://schemas.openxmlformats.org/markup-compatibility/2006" xmlns:mv="urn:schemas-microsoft-com:mac:vml" xmlns:p="http://schemas.openxmlformats.org/presentationml/2006/main" xmlns:c="http://schemas.openxmlformats.org/drawingml/2006/chart" xmlns:dgm="http://schemas.openxmlformats.org/drawingml/2006/diagram" xmlns:o="urn:schemas-microsoft-com:office:office" xmlns:v="urn:schemas-microsoft-com:vml" xmlns:pvml="urn:schemas-microsoft-com:office:powerpoint" xmlns:com="http://schemas.openxmlformats.org/drawingml/2006/compatibility" xmlns:p14="http://schemas.microsoft.com/office/powerpoint/2010/main" xmlns:p15="http://schemas.microsoft.com/office/powerpoint/2012/main" xmlns:ahyp="http://schemas.microsoft.com/office/drawing/2018/hyperlinkcolor">
+  <p:cSld>
+    <p:spTree>
+      <p:nvGrpSpPr>
+        <p:cNvPr id="95" name="Shape 95"/>
+        <p:cNvGrpSpPr/>
+        <p:nvPr/>
+      </p:nvGrpSpPr>
+      <p:grpSpPr>
+        <a:xfrm>
+          <a:off x="0" y="0"/>
+          <a:ext cx="0" cy="0"/>
+          <a:chOff x="0" y="0"/>
+          <a:chExt cx="0" cy="0"/>
+        </a:xfrm>
+      </p:grpSpPr>
+      <p:sp>
+        <p:nvSpPr>
+          <p:cNvPr id="96" name="Google Shape;96;p20"/>
+          <p:cNvSpPr txBox="1"/>
+          <p:nvPr>
+            <p:ph type="title"/>
+          </p:nvPr>
+        </p:nvSpPr>
+        <p:spPr>
+          <a:xfrm>
+            <a:off x="311700" y="445025"/>
+            <a:ext cx="8520600" cy="572700"/>
+          </a:xfrm>
+          <a:prstGeom prst="rect">
+            <a:avLst/>
+          </a:prstGeom>
+        </p:spPr>
+        <p:txBody>
+          <a:bodyPr anchorCtr="0" anchor="t" bIns="91425" lIns="91425" spcFirstLastPara="1" rIns="91425" wrap="square" tIns="91425">
+            <a:normAutofit fontScale="90000"/>
+          </a:bodyPr>
+          <a:lstStyle/>
+          <a:p>
+            <a:pPr indent="0" lvl="0" marL="0" rtl="0" algn="l">
+              <a:spcBef>
+                <a:spcPts val="0"/>
+              </a:spcBef>
+              <a:spcAft>
+                <a:spcPts val="0"/>
+              </a:spcAft>
+              <a:buNone/>
+            </a:pPr>
+            <a:r>
+              <a:rPr lang="en"/>
+              <a:t>Statistical Analysis Questions</a:t>
+            </a:r>
+            <a:endParaRPr/>
+          </a:p>
+        </p:txBody>
+      </p:sp>
+      <p:sp>
+        <p:nvSpPr>
+          <p:cNvPr id="97" name="Google Shape;97;p20"/>
+          <p:cNvSpPr txBox="1"/>
+          <p:nvPr>
+            <p:ph idx="1" type="body"/>
+          </p:nvPr>
+        </p:nvSpPr>
+        <p:spPr>
+          <a:xfrm>
+            <a:off x="311700" y="1152475"/>
+            <a:ext cx="8520600" cy="3416400"/>
+          </a:xfrm>
+          <a:prstGeom prst="rect">
+            <a:avLst/>
+          </a:prstGeom>
+        </p:spPr>
+        <p:txBody>
+          <a:bodyPr anchorCtr="0" anchor="t" bIns="91425" lIns="91425" spcFirstLastPara="1" rIns="91425" wrap="square" tIns="91425">
+            <a:normAutofit/>
+          </a:bodyPr>
+          <a:lstStyle/>
+          <a:p>
+            <a:pPr indent="-342900" lvl="0" marL="457200" rtl="0" algn="l">
+              <a:spcBef>
+                <a:spcPts val="0"/>
+              </a:spcBef>
+              <a:spcAft>
+                <a:spcPts val="0"/>
+              </a:spcAft>
+              <a:buSzPts val="1800"/>
+              <a:buChar char="●"/>
+            </a:pPr>
+            <a:r>
+              <a:rPr lang="en"/>
+              <a:t>What is the probability of win/lose/draw by color, and does that change by rating bracket?</a:t>
+            </a:r>
+            <a:endParaRPr/>
+          </a:p>
+          <a:p>
+            <a:pPr indent="-342900" lvl="0" marL="457200" rtl="0" algn="l">
+              <a:spcBef>
+                <a:spcPts val="0"/>
+              </a:spcBef>
+              <a:spcAft>
+                <a:spcPts val="0"/>
+              </a:spcAft>
+              <a:buSzPts val="1800"/>
+              <a:buChar char="●"/>
+            </a:pPr>
+            <a:r>
+              <a:rPr lang="en"/>
+              <a:t>What are the chances of winning based on ELO difference for both white and black, and does this change by rating bracket?</a:t>
+            </a:r>
+            <a:endParaRPr/>
+          </a:p>
+          <a:p>
+            <a:pPr indent="-342900" lvl="0" marL="457200" rtl="0" algn="l">
+              <a:spcBef>
+                <a:spcPts val="0"/>
+              </a:spcBef>
+              <a:spcAft>
+                <a:spcPts val="0"/>
+              </a:spcAft>
+              <a:buSzPts val="1800"/>
+              <a:buChar char="●"/>
+            </a:pPr>
+            <a:r>
+              <a:rPr lang="en"/>
+              <a:t>What is the most common opening overall and by rating bracket?</a:t>
+            </a:r>
+            <a:endParaRPr/>
+          </a:p>
+          <a:p>
+            <a:pPr indent="-342900" lvl="0" marL="457200" rtl="0" algn="l">
+              <a:spcBef>
+                <a:spcPts val="0"/>
+              </a:spcBef>
+              <a:spcAft>
+                <a:spcPts val="0"/>
+              </a:spcAft>
+              <a:buSzPts val="1800"/>
+              <a:buChar char="●"/>
+            </a:pPr>
+            <a:r>
+              <a:rPr lang="en"/>
+              <a:t>What opening has the highest win chance by color and by rating bracket?</a:t>
+            </a:r>
+            <a:endParaRPr/>
+          </a:p>
+          <a:p>
+            <a:pPr indent="-342900" lvl="0" marL="457200" rtl="0" algn="l">
+              <a:spcBef>
+                <a:spcPts val="0"/>
+              </a:spcBef>
+              <a:spcAft>
+                <a:spcPts val="0"/>
+              </a:spcAft>
+              <a:buSzPts val="1800"/>
+              <a:buChar char="●"/>
+            </a:pPr>
+            <a:r>
+              <a:rPr lang="en"/>
+              <a:t>What is the average </a:t>
+            </a:r>
+            <a:r>
+              <a:rPr lang="en"/>
+              <a:t>number</a:t>
+            </a:r>
+            <a:r>
+              <a:rPr lang="en"/>
+              <a:t> of games needed to improve by </a:t>
+            </a:r>
+            <a:r>
+              <a:rPr lang="en"/>
+              <a:t>rating</a:t>
+            </a:r>
+            <a:r>
+              <a:rPr lang="en"/>
+              <a:t> bracket?</a:t>
+            </a:r>
+            <a:endParaRPr/>
+          </a:p>
+        </p:txBody>
+      </p:sp>
+    </p:spTree>
+  </p:cSld>
+  <p:clrMapOvr>
+    <a:masterClrMapping/>
+  </p:clrMapOvr>
+</p:sld>
+</file>
+
+<file path=ppt/slides/slide9.xml><?xml version="1.0" encoding="utf-8"?>
+<p:sld xmlns:a="http://schemas.openxmlformats.org/drawingml/2006/main" xmlns:r="http://schemas.openxmlformats.org/officeDocument/2006/relationships" xmlns:mc="http://schemas.openxmlformats.org/markup-compatibility/2006" xmlns:mv="urn:schemas-microsoft-com:mac:vml" xmlns:p="http://schemas.openxmlformats.org/presentationml/2006/main" xmlns:c="http://schemas.openxmlformats.org/drawingml/2006/chart" xmlns:dgm="http://schemas.openxmlformats.org/drawingml/2006/diagram" xmlns:o="urn:schemas-microsoft-com:office:office" xmlns:v="urn:schemas-microsoft-com:vml" xmlns:pvml="urn:schemas-microsoft-com:office:powerpoint" xmlns:com="http://schemas.openxmlformats.org/drawingml/2006/compatibility" xmlns:p14="http://schemas.microsoft.com/office/powerpoint/2010/main" xmlns:p15="http://schemas.microsoft.com/office/powerpoint/2012/main" xmlns:ahyp="http://schemas.microsoft.com/office/drawing/2018/hyperlinkcolor">
+  <p:cSld>
+    <p:spTree>
+      <p:nvGrpSpPr>
+        <p:cNvPr id="101" name="Shape 101"/>
+        <p:cNvGrpSpPr/>
+        <p:nvPr/>
+      </p:nvGrpSpPr>
+      <p:grpSpPr>
+        <a:xfrm>
+          <a:off x="0" y="0"/>
+          <a:ext cx="0" cy="0"/>
+          <a:chOff x="0" y="0"/>
+          <a:chExt cx="0" cy="0"/>
+        </a:xfrm>
+      </p:grpSpPr>
+      <p:sp>
+        <p:nvSpPr>
+          <p:cNvPr id="102" name="Google Shape;102;p21"/>
+          <p:cNvSpPr txBox="1"/>
+          <p:nvPr>
+            <p:ph type="title"/>
+          </p:nvPr>
+        </p:nvSpPr>
+        <p:spPr>
+          <a:xfrm>
+            <a:off x="311700" y="445025"/>
+            <a:ext cx="8520600" cy="572700"/>
+          </a:xfrm>
+          <a:prstGeom prst="rect">
+            <a:avLst/>
+          </a:prstGeom>
+        </p:spPr>
+        <p:txBody>
+          <a:bodyPr anchorCtr="0" anchor="t" bIns="91425" lIns="91425" spcFirstLastPara="1" rIns="91425" wrap="square" tIns="91425">
+            <a:normAutofit fontScale="90000"/>
+          </a:bodyPr>
+          <a:lstStyle/>
+          <a:p>
+            <a:pPr indent="0" lvl="0" marL="0" rtl="0" algn="l">
+              <a:spcBef>
+                <a:spcPts val="0"/>
+              </a:spcBef>
+              <a:spcAft>
+                <a:spcPts val="0"/>
+              </a:spcAft>
+              <a:buNone/>
+            </a:pPr>
+            <a:r>
+              <a:rPr lang="en"/>
+              <a:t>Machine Learning Questions</a:t>
+            </a:r>
+            <a:endParaRPr/>
+          </a:p>
+        </p:txBody>
+      </p:sp>
+      <p:sp>
+        <p:nvSpPr>
+          <p:cNvPr id="103" name="Google Shape;103;p21"/>
+          <p:cNvSpPr txBox="1"/>
+          <p:nvPr>
+            <p:ph idx="1" type="body"/>
+          </p:nvPr>
+        </p:nvSpPr>
+        <p:spPr>
+          <a:xfrm>
+            <a:off x="311700" y="1152475"/>
+            <a:ext cx="8520600" cy="3416400"/>
+          </a:xfrm>
+          <a:prstGeom prst="rect">
+            <a:avLst/>
+          </a:prstGeom>
+        </p:spPr>
+        <p:txBody>
+          <a:bodyPr anchorCtr="0" anchor="t" bIns="91425" lIns="91425" spcFirstLastPara="1" rIns="91425" wrap="square" tIns="91425">
+            <a:normAutofit/>
+          </a:bodyPr>
+          <a:lstStyle/>
+          <a:p>
+            <a:pPr indent="-342900" lvl="0" marL="457200" rtl="0" algn="l">
+              <a:spcBef>
+                <a:spcPts val="0"/>
+              </a:spcBef>
+              <a:spcAft>
+                <a:spcPts val="0"/>
+              </a:spcAft>
+              <a:buSzPts val="1800"/>
+              <a:buChar char="●"/>
+            </a:pPr>
+            <a:r>
+              <a:rPr lang="en"/>
+              <a:t>Does the opening matter?</a:t>
+            </a:r>
+            <a:endParaRPr/>
+          </a:p>
+          <a:p>
+            <a:pPr indent="-317500" lvl="1" marL="914400" rtl="0" algn="l">
+              <a:spcBef>
+                <a:spcPts val="0"/>
+              </a:spcBef>
+              <a:spcAft>
+                <a:spcPts val="0"/>
+              </a:spcAft>
+              <a:buSzPts val="1400"/>
+              <a:buChar char="○"/>
+            </a:pPr>
+            <a:r>
+              <a:rPr lang="en"/>
+              <a:t>If an opening is determined by the first five </a:t>
+            </a:r>
+            <a:r>
+              <a:rPr lang="en"/>
+              <a:t>moves, can a machine learning model predict (with a high degree of accuracy) a winner from a color’s first five moves?</a:t>
+            </a:r>
+            <a:endParaRPr/>
+          </a:p>
+          <a:p>
+            <a:pPr indent="-342900" lvl="0" marL="457200" rtl="0" algn="l">
+              <a:spcBef>
+                <a:spcPts val="0"/>
+              </a:spcBef>
+              <a:spcAft>
+                <a:spcPts val="0"/>
+              </a:spcAft>
+              <a:buSzPts val="1800"/>
+              <a:buChar char="●"/>
+            </a:pPr>
+            <a:r>
+              <a:rPr lang="en"/>
+              <a:t>Given an opening, player color, player rating difference, and number of moves, can a winner be predicted with a machine learning model?</a:t>
             </a:r>
             <a:endParaRPr/>
           </a:p>
@@ -6474,7 +10741,286 @@
 </file>
 
 <file path=ppt/theme/theme1.xml><?xml version="1.0" encoding="utf-8"?>
-<a:theme xmlns:a="http://schemas.openxmlformats.org/drawingml/2006/main" name="Simple Light">
+<a:theme xmlns:a="http://schemas.openxmlformats.org/drawingml/2006/main" xmlns:r="http://schemas.openxmlformats.org/officeDocument/2006/relationships">
+  <a:themeElements>
+    <a:clrScheme name="Default">
+      <a:dk1>
+        <a:srgbClr val="000000"/>
+      </a:dk1>
+      <a:lt1>
+        <a:srgbClr val="FFFFFF"/>
+      </a:lt1>
+      <a:dk2>
+        <a:srgbClr val="158158"/>
+      </a:dk2>
+      <a:lt2>
+        <a:srgbClr val="F3F3F3"/>
+      </a:lt2>
+      <a:accent1>
+        <a:srgbClr val="058DC7"/>
+      </a:accent1>
+      <a:accent2>
+        <a:srgbClr val="50B432"/>
+      </a:accent2>
+      <a:accent3>
+        <a:srgbClr val="ED561B"/>
+      </a:accent3>
+      <a:accent4>
+        <a:srgbClr val="EDEF00"/>
+      </a:accent4>
+      <a:accent5>
+        <a:srgbClr val="24CBE5"/>
+      </a:accent5>
+      <a:accent6>
+        <a:srgbClr val="64E572"/>
+      </a:accent6>
+      <a:hlink>
+        <a:srgbClr val="2200CC"/>
+      </a:hlink>
+      <a:folHlink>
+        <a:srgbClr val="551A8B"/>
+      </a:folHlink>
+    </a:clrScheme>
+    <a:fontScheme name="Office">
+      <a:majorFont>
+        <a:latin typeface="Arial"/>
+        <a:ea typeface=""/>
+        <a:cs typeface=""/>
+        <a:font script="Jpan" typeface="ＭＳ Ｐゴシック"/>
+        <a:font script="Hang" typeface="맑은 고딕"/>
+        <a:font script="Hans" typeface="宋体"/>
+        <a:font script="Hant" typeface="新細明體"/>
+        <a:font script="Arab" typeface="Times New Roman"/>
+        <a:font script="Hebr" typeface="Times New Roman"/>
+        <a:font script="Thai" typeface="Angsana New"/>
+        <a:font script="Ethi" typeface="Nyala"/>
+        <a:font script="Beng" typeface="Vrinda"/>
+        <a:font script="Gujr" typeface="Shruti"/>
+        <a:font script="Khmr" typeface="MoolBoran"/>
+        <a:font script="Knda" typeface="Tunga"/>
+        <a:font script="Guru" typeface="Raavi"/>
+        <a:font script="Cans" typeface="Euphemia"/>
+        <a:font script="Cher" typeface="Plantagenet Cherokee"/>
+        <a:font script="Yiii" typeface="Microsoft Yi Baiti"/>
+        <a:font script="Tibt" typeface="Microsoft Himalaya"/>
+        <a:font script="Thaa" typeface="MV Boli"/>
+        <a:font script="Deva" typeface="Mangal"/>
+        <a:font script="Telu" typeface="Gautami"/>
+        <a:font script="Taml" typeface="Latha"/>
+        <a:font script="Syrc" typeface="Estrangelo Edessa"/>
+        <a:font script="Orya" typeface="Kalinga"/>
+        <a:font script="Mlym" typeface="Kartika"/>
+        <a:font script="Laoo" typeface="DokChampa"/>
+        <a:font script="Sinh" typeface="Iskoola Pota"/>
+        <a:font script="Mong" typeface="Mongolian Baiti"/>
+        <a:font script="Viet" typeface="Times New Roman"/>
+        <a:font script="Uigh" typeface="Microsoft Uighur"/>
+        <a:font script="Geor" typeface="Sylfaen"/>
+      </a:majorFont>
+      <a:minorFont>
+        <a:latin typeface="Arial"/>
+        <a:ea typeface=""/>
+        <a:cs typeface=""/>
+        <a:font script="Jpan" typeface="ＭＳ Ｐゴシック"/>
+        <a:font script="Hang" typeface="맑은 고딕"/>
+        <a:font script="Hans" typeface="宋体"/>
+        <a:font script="Hant" typeface="新細明體"/>
+        <a:font script="Arab" typeface="Arial"/>
+        <a:font script="Hebr" typeface="Arial"/>
+        <a:font script="Thai" typeface="Cordia New"/>
+        <a:font script="Ethi" typeface="Nyala"/>
+        <a:font script="Beng" typeface="Vrinda"/>
+        <a:font script="Gujr" typeface="Shruti"/>
+        <a:font script="Khmr" typeface="DaunPenh"/>
+        <a:font script="Knda" typeface="Tunga"/>
+        <a:font script="Guru" typeface="Raavi"/>
+        <a:font script="Cans" typeface="Euphemia"/>
+        <a:font script="Cher" typeface="Plantagenet Cherokee"/>
+        <a:font script="Yiii" typeface="Microsoft Yi Baiti"/>
+        <a:font script="Tibt" typeface="Microsoft Himalaya"/>
+        <a:font script="Thaa" typeface="MV Boli"/>
+        <a:font script="Deva" typeface="Mangal"/>
+        <a:font script="Telu" typeface="Gautami"/>
+        <a:font script="Taml" typeface="Latha"/>
+        <a:font script="Syrc" typeface="Estrangelo Edessa"/>
+        <a:font script="Orya" typeface="Kalinga"/>
+        <a:font script="Mlym" typeface="Kartika"/>
+        <a:font script="Laoo" typeface="DokChampa"/>
+        <a:font script="Sinh" typeface="Iskoola Pota"/>
+        <a:font script="Mong" typeface="Mongolian Baiti"/>
+        <a:font script="Viet" typeface="Arial"/>
+        <a:font script="Uigh" typeface="Microsoft Uighur"/>
+        <a:font script="Geor" typeface="Sylfaen"/>
+      </a:minorFont>
+    </a:fontScheme>
+    <a:fmtScheme name="Office">
+      <a:fillStyleLst>
+        <a:solidFill>
+          <a:schemeClr val="phClr"/>
+        </a:solidFill>
+        <a:gradFill rotWithShape="1">
+          <a:gsLst>
+            <a:gs pos="0">
+              <a:schemeClr val="phClr">
+                <a:tint val="50000"/>
+                <a:satMod val="300000"/>
+              </a:schemeClr>
+            </a:gs>
+            <a:gs pos="35000">
+              <a:schemeClr val="phClr">
+                <a:tint val="37000"/>
+                <a:satMod val="300000"/>
+              </a:schemeClr>
+            </a:gs>
+            <a:gs pos="100000">
+              <a:schemeClr val="phClr">
+                <a:tint val="15000"/>
+                <a:satMod val="350000"/>
+              </a:schemeClr>
+            </a:gs>
+          </a:gsLst>
+          <a:lin ang="16200000" scaled="1"/>
+        </a:gradFill>
+        <a:gradFill rotWithShape="1">
+          <a:gsLst>
+            <a:gs pos="0">
+              <a:schemeClr val="phClr">
+                <a:tint val="100000"/>
+                <a:shade val="100000"/>
+                <a:satMod val="130000"/>
+              </a:schemeClr>
+            </a:gs>
+            <a:gs pos="100000">
+              <a:schemeClr val="phClr">
+                <a:tint val="50000"/>
+                <a:shade val="100000"/>
+                <a:satMod val="350000"/>
+              </a:schemeClr>
+            </a:gs>
+          </a:gsLst>
+          <a:lin ang="16200000" scaled="0"/>
+        </a:gradFill>
+      </a:fillStyleLst>
+      <a:lnStyleLst>
+        <a:ln w="9525" cap="flat" cmpd="sng" algn="ctr">
+          <a:solidFill>
+            <a:schemeClr val="phClr">
+              <a:shade val="95000"/>
+              <a:satMod val="105000"/>
+            </a:schemeClr>
+          </a:solidFill>
+          <a:prstDash val="solid"/>
+        </a:ln>
+        <a:ln w="25400" cap="flat" cmpd="sng" algn="ctr">
+          <a:solidFill>
+            <a:schemeClr val="phClr"/>
+          </a:solidFill>
+          <a:prstDash val="solid"/>
+        </a:ln>
+        <a:ln w="38100" cap="flat" cmpd="sng" algn="ctr">
+          <a:solidFill>
+            <a:schemeClr val="phClr"/>
+          </a:solidFill>
+          <a:prstDash val="solid"/>
+        </a:ln>
+      </a:lnStyleLst>
+      <a:effectStyleLst>
+        <a:effectStyle>
+          <a:effectLst>
+            <a:outerShdw blurRad="40000" dist="20000" dir="5400000" rotWithShape="0">
+              <a:srgbClr val="000000">
+                <a:alpha val="38000"/>
+              </a:srgbClr>
+            </a:outerShdw>
+          </a:effectLst>
+        </a:effectStyle>
+        <a:effectStyle>
+          <a:effectLst>
+            <a:outerShdw blurRad="40000" dist="23000" dir="5400000" rotWithShape="0">
+              <a:srgbClr val="000000">
+                <a:alpha val="35000"/>
+              </a:srgbClr>
+            </a:outerShdw>
+          </a:effectLst>
+        </a:effectStyle>
+        <a:effectStyle>
+          <a:effectLst>
+            <a:outerShdw blurRad="40000" dist="23000" dir="5400000" rotWithShape="0">
+              <a:srgbClr val="000000">
+                <a:alpha val="35000"/>
+              </a:srgbClr>
+            </a:outerShdw>
+          </a:effectLst>
+          <a:scene3d>
+            <a:camera prst="orthographicFront">
+              <a:rot lat="0" lon="0" rev="0"/>
+            </a:camera>
+            <a:lightRig rig="threePt" dir="t">
+              <a:rot lat="0" lon="0" rev="1200000"/>
+            </a:lightRig>
+          </a:scene3d>
+          <a:sp3d>
+            <a:bevelT w="63500" h="25400"/>
+          </a:sp3d>
+        </a:effectStyle>
+      </a:effectStyleLst>
+      <a:bgFillStyleLst>
+        <a:solidFill>
+          <a:schemeClr val="phClr"/>
+        </a:solidFill>
+        <a:gradFill rotWithShape="1">
+          <a:gsLst>
+            <a:gs pos="0">
+              <a:schemeClr val="phClr">
+                <a:tint val="40000"/>
+                <a:satMod val="350000"/>
+              </a:schemeClr>
+            </a:gs>
+            <a:gs pos="40000">
+              <a:schemeClr val="phClr">
+                <a:tint val="45000"/>
+                <a:shade val="99000"/>
+                <a:satMod val="350000"/>
+              </a:schemeClr>
+            </a:gs>
+            <a:gs pos="100000">
+              <a:schemeClr val="phClr">
+                <a:shade val="20000"/>
+                <a:satMod val="255000"/>
+              </a:schemeClr>
+            </a:gs>
+          </a:gsLst>
+          <a:path path="circle">
+            <a:fillToRect l="50000" t="-80000" r="50000" b="180000"/>
+          </a:path>
+        </a:gradFill>
+        <a:gradFill rotWithShape="1">
+          <a:gsLst>
+            <a:gs pos="0">
+              <a:schemeClr val="phClr">
+                <a:tint val="80000"/>
+                <a:satMod val="300000"/>
+              </a:schemeClr>
+            </a:gs>
+            <a:gs pos="100000">
+              <a:schemeClr val="phClr">
+                <a:shade val="30000"/>
+                <a:satMod val="200000"/>
+              </a:schemeClr>
+            </a:gs>
+          </a:gsLst>
+          <a:path path="circle">
+            <a:fillToRect l="50000" t="50000" r="50000" b="50000"/>
+          </a:path>
+        </a:gradFill>
+      </a:bgFillStyleLst>
+    </a:fmtScheme>
+  </a:themeElements>
+</a:theme>
+</file>
+
+<file path=ppt/theme/theme2.xml><?xml version="1.0" encoding="utf-8"?>
+<a:theme xmlns:a="http://schemas.openxmlformats.org/drawingml/2006/main" xmlns:r="http://schemas.openxmlformats.org/officeDocument/2006/relationships" name="Simple Light">
   <a:themeElements>
     <a:clrScheme name="Simple Light">
       <a:dk1>
@@ -6749,288 +11295,5 @@
       </a:bgFillStyleLst>
     </a:fmtScheme>
   </a:themeElements>
-  <a:objectDefaults/>
-  <a:extraClrSchemeLst/>
-</a:theme>
-</file>
-
-<file path=ppt/theme/theme2.xml><?xml version="1.0" encoding="utf-8"?>
-<a:theme xmlns:a="http://schemas.openxmlformats.org/drawingml/2006/main">
-  <a:themeElements>
-    <a:clrScheme name="Default">
-      <a:dk1>
-        <a:srgbClr val="000000"/>
-      </a:dk1>
-      <a:lt1>
-        <a:srgbClr val="FFFFFF"/>
-      </a:lt1>
-      <a:dk2>
-        <a:srgbClr val="158158"/>
-      </a:dk2>
-      <a:lt2>
-        <a:srgbClr val="F3F3F3"/>
-      </a:lt2>
-      <a:accent1>
-        <a:srgbClr val="058DC7"/>
-      </a:accent1>
-      <a:accent2>
-        <a:srgbClr val="50B432"/>
-      </a:accent2>
-      <a:accent3>
-        <a:srgbClr val="ED561B"/>
-      </a:accent3>
-      <a:accent4>
-        <a:srgbClr val="EDEF00"/>
-      </a:accent4>
-      <a:accent5>
-        <a:srgbClr val="24CBE5"/>
-      </a:accent5>
-      <a:accent6>
-        <a:srgbClr val="64E572"/>
-      </a:accent6>
-      <a:hlink>
-        <a:srgbClr val="2200CC"/>
-      </a:hlink>
-      <a:folHlink>
-        <a:srgbClr val="551A8B"/>
-      </a:folHlink>
-    </a:clrScheme>
-    <a:fontScheme name="Office">
-      <a:majorFont>
-        <a:latin typeface="Arial"/>
-        <a:ea typeface=""/>
-        <a:cs typeface=""/>
-        <a:font script="Jpan" typeface="ＭＳ Ｐゴシック"/>
-        <a:font script="Hang" typeface="맑은 고딕"/>
-        <a:font script="Hans" typeface="宋体"/>
-        <a:font script="Hant" typeface="新細明體"/>
-        <a:font script="Arab" typeface="Times New Roman"/>
-        <a:font script="Hebr" typeface="Times New Roman"/>
-        <a:font script="Thai" typeface="Angsana New"/>
-        <a:font script="Ethi" typeface="Nyala"/>
-        <a:font script="Beng" typeface="Vrinda"/>
-        <a:font script="Gujr" typeface="Shruti"/>
-        <a:font script="Khmr" typeface="MoolBoran"/>
-        <a:font script="Knda" typeface="Tunga"/>
-        <a:font script="Guru" typeface="Raavi"/>
-        <a:font script="Cans" typeface="Euphemia"/>
-        <a:font script="Cher" typeface="Plantagenet Cherokee"/>
-        <a:font script="Yiii" typeface="Microsoft Yi Baiti"/>
-        <a:font script="Tibt" typeface="Microsoft Himalaya"/>
-        <a:font script="Thaa" typeface="MV Boli"/>
-        <a:font script="Deva" typeface="Mangal"/>
-        <a:font script="Telu" typeface="Gautami"/>
-        <a:font script="Taml" typeface="Latha"/>
-        <a:font script="Syrc" typeface="Estrangelo Edessa"/>
-        <a:font script="Orya" typeface="Kalinga"/>
-        <a:font script="Mlym" typeface="Kartika"/>
-        <a:font script="Laoo" typeface="DokChampa"/>
-        <a:font script="Sinh" typeface="Iskoola Pota"/>
-        <a:font script="Mong" typeface="Mongolian Baiti"/>
-        <a:font script="Viet" typeface="Times New Roman"/>
-        <a:font script="Uigh" typeface="Microsoft Uighur"/>
-        <a:font script="Geor" typeface="Sylfaen"/>
-      </a:majorFont>
-      <a:minorFont>
-        <a:latin typeface="Arial"/>
-        <a:ea typeface=""/>
-        <a:cs typeface=""/>
-        <a:font script="Jpan" typeface="ＭＳ Ｐゴシック"/>
-        <a:font script="Hang" typeface="맑은 고딕"/>
-        <a:font script="Hans" typeface="宋体"/>
-        <a:font script="Hant" typeface="新細明體"/>
-        <a:font script="Arab" typeface="Arial"/>
-        <a:font script="Hebr" typeface="Arial"/>
-        <a:font script="Thai" typeface="Cordia New"/>
-        <a:font script="Ethi" typeface="Nyala"/>
-        <a:font script="Beng" typeface="Vrinda"/>
-        <a:font script="Gujr" typeface="Shruti"/>
-        <a:font script="Khmr" typeface="DaunPenh"/>
-        <a:font script="Knda" typeface="Tunga"/>
-        <a:font script="Guru" typeface="Raavi"/>
-        <a:font script="Cans" typeface="Euphemia"/>
-        <a:font script="Cher" typeface="Plantagenet Cherokee"/>
-        <a:font script="Yiii" typeface="Microsoft Yi Baiti"/>
-        <a:font script="Tibt" typeface="Microsoft Himalaya"/>
-        <a:font script="Thaa" typeface="MV Boli"/>
-        <a:font script="Deva" typeface="Mangal"/>
-        <a:font script="Telu" typeface="Gautami"/>
-        <a:font script="Taml" typeface="Latha"/>
-        <a:font script="Syrc" typeface="Estrangelo Edessa"/>
-        <a:font script="Orya" typeface="Kalinga"/>
-        <a:font script="Mlym" typeface="Kartika"/>
-        <a:font script="Laoo" typeface="DokChampa"/>
-        <a:font script="Sinh" typeface="Iskoola Pota"/>
-        <a:font script="Mong" typeface="Mongolian Baiti"/>
-        <a:font script="Viet" typeface="Arial"/>
-        <a:font script="Uigh" typeface="Microsoft Uighur"/>
-        <a:font script="Geor" typeface="Sylfaen"/>
-      </a:minorFont>
-    </a:fontScheme>
-    <a:fmtScheme name="Office">
-      <a:fillStyleLst>
-        <a:solidFill>
-          <a:schemeClr val="phClr"/>
-        </a:solidFill>
-        <a:gradFill rotWithShape="1">
-          <a:gsLst>
-            <a:gs pos="0">
-              <a:schemeClr val="phClr">
-                <a:tint val="50000"/>
-                <a:satMod val="300000"/>
-              </a:schemeClr>
-            </a:gs>
-            <a:gs pos="35000">
-              <a:schemeClr val="phClr">
-                <a:tint val="37000"/>
-                <a:satMod val="300000"/>
-              </a:schemeClr>
-            </a:gs>
-            <a:gs pos="100000">
-              <a:schemeClr val="phClr">
-                <a:tint val="15000"/>
-                <a:satMod val="350000"/>
-              </a:schemeClr>
-            </a:gs>
-          </a:gsLst>
-          <a:lin ang="16200000" scaled="1"/>
-        </a:gradFill>
-        <a:gradFill rotWithShape="1">
-          <a:gsLst>
-            <a:gs pos="0">
-              <a:schemeClr val="phClr">
-                <a:tint val="100000"/>
-                <a:shade val="100000"/>
-                <a:satMod val="130000"/>
-              </a:schemeClr>
-            </a:gs>
-            <a:gs pos="100000">
-              <a:schemeClr val="phClr">
-                <a:tint val="50000"/>
-                <a:shade val="100000"/>
-                <a:satMod val="350000"/>
-              </a:schemeClr>
-            </a:gs>
-          </a:gsLst>
-          <a:lin ang="16200000" scaled="0"/>
-        </a:gradFill>
-      </a:fillStyleLst>
-      <a:lnStyleLst>
-        <a:ln w="9525" cap="flat" cmpd="sng" algn="ctr">
-          <a:solidFill>
-            <a:schemeClr val="phClr">
-              <a:shade val="95000"/>
-              <a:satMod val="105000"/>
-            </a:schemeClr>
-          </a:solidFill>
-          <a:prstDash val="solid"/>
-        </a:ln>
-        <a:ln w="25400" cap="flat" cmpd="sng" algn="ctr">
-          <a:solidFill>
-            <a:schemeClr val="phClr"/>
-          </a:solidFill>
-          <a:prstDash val="solid"/>
-        </a:ln>
-        <a:ln w="38100" cap="flat" cmpd="sng" algn="ctr">
-          <a:solidFill>
-            <a:schemeClr val="phClr"/>
-          </a:solidFill>
-          <a:prstDash val="solid"/>
-        </a:ln>
-      </a:lnStyleLst>
-      <a:effectStyleLst>
-        <a:effectStyle>
-          <a:effectLst>
-            <a:outerShdw blurRad="40000" dist="20000" dir="5400000" rotWithShape="0">
-              <a:srgbClr val="000000">
-                <a:alpha val="38000"/>
-              </a:srgbClr>
-            </a:outerShdw>
-          </a:effectLst>
-        </a:effectStyle>
-        <a:effectStyle>
-          <a:effectLst>
-            <a:outerShdw blurRad="40000" dist="23000" dir="5400000" rotWithShape="0">
-              <a:srgbClr val="000000">
-                <a:alpha val="35000"/>
-              </a:srgbClr>
-            </a:outerShdw>
-          </a:effectLst>
-        </a:effectStyle>
-        <a:effectStyle>
-          <a:effectLst>
-            <a:outerShdw blurRad="40000" dist="23000" dir="5400000" rotWithShape="0">
-              <a:srgbClr val="000000">
-                <a:alpha val="35000"/>
-              </a:srgbClr>
-            </a:outerShdw>
-          </a:effectLst>
-          <a:scene3d>
-            <a:camera prst="orthographicFront">
-              <a:rot lat="0" lon="0" rev="0"/>
-            </a:camera>
-            <a:lightRig rig="threePt" dir="t">
-              <a:rot lat="0" lon="0" rev="1200000"/>
-            </a:lightRig>
-          </a:scene3d>
-          <a:sp3d>
-            <a:bevelT w="63500" h="25400"/>
-          </a:sp3d>
-        </a:effectStyle>
-      </a:effectStyleLst>
-      <a:bgFillStyleLst>
-        <a:solidFill>
-          <a:schemeClr val="phClr"/>
-        </a:solidFill>
-        <a:gradFill rotWithShape="1">
-          <a:gsLst>
-            <a:gs pos="0">
-              <a:schemeClr val="phClr">
-                <a:tint val="40000"/>
-                <a:satMod val="350000"/>
-              </a:schemeClr>
-            </a:gs>
-            <a:gs pos="40000">
-              <a:schemeClr val="phClr">
-                <a:tint val="45000"/>
-                <a:shade val="99000"/>
-                <a:satMod val="350000"/>
-              </a:schemeClr>
-            </a:gs>
-            <a:gs pos="100000">
-              <a:schemeClr val="phClr">
-                <a:shade val="20000"/>
-                <a:satMod val="255000"/>
-              </a:schemeClr>
-            </a:gs>
-          </a:gsLst>
-          <a:path path="circle">
-            <a:fillToRect l="50000" t="-80000" r="50000" b="180000"/>
-          </a:path>
-        </a:gradFill>
-        <a:gradFill rotWithShape="1">
-          <a:gsLst>
-            <a:gs pos="0">
-              <a:schemeClr val="phClr">
-                <a:tint val="80000"/>
-                <a:satMod val="300000"/>
-              </a:schemeClr>
-            </a:gs>
-            <a:gs pos="100000">
-              <a:schemeClr val="phClr">
-                <a:shade val="30000"/>
-                <a:satMod val="200000"/>
-              </a:schemeClr>
-            </a:gs>
-          </a:gsLst>
-          <a:path path="circle">
-            <a:fillToRect l="50000" t="50000" r="50000" b="50000"/>
-          </a:path>
-        </a:gradFill>
-      </a:bgFillStyleLst>
-    </a:fmtScheme>
-  </a:themeElements>
-  <a:objectDefaults/>
-  <a:extraClrSchemeLst/>
 </a:theme>
 </file>